--- a/opwatch_visual_prj.pptx
+++ b/opwatch_visual_prj.pptx
@@ -11,10 +11,20 @@
     <p:sldId id="257" r:id="rId5"/>
     <p:sldId id="258" r:id="rId6"/>
     <p:sldId id="261" r:id="rId7"/>
-    <p:sldId id="263" r:id="rId8"/>
+    <p:sldId id="265" r:id="rId8"/>
     <p:sldId id="264" r:id="rId9"/>
-    <p:sldId id="265" r:id="rId10"/>
-    <p:sldId id="259" r:id="rId11"/>
+    <p:sldId id="259" r:id="rId10"/>
+    <p:sldId id="263" r:id="rId11"/>
+    <p:sldId id="266" r:id="rId12"/>
+    <p:sldId id="267" r:id="rId13"/>
+    <p:sldId id="268" r:id="rId14"/>
+    <p:sldId id="270" r:id="rId15"/>
+    <p:sldId id="271" r:id="rId16"/>
+    <p:sldId id="272" r:id="rId17"/>
+    <p:sldId id="273" r:id="rId18"/>
+    <p:sldId id="274" r:id="rId19"/>
+    <p:sldId id="275" r:id="rId20"/>
+    <p:sldId id="269" r:id="rId21"/>
   </p:sldIdLst>
   <p:sldSz cx="12192000" cy="6858000"/>
   <p:notesSz cx="6858000" cy="9144000"/>
@@ -113,6 +123,11 @@
       </a:defRPr>
     </a:lvl9pPr>
   </p:defaultTextStyle>
+  <p:extLst>
+    <p:ext uri="{EFAFB233-063F-42B5-8137-9DF3F51BA10A}">
+      <p15:sldGuideLst xmlns:p15="http://schemas.microsoft.com/office/powerpoint/2012/main"/>
+    </p:ext>
+  </p:extLst>
 </p:presentation>
 </file>
 
@@ -263,7 +278,7 @@
           <a:p>
             <a:fld id="{4865801D-2A0F-455D-9221-6B287C14DAEB}" type="datetimeFigureOut">
               <a:rPr lang="ko-KR" altLang="en-US" smtClean="0"/>
-              <a:t>2023-09-27</a:t>
+              <a:t>2023-10-04</a:t>
             </a:fld>
             <a:endParaRPr lang="ko-KR" altLang="en-US"/>
           </a:p>
@@ -461,7 +476,7 @@
           <a:p>
             <a:fld id="{4865801D-2A0F-455D-9221-6B287C14DAEB}" type="datetimeFigureOut">
               <a:rPr lang="ko-KR" altLang="en-US" smtClean="0"/>
-              <a:t>2023-09-27</a:t>
+              <a:t>2023-10-04</a:t>
             </a:fld>
             <a:endParaRPr lang="ko-KR" altLang="en-US"/>
           </a:p>
@@ -669,7 +684,7 @@
           <a:p>
             <a:fld id="{4865801D-2A0F-455D-9221-6B287C14DAEB}" type="datetimeFigureOut">
               <a:rPr lang="ko-KR" altLang="en-US" smtClean="0"/>
-              <a:t>2023-09-27</a:t>
+              <a:t>2023-10-04</a:t>
             </a:fld>
             <a:endParaRPr lang="ko-KR" altLang="en-US"/>
           </a:p>
@@ -867,7 +882,7 @@
           <a:p>
             <a:fld id="{4865801D-2A0F-455D-9221-6B287C14DAEB}" type="datetimeFigureOut">
               <a:rPr lang="ko-KR" altLang="en-US" smtClean="0"/>
-              <a:t>2023-09-27</a:t>
+              <a:t>2023-10-04</a:t>
             </a:fld>
             <a:endParaRPr lang="ko-KR" altLang="en-US"/>
           </a:p>
@@ -1142,7 +1157,7 @@
           <a:p>
             <a:fld id="{4865801D-2A0F-455D-9221-6B287C14DAEB}" type="datetimeFigureOut">
               <a:rPr lang="ko-KR" altLang="en-US" smtClean="0"/>
-              <a:t>2023-09-27</a:t>
+              <a:t>2023-10-04</a:t>
             </a:fld>
             <a:endParaRPr lang="ko-KR" altLang="en-US"/>
           </a:p>
@@ -1407,7 +1422,7 @@
           <a:p>
             <a:fld id="{4865801D-2A0F-455D-9221-6B287C14DAEB}" type="datetimeFigureOut">
               <a:rPr lang="ko-KR" altLang="en-US" smtClean="0"/>
-              <a:t>2023-09-27</a:t>
+              <a:t>2023-10-04</a:t>
             </a:fld>
             <a:endParaRPr lang="ko-KR" altLang="en-US"/>
           </a:p>
@@ -1819,7 +1834,7 @@
           <a:p>
             <a:fld id="{4865801D-2A0F-455D-9221-6B287C14DAEB}" type="datetimeFigureOut">
               <a:rPr lang="ko-KR" altLang="en-US" smtClean="0"/>
-              <a:t>2023-09-27</a:t>
+              <a:t>2023-10-04</a:t>
             </a:fld>
             <a:endParaRPr lang="ko-KR" altLang="en-US"/>
           </a:p>
@@ -1960,7 +1975,7 @@
           <a:p>
             <a:fld id="{4865801D-2A0F-455D-9221-6B287C14DAEB}" type="datetimeFigureOut">
               <a:rPr lang="ko-KR" altLang="en-US" smtClean="0"/>
-              <a:t>2023-09-27</a:t>
+              <a:t>2023-10-04</a:t>
             </a:fld>
             <a:endParaRPr lang="ko-KR" altLang="en-US"/>
           </a:p>
@@ -2073,7 +2088,7 @@
           <a:p>
             <a:fld id="{4865801D-2A0F-455D-9221-6B287C14DAEB}" type="datetimeFigureOut">
               <a:rPr lang="ko-KR" altLang="en-US" smtClean="0"/>
-              <a:t>2023-09-27</a:t>
+              <a:t>2023-10-04</a:t>
             </a:fld>
             <a:endParaRPr lang="ko-KR" altLang="en-US"/>
           </a:p>
@@ -2384,7 +2399,7 @@
           <a:p>
             <a:fld id="{4865801D-2A0F-455D-9221-6B287C14DAEB}" type="datetimeFigureOut">
               <a:rPr lang="ko-KR" altLang="en-US" smtClean="0"/>
-              <a:t>2023-09-27</a:t>
+              <a:t>2023-10-04</a:t>
             </a:fld>
             <a:endParaRPr lang="ko-KR" altLang="en-US"/>
           </a:p>
@@ -2672,7 +2687,7 @@
           <a:p>
             <a:fld id="{4865801D-2A0F-455D-9221-6B287C14DAEB}" type="datetimeFigureOut">
               <a:rPr lang="ko-KR" altLang="en-US" smtClean="0"/>
-              <a:t>2023-09-27</a:t>
+              <a:t>2023-10-04</a:t>
             </a:fld>
             <a:endParaRPr lang="ko-KR" altLang="en-US"/>
           </a:p>
@@ -2913,7 +2928,7 @@
           <a:p>
             <a:fld id="{4865801D-2A0F-455D-9221-6B287C14DAEB}" type="datetimeFigureOut">
               <a:rPr lang="ko-KR" altLang="en-US" smtClean="0"/>
-              <a:t>2023-09-27</a:t>
+              <a:t>2023-10-04</a:t>
             </a:fld>
             <a:endParaRPr lang="ko-KR" altLang="en-US"/>
           </a:p>
@@ -3396,10 +3411,2835 @@
           <a:chExt cx="0" cy="0"/>
         </a:xfrm>
       </p:grpSpPr>
+      <p:sp>
+        <p:nvSpPr>
+          <p:cNvPr id="2" name="TextBox 1">
+            <a:extLst>
+              <a:ext uri="{FF2B5EF4-FFF2-40B4-BE49-F238E27FC236}">
+                <a16:creationId xmlns:a16="http://schemas.microsoft.com/office/drawing/2014/main" id="{2CC8D8C0-7807-4E7C-B442-961006840FBC}"/>
+              </a:ext>
+            </a:extLst>
+          </p:cNvPr>
+          <p:cNvSpPr txBox="1"/>
+          <p:nvPr/>
+        </p:nvSpPr>
+        <p:spPr>
+          <a:xfrm>
+            <a:off x="260350" y="147994"/>
+            <a:ext cx="1380506" cy="369332"/>
+          </a:xfrm>
+          <a:prstGeom prst="rect">
+            <a:avLst/>
+          </a:prstGeom>
+          <a:noFill/>
+        </p:spPr>
+        <p:txBody>
+          <a:bodyPr wrap="none" rtlCol="0">
+            <a:spAutoFit/>
+          </a:bodyPr>
+          <a:lstStyle/>
+          <a:p>
+            <a:r>
+              <a:rPr lang="en-US" altLang="ko-KR" dirty="0" err="1"/>
+              <a:t>asset_deatil</a:t>
+            </a:r>
+            <a:endParaRPr lang="ko-KR" altLang="en-US" dirty="0"/>
+          </a:p>
+        </p:txBody>
+      </p:sp>
+      <p:sp>
+        <p:nvSpPr>
+          <p:cNvPr id="3" name="TextBox 2">
+            <a:extLst>
+              <a:ext uri="{FF2B5EF4-FFF2-40B4-BE49-F238E27FC236}">
+                <a16:creationId xmlns:a16="http://schemas.microsoft.com/office/drawing/2014/main" id="{7DB42371-C403-4240-8C47-363DBFC75F83}"/>
+              </a:ext>
+            </a:extLst>
+          </p:cNvPr>
+          <p:cNvSpPr txBox="1"/>
+          <p:nvPr/>
+        </p:nvSpPr>
+        <p:spPr>
+          <a:xfrm>
+            <a:off x="2184831" y="1227136"/>
+            <a:ext cx="697627" cy="246221"/>
+          </a:xfrm>
+          <a:prstGeom prst="rect">
+            <a:avLst/>
+          </a:prstGeom>
+          <a:noFill/>
+        </p:spPr>
+        <p:txBody>
+          <a:bodyPr wrap="none" rtlCol="0">
+            <a:spAutoFit/>
+          </a:bodyPr>
+          <a:lstStyle/>
+          <a:p>
+            <a:r>
+              <a:rPr lang="ko-KR" altLang="en-US" sz="1000" dirty="0"/>
+              <a:t>소속구분</a:t>
+            </a:r>
+          </a:p>
+        </p:txBody>
+      </p:sp>
+      <p:pic>
+        <p:nvPicPr>
+          <p:cNvPr id="4" name="그림 3">
+            <a:extLst>
+              <a:ext uri="{FF2B5EF4-FFF2-40B4-BE49-F238E27FC236}">
+                <a16:creationId xmlns:a16="http://schemas.microsoft.com/office/drawing/2014/main" id="{E8A0FC85-AEE9-498E-A28E-17A9369414DD}"/>
+              </a:ext>
+            </a:extLst>
+          </p:cNvPr>
+          <p:cNvPicPr>
+            <a:picLocks noChangeAspect="1"/>
+          </p:cNvPicPr>
+          <p:nvPr/>
+        </p:nvPicPr>
+        <p:blipFill>
+          <a:blip r:embed="rId2"/>
+          <a:stretch>
+            <a:fillRect/>
+          </a:stretch>
+        </p:blipFill>
+        <p:spPr>
+          <a:xfrm>
+            <a:off x="1959759" y="1760537"/>
+            <a:ext cx="1676400" cy="1190625"/>
+          </a:xfrm>
+          <a:prstGeom prst="rect">
+            <a:avLst/>
+          </a:prstGeom>
+        </p:spPr>
+      </p:pic>
+      <p:pic>
+        <p:nvPicPr>
+          <p:cNvPr id="5" name="그림 4">
+            <a:extLst>
+              <a:ext uri="{FF2B5EF4-FFF2-40B4-BE49-F238E27FC236}">
+                <a16:creationId xmlns:a16="http://schemas.microsoft.com/office/drawing/2014/main" id="{E8F02627-1458-4508-AA51-800BE8EDE3FD}"/>
+              </a:ext>
+            </a:extLst>
+          </p:cNvPr>
+          <p:cNvPicPr>
+            <a:picLocks noChangeAspect="1"/>
+          </p:cNvPicPr>
+          <p:nvPr/>
+        </p:nvPicPr>
+        <p:blipFill>
+          <a:blip r:embed="rId3"/>
+          <a:stretch>
+            <a:fillRect/>
+          </a:stretch>
+        </p:blipFill>
+        <p:spPr>
+          <a:xfrm>
+            <a:off x="8414135" y="1460657"/>
+            <a:ext cx="1666875" cy="3514725"/>
+          </a:xfrm>
+          <a:prstGeom prst="rect">
+            <a:avLst/>
+          </a:prstGeom>
+        </p:spPr>
+      </p:pic>
+      <p:sp>
+        <p:nvSpPr>
+          <p:cNvPr id="6" name="TextBox 5">
+            <a:extLst>
+              <a:ext uri="{FF2B5EF4-FFF2-40B4-BE49-F238E27FC236}">
+                <a16:creationId xmlns:a16="http://schemas.microsoft.com/office/drawing/2014/main" id="{897A9ED3-86E6-4016-9326-ED156C816C30}"/>
+              </a:ext>
+            </a:extLst>
+          </p:cNvPr>
+          <p:cNvSpPr txBox="1"/>
+          <p:nvPr/>
+        </p:nvSpPr>
+        <p:spPr>
+          <a:xfrm>
+            <a:off x="4066334" y="712550"/>
+            <a:ext cx="841897" cy="246221"/>
+          </a:xfrm>
+          <a:prstGeom prst="rect">
+            <a:avLst/>
+          </a:prstGeom>
+          <a:noFill/>
+        </p:spPr>
+        <p:txBody>
+          <a:bodyPr wrap="none" rtlCol="0">
+            <a:spAutoFit/>
+          </a:bodyPr>
+          <a:lstStyle/>
+          <a:p>
+            <a:r>
+              <a:rPr lang="en-US" altLang="ko-KR" sz="1000" dirty="0"/>
+              <a:t>1. </a:t>
+            </a:r>
+            <a:r>
+              <a:rPr lang="ko-KR" altLang="en-US" sz="1000" dirty="0"/>
+              <a:t>국회의원</a:t>
+            </a:r>
+          </a:p>
+        </p:txBody>
+      </p:sp>
+      <p:sp>
+        <p:nvSpPr>
+          <p:cNvPr id="7" name="TextBox 6">
+            <a:extLst>
+              <a:ext uri="{FF2B5EF4-FFF2-40B4-BE49-F238E27FC236}">
+                <a16:creationId xmlns:a16="http://schemas.microsoft.com/office/drawing/2014/main" id="{D563355F-B978-4E90-BA49-DC1F44D9B2DE}"/>
+              </a:ext>
+            </a:extLst>
+          </p:cNvPr>
+          <p:cNvSpPr txBox="1"/>
+          <p:nvPr/>
+        </p:nvSpPr>
+        <p:spPr>
+          <a:xfrm>
+            <a:off x="872489" y="1214436"/>
+            <a:ext cx="441146" cy="246221"/>
+          </a:xfrm>
+          <a:prstGeom prst="rect">
+            <a:avLst/>
+          </a:prstGeom>
+          <a:noFill/>
+        </p:spPr>
+        <p:txBody>
+          <a:bodyPr wrap="none" rtlCol="0">
+            <a:spAutoFit/>
+          </a:bodyPr>
+          <a:lstStyle/>
+          <a:p>
+            <a:r>
+              <a:rPr lang="ko-KR" altLang="en-US" sz="1000" dirty="0"/>
+              <a:t>소속</a:t>
+            </a:r>
+          </a:p>
+        </p:txBody>
+      </p:sp>
+      <p:pic>
+        <p:nvPicPr>
+          <p:cNvPr id="8" name="그림 7">
+            <a:extLst>
+              <a:ext uri="{FF2B5EF4-FFF2-40B4-BE49-F238E27FC236}">
+                <a16:creationId xmlns:a16="http://schemas.microsoft.com/office/drawing/2014/main" id="{AF0E5CAD-D754-4163-900E-396FE36FC29A}"/>
+              </a:ext>
+            </a:extLst>
+          </p:cNvPr>
+          <p:cNvPicPr>
+            <a:picLocks noChangeAspect="1"/>
+          </p:cNvPicPr>
+          <p:nvPr/>
+        </p:nvPicPr>
+        <p:blipFill>
+          <a:blip r:embed="rId4"/>
+          <a:stretch>
+            <a:fillRect/>
+          </a:stretch>
+        </p:blipFill>
+        <p:spPr>
+          <a:xfrm>
+            <a:off x="215900" y="1760537"/>
+            <a:ext cx="1609725" cy="857250"/>
+          </a:xfrm>
+          <a:prstGeom prst="rect">
+            <a:avLst/>
+          </a:prstGeom>
+        </p:spPr>
+      </p:pic>
+      <p:pic>
+        <p:nvPicPr>
+          <p:cNvPr id="9" name="그림 8">
+            <a:extLst>
+              <a:ext uri="{FF2B5EF4-FFF2-40B4-BE49-F238E27FC236}">
+                <a16:creationId xmlns:a16="http://schemas.microsoft.com/office/drawing/2014/main" id="{4E437FA1-A540-467D-A815-3EA9E17115AF}"/>
+              </a:ext>
+            </a:extLst>
+          </p:cNvPr>
+          <p:cNvPicPr>
+            <a:picLocks noChangeAspect="1"/>
+          </p:cNvPicPr>
+          <p:nvPr/>
+        </p:nvPicPr>
+        <p:blipFill>
+          <a:blip r:embed="rId5"/>
+          <a:stretch>
+            <a:fillRect/>
+          </a:stretch>
+        </p:blipFill>
+        <p:spPr>
+          <a:xfrm>
+            <a:off x="5112103" y="613826"/>
+            <a:ext cx="1457325" cy="1162050"/>
+          </a:xfrm>
+          <a:prstGeom prst="rect">
+            <a:avLst/>
+          </a:prstGeom>
+        </p:spPr>
+      </p:pic>
+      <p:pic>
+        <p:nvPicPr>
+          <p:cNvPr id="10" name="그림 9">
+            <a:extLst>
+              <a:ext uri="{FF2B5EF4-FFF2-40B4-BE49-F238E27FC236}">
+                <a16:creationId xmlns:a16="http://schemas.microsoft.com/office/drawing/2014/main" id="{81A3E605-8AD9-437B-8D8A-CF6A1DFE1EDD}"/>
+              </a:ext>
+            </a:extLst>
+          </p:cNvPr>
+          <p:cNvPicPr>
+            <a:picLocks noChangeAspect="1"/>
+          </p:cNvPicPr>
+          <p:nvPr/>
+        </p:nvPicPr>
+        <p:blipFill>
+          <a:blip r:embed="rId6"/>
+          <a:stretch>
+            <a:fillRect/>
+          </a:stretch>
+        </p:blipFill>
+        <p:spPr>
+          <a:xfrm>
+            <a:off x="5112103" y="1712218"/>
+            <a:ext cx="1581150" cy="2105025"/>
+          </a:xfrm>
+          <a:prstGeom prst="rect">
+            <a:avLst/>
+          </a:prstGeom>
+        </p:spPr>
+      </p:pic>
+      <p:sp>
+        <p:nvSpPr>
+          <p:cNvPr id="11" name="TextBox 10">
+            <a:extLst>
+              <a:ext uri="{FF2B5EF4-FFF2-40B4-BE49-F238E27FC236}">
+                <a16:creationId xmlns:a16="http://schemas.microsoft.com/office/drawing/2014/main" id="{EA7F324C-A42B-47A5-AC9C-B162FB1713CF}"/>
+              </a:ext>
+            </a:extLst>
+          </p:cNvPr>
+          <p:cNvSpPr txBox="1"/>
+          <p:nvPr/>
+        </p:nvSpPr>
+        <p:spPr>
+          <a:xfrm>
+            <a:off x="4092144" y="1652766"/>
+            <a:ext cx="970137" cy="246221"/>
+          </a:xfrm>
+          <a:prstGeom prst="rect">
+            <a:avLst/>
+          </a:prstGeom>
+          <a:noFill/>
+        </p:spPr>
+        <p:txBody>
+          <a:bodyPr wrap="none" rtlCol="0">
+            <a:spAutoFit/>
+          </a:bodyPr>
+          <a:lstStyle/>
+          <a:p>
+            <a:r>
+              <a:rPr lang="en-US" altLang="ko-KR" sz="1000" dirty="0"/>
+              <a:t>2. </a:t>
+            </a:r>
+            <a:r>
+              <a:rPr lang="ko-KR" altLang="en-US" sz="1000" dirty="0"/>
+              <a:t>국회사무처</a:t>
+            </a:r>
+          </a:p>
+        </p:txBody>
+      </p:sp>
+      <p:sp>
+        <p:nvSpPr>
+          <p:cNvPr id="12" name="TextBox 11">
+            <a:extLst>
+              <a:ext uri="{FF2B5EF4-FFF2-40B4-BE49-F238E27FC236}">
+                <a16:creationId xmlns:a16="http://schemas.microsoft.com/office/drawing/2014/main" id="{BABFF7CB-A45A-496F-9F73-891359A0D563}"/>
+              </a:ext>
+            </a:extLst>
+          </p:cNvPr>
+          <p:cNvSpPr txBox="1"/>
+          <p:nvPr/>
+        </p:nvSpPr>
+        <p:spPr>
+          <a:xfrm>
+            <a:off x="4066334" y="3895687"/>
+            <a:ext cx="970137" cy="246221"/>
+          </a:xfrm>
+          <a:prstGeom prst="rect">
+            <a:avLst/>
+          </a:prstGeom>
+          <a:noFill/>
+        </p:spPr>
+        <p:txBody>
+          <a:bodyPr wrap="none" rtlCol="0">
+            <a:spAutoFit/>
+          </a:bodyPr>
+          <a:lstStyle/>
+          <a:p>
+            <a:r>
+              <a:rPr lang="en-US" altLang="ko-KR" sz="1000" dirty="0"/>
+              <a:t>3. </a:t>
+            </a:r>
+            <a:r>
+              <a:rPr lang="ko-KR" altLang="en-US" sz="1000" dirty="0"/>
+              <a:t>국회도서관</a:t>
+            </a:r>
+          </a:p>
+        </p:txBody>
+      </p:sp>
+      <p:sp>
+        <p:nvSpPr>
+          <p:cNvPr id="13" name="TextBox 12">
+            <a:extLst>
+              <a:ext uri="{FF2B5EF4-FFF2-40B4-BE49-F238E27FC236}">
+                <a16:creationId xmlns:a16="http://schemas.microsoft.com/office/drawing/2014/main" id="{A7716A8F-3419-4EA7-B758-B882441C9717}"/>
+              </a:ext>
+            </a:extLst>
+          </p:cNvPr>
+          <p:cNvSpPr txBox="1"/>
+          <p:nvPr/>
+        </p:nvSpPr>
+        <p:spPr>
+          <a:xfrm>
+            <a:off x="3976701" y="4959013"/>
+            <a:ext cx="1226618" cy="246221"/>
+          </a:xfrm>
+          <a:prstGeom prst="rect">
+            <a:avLst/>
+          </a:prstGeom>
+          <a:noFill/>
+        </p:spPr>
+        <p:txBody>
+          <a:bodyPr wrap="none" rtlCol="0">
+            <a:spAutoFit/>
+          </a:bodyPr>
+          <a:lstStyle/>
+          <a:p>
+            <a:r>
+              <a:rPr lang="en-US" altLang="ko-KR" sz="1000" dirty="0"/>
+              <a:t>4. </a:t>
+            </a:r>
+            <a:r>
+              <a:rPr lang="ko-KR" altLang="en-US" sz="1000" dirty="0"/>
+              <a:t>국회예산정책처</a:t>
+            </a:r>
+          </a:p>
+        </p:txBody>
+      </p:sp>
+      <p:sp>
+        <p:nvSpPr>
+          <p:cNvPr id="14" name="TextBox 13">
+            <a:extLst>
+              <a:ext uri="{FF2B5EF4-FFF2-40B4-BE49-F238E27FC236}">
+                <a16:creationId xmlns:a16="http://schemas.microsoft.com/office/drawing/2014/main" id="{94A0EC1D-BA33-4E7A-99E3-D3F87302FE3D}"/>
+              </a:ext>
+            </a:extLst>
+          </p:cNvPr>
+          <p:cNvSpPr txBox="1"/>
+          <p:nvPr/>
+        </p:nvSpPr>
+        <p:spPr>
+          <a:xfrm>
+            <a:off x="3976701" y="5750123"/>
+            <a:ext cx="1226618" cy="246221"/>
+          </a:xfrm>
+          <a:prstGeom prst="rect">
+            <a:avLst/>
+          </a:prstGeom>
+          <a:noFill/>
+        </p:spPr>
+        <p:txBody>
+          <a:bodyPr wrap="none" rtlCol="0">
+            <a:spAutoFit/>
+          </a:bodyPr>
+          <a:lstStyle/>
+          <a:p>
+            <a:r>
+              <a:rPr lang="en-US" altLang="ko-KR" sz="1000" dirty="0"/>
+              <a:t>5. </a:t>
+            </a:r>
+            <a:r>
+              <a:rPr lang="ko-KR" altLang="en-US" sz="1000" dirty="0"/>
+              <a:t>국회입법조사처</a:t>
+            </a:r>
+          </a:p>
+        </p:txBody>
+      </p:sp>
+      <p:pic>
+        <p:nvPicPr>
+          <p:cNvPr id="15" name="그림 14">
+            <a:extLst>
+              <a:ext uri="{FF2B5EF4-FFF2-40B4-BE49-F238E27FC236}">
+                <a16:creationId xmlns:a16="http://schemas.microsoft.com/office/drawing/2014/main" id="{0C140426-94B6-4EEA-B476-348AC7884313}"/>
+              </a:ext>
+            </a:extLst>
+          </p:cNvPr>
+          <p:cNvPicPr>
+            <a:picLocks noChangeAspect="1"/>
+          </p:cNvPicPr>
+          <p:nvPr/>
+        </p:nvPicPr>
+        <p:blipFill>
+          <a:blip r:embed="rId7"/>
+          <a:stretch>
+            <a:fillRect/>
+          </a:stretch>
+        </p:blipFill>
+        <p:spPr>
+          <a:xfrm>
+            <a:off x="5153630" y="3985894"/>
+            <a:ext cx="1504950" cy="752475"/>
+          </a:xfrm>
+          <a:prstGeom prst="rect">
+            <a:avLst/>
+          </a:prstGeom>
+        </p:spPr>
+      </p:pic>
+      <p:sp>
+        <p:nvSpPr>
+          <p:cNvPr id="16" name="TextBox 15">
+            <a:extLst>
+              <a:ext uri="{FF2B5EF4-FFF2-40B4-BE49-F238E27FC236}">
+                <a16:creationId xmlns:a16="http://schemas.microsoft.com/office/drawing/2014/main" id="{182F1165-EC9A-429A-B06E-3375FD2B089C}"/>
+              </a:ext>
+            </a:extLst>
+          </p:cNvPr>
+          <p:cNvSpPr txBox="1"/>
+          <p:nvPr/>
+        </p:nvSpPr>
+        <p:spPr>
+          <a:xfrm>
+            <a:off x="5340781" y="271105"/>
+            <a:ext cx="441146" cy="246221"/>
+          </a:xfrm>
+          <a:prstGeom prst="rect">
+            <a:avLst/>
+          </a:prstGeom>
+          <a:noFill/>
+        </p:spPr>
+        <p:txBody>
+          <a:bodyPr wrap="none" rtlCol="0">
+            <a:spAutoFit/>
+          </a:bodyPr>
+          <a:lstStyle/>
+          <a:p>
+            <a:r>
+              <a:rPr lang="ko-KR" altLang="en-US" sz="1000" dirty="0"/>
+              <a:t>직위</a:t>
+            </a:r>
+          </a:p>
+        </p:txBody>
+      </p:sp>
+      <p:pic>
+        <p:nvPicPr>
+          <p:cNvPr id="17" name="그림 16">
+            <a:extLst>
+              <a:ext uri="{FF2B5EF4-FFF2-40B4-BE49-F238E27FC236}">
+                <a16:creationId xmlns:a16="http://schemas.microsoft.com/office/drawing/2014/main" id="{93C0F70E-A432-4E82-9B56-04D203AE2BE8}"/>
+              </a:ext>
+            </a:extLst>
+          </p:cNvPr>
+          <p:cNvPicPr>
+            <a:picLocks noChangeAspect="1"/>
+          </p:cNvPicPr>
+          <p:nvPr/>
+        </p:nvPicPr>
+        <p:blipFill>
+          <a:blip r:embed="rId8"/>
+          <a:stretch>
+            <a:fillRect/>
+          </a:stretch>
+        </p:blipFill>
+        <p:spPr>
+          <a:xfrm>
+            <a:off x="5203319" y="5188148"/>
+            <a:ext cx="2057400" cy="561975"/>
+          </a:xfrm>
+          <a:prstGeom prst="rect">
+            <a:avLst/>
+          </a:prstGeom>
+        </p:spPr>
+      </p:pic>
+      <p:pic>
+        <p:nvPicPr>
+          <p:cNvPr id="18" name="그림 17">
+            <a:extLst>
+              <a:ext uri="{FF2B5EF4-FFF2-40B4-BE49-F238E27FC236}">
+                <a16:creationId xmlns:a16="http://schemas.microsoft.com/office/drawing/2014/main" id="{3366AEA8-C1CC-42C3-A658-EBEE9BDBCD97}"/>
+              </a:ext>
+            </a:extLst>
+          </p:cNvPr>
+          <p:cNvPicPr>
+            <a:picLocks noChangeAspect="1"/>
+          </p:cNvPicPr>
+          <p:nvPr/>
+        </p:nvPicPr>
+        <p:blipFill>
+          <a:blip r:embed="rId9"/>
+          <a:stretch>
+            <a:fillRect/>
+          </a:stretch>
+        </p:blipFill>
+        <p:spPr>
+          <a:xfrm>
+            <a:off x="5233987" y="6087266"/>
+            <a:ext cx="1724025" cy="542925"/>
+          </a:xfrm>
+          <a:prstGeom prst="rect">
+            <a:avLst/>
+          </a:prstGeom>
+        </p:spPr>
+      </p:pic>
     </p:spTree>
     <p:extLst>
       <p:ext uri="{BB962C8B-B14F-4D97-AF65-F5344CB8AC3E}">
-        <p14:creationId xmlns:p14="http://schemas.microsoft.com/office/powerpoint/2010/main" val="3865362830"/>
+        <p14:creationId xmlns:p14="http://schemas.microsoft.com/office/powerpoint/2010/main" val="3770598888"/>
+      </p:ext>
+    </p:extLst>
+  </p:cSld>
+  <p:clrMapOvr>
+    <a:masterClrMapping/>
+  </p:clrMapOvr>
+</p:sld>
+</file>
+
+<file path=ppt/slides/slide11.xml><?xml version="1.0" encoding="utf-8"?>
+<p:sld xmlns:a="http://schemas.openxmlformats.org/drawingml/2006/main" xmlns:r="http://schemas.openxmlformats.org/officeDocument/2006/relationships" xmlns:p="http://schemas.openxmlformats.org/presentationml/2006/main">
+  <p:cSld>
+    <p:spTree>
+      <p:nvGrpSpPr>
+        <p:cNvPr id="1" name=""/>
+        <p:cNvGrpSpPr/>
+        <p:nvPr/>
+      </p:nvGrpSpPr>
+      <p:grpSpPr>
+        <a:xfrm>
+          <a:off x="0" y="0"/>
+          <a:ext cx="0" cy="0"/>
+          <a:chOff x="0" y="0"/>
+          <a:chExt cx="0" cy="0"/>
+        </a:xfrm>
+      </p:grpSpPr>
+      <p:pic>
+        <p:nvPicPr>
+          <p:cNvPr id="4" name="그림 3">
+            <a:extLst>
+              <a:ext uri="{FF2B5EF4-FFF2-40B4-BE49-F238E27FC236}">
+                <a16:creationId xmlns:a16="http://schemas.microsoft.com/office/drawing/2014/main" id="{48446EED-8330-499D-919F-D025953C0E3D}"/>
+              </a:ext>
+            </a:extLst>
+          </p:cNvPr>
+          <p:cNvPicPr>
+            <a:picLocks noChangeAspect="1"/>
+          </p:cNvPicPr>
+          <p:nvPr/>
+        </p:nvPicPr>
+        <p:blipFill>
+          <a:blip r:embed="rId2"/>
+          <a:stretch>
+            <a:fillRect/>
+          </a:stretch>
+        </p:blipFill>
+        <p:spPr>
+          <a:xfrm>
+            <a:off x="688975" y="1155016"/>
+            <a:ext cx="5153025" cy="3933825"/>
+          </a:xfrm>
+          <a:prstGeom prst="rect">
+            <a:avLst/>
+          </a:prstGeom>
+        </p:spPr>
+      </p:pic>
+      <p:sp>
+        <p:nvSpPr>
+          <p:cNvPr id="5" name="TextBox 4">
+            <a:extLst>
+              <a:ext uri="{FF2B5EF4-FFF2-40B4-BE49-F238E27FC236}">
+                <a16:creationId xmlns:a16="http://schemas.microsoft.com/office/drawing/2014/main" id="{1DAB9828-6537-4057-A7B3-076484893327}"/>
+              </a:ext>
+            </a:extLst>
+          </p:cNvPr>
+          <p:cNvSpPr txBox="1"/>
+          <p:nvPr/>
+        </p:nvSpPr>
+        <p:spPr>
+          <a:xfrm>
+            <a:off x="313689" y="255586"/>
+            <a:ext cx="1210588" cy="400110"/>
+          </a:xfrm>
+          <a:prstGeom prst="rect">
+            <a:avLst/>
+          </a:prstGeom>
+          <a:noFill/>
+        </p:spPr>
+        <p:txBody>
+          <a:bodyPr wrap="none" rtlCol="0">
+            <a:spAutoFit/>
+          </a:bodyPr>
+          <a:lstStyle/>
+          <a:p>
+            <a:r>
+              <a:rPr lang="ko-KR" altLang="en-US" sz="2000" dirty="0"/>
+              <a:t>재산구분</a:t>
+            </a:r>
+          </a:p>
+        </p:txBody>
+      </p:sp>
+      <p:sp>
+        <p:nvSpPr>
+          <p:cNvPr id="8" name="직사각형 7">
+            <a:extLst>
+              <a:ext uri="{FF2B5EF4-FFF2-40B4-BE49-F238E27FC236}">
+                <a16:creationId xmlns:a16="http://schemas.microsoft.com/office/drawing/2014/main" id="{99E8EEC8-110B-4A01-91BE-2FD277D1C8A2}"/>
+              </a:ext>
+            </a:extLst>
+          </p:cNvPr>
+          <p:cNvSpPr/>
+          <p:nvPr/>
+        </p:nvSpPr>
+        <p:spPr>
+          <a:xfrm>
+            <a:off x="6242052" y="1155016"/>
+            <a:ext cx="4514850" cy="4910062"/>
+          </a:xfrm>
+          <a:prstGeom prst="rect">
+            <a:avLst/>
+          </a:prstGeom>
+        </p:spPr>
+        <p:txBody>
+          <a:bodyPr wrap="square">
+            <a:spAutoFit/>
+          </a:bodyPr>
+          <a:lstStyle/>
+          <a:p>
+            <a:pPr marL="228600" indent="-228600">
+              <a:lnSpc>
+                <a:spcPct val="150000"/>
+              </a:lnSpc>
+              <a:buAutoNum type="arabicPeriod"/>
+            </a:pPr>
+            <a:r>
+              <a:rPr lang="ko-KR" altLang="en-US" sz="1000" dirty="0">
+                <a:solidFill>
+                  <a:srgbClr val="0070C0"/>
+                </a:solidFill>
+              </a:rPr>
+              <a:t>토지</a:t>
+            </a:r>
+            <a:r>
+              <a:rPr lang="en-US" altLang="ko-KR" sz="1000" dirty="0">
+                <a:solidFill>
+                  <a:srgbClr val="0070C0"/>
+                </a:solidFill>
+              </a:rPr>
+              <a:t>, </a:t>
+            </a:r>
+            <a:r>
+              <a:rPr lang="ko-KR" altLang="en-US" sz="1000" dirty="0">
+                <a:solidFill>
+                  <a:srgbClr val="0070C0"/>
+                </a:solidFill>
+              </a:rPr>
+              <a:t>건물 등 부동산</a:t>
+            </a:r>
+            <a:endParaRPr lang="en-US" altLang="ko-KR" sz="1000" dirty="0">
+              <a:solidFill>
+                <a:srgbClr val="0070C0"/>
+              </a:solidFill>
+            </a:endParaRPr>
+          </a:p>
+          <a:p>
+            <a:pPr>
+              <a:lnSpc>
+                <a:spcPct val="150000"/>
+              </a:lnSpc>
+            </a:pPr>
+            <a:endParaRPr lang="ko-KR" altLang="en-US" sz="1000" dirty="0">
+              <a:solidFill>
+                <a:srgbClr val="0070C0"/>
+              </a:solidFill>
+            </a:endParaRPr>
+          </a:p>
+          <a:p>
+            <a:pPr>
+              <a:lnSpc>
+                <a:spcPct val="150000"/>
+              </a:lnSpc>
+            </a:pPr>
+            <a:r>
+              <a:rPr lang="en-US" altLang="ko-KR" sz="1000" dirty="0">
+                <a:solidFill>
+                  <a:srgbClr val="0070C0"/>
+                </a:solidFill>
+              </a:rPr>
+              <a:t>2. </a:t>
+            </a:r>
+            <a:r>
+              <a:rPr lang="ko-KR" altLang="en-US" sz="1000" dirty="0">
+                <a:solidFill>
+                  <a:srgbClr val="0070C0"/>
+                </a:solidFill>
+              </a:rPr>
+              <a:t>자동차</a:t>
+            </a:r>
+            <a:r>
+              <a:rPr lang="en-US" altLang="ko-KR" sz="1000" dirty="0">
+                <a:solidFill>
+                  <a:srgbClr val="0070C0"/>
+                </a:solidFill>
+              </a:rPr>
+              <a:t>, </a:t>
+            </a:r>
+            <a:r>
+              <a:rPr lang="ko-KR" altLang="en-US" sz="1000" dirty="0">
+                <a:solidFill>
+                  <a:srgbClr val="0070C0"/>
+                </a:solidFill>
+              </a:rPr>
+              <a:t>건설기계</a:t>
+            </a:r>
+            <a:r>
+              <a:rPr lang="en-US" altLang="ko-KR" sz="1000" dirty="0">
+                <a:solidFill>
+                  <a:srgbClr val="0070C0"/>
+                </a:solidFill>
+              </a:rPr>
+              <a:t>, </a:t>
+            </a:r>
+            <a:r>
+              <a:rPr lang="ko-KR" altLang="en-US" sz="1000" dirty="0">
+                <a:solidFill>
+                  <a:srgbClr val="0070C0"/>
+                </a:solidFill>
+              </a:rPr>
+              <a:t>선박</a:t>
+            </a:r>
+            <a:r>
+              <a:rPr lang="en-US" altLang="ko-KR" sz="1000" dirty="0">
+                <a:solidFill>
+                  <a:srgbClr val="0070C0"/>
+                </a:solidFill>
+              </a:rPr>
+              <a:t>, </a:t>
+            </a:r>
+            <a:r>
+              <a:rPr lang="ko-KR" altLang="en-US" sz="1000" dirty="0">
+                <a:solidFill>
+                  <a:srgbClr val="0070C0"/>
+                </a:solidFill>
+              </a:rPr>
+              <a:t>항공기 등과 광업권</a:t>
+            </a:r>
+            <a:r>
+              <a:rPr lang="en-US" altLang="ko-KR" sz="1000" dirty="0">
+                <a:solidFill>
+                  <a:srgbClr val="0070C0"/>
+                </a:solidFill>
+              </a:rPr>
+              <a:t>, </a:t>
+            </a:r>
+            <a:r>
+              <a:rPr lang="ko-KR" altLang="en-US" sz="1000" dirty="0">
+                <a:solidFill>
+                  <a:srgbClr val="0070C0"/>
+                </a:solidFill>
+              </a:rPr>
+              <a:t>어업권 등</a:t>
+            </a:r>
+          </a:p>
+          <a:p>
+            <a:pPr>
+              <a:lnSpc>
+                <a:spcPct val="150000"/>
+              </a:lnSpc>
+            </a:pPr>
+            <a:endParaRPr lang="en-US" altLang="ko-KR" sz="1000" dirty="0">
+              <a:solidFill>
+                <a:srgbClr val="0070C0"/>
+              </a:solidFill>
+            </a:endParaRPr>
+          </a:p>
+          <a:p>
+            <a:pPr>
+              <a:lnSpc>
+                <a:spcPct val="150000"/>
+              </a:lnSpc>
+            </a:pPr>
+            <a:r>
+              <a:rPr lang="en-US" altLang="ko-KR" sz="1000" dirty="0">
+                <a:solidFill>
+                  <a:srgbClr val="0070C0"/>
+                </a:solidFill>
+              </a:rPr>
+              <a:t>3. </a:t>
+            </a:r>
+            <a:r>
+              <a:rPr lang="ko-KR" altLang="en-US" sz="1000" dirty="0">
+                <a:solidFill>
+                  <a:srgbClr val="0070C0"/>
+                </a:solidFill>
+              </a:rPr>
+              <a:t>인당 </a:t>
+            </a:r>
+            <a:r>
+              <a:rPr lang="en-US" altLang="ko-KR" sz="1000" dirty="0">
+                <a:solidFill>
+                  <a:srgbClr val="0070C0"/>
+                </a:solidFill>
+              </a:rPr>
+              <a:t>1</a:t>
+            </a:r>
+            <a:r>
+              <a:rPr lang="ko-KR" altLang="en-US" sz="1000" dirty="0">
+                <a:solidFill>
+                  <a:srgbClr val="0070C0"/>
+                </a:solidFill>
+              </a:rPr>
+              <a:t>천 만원 이상의 현금과 수표</a:t>
+            </a:r>
+          </a:p>
+          <a:p>
+            <a:pPr>
+              <a:lnSpc>
+                <a:spcPct val="150000"/>
+              </a:lnSpc>
+            </a:pPr>
+            <a:r>
+              <a:rPr lang="en-US" altLang="ko-KR" sz="1000" dirty="0">
+                <a:solidFill>
+                  <a:srgbClr val="0070C0"/>
+                </a:solidFill>
+              </a:rPr>
+              <a:t>4. </a:t>
+            </a:r>
+            <a:r>
+              <a:rPr lang="ko-KR" altLang="en-US" sz="1000" dirty="0">
+                <a:solidFill>
+                  <a:srgbClr val="0070C0"/>
+                </a:solidFill>
+              </a:rPr>
+              <a:t>인당 </a:t>
+            </a:r>
+            <a:r>
+              <a:rPr lang="en-US" altLang="ko-KR" sz="1000" dirty="0">
+                <a:solidFill>
+                  <a:srgbClr val="0070C0"/>
+                </a:solidFill>
+              </a:rPr>
+              <a:t>1</a:t>
+            </a:r>
+            <a:r>
+              <a:rPr lang="ko-KR" altLang="en-US" sz="1000" dirty="0">
+                <a:solidFill>
+                  <a:srgbClr val="0070C0"/>
+                </a:solidFill>
+              </a:rPr>
+              <a:t>천만원 이상의 예금</a:t>
+            </a:r>
+            <a:r>
+              <a:rPr lang="en-US" altLang="ko-KR" sz="1000" dirty="0">
+                <a:solidFill>
+                  <a:srgbClr val="0070C0"/>
+                </a:solidFill>
+              </a:rPr>
+              <a:t>, </a:t>
+            </a:r>
+            <a:r>
+              <a:rPr lang="ko-KR" altLang="en-US" sz="1000" dirty="0">
+                <a:solidFill>
+                  <a:srgbClr val="0070C0"/>
+                </a:solidFill>
+              </a:rPr>
+              <a:t>보험</a:t>
+            </a:r>
+            <a:r>
+              <a:rPr lang="en-US" altLang="ko-KR" sz="1000" dirty="0">
+                <a:solidFill>
+                  <a:srgbClr val="0070C0"/>
+                </a:solidFill>
+              </a:rPr>
+              <a:t>, </a:t>
+            </a:r>
+            <a:r>
+              <a:rPr lang="ko-KR" altLang="en-US" sz="1000" dirty="0">
+                <a:solidFill>
+                  <a:srgbClr val="0070C0"/>
+                </a:solidFill>
+              </a:rPr>
+              <a:t>연금</a:t>
+            </a:r>
+          </a:p>
+          <a:p>
+            <a:pPr>
+              <a:lnSpc>
+                <a:spcPct val="150000"/>
+              </a:lnSpc>
+            </a:pPr>
+            <a:r>
+              <a:rPr lang="en-US" altLang="ko-KR" sz="1000" dirty="0">
+                <a:solidFill>
+                  <a:srgbClr val="0070C0"/>
+                </a:solidFill>
+              </a:rPr>
+              <a:t>5. </a:t>
+            </a:r>
+            <a:r>
+              <a:rPr lang="ko-KR" altLang="en-US" sz="1000" dirty="0">
+                <a:solidFill>
+                  <a:srgbClr val="0070C0"/>
+                </a:solidFill>
+              </a:rPr>
+              <a:t>정치자금법에 따라 후원 받은 예금 계좌</a:t>
+            </a:r>
+          </a:p>
+          <a:p>
+            <a:pPr>
+              <a:lnSpc>
+                <a:spcPct val="150000"/>
+              </a:lnSpc>
+            </a:pPr>
+            <a:endParaRPr lang="en-US" altLang="ko-KR" sz="1000" dirty="0">
+              <a:solidFill>
+                <a:srgbClr val="0070C0"/>
+              </a:solidFill>
+            </a:endParaRPr>
+          </a:p>
+          <a:p>
+            <a:pPr>
+              <a:lnSpc>
+                <a:spcPct val="150000"/>
+              </a:lnSpc>
+            </a:pPr>
+            <a:r>
+              <a:rPr lang="en-US" altLang="ko-KR" sz="1000" dirty="0">
+                <a:solidFill>
+                  <a:srgbClr val="0070C0"/>
+                </a:solidFill>
+              </a:rPr>
+              <a:t>6. </a:t>
+            </a:r>
+            <a:r>
+              <a:rPr lang="ko-KR" altLang="en-US" sz="1000" dirty="0">
+                <a:solidFill>
+                  <a:srgbClr val="0070C0"/>
+                </a:solidFill>
+              </a:rPr>
+              <a:t>인당 </a:t>
+            </a:r>
+            <a:r>
+              <a:rPr lang="en-US" altLang="ko-KR" sz="1000" dirty="0">
+                <a:solidFill>
+                  <a:srgbClr val="0070C0"/>
+                </a:solidFill>
+              </a:rPr>
+              <a:t>1</a:t>
+            </a:r>
+            <a:r>
+              <a:rPr lang="ko-KR" altLang="en-US" sz="1000" dirty="0">
+                <a:solidFill>
+                  <a:srgbClr val="0070C0"/>
+                </a:solidFill>
+              </a:rPr>
+              <a:t>천만원 이상의 주식</a:t>
+            </a:r>
+            <a:r>
+              <a:rPr lang="en-US" altLang="ko-KR" sz="1000" dirty="0">
+                <a:solidFill>
+                  <a:srgbClr val="0070C0"/>
+                </a:solidFill>
+              </a:rPr>
+              <a:t>, </a:t>
+            </a:r>
+            <a:r>
+              <a:rPr lang="ko-KR" altLang="en-US" sz="1000" dirty="0">
+                <a:solidFill>
+                  <a:srgbClr val="0070C0"/>
+                </a:solidFill>
+              </a:rPr>
+              <a:t>국공채</a:t>
+            </a:r>
+            <a:r>
+              <a:rPr lang="en-US" altLang="ko-KR" sz="1000" dirty="0">
+                <a:solidFill>
+                  <a:srgbClr val="0070C0"/>
+                </a:solidFill>
+              </a:rPr>
+              <a:t>, </a:t>
+            </a:r>
+            <a:r>
+              <a:rPr lang="ko-KR" altLang="en-US" sz="1000" dirty="0">
+                <a:solidFill>
+                  <a:srgbClr val="0070C0"/>
+                </a:solidFill>
+              </a:rPr>
+              <a:t>회사채 등 증권</a:t>
+            </a:r>
+          </a:p>
+          <a:p>
+            <a:pPr>
+              <a:lnSpc>
+                <a:spcPct val="150000"/>
+              </a:lnSpc>
+            </a:pPr>
+            <a:r>
+              <a:rPr lang="en-US" altLang="ko-KR" sz="1000" dirty="0">
+                <a:solidFill>
+                  <a:srgbClr val="0070C0"/>
+                </a:solidFill>
+              </a:rPr>
+              <a:t>7. </a:t>
+            </a:r>
+            <a:r>
+              <a:rPr lang="ko-KR" altLang="en-US" sz="1000" dirty="0">
+                <a:solidFill>
+                  <a:srgbClr val="0070C0"/>
+                </a:solidFill>
+              </a:rPr>
+              <a:t>인당 </a:t>
+            </a:r>
+            <a:r>
+              <a:rPr lang="en-US" altLang="ko-KR" sz="1000" dirty="0">
+                <a:solidFill>
+                  <a:srgbClr val="0070C0"/>
+                </a:solidFill>
+              </a:rPr>
+              <a:t>1</a:t>
+            </a:r>
+            <a:r>
+              <a:rPr lang="ko-KR" altLang="en-US" sz="1000" dirty="0">
+                <a:solidFill>
+                  <a:srgbClr val="0070C0"/>
+                </a:solidFill>
+              </a:rPr>
+              <a:t>천만원 이상의 사인간 채권</a:t>
+            </a:r>
+          </a:p>
+          <a:p>
+            <a:pPr>
+              <a:lnSpc>
+                <a:spcPct val="150000"/>
+              </a:lnSpc>
+            </a:pPr>
+            <a:r>
+              <a:rPr lang="en-US" altLang="ko-KR" sz="1000" dirty="0">
+                <a:solidFill>
+                  <a:srgbClr val="0070C0"/>
+                </a:solidFill>
+              </a:rPr>
+              <a:t>8. </a:t>
+            </a:r>
+            <a:r>
+              <a:rPr lang="ko-KR" altLang="en-US" sz="1000" dirty="0">
+                <a:solidFill>
+                  <a:srgbClr val="0070C0"/>
+                </a:solidFill>
+              </a:rPr>
+              <a:t>인당 </a:t>
+            </a:r>
+            <a:r>
+              <a:rPr lang="en-US" altLang="ko-KR" sz="1000" dirty="0">
+                <a:solidFill>
+                  <a:srgbClr val="0070C0"/>
+                </a:solidFill>
+              </a:rPr>
+              <a:t>1</a:t>
+            </a:r>
+            <a:r>
+              <a:rPr lang="ko-KR" altLang="en-US" sz="1000" dirty="0">
+                <a:solidFill>
+                  <a:srgbClr val="0070C0"/>
+                </a:solidFill>
+              </a:rPr>
+              <a:t>천만원 이상의 각종 채무</a:t>
+            </a:r>
+          </a:p>
+          <a:p>
+            <a:pPr>
+              <a:lnSpc>
+                <a:spcPct val="150000"/>
+              </a:lnSpc>
+            </a:pPr>
+            <a:endParaRPr lang="en-US" altLang="ko-KR" sz="1000" dirty="0">
+              <a:solidFill>
+                <a:srgbClr val="0070C0"/>
+              </a:solidFill>
+            </a:endParaRPr>
+          </a:p>
+          <a:p>
+            <a:pPr>
+              <a:lnSpc>
+                <a:spcPct val="150000"/>
+              </a:lnSpc>
+            </a:pPr>
+            <a:r>
+              <a:rPr lang="en-US" altLang="ko-KR" sz="1000" dirty="0">
+                <a:solidFill>
+                  <a:srgbClr val="0070C0"/>
+                </a:solidFill>
+              </a:rPr>
+              <a:t>9. </a:t>
+            </a:r>
+            <a:r>
+              <a:rPr lang="ko-KR" altLang="en-US" sz="1000" dirty="0">
+                <a:solidFill>
+                  <a:srgbClr val="0070C0"/>
+                </a:solidFill>
+              </a:rPr>
+              <a:t>인당 </a:t>
+            </a:r>
+            <a:r>
+              <a:rPr lang="en-US" altLang="ko-KR" sz="1000" dirty="0">
+                <a:solidFill>
+                  <a:srgbClr val="0070C0"/>
+                </a:solidFill>
+              </a:rPr>
+              <a:t>500</a:t>
+            </a:r>
+            <a:r>
+              <a:rPr lang="ko-KR" altLang="en-US" sz="1000" dirty="0">
+                <a:solidFill>
+                  <a:srgbClr val="0070C0"/>
+                </a:solidFill>
+              </a:rPr>
+              <a:t>만원 이상의 금</a:t>
+            </a:r>
+            <a:r>
+              <a:rPr lang="en-US" altLang="ko-KR" sz="1000" dirty="0">
+                <a:solidFill>
+                  <a:srgbClr val="0070C0"/>
+                </a:solidFill>
+              </a:rPr>
+              <a:t>, </a:t>
+            </a:r>
+            <a:r>
+              <a:rPr lang="ko-KR" altLang="en-US" sz="1000" dirty="0">
+                <a:solidFill>
+                  <a:srgbClr val="0070C0"/>
+                </a:solidFill>
+              </a:rPr>
+              <a:t>백금</a:t>
+            </a:r>
+          </a:p>
+          <a:p>
+            <a:pPr>
+              <a:lnSpc>
+                <a:spcPct val="150000"/>
+              </a:lnSpc>
+            </a:pPr>
+            <a:r>
+              <a:rPr lang="en-US" altLang="ko-KR" sz="1000" dirty="0">
+                <a:solidFill>
+                  <a:schemeClr val="accent2">
+                    <a:lumMod val="75000"/>
+                  </a:schemeClr>
+                </a:solidFill>
+              </a:rPr>
+              <a:t>10. </a:t>
+            </a:r>
+            <a:r>
+              <a:rPr lang="ko-KR" altLang="en-US" sz="1000" dirty="0">
+                <a:solidFill>
+                  <a:schemeClr val="accent2">
+                    <a:lumMod val="75000"/>
+                  </a:schemeClr>
+                </a:solidFill>
+              </a:rPr>
+              <a:t>품목당 </a:t>
+            </a:r>
+            <a:r>
+              <a:rPr lang="en-US" altLang="ko-KR" sz="1000" dirty="0">
+                <a:solidFill>
+                  <a:schemeClr val="accent2">
+                    <a:lumMod val="75000"/>
+                  </a:schemeClr>
+                </a:solidFill>
+              </a:rPr>
+              <a:t>500</a:t>
+            </a:r>
+            <a:r>
+              <a:rPr lang="ko-KR" altLang="en-US" sz="1000" dirty="0">
+                <a:solidFill>
+                  <a:schemeClr val="accent2">
+                    <a:lumMod val="75000"/>
+                  </a:schemeClr>
+                </a:solidFill>
+              </a:rPr>
+              <a:t>만원 이상의 보석</a:t>
+            </a:r>
+            <a:r>
+              <a:rPr lang="en-US" altLang="ko-KR" sz="1000" dirty="0">
+                <a:solidFill>
+                  <a:schemeClr val="accent2">
+                    <a:lumMod val="75000"/>
+                  </a:schemeClr>
+                </a:solidFill>
+              </a:rPr>
+              <a:t>, </a:t>
+            </a:r>
+            <a:r>
+              <a:rPr lang="ko-KR" altLang="en-US" sz="1000" dirty="0">
+                <a:solidFill>
+                  <a:schemeClr val="accent2">
+                    <a:lumMod val="75000"/>
+                  </a:schemeClr>
+                </a:solidFill>
+              </a:rPr>
+              <a:t>골동품 및 예술품</a:t>
+            </a:r>
+          </a:p>
+          <a:p>
+            <a:pPr>
+              <a:lnSpc>
+                <a:spcPct val="150000"/>
+              </a:lnSpc>
+            </a:pPr>
+            <a:endParaRPr lang="en-US" altLang="ko-KR" sz="1000" dirty="0">
+              <a:solidFill>
+                <a:srgbClr val="0070C0"/>
+              </a:solidFill>
+            </a:endParaRPr>
+          </a:p>
+          <a:p>
+            <a:pPr>
+              <a:lnSpc>
+                <a:spcPct val="150000"/>
+              </a:lnSpc>
+            </a:pPr>
+            <a:r>
+              <a:rPr lang="en-US" altLang="ko-KR" sz="1000" dirty="0">
+                <a:solidFill>
+                  <a:srgbClr val="0070C0"/>
+                </a:solidFill>
+              </a:rPr>
+              <a:t>11. </a:t>
+            </a:r>
+            <a:r>
+              <a:rPr lang="ko-KR" altLang="en-US" sz="1000" dirty="0">
+                <a:solidFill>
+                  <a:srgbClr val="0070C0"/>
+                </a:solidFill>
+              </a:rPr>
+              <a:t>권당 </a:t>
+            </a:r>
+            <a:r>
+              <a:rPr lang="en-US" altLang="ko-KR" sz="1000" dirty="0">
+                <a:solidFill>
+                  <a:srgbClr val="0070C0"/>
+                </a:solidFill>
+              </a:rPr>
+              <a:t>500</a:t>
+            </a:r>
+            <a:r>
+              <a:rPr lang="ko-KR" altLang="en-US" sz="1000" dirty="0">
+                <a:solidFill>
+                  <a:srgbClr val="0070C0"/>
+                </a:solidFill>
+              </a:rPr>
+              <a:t>만원 이상의 골프</a:t>
+            </a:r>
+            <a:r>
+              <a:rPr lang="en-US" altLang="ko-KR" sz="1000" dirty="0">
+                <a:solidFill>
+                  <a:srgbClr val="0070C0"/>
+                </a:solidFill>
+              </a:rPr>
+              <a:t>, </a:t>
+            </a:r>
+            <a:r>
+              <a:rPr lang="ko-KR" altLang="en-US" sz="1000" dirty="0">
+                <a:solidFill>
+                  <a:srgbClr val="0070C0"/>
+                </a:solidFill>
+              </a:rPr>
+              <a:t>헬스</a:t>
+            </a:r>
+            <a:r>
+              <a:rPr lang="en-US" altLang="ko-KR" sz="1000" dirty="0">
+                <a:solidFill>
+                  <a:srgbClr val="0070C0"/>
+                </a:solidFill>
+              </a:rPr>
+              <a:t>, </a:t>
+            </a:r>
+            <a:r>
+              <a:rPr lang="ko-KR" altLang="en-US" sz="1000" dirty="0">
+                <a:solidFill>
+                  <a:srgbClr val="0070C0"/>
+                </a:solidFill>
+              </a:rPr>
+              <a:t>콘도 등 회원권</a:t>
+            </a:r>
+          </a:p>
+          <a:p>
+            <a:pPr>
+              <a:lnSpc>
+                <a:spcPct val="150000"/>
+              </a:lnSpc>
+            </a:pPr>
+            <a:endParaRPr lang="en-US" altLang="ko-KR" sz="1000" dirty="0">
+              <a:solidFill>
+                <a:srgbClr val="0070C0"/>
+              </a:solidFill>
+            </a:endParaRPr>
+          </a:p>
+          <a:p>
+            <a:pPr>
+              <a:lnSpc>
+                <a:spcPct val="150000"/>
+              </a:lnSpc>
+            </a:pPr>
+            <a:r>
+              <a:rPr lang="en-US" altLang="ko-KR" sz="1000" dirty="0">
+                <a:solidFill>
+                  <a:srgbClr val="0070C0"/>
+                </a:solidFill>
+              </a:rPr>
+              <a:t>12. </a:t>
+            </a:r>
+            <a:r>
+              <a:rPr lang="ko-KR" altLang="en-US" sz="1000" dirty="0">
+                <a:solidFill>
+                  <a:srgbClr val="0070C0"/>
+                </a:solidFill>
+              </a:rPr>
+              <a:t>인당 연간 </a:t>
+            </a:r>
+            <a:r>
+              <a:rPr lang="en-US" altLang="ko-KR" sz="1000" dirty="0">
+                <a:solidFill>
+                  <a:srgbClr val="0070C0"/>
+                </a:solidFill>
+              </a:rPr>
+              <a:t>1</a:t>
+            </a:r>
+            <a:r>
+              <a:rPr lang="ko-KR" altLang="en-US" sz="1000" dirty="0">
+                <a:solidFill>
+                  <a:srgbClr val="0070C0"/>
+                </a:solidFill>
+              </a:rPr>
+              <a:t>천만원 이상의 소득이 있는 특허권</a:t>
+            </a:r>
+            <a:r>
+              <a:rPr lang="en-US" altLang="ko-KR" sz="1000" dirty="0">
+                <a:solidFill>
+                  <a:srgbClr val="0070C0"/>
+                </a:solidFill>
+              </a:rPr>
+              <a:t>, </a:t>
+            </a:r>
+            <a:r>
+              <a:rPr lang="ko-KR" altLang="en-US" sz="1000" dirty="0">
+                <a:solidFill>
+                  <a:srgbClr val="0070C0"/>
+                </a:solidFill>
+              </a:rPr>
+              <a:t>상표권 등 지식재산권</a:t>
+            </a:r>
+          </a:p>
+          <a:p>
+            <a:pPr>
+              <a:lnSpc>
+                <a:spcPct val="150000"/>
+              </a:lnSpc>
+            </a:pPr>
+            <a:endParaRPr lang="en-US" altLang="ko-KR" sz="1000" dirty="0">
+              <a:solidFill>
+                <a:srgbClr val="0070C0"/>
+              </a:solidFill>
+            </a:endParaRPr>
+          </a:p>
+          <a:p>
+            <a:pPr>
+              <a:lnSpc>
+                <a:spcPct val="150000"/>
+              </a:lnSpc>
+            </a:pPr>
+            <a:r>
+              <a:rPr lang="en-US" altLang="ko-KR" sz="1000" dirty="0">
+                <a:solidFill>
+                  <a:srgbClr val="0070C0"/>
+                </a:solidFill>
+              </a:rPr>
+              <a:t>13. </a:t>
+            </a:r>
+            <a:r>
+              <a:rPr lang="ko-KR" altLang="en-US" sz="1000" dirty="0">
+                <a:solidFill>
+                  <a:srgbClr val="0070C0"/>
+                </a:solidFill>
+              </a:rPr>
+              <a:t>합명</a:t>
+            </a:r>
+            <a:r>
+              <a:rPr lang="en-US" altLang="ko-KR" sz="1000" dirty="0">
+                <a:solidFill>
+                  <a:srgbClr val="0070C0"/>
+                </a:solidFill>
+              </a:rPr>
+              <a:t>,</a:t>
+            </a:r>
+            <a:r>
+              <a:rPr lang="ko-KR" altLang="en-US" sz="1000" dirty="0">
+                <a:solidFill>
+                  <a:srgbClr val="0070C0"/>
+                </a:solidFill>
+              </a:rPr>
+              <a:t>합자</a:t>
+            </a:r>
+            <a:r>
+              <a:rPr lang="en-US" altLang="ko-KR" sz="1000" dirty="0">
+                <a:solidFill>
+                  <a:srgbClr val="0070C0"/>
+                </a:solidFill>
+              </a:rPr>
+              <a:t>,</a:t>
+            </a:r>
+            <a:r>
+              <a:rPr lang="ko-KR" altLang="en-US" sz="1000" dirty="0">
+                <a:solidFill>
+                  <a:srgbClr val="0070C0"/>
+                </a:solidFill>
+              </a:rPr>
+              <a:t>유한회사 출자지분</a:t>
+            </a:r>
+          </a:p>
+          <a:p>
+            <a:pPr>
+              <a:lnSpc>
+                <a:spcPct val="150000"/>
+              </a:lnSpc>
+            </a:pPr>
+            <a:r>
+              <a:rPr lang="en-US" altLang="ko-KR" sz="1000" dirty="0">
+                <a:solidFill>
+                  <a:srgbClr val="0070C0"/>
+                </a:solidFill>
+              </a:rPr>
+              <a:t>14. </a:t>
+            </a:r>
+            <a:r>
+              <a:rPr lang="ko-KR" altLang="en-US" sz="1000" dirty="0">
+                <a:solidFill>
+                  <a:srgbClr val="0070C0"/>
+                </a:solidFill>
+              </a:rPr>
+              <a:t>비영리법인에 출연한 재산</a:t>
+            </a:r>
+          </a:p>
+        </p:txBody>
+      </p:sp>
+      <p:sp>
+        <p:nvSpPr>
+          <p:cNvPr id="9" name="직사각형 8">
+            <a:extLst>
+              <a:ext uri="{FF2B5EF4-FFF2-40B4-BE49-F238E27FC236}">
+                <a16:creationId xmlns:a16="http://schemas.microsoft.com/office/drawing/2014/main" id="{47542A8D-4606-42AB-8E85-A8DC080A00AA}"/>
+              </a:ext>
+            </a:extLst>
+          </p:cNvPr>
+          <p:cNvSpPr/>
+          <p:nvPr/>
+        </p:nvSpPr>
+        <p:spPr>
+          <a:xfrm>
+            <a:off x="778655" y="4589521"/>
+            <a:ext cx="3606800" cy="149909"/>
+          </a:xfrm>
+          <a:prstGeom prst="rect">
+            <a:avLst/>
+          </a:prstGeom>
+          <a:solidFill>
+            <a:schemeClr val="accent1">
+              <a:alpha val="20000"/>
+            </a:schemeClr>
+          </a:solidFill>
+          <a:ln>
+            <a:noFill/>
+          </a:ln>
+        </p:spPr>
+        <p:style>
+          <a:lnRef idx="2">
+            <a:schemeClr val="accent1">
+              <a:shade val="50000"/>
+            </a:schemeClr>
+          </a:lnRef>
+          <a:fillRef idx="1">
+            <a:schemeClr val="accent1"/>
+          </a:fillRef>
+          <a:effectRef idx="0">
+            <a:schemeClr val="accent1"/>
+          </a:effectRef>
+          <a:fontRef idx="minor">
+            <a:schemeClr val="lt1"/>
+          </a:fontRef>
+        </p:style>
+        <p:txBody>
+          <a:bodyPr rtlCol="0" anchor="ctr"/>
+          <a:lstStyle/>
+          <a:p>
+            <a:pPr algn="ctr"/>
+            <a:endParaRPr lang="ko-KR" altLang="en-US"/>
+          </a:p>
+        </p:txBody>
+      </p:sp>
+      <p:sp>
+        <p:nvSpPr>
+          <p:cNvPr id="10" name="직사각형 9">
+            <a:extLst>
+              <a:ext uri="{FF2B5EF4-FFF2-40B4-BE49-F238E27FC236}">
+                <a16:creationId xmlns:a16="http://schemas.microsoft.com/office/drawing/2014/main" id="{A1FD8F3B-E948-4E84-BD70-E46C9A0702AE}"/>
+              </a:ext>
+            </a:extLst>
+          </p:cNvPr>
+          <p:cNvSpPr/>
+          <p:nvPr/>
+        </p:nvSpPr>
+        <p:spPr>
+          <a:xfrm>
+            <a:off x="813762" y="4140025"/>
+            <a:ext cx="3606800" cy="149909"/>
+          </a:xfrm>
+          <a:prstGeom prst="rect">
+            <a:avLst/>
+          </a:prstGeom>
+          <a:solidFill>
+            <a:schemeClr val="accent1">
+              <a:alpha val="20000"/>
+            </a:schemeClr>
+          </a:solidFill>
+          <a:ln>
+            <a:noFill/>
+          </a:ln>
+        </p:spPr>
+        <p:style>
+          <a:lnRef idx="2">
+            <a:schemeClr val="accent1">
+              <a:shade val="50000"/>
+            </a:schemeClr>
+          </a:lnRef>
+          <a:fillRef idx="1">
+            <a:schemeClr val="accent1"/>
+          </a:fillRef>
+          <a:effectRef idx="0">
+            <a:schemeClr val="accent1"/>
+          </a:effectRef>
+          <a:fontRef idx="minor">
+            <a:schemeClr val="lt1"/>
+          </a:fontRef>
+        </p:style>
+        <p:txBody>
+          <a:bodyPr rtlCol="0" anchor="ctr"/>
+          <a:lstStyle/>
+          <a:p>
+            <a:pPr algn="ctr"/>
+            <a:endParaRPr lang="ko-KR" altLang="en-US"/>
+          </a:p>
+        </p:txBody>
+      </p:sp>
+      <p:sp>
+        <p:nvSpPr>
+          <p:cNvPr id="11" name="직사각형 10">
+            <a:extLst>
+              <a:ext uri="{FF2B5EF4-FFF2-40B4-BE49-F238E27FC236}">
+                <a16:creationId xmlns:a16="http://schemas.microsoft.com/office/drawing/2014/main" id="{74962E2D-96DD-462D-9894-49579F9A1034}"/>
+              </a:ext>
+            </a:extLst>
+          </p:cNvPr>
+          <p:cNvSpPr/>
+          <p:nvPr/>
+        </p:nvSpPr>
+        <p:spPr>
+          <a:xfrm>
+            <a:off x="813762" y="2497611"/>
+            <a:ext cx="3606800" cy="149909"/>
+          </a:xfrm>
+          <a:prstGeom prst="rect">
+            <a:avLst/>
+          </a:prstGeom>
+          <a:solidFill>
+            <a:schemeClr val="accent1">
+              <a:alpha val="20000"/>
+            </a:schemeClr>
+          </a:solidFill>
+          <a:ln>
+            <a:noFill/>
+          </a:ln>
+        </p:spPr>
+        <p:style>
+          <a:lnRef idx="2">
+            <a:schemeClr val="accent1">
+              <a:shade val="50000"/>
+            </a:schemeClr>
+          </a:lnRef>
+          <a:fillRef idx="1">
+            <a:schemeClr val="accent1"/>
+          </a:fillRef>
+          <a:effectRef idx="0">
+            <a:schemeClr val="accent1"/>
+          </a:effectRef>
+          <a:fontRef idx="minor">
+            <a:schemeClr val="lt1"/>
+          </a:fontRef>
+        </p:style>
+        <p:txBody>
+          <a:bodyPr rtlCol="0" anchor="ctr"/>
+          <a:lstStyle/>
+          <a:p>
+            <a:pPr algn="ctr"/>
+            <a:endParaRPr lang="ko-KR" altLang="en-US"/>
+          </a:p>
+        </p:txBody>
+      </p:sp>
+      <p:sp>
+        <p:nvSpPr>
+          <p:cNvPr id="12" name="직사각형 11">
+            <a:extLst>
+              <a:ext uri="{FF2B5EF4-FFF2-40B4-BE49-F238E27FC236}">
+                <a16:creationId xmlns:a16="http://schemas.microsoft.com/office/drawing/2014/main" id="{55ED0934-064C-4F37-80F7-75624C42947E}"/>
+              </a:ext>
+            </a:extLst>
+          </p:cNvPr>
+          <p:cNvSpPr/>
+          <p:nvPr/>
+        </p:nvSpPr>
+        <p:spPr>
+          <a:xfrm>
+            <a:off x="813762" y="4361349"/>
+            <a:ext cx="3606800" cy="149909"/>
+          </a:xfrm>
+          <a:prstGeom prst="rect">
+            <a:avLst/>
+          </a:prstGeom>
+          <a:solidFill>
+            <a:schemeClr val="accent1">
+              <a:alpha val="20000"/>
+            </a:schemeClr>
+          </a:solidFill>
+          <a:ln>
+            <a:noFill/>
+          </a:ln>
+        </p:spPr>
+        <p:style>
+          <a:lnRef idx="2">
+            <a:schemeClr val="accent1">
+              <a:shade val="50000"/>
+            </a:schemeClr>
+          </a:lnRef>
+          <a:fillRef idx="1">
+            <a:schemeClr val="accent1"/>
+          </a:fillRef>
+          <a:effectRef idx="0">
+            <a:schemeClr val="accent1"/>
+          </a:effectRef>
+          <a:fontRef idx="minor">
+            <a:schemeClr val="lt1"/>
+          </a:fontRef>
+        </p:style>
+        <p:txBody>
+          <a:bodyPr rtlCol="0" anchor="ctr"/>
+          <a:lstStyle/>
+          <a:p>
+            <a:pPr algn="ctr"/>
+            <a:endParaRPr lang="ko-KR" altLang="en-US"/>
+          </a:p>
+        </p:txBody>
+      </p:sp>
+      <p:sp>
+        <p:nvSpPr>
+          <p:cNvPr id="13" name="직사각형 12">
+            <a:extLst>
+              <a:ext uri="{FF2B5EF4-FFF2-40B4-BE49-F238E27FC236}">
+                <a16:creationId xmlns:a16="http://schemas.microsoft.com/office/drawing/2014/main" id="{34BDF832-E80E-47FB-82B9-CFE44350211E}"/>
+              </a:ext>
+            </a:extLst>
+          </p:cNvPr>
+          <p:cNvSpPr/>
+          <p:nvPr/>
+        </p:nvSpPr>
+        <p:spPr>
+          <a:xfrm>
+            <a:off x="813762" y="2680678"/>
+            <a:ext cx="3606800" cy="149909"/>
+          </a:xfrm>
+          <a:prstGeom prst="rect">
+            <a:avLst/>
+          </a:prstGeom>
+          <a:solidFill>
+            <a:schemeClr val="accent1">
+              <a:alpha val="20000"/>
+            </a:schemeClr>
+          </a:solidFill>
+          <a:ln>
+            <a:noFill/>
+          </a:ln>
+        </p:spPr>
+        <p:style>
+          <a:lnRef idx="2">
+            <a:schemeClr val="accent1">
+              <a:shade val="50000"/>
+            </a:schemeClr>
+          </a:lnRef>
+          <a:fillRef idx="1">
+            <a:schemeClr val="accent1"/>
+          </a:fillRef>
+          <a:effectRef idx="0">
+            <a:schemeClr val="accent1"/>
+          </a:effectRef>
+          <a:fontRef idx="minor">
+            <a:schemeClr val="lt1"/>
+          </a:fontRef>
+        </p:style>
+        <p:txBody>
+          <a:bodyPr rtlCol="0" anchor="ctr"/>
+          <a:lstStyle/>
+          <a:p>
+            <a:pPr algn="ctr"/>
+            <a:endParaRPr lang="ko-KR" altLang="en-US"/>
+          </a:p>
+        </p:txBody>
+      </p:sp>
+      <p:sp>
+        <p:nvSpPr>
+          <p:cNvPr id="14" name="직사각형 13">
+            <a:extLst>
+              <a:ext uri="{FF2B5EF4-FFF2-40B4-BE49-F238E27FC236}">
+                <a16:creationId xmlns:a16="http://schemas.microsoft.com/office/drawing/2014/main" id="{5B8AC4F7-9782-4264-B958-5E75243D6944}"/>
+              </a:ext>
+            </a:extLst>
+          </p:cNvPr>
+          <p:cNvSpPr/>
+          <p:nvPr/>
+        </p:nvSpPr>
+        <p:spPr>
+          <a:xfrm>
+            <a:off x="813762" y="2902002"/>
+            <a:ext cx="3606800" cy="149909"/>
+          </a:xfrm>
+          <a:prstGeom prst="rect">
+            <a:avLst/>
+          </a:prstGeom>
+          <a:solidFill>
+            <a:schemeClr val="accent1">
+              <a:alpha val="20000"/>
+            </a:schemeClr>
+          </a:solidFill>
+          <a:ln>
+            <a:noFill/>
+          </a:ln>
+        </p:spPr>
+        <p:style>
+          <a:lnRef idx="2">
+            <a:schemeClr val="accent1">
+              <a:shade val="50000"/>
+            </a:schemeClr>
+          </a:lnRef>
+          <a:fillRef idx="1">
+            <a:schemeClr val="accent1"/>
+          </a:fillRef>
+          <a:effectRef idx="0">
+            <a:schemeClr val="accent1"/>
+          </a:effectRef>
+          <a:fontRef idx="minor">
+            <a:schemeClr val="lt1"/>
+          </a:fontRef>
+        </p:style>
+        <p:txBody>
+          <a:bodyPr rtlCol="0" anchor="ctr"/>
+          <a:lstStyle/>
+          <a:p>
+            <a:pPr algn="ctr"/>
+            <a:endParaRPr lang="ko-KR" altLang="en-US"/>
+          </a:p>
+        </p:txBody>
+      </p:sp>
+      <p:sp>
+        <p:nvSpPr>
+          <p:cNvPr id="15" name="직사각형 14">
+            <a:extLst>
+              <a:ext uri="{FF2B5EF4-FFF2-40B4-BE49-F238E27FC236}">
+                <a16:creationId xmlns:a16="http://schemas.microsoft.com/office/drawing/2014/main" id="{F8637172-84C1-47E3-9CD9-DA461F6C34EC}"/>
+              </a:ext>
+            </a:extLst>
+          </p:cNvPr>
+          <p:cNvSpPr/>
+          <p:nvPr/>
+        </p:nvSpPr>
+        <p:spPr>
+          <a:xfrm>
+            <a:off x="813762" y="3100471"/>
+            <a:ext cx="3606800" cy="149909"/>
+          </a:xfrm>
+          <a:prstGeom prst="rect">
+            <a:avLst/>
+          </a:prstGeom>
+          <a:solidFill>
+            <a:schemeClr val="accent1">
+              <a:alpha val="20000"/>
+            </a:schemeClr>
+          </a:solidFill>
+          <a:ln>
+            <a:noFill/>
+          </a:ln>
+        </p:spPr>
+        <p:style>
+          <a:lnRef idx="2">
+            <a:schemeClr val="accent1">
+              <a:shade val="50000"/>
+            </a:schemeClr>
+          </a:lnRef>
+          <a:fillRef idx="1">
+            <a:schemeClr val="accent1"/>
+          </a:fillRef>
+          <a:effectRef idx="0">
+            <a:schemeClr val="accent1"/>
+          </a:effectRef>
+          <a:fontRef idx="minor">
+            <a:schemeClr val="lt1"/>
+          </a:fontRef>
+        </p:style>
+        <p:txBody>
+          <a:bodyPr rtlCol="0" anchor="ctr"/>
+          <a:lstStyle/>
+          <a:p>
+            <a:pPr algn="ctr"/>
+            <a:endParaRPr lang="ko-KR" altLang="en-US"/>
+          </a:p>
+        </p:txBody>
+      </p:sp>
+      <p:sp>
+        <p:nvSpPr>
+          <p:cNvPr id="16" name="직사각형 15">
+            <a:extLst>
+              <a:ext uri="{FF2B5EF4-FFF2-40B4-BE49-F238E27FC236}">
+                <a16:creationId xmlns:a16="http://schemas.microsoft.com/office/drawing/2014/main" id="{1DDF5F9D-3894-4CB5-99B5-01CFC931A345}"/>
+              </a:ext>
+            </a:extLst>
+          </p:cNvPr>
+          <p:cNvSpPr/>
+          <p:nvPr/>
+        </p:nvSpPr>
+        <p:spPr>
+          <a:xfrm>
+            <a:off x="778655" y="3731135"/>
+            <a:ext cx="3606800" cy="149909"/>
+          </a:xfrm>
+          <a:prstGeom prst="rect">
+            <a:avLst/>
+          </a:prstGeom>
+          <a:solidFill>
+            <a:schemeClr val="accent1">
+              <a:alpha val="20000"/>
+            </a:schemeClr>
+          </a:solidFill>
+          <a:ln>
+            <a:noFill/>
+          </a:ln>
+        </p:spPr>
+        <p:style>
+          <a:lnRef idx="2">
+            <a:schemeClr val="accent1">
+              <a:shade val="50000"/>
+            </a:schemeClr>
+          </a:lnRef>
+          <a:fillRef idx="1">
+            <a:schemeClr val="accent1"/>
+          </a:fillRef>
+          <a:effectRef idx="0">
+            <a:schemeClr val="accent1"/>
+          </a:effectRef>
+          <a:fontRef idx="minor">
+            <a:schemeClr val="lt1"/>
+          </a:fontRef>
+        </p:style>
+        <p:txBody>
+          <a:bodyPr rtlCol="0" anchor="ctr"/>
+          <a:lstStyle/>
+          <a:p>
+            <a:pPr algn="ctr"/>
+            <a:endParaRPr lang="ko-KR" altLang="en-US"/>
+          </a:p>
+        </p:txBody>
+      </p:sp>
+      <p:sp>
+        <p:nvSpPr>
+          <p:cNvPr id="17" name="직사각형 16">
+            <a:extLst>
+              <a:ext uri="{FF2B5EF4-FFF2-40B4-BE49-F238E27FC236}">
+                <a16:creationId xmlns:a16="http://schemas.microsoft.com/office/drawing/2014/main" id="{770CBAA3-18E5-486D-A261-264DA6F8AC76}"/>
+              </a:ext>
+            </a:extLst>
+          </p:cNvPr>
+          <p:cNvSpPr/>
+          <p:nvPr/>
+        </p:nvSpPr>
+        <p:spPr>
+          <a:xfrm>
+            <a:off x="813762" y="3936242"/>
+            <a:ext cx="3606800" cy="149909"/>
+          </a:xfrm>
+          <a:prstGeom prst="rect">
+            <a:avLst/>
+          </a:prstGeom>
+          <a:solidFill>
+            <a:schemeClr val="accent1">
+              <a:alpha val="20000"/>
+            </a:schemeClr>
+          </a:solidFill>
+          <a:ln>
+            <a:noFill/>
+          </a:ln>
+        </p:spPr>
+        <p:style>
+          <a:lnRef idx="2">
+            <a:schemeClr val="accent1">
+              <a:shade val="50000"/>
+            </a:schemeClr>
+          </a:lnRef>
+          <a:fillRef idx="1">
+            <a:schemeClr val="accent1"/>
+          </a:fillRef>
+          <a:effectRef idx="0">
+            <a:schemeClr val="accent1"/>
+          </a:effectRef>
+          <a:fontRef idx="minor">
+            <a:schemeClr val="lt1"/>
+          </a:fontRef>
+        </p:style>
+        <p:txBody>
+          <a:bodyPr rtlCol="0" anchor="ctr"/>
+          <a:lstStyle/>
+          <a:p>
+            <a:pPr algn="ctr"/>
+            <a:endParaRPr lang="ko-KR" altLang="en-US"/>
+          </a:p>
+        </p:txBody>
+      </p:sp>
+      <p:sp>
+        <p:nvSpPr>
+          <p:cNvPr id="18" name="직사각형 17">
+            <a:extLst>
+              <a:ext uri="{FF2B5EF4-FFF2-40B4-BE49-F238E27FC236}">
+                <a16:creationId xmlns:a16="http://schemas.microsoft.com/office/drawing/2014/main" id="{12003631-5CB5-41B5-BC0F-963060694768}"/>
+              </a:ext>
+            </a:extLst>
+          </p:cNvPr>
+          <p:cNvSpPr/>
+          <p:nvPr/>
+        </p:nvSpPr>
+        <p:spPr>
+          <a:xfrm>
+            <a:off x="813762" y="2050014"/>
+            <a:ext cx="3606800" cy="188616"/>
+          </a:xfrm>
+          <a:prstGeom prst="rect">
+            <a:avLst/>
+          </a:prstGeom>
+          <a:solidFill>
+            <a:schemeClr val="accent1">
+              <a:alpha val="20000"/>
+            </a:schemeClr>
+          </a:solidFill>
+          <a:ln>
+            <a:noFill/>
+          </a:ln>
+        </p:spPr>
+        <p:style>
+          <a:lnRef idx="2">
+            <a:schemeClr val="accent1">
+              <a:shade val="50000"/>
+            </a:schemeClr>
+          </a:lnRef>
+          <a:fillRef idx="1">
+            <a:schemeClr val="accent1"/>
+          </a:fillRef>
+          <a:effectRef idx="0">
+            <a:schemeClr val="accent1"/>
+          </a:effectRef>
+          <a:fontRef idx="minor">
+            <a:schemeClr val="lt1"/>
+          </a:fontRef>
+        </p:style>
+        <p:txBody>
+          <a:bodyPr rtlCol="0" anchor="ctr"/>
+          <a:lstStyle/>
+          <a:p>
+            <a:pPr algn="ctr"/>
+            <a:endParaRPr lang="ko-KR" altLang="en-US"/>
+          </a:p>
+        </p:txBody>
+      </p:sp>
+      <p:sp>
+        <p:nvSpPr>
+          <p:cNvPr id="19" name="직사각형 18">
+            <a:extLst>
+              <a:ext uri="{FF2B5EF4-FFF2-40B4-BE49-F238E27FC236}">
+                <a16:creationId xmlns:a16="http://schemas.microsoft.com/office/drawing/2014/main" id="{8B75C5F2-0AE4-4CCB-9D4B-B9C2D2228F87}"/>
+              </a:ext>
+            </a:extLst>
+          </p:cNvPr>
+          <p:cNvSpPr/>
+          <p:nvPr/>
+        </p:nvSpPr>
+        <p:spPr>
+          <a:xfrm>
+            <a:off x="813762" y="1827481"/>
+            <a:ext cx="3606800" cy="188615"/>
+          </a:xfrm>
+          <a:prstGeom prst="rect">
+            <a:avLst/>
+          </a:prstGeom>
+          <a:solidFill>
+            <a:srgbClr val="FFC000">
+              <a:alpha val="20000"/>
+            </a:srgbClr>
+          </a:solidFill>
+          <a:ln>
+            <a:noFill/>
+          </a:ln>
+        </p:spPr>
+        <p:style>
+          <a:lnRef idx="2">
+            <a:schemeClr val="accent1">
+              <a:shade val="50000"/>
+            </a:schemeClr>
+          </a:lnRef>
+          <a:fillRef idx="1">
+            <a:schemeClr val="accent1"/>
+          </a:fillRef>
+          <a:effectRef idx="0">
+            <a:schemeClr val="accent1"/>
+          </a:effectRef>
+          <a:fontRef idx="minor">
+            <a:schemeClr val="lt1"/>
+          </a:fontRef>
+        </p:style>
+        <p:txBody>
+          <a:bodyPr rtlCol="0" anchor="ctr"/>
+          <a:lstStyle/>
+          <a:p>
+            <a:pPr algn="ctr"/>
+            <a:endParaRPr lang="ko-KR" altLang="en-US"/>
+          </a:p>
+        </p:txBody>
+      </p:sp>
+      <p:sp>
+        <p:nvSpPr>
+          <p:cNvPr id="20" name="직사각형 19">
+            <a:extLst>
+              <a:ext uri="{FF2B5EF4-FFF2-40B4-BE49-F238E27FC236}">
+                <a16:creationId xmlns:a16="http://schemas.microsoft.com/office/drawing/2014/main" id="{31CF6F94-EEF0-4753-8EA3-F9A8BBEDE6EE}"/>
+              </a:ext>
+            </a:extLst>
+          </p:cNvPr>
+          <p:cNvSpPr/>
+          <p:nvPr/>
+        </p:nvSpPr>
+        <p:spPr>
+          <a:xfrm>
+            <a:off x="791147" y="4764226"/>
+            <a:ext cx="3606800" cy="149909"/>
+          </a:xfrm>
+          <a:prstGeom prst="rect">
+            <a:avLst/>
+          </a:prstGeom>
+          <a:solidFill>
+            <a:schemeClr val="accent1">
+              <a:alpha val="20000"/>
+            </a:schemeClr>
+          </a:solidFill>
+          <a:ln>
+            <a:noFill/>
+          </a:ln>
+        </p:spPr>
+        <p:style>
+          <a:lnRef idx="2">
+            <a:schemeClr val="accent1">
+              <a:shade val="50000"/>
+            </a:schemeClr>
+          </a:lnRef>
+          <a:fillRef idx="1">
+            <a:schemeClr val="accent1"/>
+          </a:fillRef>
+          <a:effectRef idx="0">
+            <a:schemeClr val="accent1"/>
+          </a:effectRef>
+          <a:fontRef idx="minor">
+            <a:schemeClr val="lt1"/>
+          </a:fontRef>
+        </p:style>
+        <p:txBody>
+          <a:bodyPr rtlCol="0" anchor="ctr"/>
+          <a:lstStyle/>
+          <a:p>
+            <a:pPr algn="ctr"/>
+            <a:endParaRPr lang="ko-KR" altLang="en-US"/>
+          </a:p>
+        </p:txBody>
+      </p:sp>
+      <p:sp>
+        <p:nvSpPr>
+          <p:cNvPr id="21" name="직사각형 20">
+            <a:extLst>
+              <a:ext uri="{FF2B5EF4-FFF2-40B4-BE49-F238E27FC236}">
+                <a16:creationId xmlns:a16="http://schemas.microsoft.com/office/drawing/2014/main" id="{DAC74B54-E30B-4315-B3CC-30ECB7A6973F}"/>
+              </a:ext>
+            </a:extLst>
+          </p:cNvPr>
+          <p:cNvSpPr/>
+          <p:nvPr/>
+        </p:nvSpPr>
+        <p:spPr>
+          <a:xfrm>
+            <a:off x="791147" y="3516449"/>
+            <a:ext cx="3606800" cy="149909"/>
+          </a:xfrm>
+          <a:prstGeom prst="rect">
+            <a:avLst/>
+          </a:prstGeom>
+          <a:solidFill>
+            <a:schemeClr val="accent1">
+              <a:alpha val="20000"/>
+            </a:schemeClr>
+          </a:solidFill>
+          <a:ln>
+            <a:noFill/>
+          </a:ln>
+        </p:spPr>
+        <p:style>
+          <a:lnRef idx="2">
+            <a:schemeClr val="accent1">
+              <a:shade val="50000"/>
+            </a:schemeClr>
+          </a:lnRef>
+          <a:fillRef idx="1">
+            <a:schemeClr val="accent1"/>
+          </a:fillRef>
+          <a:effectRef idx="0">
+            <a:schemeClr val="accent1"/>
+          </a:effectRef>
+          <a:fontRef idx="minor">
+            <a:schemeClr val="lt1"/>
+          </a:fontRef>
+        </p:style>
+        <p:txBody>
+          <a:bodyPr rtlCol="0" anchor="ctr"/>
+          <a:lstStyle/>
+          <a:p>
+            <a:pPr algn="ctr"/>
+            <a:endParaRPr lang="ko-KR" altLang="en-US"/>
+          </a:p>
+        </p:txBody>
+      </p:sp>
+      <p:sp>
+        <p:nvSpPr>
+          <p:cNvPr id="22" name="직사각형 21">
+            <a:extLst>
+              <a:ext uri="{FF2B5EF4-FFF2-40B4-BE49-F238E27FC236}">
+                <a16:creationId xmlns:a16="http://schemas.microsoft.com/office/drawing/2014/main" id="{5DDD37BA-6226-4642-A85A-26B911782AF2}"/>
+              </a:ext>
+            </a:extLst>
+          </p:cNvPr>
+          <p:cNvSpPr/>
+          <p:nvPr/>
+        </p:nvSpPr>
+        <p:spPr>
+          <a:xfrm>
+            <a:off x="791147" y="3308607"/>
+            <a:ext cx="3606800" cy="149909"/>
+          </a:xfrm>
+          <a:prstGeom prst="rect">
+            <a:avLst/>
+          </a:prstGeom>
+          <a:solidFill>
+            <a:schemeClr val="accent1">
+              <a:alpha val="20000"/>
+            </a:schemeClr>
+          </a:solidFill>
+          <a:ln>
+            <a:noFill/>
+          </a:ln>
+        </p:spPr>
+        <p:style>
+          <a:lnRef idx="2">
+            <a:schemeClr val="accent1">
+              <a:shade val="50000"/>
+            </a:schemeClr>
+          </a:lnRef>
+          <a:fillRef idx="1">
+            <a:schemeClr val="accent1"/>
+          </a:fillRef>
+          <a:effectRef idx="0">
+            <a:schemeClr val="accent1"/>
+          </a:effectRef>
+          <a:fontRef idx="minor">
+            <a:schemeClr val="lt1"/>
+          </a:fontRef>
+        </p:style>
+        <p:txBody>
+          <a:bodyPr rtlCol="0" anchor="ctr"/>
+          <a:lstStyle/>
+          <a:p>
+            <a:pPr algn="ctr"/>
+            <a:endParaRPr lang="ko-KR" altLang="en-US"/>
+          </a:p>
+        </p:txBody>
+      </p:sp>
+      <p:sp>
+        <p:nvSpPr>
+          <p:cNvPr id="23" name="직사각형 22">
+            <a:extLst>
+              <a:ext uri="{FF2B5EF4-FFF2-40B4-BE49-F238E27FC236}">
+                <a16:creationId xmlns:a16="http://schemas.microsoft.com/office/drawing/2014/main" id="{1C1E4798-D1B8-4C83-80D9-242189A07B91}"/>
+              </a:ext>
+            </a:extLst>
+          </p:cNvPr>
+          <p:cNvSpPr/>
+          <p:nvPr/>
+        </p:nvSpPr>
+        <p:spPr>
+          <a:xfrm>
+            <a:off x="813762" y="1470912"/>
+            <a:ext cx="3606800" cy="149909"/>
+          </a:xfrm>
+          <a:prstGeom prst="rect">
+            <a:avLst/>
+          </a:prstGeom>
+          <a:solidFill>
+            <a:schemeClr val="accent1">
+              <a:alpha val="20000"/>
+            </a:schemeClr>
+          </a:solidFill>
+          <a:ln>
+            <a:noFill/>
+          </a:ln>
+        </p:spPr>
+        <p:style>
+          <a:lnRef idx="2">
+            <a:schemeClr val="accent1">
+              <a:shade val="50000"/>
+            </a:schemeClr>
+          </a:lnRef>
+          <a:fillRef idx="1">
+            <a:schemeClr val="accent1"/>
+          </a:fillRef>
+          <a:effectRef idx="0">
+            <a:schemeClr val="accent1"/>
+          </a:effectRef>
+          <a:fontRef idx="minor">
+            <a:schemeClr val="lt1"/>
+          </a:fontRef>
+        </p:style>
+        <p:txBody>
+          <a:bodyPr rtlCol="0" anchor="ctr"/>
+          <a:lstStyle/>
+          <a:p>
+            <a:pPr algn="ctr"/>
+            <a:endParaRPr lang="ko-KR" altLang="en-US"/>
+          </a:p>
+        </p:txBody>
+      </p:sp>
+      <p:sp>
+        <p:nvSpPr>
+          <p:cNvPr id="24" name="직사각형 23">
+            <a:extLst>
+              <a:ext uri="{FF2B5EF4-FFF2-40B4-BE49-F238E27FC236}">
+                <a16:creationId xmlns:a16="http://schemas.microsoft.com/office/drawing/2014/main" id="{CF0F83EE-C3DB-4ED2-8CC1-21F2CA601631}"/>
+              </a:ext>
+            </a:extLst>
+          </p:cNvPr>
+          <p:cNvSpPr/>
+          <p:nvPr/>
+        </p:nvSpPr>
+        <p:spPr>
+          <a:xfrm>
+            <a:off x="791147" y="2277670"/>
+            <a:ext cx="3606800" cy="188616"/>
+          </a:xfrm>
+          <a:prstGeom prst="rect">
+            <a:avLst/>
+          </a:prstGeom>
+          <a:solidFill>
+            <a:srgbClr val="FFC000">
+              <a:alpha val="20000"/>
+            </a:srgbClr>
+          </a:solidFill>
+          <a:ln>
+            <a:noFill/>
+          </a:ln>
+        </p:spPr>
+        <p:style>
+          <a:lnRef idx="2">
+            <a:schemeClr val="accent1">
+              <a:shade val="50000"/>
+            </a:schemeClr>
+          </a:lnRef>
+          <a:fillRef idx="1">
+            <a:schemeClr val="accent1"/>
+          </a:fillRef>
+          <a:effectRef idx="0">
+            <a:schemeClr val="accent1"/>
+          </a:effectRef>
+          <a:fontRef idx="minor">
+            <a:schemeClr val="lt1"/>
+          </a:fontRef>
+        </p:style>
+        <p:txBody>
+          <a:bodyPr rtlCol="0" anchor="ctr"/>
+          <a:lstStyle/>
+          <a:p>
+            <a:pPr algn="ctr"/>
+            <a:endParaRPr lang="ko-KR" altLang="en-US"/>
+          </a:p>
+        </p:txBody>
+      </p:sp>
+    </p:spTree>
+    <p:extLst>
+      <p:ext uri="{BB962C8B-B14F-4D97-AF65-F5344CB8AC3E}">
+        <p14:creationId xmlns:p14="http://schemas.microsoft.com/office/powerpoint/2010/main" val="2395269343"/>
+      </p:ext>
+    </p:extLst>
+  </p:cSld>
+  <p:clrMapOvr>
+    <a:masterClrMapping/>
+  </p:clrMapOvr>
+</p:sld>
+</file>
+
+<file path=ppt/slides/slide12.xml><?xml version="1.0" encoding="utf-8"?>
+<p:sld xmlns:a="http://schemas.openxmlformats.org/drawingml/2006/main" xmlns:r="http://schemas.openxmlformats.org/officeDocument/2006/relationships" xmlns:p="http://schemas.openxmlformats.org/presentationml/2006/main">
+  <p:cSld>
+    <p:spTree>
+      <p:nvGrpSpPr>
+        <p:cNvPr id="1" name=""/>
+        <p:cNvGrpSpPr/>
+        <p:nvPr/>
+      </p:nvGrpSpPr>
+      <p:grpSpPr>
+        <a:xfrm>
+          <a:off x="0" y="0"/>
+          <a:ext cx="0" cy="0"/>
+          <a:chOff x="0" y="0"/>
+          <a:chExt cx="0" cy="0"/>
+        </a:xfrm>
+      </p:grpSpPr>
+      <p:pic>
+        <p:nvPicPr>
+          <p:cNvPr id="2" name="그림 1">
+            <a:extLst>
+              <a:ext uri="{FF2B5EF4-FFF2-40B4-BE49-F238E27FC236}">
+                <a16:creationId xmlns:a16="http://schemas.microsoft.com/office/drawing/2014/main" id="{CE3D5329-02C5-4634-BA5C-7DFCC691C0F1}"/>
+              </a:ext>
+            </a:extLst>
+          </p:cNvPr>
+          <p:cNvPicPr>
+            <a:picLocks noChangeAspect="1"/>
+          </p:cNvPicPr>
+          <p:nvPr/>
+        </p:nvPicPr>
+        <p:blipFill>
+          <a:blip r:embed="rId2"/>
+          <a:stretch>
+            <a:fillRect/>
+          </a:stretch>
+        </p:blipFill>
+        <p:spPr>
+          <a:xfrm>
+            <a:off x="2916315" y="62219"/>
+            <a:ext cx="9148997" cy="4511062"/>
+          </a:xfrm>
+          <a:prstGeom prst="rect">
+            <a:avLst/>
+          </a:prstGeom>
+        </p:spPr>
+      </p:pic>
+      <p:sp>
+        <p:nvSpPr>
+          <p:cNvPr id="3" name="TextBox 2">
+            <a:extLst>
+              <a:ext uri="{FF2B5EF4-FFF2-40B4-BE49-F238E27FC236}">
+                <a16:creationId xmlns:a16="http://schemas.microsoft.com/office/drawing/2014/main" id="{6DB3B8E0-021F-468C-AFD5-E8522C1ADBAA}"/>
+              </a:ext>
+            </a:extLst>
+          </p:cNvPr>
+          <p:cNvSpPr txBox="1"/>
+          <p:nvPr/>
+        </p:nvSpPr>
+        <p:spPr>
+          <a:xfrm>
+            <a:off x="313689" y="255586"/>
+            <a:ext cx="1210588" cy="400110"/>
+          </a:xfrm>
+          <a:prstGeom prst="rect">
+            <a:avLst/>
+          </a:prstGeom>
+          <a:noFill/>
+        </p:spPr>
+        <p:txBody>
+          <a:bodyPr wrap="none" rtlCol="0">
+            <a:spAutoFit/>
+          </a:bodyPr>
+          <a:lstStyle/>
+          <a:p>
+            <a:r>
+              <a:rPr lang="ko-KR" altLang="en-US" sz="2000" dirty="0"/>
+              <a:t>재산구분</a:t>
+            </a:r>
+          </a:p>
+        </p:txBody>
+      </p:sp>
+      <p:pic>
+        <p:nvPicPr>
+          <p:cNvPr id="4" name="그림 3">
+            <a:extLst>
+              <a:ext uri="{FF2B5EF4-FFF2-40B4-BE49-F238E27FC236}">
+                <a16:creationId xmlns:a16="http://schemas.microsoft.com/office/drawing/2014/main" id="{AB3BC258-70B9-4ADC-B398-0808A477DE3E}"/>
+              </a:ext>
+            </a:extLst>
+          </p:cNvPr>
+          <p:cNvPicPr>
+            <a:picLocks noChangeAspect="1"/>
+          </p:cNvPicPr>
+          <p:nvPr/>
+        </p:nvPicPr>
+        <p:blipFill>
+          <a:blip r:embed="rId3"/>
+          <a:stretch>
+            <a:fillRect/>
+          </a:stretch>
+        </p:blipFill>
+        <p:spPr>
+          <a:xfrm>
+            <a:off x="313689" y="2595520"/>
+            <a:ext cx="4016375" cy="3955521"/>
+          </a:xfrm>
+          <a:prstGeom prst="rect">
+            <a:avLst/>
+          </a:prstGeom>
+        </p:spPr>
+      </p:pic>
+    </p:spTree>
+    <p:extLst>
+      <p:ext uri="{BB962C8B-B14F-4D97-AF65-F5344CB8AC3E}">
+        <p14:creationId xmlns:p14="http://schemas.microsoft.com/office/powerpoint/2010/main" val="425469039"/>
+      </p:ext>
+    </p:extLst>
+  </p:cSld>
+  <p:clrMapOvr>
+    <a:masterClrMapping/>
+  </p:clrMapOvr>
+</p:sld>
+</file>
+
+<file path=ppt/slides/slide13.xml><?xml version="1.0" encoding="utf-8"?>
+<p:sld xmlns:a="http://schemas.openxmlformats.org/drawingml/2006/main" xmlns:r="http://schemas.openxmlformats.org/officeDocument/2006/relationships" xmlns:p="http://schemas.openxmlformats.org/presentationml/2006/main">
+  <p:cSld>
+    <p:spTree>
+      <p:nvGrpSpPr>
+        <p:cNvPr id="1" name=""/>
+        <p:cNvGrpSpPr/>
+        <p:nvPr/>
+      </p:nvGrpSpPr>
+      <p:grpSpPr>
+        <a:xfrm>
+          <a:off x="0" y="0"/>
+          <a:ext cx="0" cy="0"/>
+          <a:chOff x="0" y="0"/>
+          <a:chExt cx="0" cy="0"/>
+        </a:xfrm>
+      </p:grpSpPr>
+      <p:sp>
+        <p:nvSpPr>
+          <p:cNvPr id="2" name="TextBox 1">
+            <a:extLst>
+              <a:ext uri="{FF2B5EF4-FFF2-40B4-BE49-F238E27FC236}">
+                <a16:creationId xmlns:a16="http://schemas.microsoft.com/office/drawing/2014/main" id="{082B6FE6-0765-4BF7-B076-ACD37DABAF23}"/>
+              </a:ext>
+            </a:extLst>
+          </p:cNvPr>
+          <p:cNvSpPr txBox="1"/>
+          <p:nvPr/>
+        </p:nvSpPr>
+        <p:spPr>
+          <a:xfrm>
+            <a:off x="313689" y="255586"/>
+            <a:ext cx="3297698" cy="400110"/>
+          </a:xfrm>
+          <a:prstGeom prst="rect">
+            <a:avLst/>
+          </a:prstGeom>
+          <a:noFill/>
+        </p:spPr>
+        <p:txBody>
+          <a:bodyPr wrap="none" rtlCol="0">
+            <a:spAutoFit/>
+          </a:bodyPr>
+          <a:lstStyle/>
+          <a:p>
+            <a:r>
+              <a:rPr lang="ko-KR" altLang="en-US" sz="2000" dirty="0"/>
+              <a:t>재산구분</a:t>
+            </a:r>
+            <a:r>
+              <a:rPr lang="en-US" altLang="ko-KR" sz="2000" dirty="0"/>
+              <a:t>/</a:t>
+            </a:r>
+            <a:r>
+              <a:rPr lang="ko-KR" altLang="en-US" sz="2000" dirty="0"/>
+              <a:t>재산의 종류</a:t>
+            </a:r>
+            <a:r>
+              <a:rPr lang="en-US" altLang="ko-KR" sz="2000" dirty="0"/>
+              <a:t>/</a:t>
+            </a:r>
+            <a:r>
+              <a:rPr lang="ko-KR" altLang="en-US" sz="2000" dirty="0"/>
+              <a:t>건물</a:t>
+            </a:r>
+          </a:p>
+        </p:txBody>
+      </p:sp>
+      <p:pic>
+        <p:nvPicPr>
+          <p:cNvPr id="5" name="그림 4">
+            <a:extLst>
+              <a:ext uri="{FF2B5EF4-FFF2-40B4-BE49-F238E27FC236}">
+                <a16:creationId xmlns:a16="http://schemas.microsoft.com/office/drawing/2014/main" id="{22BDFA09-9BEC-4CE5-B5F9-986AA00A64CB}"/>
+              </a:ext>
+            </a:extLst>
+          </p:cNvPr>
+          <p:cNvPicPr>
+            <a:picLocks noChangeAspect="1"/>
+          </p:cNvPicPr>
+          <p:nvPr/>
+        </p:nvPicPr>
+        <p:blipFill>
+          <a:blip r:embed="rId2"/>
+          <a:stretch>
+            <a:fillRect/>
+          </a:stretch>
+        </p:blipFill>
+        <p:spPr>
+          <a:xfrm>
+            <a:off x="2267578" y="909296"/>
+            <a:ext cx="7531100" cy="5693118"/>
+          </a:xfrm>
+          <a:prstGeom prst="rect">
+            <a:avLst/>
+          </a:prstGeom>
+        </p:spPr>
+      </p:pic>
+      <p:pic>
+        <p:nvPicPr>
+          <p:cNvPr id="6" name="그림 5">
+            <a:extLst>
+              <a:ext uri="{FF2B5EF4-FFF2-40B4-BE49-F238E27FC236}">
+                <a16:creationId xmlns:a16="http://schemas.microsoft.com/office/drawing/2014/main" id="{0F49BA47-CF01-4308-961E-986FD1FBF1D2}"/>
+              </a:ext>
+            </a:extLst>
+          </p:cNvPr>
+          <p:cNvPicPr>
+            <a:picLocks noChangeAspect="1"/>
+          </p:cNvPicPr>
+          <p:nvPr/>
+        </p:nvPicPr>
+        <p:blipFill>
+          <a:blip r:embed="rId3"/>
+          <a:stretch>
+            <a:fillRect/>
+          </a:stretch>
+        </p:blipFill>
+        <p:spPr>
+          <a:xfrm>
+            <a:off x="9976805" y="0"/>
+            <a:ext cx="2215195" cy="6858000"/>
+          </a:xfrm>
+          <a:prstGeom prst="rect">
+            <a:avLst/>
+          </a:prstGeom>
+        </p:spPr>
+      </p:pic>
+    </p:spTree>
+    <p:extLst>
+      <p:ext uri="{BB962C8B-B14F-4D97-AF65-F5344CB8AC3E}">
+        <p14:creationId xmlns:p14="http://schemas.microsoft.com/office/powerpoint/2010/main" val="3182440663"/>
+      </p:ext>
+    </p:extLst>
+  </p:cSld>
+  <p:clrMapOvr>
+    <a:masterClrMapping/>
+  </p:clrMapOvr>
+</p:sld>
+</file>
+
+<file path=ppt/slides/slide14.xml><?xml version="1.0" encoding="utf-8"?>
+<p:sld xmlns:a="http://schemas.openxmlformats.org/drawingml/2006/main" xmlns:r="http://schemas.openxmlformats.org/officeDocument/2006/relationships" xmlns:p="http://schemas.openxmlformats.org/presentationml/2006/main">
+  <p:cSld>
+    <p:spTree>
+      <p:nvGrpSpPr>
+        <p:cNvPr id="1" name=""/>
+        <p:cNvGrpSpPr/>
+        <p:nvPr/>
+      </p:nvGrpSpPr>
+      <p:grpSpPr>
+        <a:xfrm>
+          <a:off x="0" y="0"/>
+          <a:ext cx="0" cy="0"/>
+          <a:chOff x="0" y="0"/>
+          <a:chExt cx="0" cy="0"/>
+        </a:xfrm>
+      </p:grpSpPr>
+    </p:spTree>
+    <p:extLst>
+      <p:ext uri="{BB962C8B-B14F-4D97-AF65-F5344CB8AC3E}">
+        <p14:creationId xmlns:p14="http://schemas.microsoft.com/office/powerpoint/2010/main" val="3084730217"/>
+      </p:ext>
+    </p:extLst>
+  </p:cSld>
+  <p:clrMapOvr>
+    <a:masterClrMapping/>
+  </p:clrMapOvr>
+</p:sld>
+</file>
+
+<file path=ppt/slides/slide15.xml><?xml version="1.0" encoding="utf-8"?>
+<p:sld xmlns:a="http://schemas.openxmlformats.org/drawingml/2006/main" xmlns:r="http://schemas.openxmlformats.org/officeDocument/2006/relationships" xmlns:p="http://schemas.openxmlformats.org/presentationml/2006/main">
+  <p:cSld>
+    <p:spTree>
+      <p:nvGrpSpPr>
+        <p:cNvPr id="1" name=""/>
+        <p:cNvGrpSpPr/>
+        <p:nvPr/>
+      </p:nvGrpSpPr>
+      <p:grpSpPr>
+        <a:xfrm>
+          <a:off x="0" y="0"/>
+          <a:ext cx="0" cy="0"/>
+          <a:chOff x="0" y="0"/>
+          <a:chExt cx="0" cy="0"/>
+        </a:xfrm>
+      </p:grpSpPr>
+    </p:spTree>
+    <p:extLst>
+      <p:ext uri="{BB962C8B-B14F-4D97-AF65-F5344CB8AC3E}">
+        <p14:creationId xmlns:p14="http://schemas.microsoft.com/office/powerpoint/2010/main" val="932921730"/>
+      </p:ext>
+    </p:extLst>
+  </p:cSld>
+  <p:clrMapOvr>
+    <a:masterClrMapping/>
+  </p:clrMapOvr>
+</p:sld>
+</file>
+
+<file path=ppt/slides/slide16.xml><?xml version="1.0" encoding="utf-8"?>
+<p:sld xmlns:a="http://schemas.openxmlformats.org/drawingml/2006/main" xmlns:r="http://schemas.openxmlformats.org/officeDocument/2006/relationships" xmlns:p="http://schemas.openxmlformats.org/presentationml/2006/main">
+  <p:cSld>
+    <p:spTree>
+      <p:nvGrpSpPr>
+        <p:cNvPr id="1" name=""/>
+        <p:cNvGrpSpPr/>
+        <p:nvPr/>
+      </p:nvGrpSpPr>
+      <p:grpSpPr>
+        <a:xfrm>
+          <a:off x="0" y="0"/>
+          <a:ext cx="0" cy="0"/>
+          <a:chOff x="0" y="0"/>
+          <a:chExt cx="0" cy="0"/>
+        </a:xfrm>
+      </p:grpSpPr>
+    </p:spTree>
+    <p:extLst>
+      <p:ext uri="{BB962C8B-B14F-4D97-AF65-F5344CB8AC3E}">
+        <p14:creationId xmlns:p14="http://schemas.microsoft.com/office/powerpoint/2010/main" val="1357233765"/>
+      </p:ext>
+    </p:extLst>
+  </p:cSld>
+  <p:clrMapOvr>
+    <a:masterClrMapping/>
+  </p:clrMapOvr>
+</p:sld>
+</file>
+
+<file path=ppt/slides/slide17.xml><?xml version="1.0" encoding="utf-8"?>
+<p:sld xmlns:a="http://schemas.openxmlformats.org/drawingml/2006/main" xmlns:r="http://schemas.openxmlformats.org/officeDocument/2006/relationships" xmlns:p="http://schemas.openxmlformats.org/presentationml/2006/main">
+  <p:cSld>
+    <p:spTree>
+      <p:nvGrpSpPr>
+        <p:cNvPr id="1" name=""/>
+        <p:cNvGrpSpPr/>
+        <p:nvPr/>
+      </p:nvGrpSpPr>
+      <p:grpSpPr>
+        <a:xfrm>
+          <a:off x="0" y="0"/>
+          <a:ext cx="0" cy="0"/>
+          <a:chOff x="0" y="0"/>
+          <a:chExt cx="0" cy="0"/>
+        </a:xfrm>
+      </p:grpSpPr>
+    </p:spTree>
+    <p:extLst>
+      <p:ext uri="{BB962C8B-B14F-4D97-AF65-F5344CB8AC3E}">
+        <p14:creationId xmlns:p14="http://schemas.microsoft.com/office/powerpoint/2010/main" val="811855226"/>
+      </p:ext>
+    </p:extLst>
+  </p:cSld>
+  <p:clrMapOvr>
+    <a:masterClrMapping/>
+  </p:clrMapOvr>
+</p:sld>
+</file>
+
+<file path=ppt/slides/slide18.xml><?xml version="1.0" encoding="utf-8"?>
+<p:sld xmlns:a="http://schemas.openxmlformats.org/drawingml/2006/main" xmlns:r="http://schemas.openxmlformats.org/officeDocument/2006/relationships" xmlns:p="http://schemas.openxmlformats.org/presentationml/2006/main">
+  <p:cSld>
+    <p:spTree>
+      <p:nvGrpSpPr>
+        <p:cNvPr id="1" name=""/>
+        <p:cNvGrpSpPr/>
+        <p:nvPr/>
+      </p:nvGrpSpPr>
+      <p:grpSpPr>
+        <a:xfrm>
+          <a:off x="0" y="0"/>
+          <a:ext cx="0" cy="0"/>
+          <a:chOff x="0" y="0"/>
+          <a:chExt cx="0" cy="0"/>
+        </a:xfrm>
+      </p:grpSpPr>
+    </p:spTree>
+    <p:extLst>
+      <p:ext uri="{BB962C8B-B14F-4D97-AF65-F5344CB8AC3E}">
+        <p14:creationId xmlns:p14="http://schemas.microsoft.com/office/powerpoint/2010/main" val="628441246"/>
+      </p:ext>
+    </p:extLst>
+  </p:cSld>
+  <p:clrMapOvr>
+    <a:masterClrMapping/>
+  </p:clrMapOvr>
+</p:sld>
+</file>
+
+<file path=ppt/slides/slide19.xml><?xml version="1.0" encoding="utf-8"?>
+<p:sld xmlns:a="http://schemas.openxmlformats.org/drawingml/2006/main" xmlns:r="http://schemas.openxmlformats.org/officeDocument/2006/relationships" xmlns:p="http://schemas.openxmlformats.org/presentationml/2006/main">
+  <p:cSld>
+    <p:spTree>
+      <p:nvGrpSpPr>
+        <p:cNvPr id="1" name=""/>
+        <p:cNvGrpSpPr/>
+        <p:nvPr/>
+      </p:nvGrpSpPr>
+      <p:grpSpPr>
+        <a:xfrm>
+          <a:off x="0" y="0"/>
+          <a:ext cx="0" cy="0"/>
+          <a:chOff x="0" y="0"/>
+          <a:chExt cx="0" cy="0"/>
+        </a:xfrm>
+      </p:grpSpPr>
+    </p:spTree>
+    <p:extLst>
+      <p:ext uri="{BB962C8B-B14F-4D97-AF65-F5344CB8AC3E}">
+        <p14:creationId xmlns:p14="http://schemas.microsoft.com/office/powerpoint/2010/main" val="934291457"/>
       </p:ext>
     </p:extLst>
   </p:cSld>
@@ -3853,6 +6693,36 @@
     <p:extLst>
       <p:ext uri="{BB962C8B-B14F-4D97-AF65-F5344CB8AC3E}">
         <p14:creationId xmlns:p14="http://schemas.microsoft.com/office/powerpoint/2010/main" val="4097081395"/>
+      </p:ext>
+    </p:extLst>
+  </p:cSld>
+  <p:clrMapOvr>
+    <a:masterClrMapping/>
+  </p:clrMapOvr>
+</p:sld>
+</file>
+
+<file path=ppt/slides/slide20.xml><?xml version="1.0" encoding="utf-8"?>
+<p:sld xmlns:a="http://schemas.openxmlformats.org/drawingml/2006/main" xmlns:r="http://schemas.openxmlformats.org/officeDocument/2006/relationships" xmlns:p="http://schemas.openxmlformats.org/presentationml/2006/main">
+  <p:cSld>
+    <p:spTree>
+      <p:nvGrpSpPr>
+        <p:cNvPr id="1" name=""/>
+        <p:cNvGrpSpPr/>
+        <p:nvPr/>
+      </p:nvGrpSpPr>
+      <p:grpSpPr>
+        <a:xfrm>
+          <a:off x="0" y="0"/>
+          <a:ext cx="0" cy="0"/>
+          <a:chOff x="0" y="0"/>
+          <a:chExt cx="0" cy="0"/>
+        </a:xfrm>
+      </p:grpSpPr>
+    </p:spTree>
+    <p:extLst>
+      <p:ext uri="{BB962C8B-B14F-4D97-AF65-F5344CB8AC3E}">
+        <p14:creationId xmlns:p14="http://schemas.microsoft.com/office/powerpoint/2010/main" val="2132000787"/>
       </p:ext>
     </p:extLst>
   </p:cSld>
@@ -5226,10 +8096,417 @@
           <a:chExt cx="0" cy="0"/>
         </a:xfrm>
       </p:grpSpPr>
+      <p:sp>
+        <p:nvSpPr>
+          <p:cNvPr id="2" name="직사각형 1">
+            <a:extLst>
+              <a:ext uri="{FF2B5EF4-FFF2-40B4-BE49-F238E27FC236}">
+                <a16:creationId xmlns:a16="http://schemas.microsoft.com/office/drawing/2014/main" id="{CE4DB563-BF41-43E5-8AD6-C07D080ECE05}"/>
+              </a:ext>
+            </a:extLst>
+          </p:cNvPr>
+          <p:cNvSpPr/>
+          <p:nvPr/>
+        </p:nvSpPr>
+        <p:spPr>
+          <a:xfrm>
+            <a:off x="508000" y="340489"/>
+            <a:ext cx="6096000" cy="2862322"/>
+          </a:xfrm>
+          <a:prstGeom prst="rect">
+            <a:avLst/>
+          </a:prstGeom>
+        </p:spPr>
+        <p:txBody>
+          <a:bodyPr>
+            <a:spAutoFit/>
+          </a:bodyPr>
+          <a:lstStyle/>
+          <a:p>
+            <a:r>
+              <a:rPr lang="ko-KR" altLang="en-US" b="1" dirty="0">
+                <a:solidFill>
+                  <a:srgbClr val="3B454E"/>
+                </a:solidFill>
+                <a:latin typeface="gitbook-content-font"/>
+                <a:ea typeface="Malgun Gothic" panose="020B0503020000020004" pitchFamily="50" charset="-127"/>
+              </a:rPr>
+              <a:t>국회의원 </a:t>
+            </a:r>
+            <a:r>
+              <a:rPr lang="en-US" altLang="ko-KR" b="1" dirty="0">
+                <a:solidFill>
+                  <a:srgbClr val="3B454E"/>
+                </a:solidFill>
+                <a:latin typeface="gitbook-content-font"/>
+                <a:ea typeface="Malgun Gothic" panose="020B0503020000020004" pitchFamily="50" charset="-127"/>
+              </a:rPr>
+              <a:t>(national assembly)</a:t>
+            </a:r>
+          </a:p>
+          <a:p>
+            <a:r>
+              <a:rPr lang="ko-KR" altLang="en-US" dirty="0">
+                <a:solidFill>
+                  <a:srgbClr val="8899A8"/>
+                </a:solidFill>
+                <a:latin typeface="gitbook-content-font"/>
+                <a:ea typeface="Malgun Gothic" panose="020B0503020000020004" pitchFamily="50" charset="-127"/>
+              </a:rPr>
+              <a:t>국가의 법률을 만드는 국회의원의 재산 신고 내역과 표결 현황 등 데이터</a:t>
+            </a:r>
+          </a:p>
+          <a:p>
+            <a:r>
+              <a:rPr lang="ko-KR" altLang="en-US" dirty="0">
+                <a:solidFill>
+                  <a:srgbClr val="3B454E"/>
+                </a:solidFill>
+                <a:latin typeface="gitbook-content-font"/>
+                <a:ea typeface="Malgun Gothic" panose="020B0503020000020004" pitchFamily="50" charset="-127"/>
+              </a:rPr>
+              <a:t>대한민국 국회의원은 국민의 대표로서 법률을 만들고</a:t>
+            </a:r>
+            <a:r>
+              <a:rPr lang="en-US" altLang="ko-KR" dirty="0">
+                <a:solidFill>
+                  <a:srgbClr val="3B454E"/>
+                </a:solidFill>
+                <a:latin typeface="gitbook-content-font"/>
+                <a:ea typeface="Malgun Gothic" panose="020B0503020000020004" pitchFamily="50" charset="-127"/>
+              </a:rPr>
+              <a:t>, </a:t>
+            </a:r>
+            <a:r>
+              <a:rPr lang="ko-KR" altLang="en-US" dirty="0">
+                <a:solidFill>
+                  <a:srgbClr val="3B454E"/>
+                </a:solidFill>
+                <a:latin typeface="gitbook-content-font"/>
+                <a:ea typeface="Malgun Gothic" panose="020B0503020000020004" pitchFamily="50" charset="-127"/>
+              </a:rPr>
+              <a:t>예산을 심의하고</a:t>
+            </a:r>
+            <a:r>
+              <a:rPr lang="en-US" altLang="ko-KR" dirty="0">
+                <a:solidFill>
+                  <a:srgbClr val="3B454E"/>
+                </a:solidFill>
+                <a:latin typeface="gitbook-content-font"/>
+                <a:ea typeface="Malgun Gothic" panose="020B0503020000020004" pitchFamily="50" charset="-127"/>
+              </a:rPr>
+              <a:t>, </a:t>
+            </a:r>
+            <a:r>
+              <a:rPr lang="ko-KR" altLang="en-US" dirty="0">
+                <a:solidFill>
+                  <a:srgbClr val="3B454E"/>
+                </a:solidFill>
+                <a:latin typeface="gitbook-content-font"/>
+                <a:ea typeface="Malgun Gothic" panose="020B0503020000020004" pitchFamily="50" charset="-127"/>
+              </a:rPr>
+              <a:t>행정부 등의 국정 운영을 감시하는 역할을 맡습니다</a:t>
+            </a:r>
+            <a:r>
+              <a:rPr lang="en-US" altLang="ko-KR" dirty="0">
+                <a:solidFill>
+                  <a:srgbClr val="3B454E"/>
+                </a:solidFill>
+                <a:latin typeface="gitbook-content-font"/>
+                <a:ea typeface="Malgun Gothic" panose="020B0503020000020004" pitchFamily="50" charset="-127"/>
+              </a:rPr>
+              <a:t>. </a:t>
+            </a:r>
+            <a:r>
+              <a:rPr lang="ko-KR" altLang="en-US" dirty="0" err="1">
+                <a:solidFill>
+                  <a:srgbClr val="3B454E"/>
+                </a:solidFill>
+                <a:latin typeface="gitbook-content-font"/>
+                <a:ea typeface="Malgun Gothic" panose="020B0503020000020004" pitchFamily="50" charset="-127"/>
+              </a:rPr>
+              <a:t>우리는국회의원</a:t>
+            </a:r>
+            <a:r>
+              <a:rPr lang="ko-KR" altLang="en-US" dirty="0">
+                <a:solidFill>
+                  <a:srgbClr val="3B454E"/>
+                </a:solidFill>
+                <a:latin typeface="gitbook-content-font"/>
+                <a:ea typeface="Malgun Gothic" panose="020B0503020000020004" pitchFamily="50" charset="-127"/>
+              </a:rPr>
+              <a:t> 총선거를 통해 </a:t>
+            </a:r>
+            <a:r>
+              <a:rPr lang="en-US" altLang="ko-KR" dirty="0">
+                <a:solidFill>
+                  <a:srgbClr val="3B454E"/>
+                </a:solidFill>
+                <a:latin typeface="gitbook-content-font"/>
+                <a:ea typeface="Malgun Gothic" panose="020B0503020000020004" pitchFamily="50" charset="-127"/>
+              </a:rPr>
+              <a:t>4</a:t>
+            </a:r>
+            <a:r>
+              <a:rPr lang="ko-KR" altLang="en-US" dirty="0">
+                <a:solidFill>
+                  <a:srgbClr val="3B454E"/>
+                </a:solidFill>
+                <a:latin typeface="gitbook-content-font"/>
+                <a:ea typeface="Malgun Gothic" panose="020B0503020000020004" pitchFamily="50" charset="-127"/>
+              </a:rPr>
+              <a:t>년에 한번씩 국회의원을 선출합니다</a:t>
+            </a:r>
+            <a:r>
+              <a:rPr lang="en-US" altLang="ko-KR" dirty="0">
+                <a:solidFill>
+                  <a:srgbClr val="3B454E"/>
+                </a:solidFill>
+                <a:latin typeface="gitbook-content-font"/>
+                <a:ea typeface="Malgun Gothic" panose="020B0503020000020004" pitchFamily="50" charset="-127"/>
+              </a:rPr>
+              <a:t>.</a:t>
+            </a:r>
+          </a:p>
+          <a:p>
+            <a:r>
+              <a:rPr lang="en-US" altLang="ko-KR" dirty="0">
+                <a:solidFill>
+                  <a:srgbClr val="3B454E"/>
+                </a:solidFill>
+                <a:latin typeface="gitbook-content-font"/>
+                <a:ea typeface="Malgun Gothic" panose="020B0503020000020004" pitchFamily="50" charset="-127"/>
+              </a:rPr>
+              <a:t>2023</a:t>
+            </a:r>
+            <a:r>
+              <a:rPr lang="ko-KR" altLang="en-US" dirty="0" err="1">
+                <a:solidFill>
+                  <a:srgbClr val="3B454E"/>
+                </a:solidFill>
+                <a:latin typeface="gitbook-content-font"/>
+                <a:ea typeface="Malgun Gothic" panose="020B0503020000020004" pitchFamily="50" charset="-127"/>
+              </a:rPr>
+              <a:t>년현재</a:t>
+            </a:r>
+            <a:r>
+              <a:rPr lang="ko-KR" altLang="en-US" dirty="0">
+                <a:solidFill>
+                  <a:srgbClr val="3B454E"/>
+                </a:solidFill>
+                <a:latin typeface="gitbook-content-font"/>
+                <a:ea typeface="Malgun Gothic" panose="020B0503020000020004" pitchFamily="50" charset="-127"/>
+              </a:rPr>
+              <a:t> 국회의원의 정원은 총</a:t>
+            </a:r>
+            <a:r>
+              <a:rPr lang="en-US" altLang="ko-KR" dirty="0">
+                <a:solidFill>
+                  <a:srgbClr val="3B454E"/>
+                </a:solidFill>
+                <a:latin typeface="gitbook-content-font"/>
+                <a:ea typeface="Malgun Gothic" panose="020B0503020000020004" pitchFamily="50" charset="-127"/>
+              </a:rPr>
+              <a:t>300</a:t>
+            </a:r>
+            <a:r>
+              <a:rPr lang="ko-KR" altLang="en-US" dirty="0">
+                <a:solidFill>
+                  <a:srgbClr val="3B454E"/>
+                </a:solidFill>
+                <a:latin typeface="gitbook-content-font"/>
+                <a:ea typeface="Malgun Gothic" panose="020B0503020000020004" pitchFamily="50" charset="-127"/>
+              </a:rPr>
+              <a:t>인이며</a:t>
+            </a:r>
+            <a:r>
+              <a:rPr lang="en-US" altLang="ko-KR" dirty="0">
+                <a:solidFill>
+                  <a:srgbClr val="3B454E"/>
+                </a:solidFill>
+                <a:latin typeface="gitbook-content-font"/>
+                <a:ea typeface="Malgun Gothic" panose="020B0503020000020004" pitchFamily="50" charset="-127"/>
+              </a:rPr>
+              <a:t>, </a:t>
+            </a:r>
+            <a:r>
+              <a:rPr lang="ko-KR" altLang="en-US" dirty="0">
+                <a:solidFill>
+                  <a:srgbClr val="346DDB"/>
+                </a:solidFill>
+                <a:latin typeface="gitbook-content-font"/>
+                <a:ea typeface="Malgun Gothic" panose="020B0503020000020004" pitchFamily="50" charset="-127"/>
+                <a:hlinkClick r:id="rId2"/>
+              </a:rPr>
+              <a:t>지역구</a:t>
+            </a:r>
+            <a:r>
+              <a:rPr lang="ko-KR" altLang="en-US" dirty="0">
+                <a:solidFill>
+                  <a:srgbClr val="3B454E"/>
+                </a:solidFill>
+                <a:latin typeface="gitbook-content-font"/>
+                <a:ea typeface="Malgun Gothic" panose="020B0503020000020004" pitchFamily="50" charset="-127"/>
+              </a:rPr>
+              <a:t> </a:t>
+            </a:r>
+            <a:r>
+              <a:rPr lang="en-US" altLang="ko-KR" dirty="0">
+                <a:solidFill>
+                  <a:srgbClr val="3B454E"/>
+                </a:solidFill>
+                <a:latin typeface="gitbook-content-font"/>
+                <a:ea typeface="Malgun Gothic" panose="020B0503020000020004" pitchFamily="50" charset="-127"/>
+              </a:rPr>
+              <a:t>253</a:t>
+            </a:r>
+            <a:r>
+              <a:rPr lang="ko-KR" altLang="en-US" dirty="0">
+                <a:solidFill>
+                  <a:srgbClr val="3B454E"/>
+                </a:solidFill>
+                <a:latin typeface="gitbook-content-font"/>
+                <a:ea typeface="Malgun Gothic" panose="020B0503020000020004" pitchFamily="50" charset="-127"/>
+              </a:rPr>
+              <a:t>인과 </a:t>
+            </a:r>
+            <a:r>
+              <a:rPr lang="ko-KR" altLang="en-US" dirty="0">
+                <a:solidFill>
+                  <a:srgbClr val="346DDB"/>
+                </a:solidFill>
+                <a:latin typeface="gitbook-content-font"/>
+                <a:ea typeface="Malgun Gothic" panose="020B0503020000020004" pitchFamily="50" charset="-127"/>
+                <a:hlinkClick r:id="rId3"/>
+              </a:rPr>
+              <a:t>비례대표</a:t>
+            </a:r>
+            <a:r>
+              <a:rPr lang="ko-KR" altLang="en-US" dirty="0">
+                <a:solidFill>
+                  <a:srgbClr val="3B454E"/>
+                </a:solidFill>
+                <a:latin typeface="gitbook-content-font"/>
+                <a:ea typeface="Malgun Gothic" panose="020B0503020000020004" pitchFamily="50" charset="-127"/>
+              </a:rPr>
+              <a:t> </a:t>
+            </a:r>
+            <a:r>
+              <a:rPr lang="en-US" altLang="ko-KR" dirty="0">
+                <a:solidFill>
+                  <a:srgbClr val="3B454E"/>
+                </a:solidFill>
+                <a:latin typeface="gitbook-content-font"/>
+                <a:ea typeface="Malgun Gothic" panose="020B0503020000020004" pitchFamily="50" charset="-127"/>
+              </a:rPr>
+              <a:t>47</a:t>
+            </a:r>
+            <a:r>
+              <a:rPr lang="ko-KR" altLang="en-US" dirty="0">
+                <a:solidFill>
+                  <a:srgbClr val="3B454E"/>
+                </a:solidFill>
+                <a:latin typeface="gitbook-content-font"/>
+                <a:ea typeface="Malgun Gothic" panose="020B0503020000020004" pitchFamily="50" charset="-127"/>
+              </a:rPr>
+              <a:t>인으로 구성됩니다</a:t>
+            </a:r>
+            <a:r>
+              <a:rPr lang="en-US" altLang="ko-KR" dirty="0">
+                <a:solidFill>
+                  <a:srgbClr val="3B454E"/>
+                </a:solidFill>
+                <a:latin typeface="gitbook-content-font"/>
+                <a:ea typeface="Malgun Gothic" panose="020B0503020000020004" pitchFamily="50" charset="-127"/>
+              </a:rPr>
+              <a:t>.(</a:t>
+            </a:r>
+            <a:r>
+              <a:rPr lang="ko-KR" altLang="en-US" dirty="0">
+                <a:solidFill>
+                  <a:srgbClr val="346DDB"/>
+                </a:solidFill>
+                <a:latin typeface="gitbook-content-font"/>
+                <a:ea typeface="Malgun Gothic" panose="020B0503020000020004" pitchFamily="50" charset="-127"/>
+                <a:hlinkClick r:id="rId4"/>
+              </a:rPr>
+              <a:t>공직선거법</a:t>
+            </a:r>
+            <a:r>
+              <a:rPr lang="ko-KR" altLang="en-US" dirty="0">
+                <a:solidFill>
+                  <a:srgbClr val="3B454E"/>
+                </a:solidFill>
+                <a:latin typeface="gitbook-content-font"/>
+                <a:ea typeface="Malgun Gothic" panose="020B0503020000020004" pitchFamily="50" charset="-127"/>
+              </a:rPr>
+              <a:t> 제</a:t>
+            </a:r>
+            <a:r>
+              <a:rPr lang="en-US" altLang="ko-KR" dirty="0">
+                <a:solidFill>
+                  <a:srgbClr val="3B454E"/>
+                </a:solidFill>
+                <a:latin typeface="gitbook-content-font"/>
+                <a:ea typeface="Malgun Gothic" panose="020B0503020000020004" pitchFamily="50" charset="-127"/>
+              </a:rPr>
+              <a:t>21</a:t>
+            </a:r>
+            <a:r>
+              <a:rPr lang="ko-KR" altLang="en-US" dirty="0">
+                <a:solidFill>
+                  <a:srgbClr val="3B454E"/>
+                </a:solidFill>
+                <a:latin typeface="gitbook-content-font"/>
+                <a:ea typeface="Malgun Gothic" panose="020B0503020000020004" pitchFamily="50" charset="-127"/>
+              </a:rPr>
+              <a:t>조 제</a:t>
+            </a:r>
+            <a:r>
+              <a:rPr lang="en-US" altLang="ko-KR" dirty="0">
+                <a:solidFill>
+                  <a:srgbClr val="3B454E"/>
+                </a:solidFill>
+                <a:latin typeface="gitbook-content-font"/>
+                <a:ea typeface="Malgun Gothic" panose="020B0503020000020004" pitchFamily="50" charset="-127"/>
+              </a:rPr>
+              <a:t>1</a:t>
+            </a:r>
+            <a:r>
+              <a:rPr lang="ko-KR" altLang="en-US" dirty="0">
+                <a:solidFill>
+                  <a:srgbClr val="3B454E"/>
+                </a:solidFill>
+                <a:latin typeface="gitbook-content-font"/>
+                <a:ea typeface="Malgun Gothic" panose="020B0503020000020004" pitchFamily="50" charset="-127"/>
+              </a:rPr>
+              <a:t>항</a:t>
+            </a:r>
+            <a:r>
+              <a:rPr lang="en-US" altLang="ko-KR" dirty="0">
+                <a:solidFill>
+                  <a:srgbClr val="3B454E"/>
+                </a:solidFill>
+                <a:latin typeface="gitbook-content-font"/>
+                <a:ea typeface="Malgun Gothic" panose="020B0503020000020004" pitchFamily="50" charset="-127"/>
+              </a:rPr>
+              <a:t>) </a:t>
+            </a:r>
+            <a:endParaRPr lang="en-US" altLang="ko-KR" b="0" i="0" u="none" strike="noStrike" dirty="0">
+              <a:solidFill>
+                <a:srgbClr val="3B454E"/>
+              </a:solidFill>
+              <a:effectLst/>
+              <a:latin typeface="gitbook-content-font"/>
+              <a:ea typeface="Malgun Gothic" panose="020B0503020000020004" pitchFamily="50" charset="-127"/>
+            </a:endParaRPr>
+          </a:p>
+        </p:txBody>
+      </p:sp>
     </p:spTree>
     <p:extLst>
       <p:ext uri="{BB962C8B-B14F-4D97-AF65-F5344CB8AC3E}">
-        <p14:creationId xmlns:p14="http://schemas.microsoft.com/office/powerpoint/2010/main" val="3770598888"/>
+        <p14:creationId xmlns:p14="http://schemas.microsoft.com/office/powerpoint/2010/main" val="414282374"/>
       </p:ext>
     </p:extLst>
   </p:cSld>
@@ -5256,6 +8533,41 @@
           <a:chExt cx="0" cy="0"/>
         </a:xfrm>
       </p:grpSpPr>
+      <p:sp>
+        <p:nvSpPr>
+          <p:cNvPr id="2" name="TextBox 1">
+            <a:extLst>
+              <a:ext uri="{FF2B5EF4-FFF2-40B4-BE49-F238E27FC236}">
+                <a16:creationId xmlns:a16="http://schemas.microsoft.com/office/drawing/2014/main" id="{4734FB3A-B017-49B0-80B4-8BDDDAA70193}"/>
+              </a:ext>
+            </a:extLst>
+          </p:cNvPr>
+          <p:cNvSpPr txBox="1"/>
+          <p:nvPr/>
+        </p:nvSpPr>
+        <p:spPr>
+          <a:xfrm>
+            <a:off x="723900" y="1187450"/>
+            <a:ext cx="1338828" cy="369332"/>
+          </a:xfrm>
+          <a:prstGeom prst="rect">
+            <a:avLst/>
+          </a:prstGeom>
+          <a:noFill/>
+        </p:spPr>
+        <p:txBody>
+          <a:bodyPr wrap="none" rtlCol="0">
+            <a:spAutoFit/>
+          </a:bodyPr>
+          <a:lstStyle/>
+          <a:p>
+            <a:r>
+              <a:rPr lang="ko-KR" altLang="en-US" dirty="0"/>
+              <a:t>고위공직자</a:t>
+            </a:r>
+          </a:p>
+        </p:txBody>
+      </p:sp>
     </p:spTree>
     <p:extLst>
       <p:ext uri="{BB962C8B-B14F-4D97-AF65-F5344CB8AC3E}">
@@ -5286,10 +8598,426 @@
           <a:chExt cx="0" cy="0"/>
         </a:xfrm>
       </p:grpSpPr>
+      <p:sp>
+        <p:nvSpPr>
+          <p:cNvPr id="2" name="직사각형 1">
+            <a:extLst>
+              <a:ext uri="{FF2B5EF4-FFF2-40B4-BE49-F238E27FC236}">
+                <a16:creationId xmlns:a16="http://schemas.microsoft.com/office/drawing/2014/main" id="{5DDBB8AF-BCCB-48EA-B904-3D9AEE79959B}"/>
+              </a:ext>
+            </a:extLst>
+          </p:cNvPr>
+          <p:cNvSpPr/>
+          <p:nvPr/>
+        </p:nvSpPr>
+        <p:spPr>
+          <a:xfrm>
+            <a:off x="311150" y="235635"/>
+            <a:ext cx="6096000" cy="646331"/>
+          </a:xfrm>
+          <a:prstGeom prst="rect">
+            <a:avLst/>
+          </a:prstGeom>
+        </p:spPr>
+        <p:txBody>
+          <a:bodyPr>
+            <a:spAutoFit/>
+          </a:bodyPr>
+          <a:lstStyle/>
+          <a:p>
+            <a:r>
+              <a:rPr lang="ko-KR" altLang="en-US" dirty="0"/>
+              <a:t>https://docs.openwatch.kr/data/national-assembly/asset-disclosure</a:t>
+            </a:r>
+          </a:p>
+        </p:txBody>
+      </p:sp>
+      <p:sp>
+        <p:nvSpPr>
+          <p:cNvPr id="3" name="직사각형 2">
+            <a:extLst>
+              <a:ext uri="{FF2B5EF4-FFF2-40B4-BE49-F238E27FC236}">
+                <a16:creationId xmlns:a16="http://schemas.microsoft.com/office/drawing/2014/main" id="{2A1F5BF8-E4C1-4CBA-B161-878B16706FF3}"/>
+              </a:ext>
+            </a:extLst>
+          </p:cNvPr>
+          <p:cNvSpPr/>
+          <p:nvPr/>
+        </p:nvSpPr>
+        <p:spPr>
+          <a:xfrm>
+            <a:off x="456010" y="1047234"/>
+            <a:ext cx="3266279" cy="369332"/>
+          </a:xfrm>
+          <a:prstGeom prst="rect">
+            <a:avLst/>
+          </a:prstGeom>
+        </p:spPr>
+        <p:txBody>
+          <a:bodyPr wrap="none">
+            <a:spAutoFit/>
+          </a:bodyPr>
+          <a:lstStyle/>
+          <a:p>
+            <a:r>
+              <a:rPr lang="ko-KR" altLang="en-US" b="1" dirty="0">
+                <a:solidFill>
+                  <a:srgbClr val="3B454E"/>
+                </a:solidFill>
+                <a:latin typeface="gitbook-content-font"/>
+              </a:rPr>
+              <a:t>재산신고내역 </a:t>
+            </a:r>
+            <a:r>
+              <a:rPr lang="en-US" altLang="ko-KR" b="1" dirty="0">
+                <a:solidFill>
+                  <a:srgbClr val="3B454E"/>
+                </a:solidFill>
+                <a:latin typeface="gitbook-content-font"/>
+              </a:rPr>
+              <a:t>(asset disclosure)</a:t>
+            </a:r>
+            <a:endParaRPr lang="en-US" altLang="ko-KR" b="1" i="0" dirty="0">
+              <a:solidFill>
+                <a:srgbClr val="3B454E"/>
+              </a:solidFill>
+              <a:effectLst/>
+              <a:latin typeface="gitbook-content-font"/>
+            </a:endParaRPr>
+          </a:p>
+        </p:txBody>
+      </p:sp>
+      <p:sp>
+        <p:nvSpPr>
+          <p:cNvPr id="5" name="직사각형 4">
+            <a:extLst>
+              <a:ext uri="{FF2B5EF4-FFF2-40B4-BE49-F238E27FC236}">
+                <a16:creationId xmlns:a16="http://schemas.microsoft.com/office/drawing/2014/main" id="{4F99E953-76DC-46ED-A187-593E46D50968}"/>
+              </a:ext>
+            </a:extLst>
+          </p:cNvPr>
+          <p:cNvSpPr/>
+          <p:nvPr/>
+        </p:nvSpPr>
+        <p:spPr>
+          <a:xfrm>
+            <a:off x="456010" y="1626791"/>
+            <a:ext cx="6096000" cy="3380605"/>
+          </a:xfrm>
+          <a:prstGeom prst="rect">
+            <a:avLst/>
+          </a:prstGeom>
+        </p:spPr>
+        <p:txBody>
+          <a:bodyPr>
+            <a:spAutoFit/>
+          </a:bodyPr>
+          <a:lstStyle/>
+          <a:p>
+            <a:pPr>
+              <a:lnSpc>
+                <a:spcPct val="150000"/>
+              </a:lnSpc>
+            </a:pPr>
+            <a:r>
+              <a:rPr lang="ko-KR" altLang="en-US" sz="1200" b="1" dirty="0">
+                <a:latin typeface="+mn-ea"/>
+              </a:rPr>
+              <a:t>공직자윤리법</a:t>
+            </a:r>
+            <a:r>
+              <a:rPr lang="ko-KR" altLang="en-US" sz="1200" dirty="0">
+                <a:latin typeface="+mn-ea"/>
+              </a:rPr>
+              <a:t>은 공직자들의 재산등록 의무와 등록재산의 공개 의무를 규정하고 있습니다</a:t>
+            </a:r>
+            <a:r>
+              <a:rPr lang="en-US" altLang="ko-KR" sz="1200" dirty="0">
+                <a:latin typeface="+mn-ea"/>
+              </a:rPr>
+              <a:t>. </a:t>
+            </a:r>
+            <a:r>
+              <a:rPr lang="en-US" altLang="ko-KR" sz="1200" u="sng" dirty="0">
+                <a:latin typeface="+mn-ea"/>
+              </a:rPr>
+              <a:t>4</a:t>
+            </a:r>
+            <a:r>
+              <a:rPr lang="ko-KR" altLang="en-US" sz="1200" u="sng" dirty="0">
+                <a:latin typeface="+mn-ea"/>
+              </a:rPr>
+              <a:t>급 이상의 공직자들이 재산을 의무적으로 등록</a:t>
+            </a:r>
+            <a:r>
+              <a:rPr lang="ko-KR" altLang="en-US" sz="1200" dirty="0">
+                <a:latin typeface="+mn-ea"/>
+              </a:rPr>
+              <a:t>해야 하고</a:t>
+            </a:r>
+            <a:r>
+              <a:rPr lang="en-US" altLang="ko-KR" sz="1200" dirty="0">
+                <a:latin typeface="+mn-ea"/>
+              </a:rPr>
+              <a:t>, </a:t>
+            </a:r>
+            <a:r>
+              <a:rPr lang="ko-KR" altLang="en-US" sz="1200" dirty="0">
+                <a:latin typeface="+mn-ea"/>
+              </a:rPr>
+              <a:t>그 중에서도 </a:t>
+            </a:r>
+            <a:r>
+              <a:rPr lang="en-US" altLang="ko-KR" sz="1200" b="1" u="sng" dirty="0">
+                <a:solidFill>
+                  <a:srgbClr val="C00000"/>
+                </a:solidFill>
+                <a:latin typeface="+mn-ea"/>
+              </a:rPr>
+              <a:t>1</a:t>
+            </a:r>
+            <a:r>
+              <a:rPr lang="ko-KR" altLang="en-US" sz="1200" b="1" u="sng" dirty="0">
+                <a:solidFill>
+                  <a:srgbClr val="C00000"/>
+                </a:solidFill>
+                <a:latin typeface="+mn-ea"/>
+              </a:rPr>
+              <a:t>급 이상의 고위공직자</a:t>
+            </a:r>
+            <a:r>
+              <a:rPr lang="en-US" altLang="ko-KR" sz="1200" b="1" u="sng" dirty="0">
+                <a:solidFill>
+                  <a:srgbClr val="C00000"/>
+                </a:solidFill>
+                <a:latin typeface="+mn-ea"/>
+              </a:rPr>
+              <a:t>, </a:t>
+            </a:r>
+            <a:r>
+              <a:rPr lang="ko-KR" altLang="en-US" sz="1200" b="1" u="sng" dirty="0" err="1">
+                <a:solidFill>
+                  <a:srgbClr val="C00000"/>
+                </a:solidFill>
+                <a:latin typeface="+mn-ea"/>
+              </a:rPr>
+              <a:t>선출직</a:t>
+            </a:r>
+            <a:r>
+              <a:rPr lang="ko-KR" altLang="en-US" sz="1200" b="1" u="sng" dirty="0">
+                <a:solidFill>
+                  <a:srgbClr val="C00000"/>
+                </a:solidFill>
+                <a:latin typeface="+mn-ea"/>
+              </a:rPr>
+              <a:t> 공직자</a:t>
+            </a:r>
+            <a:r>
+              <a:rPr lang="en-US" altLang="ko-KR" sz="1200" b="1" u="sng" dirty="0">
+                <a:solidFill>
+                  <a:srgbClr val="C00000"/>
+                </a:solidFill>
+                <a:latin typeface="+mn-ea"/>
+              </a:rPr>
+              <a:t>, </a:t>
+            </a:r>
+            <a:r>
+              <a:rPr lang="ko-KR" altLang="en-US" sz="1200" b="1" u="sng" dirty="0">
+                <a:solidFill>
+                  <a:srgbClr val="C00000"/>
+                </a:solidFill>
+                <a:latin typeface="+mn-ea"/>
+              </a:rPr>
+              <a:t>부장판사</a:t>
+            </a:r>
+            <a:r>
+              <a:rPr lang="en-US" altLang="ko-KR" sz="1200" b="1" u="sng" dirty="0">
+                <a:solidFill>
+                  <a:srgbClr val="C00000"/>
+                </a:solidFill>
+                <a:latin typeface="+mn-ea"/>
+              </a:rPr>
+              <a:t>, </a:t>
+            </a:r>
+            <a:r>
+              <a:rPr lang="ko-KR" altLang="en-US" sz="1200" b="1" u="sng" dirty="0">
+                <a:solidFill>
+                  <a:srgbClr val="C00000"/>
+                </a:solidFill>
+                <a:latin typeface="+mn-ea"/>
+              </a:rPr>
+              <a:t>검사장 등에게는 등록한 재산의 공개 의무</a:t>
+            </a:r>
+            <a:r>
+              <a:rPr lang="ko-KR" altLang="en-US" sz="1200" dirty="0">
+                <a:latin typeface="+mn-ea"/>
+              </a:rPr>
+              <a:t>도 있다고 보면 됩니다</a:t>
+            </a:r>
+            <a:r>
+              <a:rPr lang="en-US" altLang="ko-KR" sz="1200" dirty="0">
+                <a:latin typeface="+mn-ea"/>
+              </a:rPr>
+              <a:t>.</a:t>
+            </a:r>
+          </a:p>
+          <a:p>
+            <a:pPr>
+              <a:lnSpc>
+                <a:spcPct val="150000"/>
+              </a:lnSpc>
+            </a:pPr>
+            <a:endParaRPr lang="en-US" altLang="ko-KR" sz="1200" dirty="0">
+              <a:latin typeface="+mn-ea"/>
+            </a:endParaRPr>
+          </a:p>
+          <a:p>
+            <a:pPr>
+              <a:lnSpc>
+                <a:spcPct val="150000"/>
+              </a:lnSpc>
+            </a:pPr>
+            <a:r>
+              <a:rPr lang="ko-KR" altLang="en-US" sz="1200" dirty="0">
+                <a:latin typeface="+mn-ea"/>
+              </a:rPr>
+              <a:t>만약 재산등록과 공개 대상자인 공직자가 된다면</a:t>
+            </a:r>
+            <a:r>
+              <a:rPr lang="en-US" altLang="ko-KR" sz="1200" dirty="0">
+                <a:latin typeface="+mn-ea"/>
+              </a:rPr>
+              <a:t>, </a:t>
+            </a:r>
+            <a:r>
+              <a:rPr lang="ko-KR" altLang="en-US" sz="1200" u="sng" dirty="0">
+                <a:latin typeface="+mn-ea"/>
+              </a:rPr>
+              <a:t>두 달 이내에 공직자윤리위원회에 재산을 신고</a:t>
+            </a:r>
+            <a:r>
+              <a:rPr lang="ko-KR" altLang="en-US" sz="1200" dirty="0">
+                <a:latin typeface="+mn-ea"/>
+              </a:rPr>
+              <a:t>해야 합니다</a:t>
+            </a:r>
+            <a:r>
+              <a:rPr lang="en-US" altLang="ko-KR" sz="1200" dirty="0">
+                <a:latin typeface="+mn-ea"/>
+              </a:rPr>
+              <a:t>.</a:t>
+            </a:r>
+          </a:p>
+          <a:p>
+            <a:pPr>
+              <a:lnSpc>
+                <a:spcPct val="150000"/>
+              </a:lnSpc>
+            </a:pPr>
+            <a:endParaRPr lang="en-US" altLang="ko-KR" sz="1200" dirty="0">
+              <a:latin typeface="+mn-ea"/>
+            </a:endParaRPr>
+          </a:p>
+          <a:p>
+            <a:pPr>
+              <a:lnSpc>
+                <a:spcPct val="150000"/>
+              </a:lnSpc>
+            </a:pPr>
+            <a:r>
+              <a:rPr lang="ko-KR" altLang="en-US" sz="1200" u="sng" dirty="0">
+                <a:latin typeface="+mn-ea"/>
+              </a:rPr>
+              <a:t>신규 등록 직후 먼저 재산공개</a:t>
+            </a:r>
+            <a:r>
+              <a:rPr lang="ko-KR" altLang="en-US" sz="1200" dirty="0">
+                <a:latin typeface="+mn-ea"/>
+              </a:rPr>
+              <a:t>가 이뤄지고</a:t>
+            </a:r>
+            <a:r>
+              <a:rPr lang="en-US" altLang="ko-KR" sz="1200" dirty="0">
+                <a:latin typeface="+mn-ea"/>
+              </a:rPr>
+              <a:t>, </a:t>
+            </a:r>
+            <a:r>
+              <a:rPr lang="ko-KR" altLang="en-US" sz="1200" u="sng" dirty="0">
+                <a:latin typeface="+mn-ea"/>
+              </a:rPr>
+              <a:t>그 이후부터는 매년 </a:t>
+            </a:r>
+            <a:r>
+              <a:rPr lang="en-US" altLang="ko-KR" sz="1200" u="sng" dirty="0">
+                <a:latin typeface="+mn-ea"/>
+              </a:rPr>
+              <a:t>3</a:t>
+            </a:r>
+            <a:r>
+              <a:rPr lang="ko-KR" altLang="en-US" sz="1200" u="sng" dirty="0">
+                <a:latin typeface="+mn-ea"/>
+              </a:rPr>
+              <a:t>월 말에 정기적으로 재산공개</a:t>
+            </a:r>
+            <a:r>
+              <a:rPr lang="ko-KR" altLang="en-US" sz="1200" dirty="0">
+                <a:latin typeface="+mn-ea"/>
+              </a:rPr>
+              <a:t>가 이뤄집니다</a:t>
+            </a:r>
+            <a:r>
+              <a:rPr lang="en-US" altLang="ko-KR" sz="1200" dirty="0">
+                <a:latin typeface="+mn-ea"/>
+              </a:rPr>
+              <a:t>. </a:t>
+            </a:r>
+            <a:r>
+              <a:rPr lang="ko-KR" altLang="en-US" sz="1200" dirty="0">
+                <a:latin typeface="+mn-ea"/>
+              </a:rPr>
+              <a:t>대한민국 전자관보 사이트에서 공직자 대부분의 재산공개 내역을 확인할 수 있는데</a:t>
+            </a:r>
+            <a:r>
+              <a:rPr lang="en-US" altLang="ko-KR" sz="1200" dirty="0">
+                <a:latin typeface="+mn-ea"/>
+              </a:rPr>
+              <a:t>, </a:t>
+            </a:r>
+            <a:r>
+              <a:rPr lang="ko-KR" altLang="en-US" sz="1200" dirty="0">
+                <a:latin typeface="+mn-ea"/>
+              </a:rPr>
+              <a:t>기초의원이나 지방자치단체의 </a:t>
+            </a:r>
+            <a:r>
+              <a:rPr lang="ko-KR" altLang="en-US" sz="1200" dirty="0" err="1">
+                <a:latin typeface="+mn-ea"/>
+              </a:rPr>
+              <a:t>공직유관단체장</a:t>
+            </a:r>
+            <a:r>
+              <a:rPr lang="ko-KR" altLang="en-US" sz="1200" dirty="0">
+                <a:latin typeface="+mn-ea"/>
+              </a:rPr>
+              <a:t> 등은 각 지자체 홈페이지에 공보 형태로 재산 내역이 공개됩니다</a:t>
+            </a:r>
+            <a:r>
+              <a:rPr lang="en-US" altLang="ko-KR" sz="1200" dirty="0">
+                <a:latin typeface="+mn-ea"/>
+              </a:rPr>
+              <a:t>.</a:t>
+            </a:r>
+            <a:endParaRPr lang="ko-KR" altLang="en-US" sz="1200" dirty="0">
+              <a:latin typeface="+mn-ea"/>
+            </a:endParaRPr>
+          </a:p>
+        </p:txBody>
+      </p:sp>
     </p:spTree>
     <p:extLst>
       <p:ext uri="{BB962C8B-B14F-4D97-AF65-F5344CB8AC3E}">
-        <p14:creationId xmlns:p14="http://schemas.microsoft.com/office/powerpoint/2010/main" val="414282374"/>
+        <p14:creationId xmlns:p14="http://schemas.microsoft.com/office/powerpoint/2010/main" val="3865362830"/>
       </p:ext>
     </p:extLst>
   </p:cSld>

--- a/opwatch_visual_prj.pptx
+++ b/opwatch_visual_prj.pptx
@@ -278,7 +278,7 @@
           <a:p>
             <a:fld id="{4865801D-2A0F-455D-9221-6B287C14DAEB}" type="datetimeFigureOut">
               <a:rPr lang="ko-KR" altLang="en-US" smtClean="0"/>
-              <a:t>2023-10-04</a:t>
+              <a:t>2023-10-05</a:t>
             </a:fld>
             <a:endParaRPr lang="ko-KR" altLang="en-US"/>
           </a:p>
@@ -476,7 +476,7 @@
           <a:p>
             <a:fld id="{4865801D-2A0F-455D-9221-6B287C14DAEB}" type="datetimeFigureOut">
               <a:rPr lang="ko-KR" altLang="en-US" smtClean="0"/>
-              <a:t>2023-10-04</a:t>
+              <a:t>2023-10-05</a:t>
             </a:fld>
             <a:endParaRPr lang="ko-KR" altLang="en-US"/>
           </a:p>
@@ -684,7 +684,7 @@
           <a:p>
             <a:fld id="{4865801D-2A0F-455D-9221-6B287C14DAEB}" type="datetimeFigureOut">
               <a:rPr lang="ko-KR" altLang="en-US" smtClean="0"/>
-              <a:t>2023-10-04</a:t>
+              <a:t>2023-10-05</a:t>
             </a:fld>
             <a:endParaRPr lang="ko-KR" altLang="en-US"/>
           </a:p>
@@ -882,7 +882,7 @@
           <a:p>
             <a:fld id="{4865801D-2A0F-455D-9221-6B287C14DAEB}" type="datetimeFigureOut">
               <a:rPr lang="ko-KR" altLang="en-US" smtClean="0"/>
-              <a:t>2023-10-04</a:t>
+              <a:t>2023-10-05</a:t>
             </a:fld>
             <a:endParaRPr lang="ko-KR" altLang="en-US"/>
           </a:p>
@@ -1157,7 +1157,7 @@
           <a:p>
             <a:fld id="{4865801D-2A0F-455D-9221-6B287C14DAEB}" type="datetimeFigureOut">
               <a:rPr lang="ko-KR" altLang="en-US" smtClean="0"/>
-              <a:t>2023-10-04</a:t>
+              <a:t>2023-10-05</a:t>
             </a:fld>
             <a:endParaRPr lang="ko-KR" altLang="en-US"/>
           </a:p>
@@ -1422,7 +1422,7 @@
           <a:p>
             <a:fld id="{4865801D-2A0F-455D-9221-6B287C14DAEB}" type="datetimeFigureOut">
               <a:rPr lang="ko-KR" altLang="en-US" smtClean="0"/>
-              <a:t>2023-10-04</a:t>
+              <a:t>2023-10-05</a:t>
             </a:fld>
             <a:endParaRPr lang="ko-KR" altLang="en-US"/>
           </a:p>
@@ -1834,7 +1834,7 @@
           <a:p>
             <a:fld id="{4865801D-2A0F-455D-9221-6B287C14DAEB}" type="datetimeFigureOut">
               <a:rPr lang="ko-KR" altLang="en-US" smtClean="0"/>
-              <a:t>2023-10-04</a:t>
+              <a:t>2023-10-05</a:t>
             </a:fld>
             <a:endParaRPr lang="ko-KR" altLang="en-US"/>
           </a:p>
@@ -1975,7 +1975,7 @@
           <a:p>
             <a:fld id="{4865801D-2A0F-455D-9221-6B287C14DAEB}" type="datetimeFigureOut">
               <a:rPr lang="ko-KR" altLang="en-US" smtClean="0"/>
-              <a:t>2023-10-04</a:t>
+              <a:t>2023-10-05</a:t>
             </a:fld>
             <a:endParaRPr lang="ko-KR" altLang="en-US"/>
           </a:p>
@@ -2088,7 +2088,7 @@
           <a:p>
             <a:fld id="{4865801D-2A0F-455D-9221-6B287C14DAEB}" type="datetimeFigureOut">
               <a:rPr lang="ko-KR" altLang="en-US" smtClean="0"/>
-              <a:t>2023-10-04</a:t>
+              <a:t>2023-10-05</a:t>
             </a:fld>
             <a:endParaRPr lang="ko-KR" altLang="en-US"/>
           </a:p>
@@ -2399,7 +2399,7 @@
           <a:p>
             <a:fld id="{4865801D-2A0F-455D-9221-6B287C14DAEB}" type="datetimeFigureOut">
               <a:rPr lang="ko-KR" altLang="en-US" smtClean="0"/>
-              <a:t>2023-10-04</a:t>
+              <a:t>2023-10-05</a:t>
             </a:fld>
             <a:endParaRPr lang="ko-KR" altLang="en-US"/>
           </a:p>
@@ -2687,7 +2687,7 @@
           <a:p>
             <a:fld id="{4865801D-2A0F-455D-9221-6B287C14DAEB}" type="datetimeFigureOut">
               <a:rPr lang="ko-KR" altLang="en-US" smtClean="0"/>
-              <a:t>2023-10-04</a:t>
+              <a:t>2023-10-05</a:t>
             </a:fld>
             <a:endParaRPr lang="ko-KR" altLang="en-US"/>
           </a:p>
@@ -2928,7 +2928,7 @@
           <a:p>
             <a:fld id="{4865801D-2A0F-455D-9221-6B287C14DAEB}" type="datetimeFigureOut">
               <a:rPr lang="ko-KR" altLang="en-US" smtClean="0"/>
-              <a:t>2023-10-04</a:t>
+              <a:t>2023-10-05</a:t>
             </a:fld>
             <a:endParaRPr lang="ko-KR" altLang="en-US"/>
           </a:p>
@@ -5959,7 +5959,7 @@
         </p:nvSpPr>
         <p:spPr>
           <a:xfrm>
-            <a:off x="313689" y="255586"/>
+            <a:off x="182365" y="158310"/>
             <a:ext cx="3297698" cy="400110"/>
           </a:xfrm>
           <a:prstGeom prst="rect">
@@ -6086,6 +6086,57 @@
           <a:chExt cx="0" cy="0"/>
         </a:xfrm>
       </p:grpSpPr>
+      <p:sp>
+        <p:nvSpPr>
+          <p:cNvPr id="4" name="TextBox 3">
+            <a:extLst>
+              <a:ext uri="{FF2B5EF4-FFF2-40B4-BE49-F238E27FC236}">
+                <a16:creationId xmlns:a16="http://schemas.microsoft.com/office/drawing/2014/main" id="{F353708B-BB41-4EC1-81D2-6C8DF1DF13A9}"/>
+              </a:ext>
+            </a:extLst>
+          </p:cNvPr>
+          <p:cNvSpPr txBox="1"/>
+          <p:nvPr/>
+        </p:nvSpPr>
+        <p:spPr>
+          <a:xfrm>
+            <a:off x="182365" y="158310"/>
+            <a:ext cx="3297698" cy="400110"/>
+          </a:xfrm>
+          <a:prstGeom prst="rect">
+            <a:avLst/>
+          </a:prstGeom>
+          <a:noFill/>
+        </p:spPr>
+        <p:txBody>
+          <a:bodyPr wrap="none" rtlCol="0">
+            <a:spAutoFit/>
+          </a:bodyPr>
+          <a:lstStyle/>
+          <a:p>
+            <a:r>
+              <a:rPr lang="ko-KR" altLang="en-US" sz="2000" dirty="0"/>
+              <a:t>재산구분</a:t>
+            </a:r>
+            <a:r>
+              <a:rPr lang="en-US" altLang="ko-KR" sz="2000" dirty="0"/>
+              <a:t>/</a:t>
+            </a:r>
+            <a:r>
+              <a:rPr lang="ko-KR" altLang="en-US" sz="2000" dirty="0"/>
+              <a:t>재산의 종류</a:t>
+            </a:r>
+            <a:r>
+              <a:rPr lang="en-US" altLang="ko-KR" sz="2000" dirty="0"/>
+              <a:t>/</a:t>
+            </a:r>
+            <a:r>
+              <a:rPr lang="ko-KR" altLang="en-US" sz="2000" dirty="0"/>
+              <a:t>건물</a:t>
+            </a:r>
+          </a:p>
+        </p:txBody>
+      </p:sp>
     </p:spTree>
     <p:extLst>
       <p:ext uri="{BB962C8B-B14F-4D97-AF65-F5344CB8AC3E}">

--- a/opwatch_visual_prj.pptx
+++ b/opwatch_visual_prj.pptx
@@ -6,25 +6,33 @@
   </p:sldMasterIdLst>
   <p:sldIdLst>
     <p:sldId id="256" r:id="rId2"/>
-    <p:sldId id="262" r:id="rId3"/>
-    <p:sldId id="260" r:id="rId4"/>
-    <p:sldId id="257" r:id="rId5"/>
-    <p:sldId id="258" r:id="rId6"/>
-    <p:sldId id="261" r:id="rId7"/>
-    <p:sldId id="265" r:id="rId8"/>
-    <p:sldId id="264" r:id="rId9"/>
-    <p:sldId id="259" r:id="rId10"/>
-    <p:sldId id="263" r:id="rId11"/>
-    <p:sldId id="266" r:id="rId12"/>
-    <p:sldId id="267" r:id="rId13"/>
-    <p:sldId id="268" r:id="rId14"/>
-    <p:sldId id="270" r:id="rId15"/>
-    <p:sldId id="271" r:id="rId16"/>
-    <p:sldId id="272" r:id="rId17"/>
-    <p:sldId id="273" r:id="rId18"/>
-    <p:sldId id="274" r:id="rId19"/>
-    <p:sldId id="275" r:id="rId20"/>
-    <p:sldId id="269" r:id="rId21"/>
+    <p:sldId id="276" r:id="rId3"/>
+    <p:sldId id="262" r:id="rId4"/>
+    <p:sldId id="260" r:id="rId5"/>
+    <p:sldId id="257" r:id="rId6"/>
+    <p:sldId id="258" r:id="rId7"/>
+    <p:sldId id="261" r:id="rId8"/>
+    <p:sldId id="265" r:id="rId9"/>
+    <p:sldId id="264" r:id="rId10"/>
+    <p:sldId id="259" r:id="rId11"/>
+    <p:sldId id="263" r:id="rId12"/>
+    <p:sldId id="266" r:id="rId13"/>
+    <p:sldId id="267" r:id="rId14"/>
+    <p:sldId id="268" r:id="rId15"/>
+    <p:sldId id="270" r:id="rId16"/>
+    <p:sldId id="271" r:id="rId17"/>
+    <p:sldId id="272" r:id="rId18"/>
+    <p:sldId id="273" r:id="rId19"/>
+    <p:sldId id="274" r:id="rId20"/>
+    <p:sldId id="275" r:id="rId21"/>
+    <p:sldId id="269" r:id="rId22"/>
+    <p:sldId id="277" r:id="rId23"/>
+    <p:sldId id="278" r:id="rId24"/>
+    <p:sldId id="279" r:id="rId25"/>
+    <p:sldId id="280" r:id="rId26"/>
+    <p:sldId id="281" r:id="rId27"/>
+    <p:sldId id="282" r:id="rId28"/>
+    <p:sldId id="283" r:id="rId29"/>
   </p:sldIdLst>
   <p:sldSz cx="12192000" cy="6858000"/>
   <p:notesSz cx="6858000" cy="9144000"/>
@@ -129,6 +137,7 @@
         <p14:section name="기본 구역" id="{0A4E67EE-4D32-4710-AA02-38D453ADAD54}">
           <p14:sldIdLst>
             <p14:sldId id="256"/>
+            <p14:sldId id="276"/>
             <p14:sldId id="262"/>
             <p14:sldId id="260"/>
             <p14:sldId id="257"/>
@@ -156,6 +165,13 @@
             <p14:sldId id="274"/>
             <p14:sldId id="275"/>
             <p14:sldId id="269"/>
+            <p14:sldId id="277"/>
+            <p14:sldId id="278"/>
+            <p14:sldId id="279"/>
+            <p14:sldId id="280"/>
+            <p14:sldId id="281"/>
+            <p14:sldId id="282"/>
+            <p14:sldId id="283"/>
           </p14:sldIdLst>
         </p14:section>
       </p14:sectionLst>
@@ -3449,6 +3465,452 @@
       </p:grpSpPr>
       <p:sp>
         <p:nvSpPr>
+          <p:cNvPr id="2" name="직사각형 1">
+            <a:extLst>
+              <a:ext uri="{FF2B5EF4-FFF2-40B4-BE49-F238E27FC236}">
+                <a16:creationId xmlns:a16="http://schemas.microsoft.com/office/drawing/2014/main" id="{5DDBB8AF-BCCB-48EA-B904-3D9AEE79959B}"/>
+              </a:ext>
+            </a:extLst>
+          </p:cNvPr>
+          <p:cNvSpPr/>
+          <p:nvPr/>
+        </p:nvSpPr>
+        <p:spPr>
+          <a:xfrm>
+            <a:off x="311150" y="235635"/>
+            <a:ext cx="6096000" cy="646331"/>
+          </a:xfrm>
+          <a:prstGeom prst="rect">
+            <a:avLst/>
+          </a:prstGeom>
+        </p:spPr>
+        <p:txBody>
+          <a:bodyPr>
+            <a:spAutoFit/>
+          </a:bodyPr>
+          <a:lstStyle/>
+          <a:p>
+            <a:r>
+              <a:rPr lang="ko-KR" altLang="en-US" dirty="0"/>
+              <a:t>https://docs.openwatch.kr/data/national-assembly/asset-disclosure</a:t>
+            </a:r>
+          </a:p>
+        </p:txBody>
+      </p:sp>
+      <p:sp>
+        <p:nvSpPr>
+          <p:cNvPr id="3" name="직사각형 2">
+            <a:extLst>
+              <a:ext uri="{FF2B5EF4-FFF2-40B4-BE49-F238E27FC236}">
+                <a16:creationId xmlns:a16="http://schemas.microsoft.com/office/drawing/2014/main" id="{2A1F5BF8-E4C1-4CBA-B161-878B16706FF3}"/>
+              </a:ext>
+            </a:extLst>
+          </p:cNvPr>
+          <p:cNvSpPr/>
+          <p:nvPr/>
+        </p:nvSpPr>
+        <p:spPr>
+          <a:xfrm>
+            <a:off x="456010" y="1047234"/>
+            <a:ext cx="3266279" cy="369332"/>
+          </a:xfrm>
+          <a:prstGeom prst="rect">
+            <a:avLst/>
+          </a:prstGeom>
+        </p:spPr>
+        <p:txBody>
+          <a:bodyPr wrap="none">
+            <a:spAutoFit/>
+          </a:bodyPr>
+          <a:lstStyle/>
+          <a:p>
+            <a:r>
+              <a:rPr lang="ko-KR" altLang="en-US" b="1" dirty="0">
+                <a:solidFill>
+                  <a:srgbClr val="3B454E"/>
+                </a:solidFill>
+                <a:latin typeface="gitbook-content-font"/>
+              </a:rPr>
+              <a:t>재산신고내역 </a:t>
+            </a:r>
+            <a:r>
+              <a:rPr lang="en-US" altLang="ko-KR" b="1" dirty="0">
+                <a:solidFill>
+                  <a:srgbClr val="3B454E"/>
+                </a:solidFill>
+                <a:latin typeface="gitbook-content-font"/>
+              </a:rPr>
+              <a:t>(asset disclosure)</a:t>
+            </a:r>
+            <a:endParaRPr lang="en-US" altLang="ko-KR" b="1" i="0" dirty="0">
+              <a:solidFill>
+                <a:srgbClr val="3B454E"/>
+              </a:solidFill>
+              <a:effectLst/>
+              <a:latin typeface="gitbook-content-font"/>
+            </a:endParaRPr>
+          </a:p>
+        </p:txBody>
+      </p:sp>
+      <p:sp>
+        <p:nvSpPr>
+          <p:cNvPr id="5" name="직사각형 4">
+            <a:extLst>
+              <a:ext uri="{FF2B5EF4-FFF2-40B4-BE49-F238E27FC236}">
+                <a16:creationId xmlns:a16="http://schemas.microsoft.com/office/drawing/2014/main" id="{4F99E953-76DC-46ED-A187-593E46D50968}"/>
+              </a:ext>
+            </a:extLst>
+          </p:cNvPr>
+          <p:cNvSpPr/>
+          <p:nvPr/>
+        </p:nvSpPr>
+        <p:spPr>
+          <a:xfrm>
+            <a:off x="456010" y="1626791"/>
+            <a:ext cx="6096000" cy="3380605"/>
+          </a:xfrm>
+          <a:prstGeom prst="rect">
+            <a:avLst/>
+          </a:prstGeom>
+        </p:spPr>
+        <p:txBody>
+          <a:bodyPr>
+            <a:spAutoFit/>
+          </a:bodyPr>
+          <a:lstStyle/>
+          <a:p>
+            <a:pPr>
+              <a:lnSpc>
+                <a:spcPct val="150000"/>
+              </a:lnSpc>
+            </a:pPr>
+            <a:r>
+              <a:rPr lang="ko-KR" altLang="en-US" sz="1200" b="1" dirty="0">
+                <a:latin typeface="+mn-ea"/>
+              </a:rPr>
+              <a:t>공직자윤리법</a:t>
+            </a:r>
+            <a:r>
+              <a:rPr lang="ko-KR" altLang="en-US" sz="1200" dirty="0">
+                <a:latin typeface="+mn-ea"/>
+              </a:rPr>
+              <a:t>은 공직자들의 재산등록 의무와 등록재산의 공개 의무를 규정하고 있습니다</a:t>
+            </a:r>
+            <a:r>
+              <a:rPr lang="en-US" altLang="ko-KR" sz="1200" dirty="0">
+                <a:latin typeface="+mn-ea"/>
+              </a:rPr>
+              <a:t>. </a:t>
+            </a:r>
+            <a:r>
+              <a:rPr lang="en-US" altLang="ko-KR" sz="1200" u="sng" dirty="0">
+                <a:latin typeface="+mn-ea"/>
+              </a:rPr>
+              <a:t>4</a:t>
+            </a:r>
+            <a:r>
+              <a:rPr lang="ko-KR" altLang="en-US" sz="1200" u="sng" dirty="0">
+                <a:latin typeface="+mn-ea"/>
+              </a:rPr>
+              <a:t>급 이상의 공직자들이 재산을 의무적으로 등록</a:t>
+            </a:r>
+            <a:r>
+              <a:rPr lang="ko-KR" altLang="en-US" sz="1200" dirty="0">
+                <a:latin typeface="+mn-ea"/>
+              </a:rPr>
+              <a:t>해야 하고</a:t>
+            </a:r>
+            <a:r>
+              <a:rPr lang="en-US" altLang="ko-KR" sz="1200" dirty="0">
+                <a:latin typeface="+mn-ea"/>
+              </a:rPr>
+              <a:t>, </a:t>
+            </a:r>
+            <a:r>
+              <a:rPr lang="ko-KR" altLang="en-US" sz="1200" dirty="0">
+                <a:latin typeface="+mn-ea"/>
+              </a:rPr>
+              <a:t>그 중에서도 </a:t>
+            </a:r>
+            <a:r>
+              <a:rPr lang="en-US" altLang="ko-KR" sz="1200" b="1" u="sng" dirty="0">
+                <a:solidFill>
+                  <a:srgbClr val="C00000"/>
+                </a:solidFill>
+                <a:latin typeface="+mn-ea"/>
+              </a:rPr>
+              <a:t>1</a:t>
+            </a:r>
+            <a:r>
+              <a:rPr lang="ko-KR" altLang="en-US" sz="1200" b="1" u="sng" dirty="0">
+                <a:solidFill>
+                  <a:srgbClr val="C00000"/>
+                </a:solidFill>
+                <a:latin typeface="+mn-ea"/>
+              </a:rPr>
+              <a:t>급 이상의 고위공직자</a:t>
+            </a:r>
+            <a:r>
+              <a:rPr lang="en-US" altLang="ko-KR" sz="1200" b="1" u="sng" dirty="0">
+                <a:solidFill>
+                  <a:srgbClr val="C00000"/>
+                </a:solidFill>
+                <a:latin typeface="+mn-ea"/>
+              </a:rPr>
+              <a:t>, </a:t>
+            </a:r>
+            <a:r>
+              <a:rPr lang="ko-KR" altLang="en-US" sz="1200" b="1" u="sng" dirty="0" err="1">
+                <a:solidFill>
+                  <a:srgbClr val="C00000"/>
+                </a:solidFill>
+                <a:latin typeface="+mn-ea"/>
+              </a:rPr>
+              <a:t>선출직</a:t>
+            </a:r>
+            <a:r>
+              <a:rPr lang="ko-KR" altLang="en-US" sz="1200" b="1" u="sng" dirty="0">
+                <a:solidFill>
+                  <a:srgbClr val="C00000"/>
+                </a:solidFill>
+                <a:latin typeface="+mn-ea"/>
+              </a:rPr>
+              <a:t> 공직자</a:t>
+            </a:r>
+            <a:r>
+              <a:rPr lang="en-US" altLang="ko-KR" sz="1200" b="1" u="sng" dirty="0">
+                <a:solidFill>
+                  <a:srgbClr val="C00000"/>
+                </a:solidFill>
+                <a:latin typeface="+mn-ea"/>
+              </a:rPr>
+              <a:t>, </a:t>
+            </a:r>
+            <a:r>
+              <a:rPr lang="ko-KR" altLang="en-US" sz="1200" b="1" u="sng" dirty="0">
+                <a:solidFill>
+                  <a:srgbClr val="C00000"/>
+                </a:solidFill>
+                <a:latin typeface="+mn-ea"/>
+              </a:rPr>
+              <a:t>부장판사</a:t>
+            </a:r>
+            <a:r>
+              <a:rPr lang="en-US" altLang="ko-KR" sz="1200" b="1" u="sng" dirty="0">
+                <a:solidFill>
+                  <a:srgbClr val="C00000"/>
+                </a:solidFill>
+                <a:latin typeface="+mn-ea"/>
+              </a:rPr>
+              <a:t>, </a:t>
+            </a:r>
+            <a:r>
+              <a:rPr lang="ko-KR" altLang="en-US" sz="1200" b="1" u="sng" dirty="0">
+                <a:solidFill>
+                  <a:srgbClr val="C00000"/>
+                </a:solidFill>
+                <a:latin typeface="+mn-ea"/>
+              </a:rPr>
+              <a:t>검사장 등에게는 등록한 재산의 공개 의무</a:t>
+            </a:r>
+            <a:r>
+              <a:rPr lang="ko-KR" altLang="en-US" sz="1200" dirty="0">
+                <a:latin typeface="+mn-ea"/>
+              </a:rPr>
+              <a:t>도 있다고 보면 됩니다</a:t>
+            </a:r>
+            <a:r>
+              <a:rPr lang="en-US" altLang="ko-KR" sz="1200" dirty="0">
+                <a:latin typeface="+mn-ea"/>
+              </a:rPr>
+              <a:t>.</a:t>
+            </a:r>
+          </a:p>
+          <a:p>
+            <a:pPr>
+              <a:lnSpc>
+                <a:spcPct val="150000"/>
+              </a:lnSpc>
+            </a:pPr>
+            <a:endParaRPr lang="en-US" altLang="ko-KR" sz="1200" dirty="0">
+              <a:latin typeface="+mn-ea"/>
+            </a:endParaRPr>
+          </a:p>
+          <a:p>
+            <a:pPr>
+              <a:lnSpc>
+                <a:spcPct val="150000"/>
+              </a:lnSpc>
+            </a:pPr>
+            <a:r>
+              <a:rPr lang="ko-KR" altLang="en-US" sz="1200" dirty="0">
+                <a:latin typeface="+mn-ea"/>
+              </a:rPr>
+              <a:t>만약 재산등록과 공개 대상자인 공직자가 된다면</a:t>
+            </a:r>
+            <a:r>
+              <a:rPr lang="en-US" altLang="ko-KR" sz="1200" dirty="0">
+                <a:latin typeface="+mn-ea"/>
+              </a:rPr>
+              <a:t>, </a:t>
+            </a:r>
+            <a:r>
+              <a:rPr lang="ko-KR" altLang="en-US" sz="1200" u="sng" dirty="0">
+                <a:latin typeface="+mn-ea"/>
+              </a:rPr>
+              <a:t>두 달 이내에 공직자윤리위원회에 재산을 신고</a:t>
+            </a:r>
+            <a:r>
+              <a:rPr lang="ko-KR" altLang="en-US" sz="1200" dirty="0">
+                <a:latin typeface="+mn-ea"/>
+              </a:rPr>
+              <a:t>해야 합니다</a:t>
+            </a:r>
+            <a:r>
+              <a:rPr lang="en-US" altLang="ko-KR" sz="1200" dirty="0">
+                <a:latin typeface="+mn-ea"/>
+              </a:rPr>
+              <a:t>.</a:t>
+            </a:r>
+          </a:p>
+          <a:p>
+            <a:pPr>
+              <a:lnSpc>
+                <a:spcPct val="150000"/>
+              </a:lnSpc>
+            </a:pPr>
+            <a:endParaRPr lang="en-US" altLang="ko-KR" sz="1200" dirty="0">
+              <a:latin typeface="+mn-ea"/>
+            </a:endParaRPr>
+          </a:p>
+          <a:p>
+            <a:pPr>
+              <a:lnSpc>
+                <a:spcPct val="150000"/>
+              </a:lnSpc>
+            </a:pPr>
+            <a:r>
+              <a:rPr lang="ko-KR" altLang="en-US" sz="1200" u="sng" dirty="0">
+                <a:latin typeface="+mn-ea"/>
+              </a:rPr>
+              <a:t>신규 등록 직후 먼저 재산공개</a:t>
+            </a:r>
+            <a:r>
+              <a:rPr lang="ko-KR" altLang="en-US" sz="1200" dirty="0">
+                <a:latin typeface="+mn-ea"/>
+              </a:rPr>
+              <a:t>가 이뤄지고</a:t>
+            </a:r>
+            <a:r>
+              <a:rPr lang="en-US" altLang="ko-KR" sz="1200" dirty="0">
+                <a:latin typeface="+mn-ea"/>
+              </a:rPr>
+              <a:t>, </a:t>
+            </a:r>
+            <a:r>
+              <a:rPr lang="ko-KR" altLang="en-US" sz="1200" u="sng" dirty="0">
+                <a:latin typeface="+mn-ea"/>
+              </a:rPr>
+              <a:t>그 이후부터는 매년 </a:t>
+            </a:r>
+            <a:r>
+              <a:rPr lang="en-US" altLang="ko-KR" sz="1200" u="sng" dirty="0">
+                <a:latin typeface="+mn-ea"/>
+              </a:rPr>
+              <a:t>3</a:t>
+            </a:r>
+            <a:r>
+              <a:rPr lang="ko-KR" altLang="en-US" sz="1200" u="sng" dirty="0">
+                <a:latin typeface="+mn-ea"/>
+              </a:rPr>
+              <a:t>월 말에 정기적으로 재산공개</a:t>
+            </a:r>
+            <a:r>
+              <a:rPr lang="ko-KR" altLang="en-US" sz="1200" dirty="0">
+                <a:latin typeface="+mn-ea"/>
+              </a:rPr>
+              <a:t>가 이뤄집니다</a:t>
+            </a:r>
+            <a:r>
+              <a:rPr lang="en-US" altLang="ko-KR" sz="1200" dirty="0">
+                <a:latin typeface="+mn-ea"/>
+              </a:rPr>
+              <a:t>. </a:t>
+            </a:r>
+            <a:r>
+              <a:rPr lang="ko-KR" altLang="en-US" sz="1200" dirty="0">
+                <a:latin typeface="+mn-ea"/>
+              </a:rPr>
+              <a:t>대한민국 전자관보 사이트에서 공직자 대부분의 재산공개 내역을 확인할 수 있는데</a:t>
+            </a:r>
+            <a:r>
+              <a:rPr lang="en-US" altLang="ko-KR" sz="1200" dirty="0">
+                <a:latin typeface="+mn-ea"/>
+              </a:rPr>
+              <a:t>, </a:t>
+            </a:r>
+            <a:r>
+              <a:rPr lang="ko-KR" altLang="en-US" sz="1200" dirty="0">
+                <a:latin typeface="+mn-ea"/>
+              </a:rPr>
+              <a:t>기초의원이나 지방자치단체의 </a:t>
+            </a:r>
+            <a:r>
+              <a:rPr lang="ko-KR" altLang="en-US" sz="1200" dirty="0" err="1">
+                <a:latin typeface="+mn-ea"/>
+              </a:rPr>
+              <a:t>공직유관단체장</a:t>
+            </a:r>
+            <a:r>
+              <a:rPr lang="ko-KR" altLang="en-US" sz="1200" dirty="0">
+                <a:latin typeface="+mn-ea"/>
+              </a:rPr>
+              <a:t> 등은 각 지자체 홈페이지에 공보 형태로 재산 내역이 공개됩니다</a:t>
+            </a:r>
+            <a:r>
+              <a:rPr lang="en-US" altLang="ko-KR" sz="1200" dirty="0">
+                <a:latin typeface="+mn-ea"/>
+              </a:rPr>
+              <a:t>.</a:t>
+            </a:r>
+            <a:endParaRPr lang="ko-KR" altLang="en-US" sz="1200" dirty="0">
+              <a:latin typeface="+mn-ea"/>
+            </a:endParaRPr>
+          </a:p>
+        </p:txBody>
+      </p:sp>
+    </p:spTree>
+    <p:extLst>
+      <p:ext uri="{BB962C8B-B14F-4D97-AF65-F5344CB8AC3E}">
+        <p14:creationId xmlns:p14="http://schemas.microsoft.com/office/powerpoint/2010/main" val="3865362830"/>
+      </p:ext>
+    </p:extLst>
+  </p:cSld>
+  <p:clrMapOvr>
+    <a:masterClrMapping/>
+  </p:clrMapOvr>
+</p:sld>
+</file>
+
+<file path=ppt/slides/slide11.xml><?xml version="1.0" encoding="utf-8"?>
+<p:sld xmlns:a="http://schemas.openxmlformats.org/drawingml/2006/main" xmlns:r="http://schemas.openxmlformats.org/officeDocument/2006/relationships" xmlns:p="http://schemas.openxmlformats.org/presentationml/2006/main">
+  <p:cSld>
+    <p:spTree>
+      <p:nvGrpSpPr>
+        <p:cNvPr id="1" name=""/>
+        <p:cNvGrpSpPr/>
+        <p:nvPr/>
+      </p:nvGrpSpPr>
+      <p:grpSpPr>
+        <a:xfrm>
+          <a:off x="0" y="0"/>
+          <a:ext cx="0" cy="0"/>
+          <a:chOff x="0" y="0"/>
+          <a:chExt cx="0" cy="0"/>
+        </a:xfrm>
+      </p:grpSpPr>
+      <p:sp>
+        <p:nvSpPr>
           <p:cNvPr id="2" name="TextBox 1">
             <a:extLst>
               <a:ext uri="{FF2B5EF4-FFF2-40B4-BE49-F238E27FC236}">
@@ -4036,7 +4498,7 @@
 </p:sld>
 </file>
 
-<file path=ppt/slides/slide11.xml><?xml version="1.0" encoding="utf-8"?>
+<file path=ppt/slides/slide12.xml><?xml version="1.0" encoding="utf-8"?>
 <p:sld xmlns:a="http://schemas.openxmlformats.org/drawingml/2006/main" xmlns:r="http://schemas.openxmlformats.org/officeDocument/2006/relationships" xmlns:p="http://schemas.openxmlformats.org/presentationml/2006/main">
   <p:cSld>
     <p:spTree>
@@ -5839,7 +6301,7 @@
 </p:sld>
 </file>
 
-<file path=ppt/slides/slide12.xml><?xml version="1.0" encoding="utf-8"?>
+<file path=ppt/slides/slide13.xml><?xml version="1.0" encoding="utf-8"?>
 <p:sld xmlns:a="http://schemas.openxmlformats.org/drawingml/2006/main" xmlns:r="http://schemas.openxmlformats.org/officeDocument/2006/relationships" xmlns:p="http://schemas.openxmlformats.org/presentationml/2006/main">
   <p:cSld>
     <p:spTree>
@@ -5943,8 +6405,8 @@
         </p:blipFill>
         <p:spPr>
           <a:xfrm>
-            <a:off x="313689" y="2595520"/>
-            <a:ext cx="4016375" cy="3955521"/>
+            <a:off x="313689" y="856342"/>
+            <a:ext cx="5782311" cy="5694700"/>
           </a:xfrm>
           <a:prstGeom prst="rect">
             <a:avLst/>
@@ -5964,7 +6426,7 @@
 </p:sld>
 </file>
 
-<file path=ppt/slides/slide13.xml><?xml version="1.0" encoding="utf-8"?>
+<file path=ppt/slides/slide14.xml><?xml version="1.0" encoding="utf-8"?>
 <p:sld xmlns:a="http://schemas.openxmlformats.org/drawingml/2006/main" xmlns:r="http://schemas.openxmlformats.org/officeDocument/2006/relationships" xmlns:p="http://schemas.openxmlformats.org/presentationml/2006/main">
   <p:cSld>
     <p:spTree>
@@ -6105,7 +6567,7 @@
 </p:sld>
 </file>
 
-<file path=ppt/slides/slide14.xml><?xml version="1.0" encoding="utf-8"?>
+<file path=ppt/slides/slide15.xml><?xml version="1.0" encoding="utf-8"?>
 <p:sld xmlns:a="http://schemas.openxmlformats.org/drawingml/2006/main" xmlns:r="http://schemas.openxmlformats.org/officeDocument/2006/relationships" xmlns:p="http://schemas.openxmlformats.org/presentationml/2006/main">
   <p:cSld>
     <p:spTree>
@@ -9389,7 +9851,7 @@
 </p:sld>
 </file>
 
-<file path=ppt/slides/slide15.xml><?xml version="1.0" encoding="utf-8"?>
+<file path=ppt/slides/slide16.xml><?xml version="1.0" encoding="utf-8"?>
 <p:sld xmlns:a="http://schemas.openxmlformats.org/drawingml/2006/main" xmlns:r="http://schemas.openxmlformats.org/officeDocument/2006/relationships" xmlns:p="http://schemas.openxmlformats.org/presentationml/2006/main">
   <p:cSld>
     <p:spTree>
@@ -9454,7 +9916,7 @@
 </p:sld>
 </file>
 
-<file path=ppt/slides/slide16.xml><?xml version="1.0" encoding="utf-8"?>
+<file path=ppt/slides/slide17.xml><?xml version="1.0" encoding="utf-8"?>
 <p:sld xmlns:a="http://schemas.openxmlformats.org/drawingml/2006/main" xmlns:r="http://schemas.openxmlformats.org/officeDocument/2006/relationships" xmlns:p="http://schemas.openxmlformats.org/presentationml/2006/main">
   <p:cSld>
     <p:spTree>
@@ -11609,7 +12071,7 @@
 </p:sld>
 </file>
 
-<file path=ppt/slides/slide17.xml><?xml version="1.0" encoding="utf-8"?>
+<file path=ppt/slides/slide18.xml><?xml version="1.0" encoding="utf-8"?>
 <p:sld xmlns:a="http://schemas.openxmlformats.org/drawingml/2006/main" xmlns:r="http://schemas.openxmlformats.org/officeDocument/2006/relationships" xmlns:p="http://schemas.openxmlformats.org/presentationml/2006/main">
   <p:cSld>
     <p:spTree>
@@ -14726,7 +15188,7 @@
 </p:sld>
 </file>
 
-<file path=ppt/slides/slide18.xml><?xml version="1.0" encoding="utf-8"?>
+<file path=ppt/slides/slide19.xml><?xml version="1.0" encoding="utf-8"?>
 <p:sld xmlns:a="http://schemas.openxmlformats.org/drawingml/2006/main" xmlns:r="http://schemas.openxmlformats.org/officeDocument/2006/relationships" xmlns:p="http://schemas.openxmlformats.org/presentationml/2006/main">
   <p:cSld>
     <p:spTree>
@@ -14793,13 +15255,13 @@
           <p:nvPr>
             <p:extLst>
               <p:ext uri="{D42A27DB-BD31-4B8C-83A1-F6EECF244321}">
-                <p14:modId xmlns:p14="http://schemas.microsoft.com/office/powerpoint/2010/main" val="3864540063"/>
+                <p14:modId xmlns:p14="http://schemas.microsoft.com/office/powerpoint/2010/main" val="2642595009"/>
               </p:ext>
             </p:extLst>
           </p:nvPr>
         </p:nvGraphicFramePr>
         <p:xfrm>
-          <a:off x="424275" y="1186181"/>
+          <a:off x="318742" y="888231"/>
           <a:ext cx="4751797" cy="3118684"/>
         </p:xfrm>
         <a:graphic>
@@ -14902,7 +15364,7 @@
                     <a:p>
                       <a:pPr lvl="0" algn="ctr" fontAlgn="ctr"/>
                       <a:r>
-                        <a:rPr lang="ko-KR" altLang="en-US" sz="1000" b="0" i="0" u="none" strike="noStrike">
+                        <a:rPr lang="ko-KR" altLang="en-US" sz="1000" b="0" i="0" u="none" strike="noStrike" dirty="0">
                           <a:solidFill>
                             <a:srgbClr val="000000"/>
                           </a:solidFill>
@@ -15261,7 +15723,7 @@
                     <a:p>
                       <a:pPr lvl="0" algn="ctr" fontAlgn="ctr"/>
                       <a:r>
-                        <a:rPr lang="en-US" altLang="ko-KR" sz="1000" b="0" i="0" u="none" strike="noStrike">
+                        <a:rPr lang="en-US" altLang="ko-KR" sz="1000" b="0" i="0" u="none" strike="noStrike" dirty="0">
                           <a:solidFill>
                             <a:srgbClr val="000000"/>
                           </a:solidFill>
@@ -15319,7 +15781,7 @@
                     <a:p>
                       <a:pPr lvl="0" algn="ctr" fontAlgn="ctr"/>
                       <a:r>
-                        <a:rPr lang="en-US" altLang="ko-KR" sz="1000" b="0" i="0" u="none" strike="noStrike">
+                        <a:rPr lang="en-US" altLang="ko-KR" sz="1000" b="0" i="0" u="none" strike="noStrike" dirty="0">
                           <a:solidFill>
                             <a:srgbClr val="000000"/>
                           </a:solidFill>
@@ -15453,7 +15915,7 @@
                     <a:p>
                       <a:pPr lvl="0" algn="ctr" fontAlgn="ctr"/>
                       <a:r>
-                        <a:rPr lang="en-US" altLang="ko-KR" sz="1000" b="0" i="0" u="none" strike="noStrike">
+                        <a:rPr lang="en-US" altLang="ko-KR" sz="1000" b="0" i="0" u="none" strike="noStrike" dirty="0">
                           <a:solidFill>
                             <a:srgbClr val="000000"/>
                           </a:solidFill>
@@ -15598,7 +16060,7 @@
                     <a:p>
                       <a:pPr lvl="0" algn="ctr" fontAlgn="ctr"/>
                       <a:r>
-                        <a:rPr lang="en-US" altLang="ko-KR" sz="1000" b="0" i="0" u="none" strike="noStrike">
+                        <a:rPr lang="en-US" altLang="ko-KR" sz="1000" b="0" i="0" u="none" strike="noStrike" dirty="0">
                           <a:solidFill>
                             <a:srgbClr val="000000"/>
                           </a:solidFill>
@@ -15674,7 +16136,7 @@
                     <a:p>
                       <a:pPr lvl="0" algn="l" fontAlgn="ctr"/>
                       <a:r>
-                        <a:rPr lang="en-US" altLang="ko-KR" sz="1000" b="0" i="0" u="none" strike="noStrike">
+                        <a:rPr lang="en-US" altLang="ko-KR" sz="1000" b="0" i="0" u="none" strike="noStrike" dirty="0">
                           <a:solidFill>
                             <a:srgbClr val="000000"/>
                           </a:solidFill>
@@ -15684,64 +16146,6 @@
                         </a:rPr>
                         <a:t>2.</a:t>
                       </a:r>
-                      <a:r>
-                        <a:rPr lang="ko-KR" altLang="en-US" sz="1000" b="0" i="0" u="none" strike="noStrike">
-                          <a:solidFill>
-                            <a:srgbClr val="000000"/>
-                          </a:solidFill>
-                          <a:effectLst/>
-                          <a:latin typeface="맑은 고딕" panose="020B0503020000020004" pitchFamily="50" charset="-127"/>
-                          <a:ea typeface="맑은 고딕" panose="020B0503020000020004" pitchFamily="50" charset="-127"/>
-                        </a:rPr>
-                        <a:t>국회사무처</a:t>
-                      </a:r>
-                    </a:p>
-                  </a:txBody>
-                  <a:tcPr marL="5443" marR="5443" marT="5443" marB="0" anchor="ctr">
-                    <a:lnL w="6350" cap="flat" cmpd="sng" algn="ctr">
-                      <a:solidFill>
-                        <a:srgbClr val="000000"/>
-                      </a:solidFill>
-                      <a:prstDash val="solid"/>
-                      <a:round/>
-                      <a:headEnd type="none" w="med" len="med"/>
-                      <a:tailEnd type="none" w="med" len="med"/>
-                    </a:lnL>
-                    <a:lnR w="6350" cap="flat" cmpd="sng" algn="ctr">
-                      <a:solidFill>
-                        <a:srgbClr val="000000"/>
-                      </a:solidFill>
-                      <a:prstDash val="solid"/>
-                      <a:round/>
-                      <a:headEnd type="none" w="med" len="med"/>
-                      <a:tailEnd type="none" w="med" len="med"/>
-                    </a:lnR>
-                    <a:lnT w="6350" cap="flat" cmpd="sng" algn="ctr">
-                      <a:solidFill>
-                        <a:srgbClr val="000000"/>
-                      </a:solidFill>
-                      <a:prstDash val="solid"/>
-                      <a:round/>
-                      <a:headEnd type="none" w="med" len="med"/>
-                      <a:tailEnd type="none" w="med" len="med"/>
-                    </a:lnT>
-                    <a:lnB w="6350" cap="flat" cmpd="sng" algn="ctr">
-                      <a:solidFill>
-                        <a:srgbClr val="000000"/>
-                      </a:solidFill>
-                      <a:prstDash val="solid"/>
-                      <a:round/>
-                      <a:headEnd type="none" w="med" len="med"/>
-                      <a:tailEnd type="none" w="med" len="med"/>
-                    </a:lnB>
-                  </a:tcPr>
-                </a:tc>
-                <a:tc>
-                  <a:txBody>
-                    <a:bodyPr/>
-                    <a:lstStyle/>
-                    <a:p>
-                      <a:pPr lvl="0" algn="l" fontAlgn="ctr"/>
                       <a:r>
                         <a:rPr lang="ko-KR" altLang="en-US" sz="1000" b="0" i="0" u="none" strike="noStrike" dirty="0">
                           <a:solidFill>
@@ -15751,7 +16155,7 @@
                           <a:latin typeface="맑은 고딕" panose="020B0503020000020004" pitchFamily="50" charset="-127"/>
                           <a:ea typeface="맑은 고딕" panose="020B0503020000020004" pitchFamily="50" charset="-127"/>
                         </a:rPr>
-                        <a:t>국회사무총장</a:t>
+                        <a:t>국회사무처</a:t>
                       </a:r>
                     </a:p>
                   </a:txBody>
@@ -15799,9 +16203,67 @@
                     <a:bodyPr/>
                     <a:lstStyle/>
                     <a:p>
+                      <a:pPr lvl="0" algn="l" fontAlgn="ctr"/>
+                      <a:r>
+                        <a:rPr lang="ko-KR" altLang="en-US" sz="1000" b="0" i="0" u="none" strike="noStrike" dirty="0">
+                          <a:solidFill>
+                            <a:srgbClr val="000000"/>
+                          </a:solidFill>
+                          <a:effectLst/>
+                          <a:latin typeface="맑은 고딕" panose="020B0503020000020004" pitchFamily="50" charset="-127"/>
+                          <a:ea typeface="맑은 고딕" panose="020B0503020000020004" pitchFamily="50" charset="-127"/>
+                        </a:rPr>
+                        <a:t>국회사무총장</a:t>
+                      </a:r>
+                    </a:p>
+                  </a:txBody>
+                  <a:tcPr marL="5443" marR="5443" marT="5443" marB="0" anchor="ctr">
+                    <a:lnL w="6350" cap="flat" cmpd="sng" algn="ctr">
+                      <a:solidFill>
+                        <a:srgbClr val="000000"/>
+                      </a:solidFill>
+                      <a:prstDash val="solid"/>
+                      <a:round/>
+                      <a:headEnd type="none" w="med" len="med"/>
+                      <a:tailEnd type="none" w="med" len="med"/>
+                    </a:lnL>
+                    <a:lnR w="6350" cap="flat" cmpd="sng" algn="ctr">
+                      <a:solidFill>
+                        <a:srgbClr val="000000"/>
+                      </a:solidFill>
+                      <a:prstDash val="solid"/>
+                      <a:round/>
+                      <a:headEnd type="none" w="med" len="med"/>
+                      <a:tailEnd type="none" w="med" len="med"/>
+                    </a:lnR>
+                    <a:lnT w="6350" cap="flat" cmpd="sng" algn="ctr">
+                      <a:solidFill>
+                        <a:srgbClr val="000000"/>
+                      </a:solidFill>
+                      <a:prstDash val="solid"/>
+                      <a:round/>
+                      <a:headEnd type="none" w="med" len="med"/>
+                      <a:tailEnd type="none" w="med" len="med"/>
+                    </a:lnT>
+                    <a:lnB w="6350" cap="flat" cmpd="sng" algn="ctr">
+                      <a:solidFill>
+                        <a:srgbClr val="000000"/>
+                      </a:solidFill>
+                      <a:prstDash val="solid"/>
+                      <a:round/>
+                      <a:headEnd type="none" w="med" len="med"/>
+                      <a:tailEnd type="none" w="med" len="med"/>
+                    </a:lnB>
+                  </a:tcPr>
+                </a:tc>
+                <a:tc>
+                  <a:txBody>
+                    <a:bodyPr/>
+                    <a:lstStyle/>
+                    <a:p>
                       <a:pPr lvl="0" algn="ctr" fontAlgn="ctr"/>
                       <a:r>
-                        <a:rPr lang="en-US" altLang="ko-KR" sz="1000" b="0" i="0" u="none" strike="noStrike">
+                        <a:rPr lang="en-US" altLang="ko-KR" sz="1000" b="0" i="0" u="none" strike="noStrike" dirty="0">
                           <a:solidFill>
                             <a:srgbClr val="000000"/>
                           </a:solidFill>
@@ -16225,7 +16687,7 @@
                     <a:p>
                       <a:pPr lvl="0" algn="l" fontAlgn="ctr"/>
                       <a:r>
-                        <a:rPr lang="ko-KR" altLang="en-US" sz="1000" b="0" i="0" u="none" strike="noStrike">
+                        <a:rPr lang="ko-KR" altLang="en-US" sz="1000" b="0" i="0" u="none" strike="noStrike" dirty="0">
                           <a:solidFill>
                             <a:srgbClr val="000000"/>
                           </a:solidFill>
@@ -16370,7 +16832,7 @@
                     <a:p>
                       <a:pPr lvl="0" algn="l" fontAlgn="ctr"/>
                       <a:r>
-                        <a:rPr lang="ko-KR" altLang="en-US" sz="1000" b="0" i="0" u="none" strike="noStrike">
+                        <a:rPr lang="ko-KR" altLang="en-US" sz="1000" b="0" i="0" u="none" strike="noStrike" dirty="0">
                           <a:solidFill>
                             <a:srgbClr val="000000"/>
                           </a:solidFill>
@@ -17066,7 +17528,7 @@
                     <a:p>
                       <a:pPr lvl="0" algn="ctr" fontAlgn="ctr"/>
                       <a:r>
-                        <a:rPr lang="en-US" altLang="ko-KR" sz="1000" b="0" i="0" u="none" strike="noStrike">
+                        <a:rPr lang="en-US" altLang="ko-KR" sz="1000" b="0" i="0" u="none" strike="noStrike" dirty="0">
                           <a:solidFill>
                             <a:srgbClr val="000000"/>
                           </a:solidFill>
@@ -17584,7 +18046,7 @@
                     <a:p>
                       <a:pPr lvl="0" algn="l" fontAlgn="ctr"/>
                       <a:r>
-                        <a:rPr lang="en-US" altLang="ko-KR" sz="1000" b="0" i="0" u="none" strike="noStrike">
+                        <a:rPr lang="en-US" altLang="ko-KR" sz="1000" b="0" i="0" u="none" strike="noStrike" dirty="0">
                           <a:solidFill>
                             <a:srgbClr val="000000"/>
                           </a:solidFill>
@@ -17595,7 +18057,7 @@
                         <a:t>5.</a:t>
                       </a:r>
                       <a:r>
-                        <a:rPr lang="ko-KR" altLang="en-US" sz="1000" b="0" i="0" u="none" strike="noStrike">
+                        <a:rPr lang="ko-KR" altLang="en-US" sz="1000" b="0" i="0" u="none" strike="noStrike" dirty="0">
                           <a:solidFill>
                             <a:srgbClr val="000000"/>
                           </a:solidFill>
@@ -17845,13 +18307,13 @@
           <p:nvPr>
             <p:extLst>
               <p:ext uri="{D42A27DB-BD31-4B8C-83A1-F6EECF244321}">
-                <p14:modId xmlns:p14="http://schemas.microsoft.com/office/powerpoint/2010/main" val="68740551"/>
+                <p14:modId xmlns:p14="http://schemas.microsoft.com/office/powerpoint/2010/main" val="1193450247"/>
               </p:ext>
             </p:extLst>
           </p:nvPr>
         </p:nvGraphicFramePr>
         <p:xfrm>
-          <a:off x="5345986" y="1186181"/>
+          <a:off x="686655" y="5044127"/>
           <a:ext cx="2273300" cy="1143000"/>
         </p:xfrm>
         <a:graphic>
@@ -18005,7 +18467,7 @@
                     <a:p>
                       <a:pPr algn="l" rtl="0" fontAlgn="ctr"/>
                       <a:r>
-                        <a:rPr lang="en-US" altLang="ko-KR" sz="1000" b="0" i="0" u="none" strike="noStrike">
+                        <a:rPr lang="en-US" altLang="ko-KR" sz="1000" b="0" i="0" u="none" strike="noStrike" dirty="0">
                           <a:solidFill>
                             <a:srgbClr val="000000"/>
                           </a:solidFill>
@@ -18016,7 +18478,7 @@
                         <a:t>1.</a:t>
                       </a:r>
                       <a:r>
-                        <a:rPr lang="ko-KR" altLang="en-US" sz="1000" b="0" i="0" u="none" strike="noStrike">
+                        <a:rPr lang="ko-KR" altLang="en-US" sz="1000" b="0" i="0" u="none" strike="noStrike" dirty="0">
                           <a:solidFill>
                             <a:srgbClr val="000000"/>
                           </a:solidFill>
@@ -18691,10 +19153,10 @@
       </p:graphicFrame>
       <p:pic>
         <p:nvPicPr>
-          <p:cNvPr id="9" name="그림 8">
+          <p:cNvPr id="4" name="그림 3">
             <a:extLst>
               <a:ext uri="{FF2B5EF4-FFF2-40B4-BE49-F238E27FC236}">
-                <a16:creationId xmlns:a16="http://schemas.microsoft.com/office/drawing/2014/main" id="{CC71C77B-5FC7-43EA-AB84-F3A0B6EF03CA}"/>
+                <a16:creationId xmlns:a16="http://schemas.microsoft.com/office/drawing/2014/main" id="{ECAEBC00-50AF-44EE-BDD1-1B363C8C2069}"/>
               </a:ext>
             </a:extLst>
           </p:cNvPr>
@@ -18711,8 +19173,8 @@
         </p:blipFill>
         <p:spPr>
           <a:xfrm>
-            <a:off x="3511839" y="4407614"/>
-            <a:ext cx="8238373" cy="2224688"/>
+            <a:off x="3041150" y="4304865"/>
+            <a:ext cx="9058382" cy="2478332"/>
           </a:xfrm>
           <a:prstGeom prst="rect">
             <a:avLst/>
@@ -18732,7 +19194,222 @@
 </p:sld>
 </file>
 
-<file path=ppt/slides/slide19.xml><?xml version="1.0" encoding="utf-8"?>
+<file path=ppt/slides/slide2.xml><?xml version="1.0" encoding="utf-8"?>
+<p:sld xmlns:a="http://schemas.openxmlformats.org/drawingml/2006/main" xmlns:r="http://schemas.openxmlformats.org/officeDocument/2006/relationships" xmlns:p="http://schemas.openxmlformats.org/presentationml/2006/main">
+  <p:cSld>
+    <p:spTree>
+      <p:nvGrpSpPr>
+        <p:cNvPr id="1" name=""/>
+        <p:cNvGrpSpPr/>
+        <p:nvPr/>
+      </p:nvGrpSpPr>
+      <p:grpSpPr>
+        <a:xfrm>
+          <a:off x="0" y="0"/>
+          <a:ext cx="0" cy="0"/>
+          <a:chOff x="0" y="0"/>
+          <a:chExt cx="0" cy="0"/>
+        </a:xfrm>
+      </p:grpSpPr>
+      <p:pic>
+        <p:nvPicPr>
+          <p:cNvPr id="4" name="그림 3">
+            <a:extLst>
+              <a:ext uri="{FF2B5EF4-FFF2-40B4-BE49-F238E27FC236}">
+                <a16:creationId xmlns:a16="http://schemas.microsoft.com/office/drawing/2014/main" id="{908C783F-C3AC-48CE-9195-CF713841FEA5}"/>
+              </a:ext>
+            </a:extLst>
+          </p:cNvPr>
+          <p:cNvPicPr>
+            <a:picLocks noChangeAspect="1"/>
+          </p:cNvPicPr>
+          <p:nvPr/>
+        </p:nvPicPr>
+        <p:blipFill>
+          <a:blip r:embed="rId2"/>
+          <a:stretch>
+            <a:fillRect/>
+          </a:stretch>
+        </p:blipFill>
+        <p:spPr>
+          <a:xfrm>
+            <a:off x="1397285" y="1437526"/>
+            <a:ext cx="9616533" cy="2631040"/>
+          </a:xfrm>
+          <a:prstGeom prst="rect">
+            <a:avLst/>
+          </a:prstGeom>
+        </p:spPr>
+      </p:pic>
+    </p:spTree>
+    <p:extLst>
+      <p:ext uri="{BB962C8B-B14F-4D97-AF65-F5344CB8AC3E}">
+        <p14:creationId xmlns:p14="http://schemas.microsoft.com/office/powerpoint/2010/main" val="1413998217"/>
+      </p:ext>
+    </p:extLst>
+  </p:cSld>
+  <p:clrMapOvr>
+    <a:masterClrMapping/>
+  </p:clrMapOvr>
+</p:sld>
+</file>
+
+<file path=ppt/slides/slide20.xml><?xml version="1.0" encoding="utf-8"?>
+<p:sld xmlns:a="http://schemas.openxmlformats.org/drawingml/2006/main" xmlns:r="http://schemas.openxmlformats.org/officeDocument/2006/relationships" xmlns:p="http://schemas.openxmlformats.org/presentationml/2006/main">
+  <p:cSld>
+    <p:spTree>
+      <p:nvGrpSpPr>
+        <p:cNvPr id="1" name=""/>
+        <p:cNvGrpSpPr/>
+        <p:nvPr/>
+      </p:nvGrpSpPr>
+      <p:grpSpPr>
+        <a:xfrm>
+          <a:off x="0" y="0"/>
+          <a:ext cx="0" cy="0"/>
+          <a:chOff x="0" y="0"/>
+          <a:chExt cx="0" cy="0"/>
+        </a:xfrm>
+      </p:grpSpPr>
+      <p:sp>
+        <p:nvSpPr>
+          <p:cNvPr id="2" name="TextBox 1">
+            <a:extLst>
+              <a:ext uri="{FF2B5EF4-FFF2-40B4-BE49-F238E27FC236}">
+                <a16:creationId xmlns:a16="http://schemas.microsoft.com/office/drawing/2014/main" id="{D9490902-DAAB-438F-9112-7A9297E4A02B}"/>
+              </a:ext>
+            </a:extLst>
+          </p:cNvPr>
+          <p:cNvSpPr txBox="1"/>
+          <p:nvPr/>
+        </p:nvSpPr>
+        <p:spPr>
+          <a:xfrm>
+            <a:off x="385281" y="400692"/>
+            <a:ext cx="2425664" cy="369332"/>
+          </a:xfrm>
+          <a:prstGeom prst="rect">
+            <a:avLst/>
+          </a:prstGeom>
+          <a:noFill/>
+        </p:spPr>
+        <p:txBody>
+          <a:bodyPr wrap="none" rtlCol="0">
+            <a:spAutoFit/>
+          </a:bodyPr>
+          <a:lstStyle/>
+          <a:p>
+            <a:r>
+              <a:rPr lang="ko-KR" altLang="en-US" dirty="0"/>
+              <a:t>국회의장의 자산 구성</a:t>
+            </a:r>
+          </a:p>
+        </p:txBody>
+      </p:sp>
+      <p:pic>
+        <p:nvPicPr>
+          <p:cNvPr id="3" name="그림 2">
+            <a:extLst>
+              <a:ext uri="{FF2B5EF4-FFF2-40B4-BE49-F238E27FC236}">
+                <a16:creationId xmlns:a16="http://schemas.microsoft.com/office/drawing/2014/main" id="{B9CD23A4-B744-4B66-BC7F-C969487CB0BD}"/>
+              </a:ext>
+            </a:extLst>
+          </p:cNvPr>
+          <p:cNvPicPr>
+            <a:picLocks noChangeAspect="1"/>
+          </p:cNvPicPr>
+          <p:nvPr/>
+        </p:nvPicPr>
+        <p:blipFill>
+          <a:blip r:embed="rId2"/>
+          <a:stretch>
+            <a:fillRect/>
+          </a:stretch>
+        </p:blipFill>
+        <p:spPr>
+          <a:xfrm>
+            <a:off x="436650" y="1127338"/>
+            <a:ext cx="7368283" cy="3779803"/>
+          </a:xfrm>
+          <a:prstGeom prst="rect">
+            <a:avLst/>
+          </a:prstGeom>
+        </p:spPr>
+      </p:pic>
+    </p:spTree>
+    <p:extLst>
+      <p:ext uri="{BB962C8B-B14F-4D97-AF65-F5344CB8AC3E}">
+        <p14:creationId xmlns:p14="http://schemas.microsoft.com/office/powerpoint/2010/main" val="934291457"/>
+      </p:ext>
+    </p:extLst>
+  </p:cSld>
+  <p:clrMapOvr>
+    <a:masterClrMapping/>
+  </p:clrMapOvr>
+</p:sld>
+</file>
+
+<file path=ppt/slides/slide21.xml><?xml version="1.0" encoding="utf-8"?>
+<p:sld xmlns:a="http://schemas.openxmlformats.org/drawingml/2006/main" xmlns:r="http://schemas.openxmlformats.org/officeDocument/2006/relationships" xmlns:p="http://schemas.openxmlformats.org/presentationml/2006/main">
+  <p:cSld>
+    <p:spTree>
+      <p:nvGrpSpPr>
+        <p:cNvPr id="1" name=""/>
+        <p:cNvGrpSpPr/>
+        <p:nvPr/>
+      </p:nvGrpSpPr>
+      <p:grpSpPr>
+        <a:xfrm>
+          <a:off x="0" y="0"/>
+          <a:ext cx="0" cy="0"/>
+          <a:chOff x="0" y="0"/>
+          <a:chExt cx="0" cy="0"/>
+        </a:xfrm>
+      </p:grpSpPr>
+      <p:pic>
+        <p:nvPicPr>
+          <p:cNvPr id="2" name="그림 1">
+            <a:extLst>
+              <a:ext uri="{FF2B5EF4-FFF2-40B4-BE49-F238E27FC236}">
+                <a16:creationId xmlns:a16="http://schemas.microsoft.com/office/drawing/2014/main" id="{422E367C-87C2-4A39-81DC-53AF474B3CF6}"/>
+              </a:ext>
+            </a:extLst>
+          </p:cNvPr>
+          <p:cNvPicPr>
+            <a:picLocks noChangeAspect="1"/>
+          </p:cNvPicPr>
+          <p:nvPr/>
+        </p:nvPicPr>
+        <p:blipFill>
+          <a:blip r:embed="rId2"/>
+          <a:stretch>
+            <a:fillRect/>
+          </a:stretch>
+        </p:blipFill>
+        <p:spPr>
+          <a:xfrm>
+            <a:off x="1263721" y="1338029"/>
+            <a:ext cx="8971052" cy="4296406"/>
+          </a:xfrm>
+          <a:prstGeom prst="rect">
+            <a:avLst/>
+          </a:prstGeom>
+        </p:spPr>
+      </p:pic>
+    </p:spTree>
+    <p:extLst>
+      <p:ext uri="{BB962C8B-B14F-4D97-AF65-F5344CB8AC3E}">
+        <p14:creationId xmlns:p14="http://schemas.microsoft.com/office/powerpoint/2010/main" val="2132000787"/>
+      </p:ext>
+    </p:extLst>
+  </p:cSld>
+  <p:clrMapOvr>
+    <a:masterClrMapping/>
+  </p:clrMapOvr>
+</p:sld>
+</file>
+
+<file path=ppt/slides/slide22.xml><?xml version="1.0" encoding="utf-8"?>
 <p:sld xmlns:a="http://schemas.openxmlformats.org/drawingml/2006/main" xmlns:r="http://schemas.openxmlformats.org/officeDocument/2006/relationships" xmlns:p="http://schemas.openxmlformats.org/presentationml/2006/main">
   <p:cSld>
     <p:spTree>
@@ -18752,7 +19429,7 @@
     </p:spTree>
     <p:extLst>
       <p:ext uri="{BB962C8B-B14F-4D97-AF65-F5344CB8AC3E}">
-        <p14:creationId xmlns:p14="http://schemas.microsoft.com/office/powerpoint/2010/main" val="934291457"/>
+        <p14:creationId xmlns:p14="http://schemas.microsoft.com/office/powerpoint/2010/main" val="563150935"/>
       </p:ext>
     </p:extLst>
   </p:cSld>
@@ -18762,7 +19439,187 @@
 </p:sld>
 </file>
 
-<file path=ppt/slides/slide2.xml><?xml version="1.0" encoding="utf-8"?>
+<file path=ppt/slides/slide23.xml><?xml version="1.0" encoding="utf-8"?>
+<p:sld xmlns:a="http://schemas.openxmlformats.org/drawingml/2006/main" xmlns:r="http://schemas.openxmlformats.org/officeDocument/2006/relationships" xmlns:p="http://schemas.openxmlformats.org/presentationml/2006/main">
+  <p:cSld>
+    <p:spTree>
+      <p:nvGrpSpPr>
+        <p:cNvPr id="1" name=""/>
+        <p:cNvGrpSpPr/>
+        <p:nvPr/>
+      </p:nvGrpSpPr>
+      <p:grpSpPr>
+        <a:xfrm>
+          <a:off x="0" y="0"/>
+          <a:ext cx="0" cy="0"/>
+          <a:chOff x="0" y="0"/>
+          <a:chExt cx="0" cy="0"/>
+        </a:xfrm>
+      </p:grpSpPr>
+    </p:spTree>
+    <p:extLst>
+      <p:ext uri="{BB962C8B-B14F-4D97-AF65-F5344CB8AC3E}">
+        <p14:creationId xmlns:p14="http://schemas.microsoft.com/office/powerpoint/2010/main" val="3788369266"/>
+      </p:ext>
+    </p:extLst>
+  </p:cSld>
+  <p:clrMapOvr>
+    <a:masterClrMapping/>
+  </p:clrMapOvr>
+</p:sld>
+</file>
+
+<file path=ppt/slides/slide24.xml><?xml version="1.0" encoding="utf-8"?>
+<p:sld xmlns:a="http://schemas.openxmlformats.org/drawingml/2006/main" xmlns:r="http://schemas.openxmlformats.org/officeDocument/2006/relationships" xmlns:p="http://schemas.openxmlformats.org/presentationml/2006/main">
+  <p:cSld>
+    <p:spTree>
+      <p:nvGrpSpPr>
+        <p:cNvPr id="1" name=""/>
+        <p:cNvGrpSpPr/>
+        <p:nvPr/>
+      </p:nvGrpSpPr>
+      <p:grpSpPr>
+        <a:xfrm>
+          <a:off x="0" y="0"/>
+          <a:ext cx="0" cy="0"/>
+          <a:chOff x="0" y="0"/>
+          <a:chExt cx="0" cy="0"/>
+        </a:xfrm>
+      </p:grpSpPr>
+    </p:spTree>
+    <p:extLst>
+      <p:ext uri="{BB962C8B-B14F-4D97-AF65-F5344CB8AC3E}">
+        <p14:creationId xmlns:p14="http://schemas.microsoft.com/office/powerpoint/2010/main" val="3179207047"/>
+      </p:ext>
+    </p:extLst>
+  </p:cSld>
+  <p:clrMapOvr>
+    <a:masterClrMapping/>
+  </p:clrMapOvr>
+</p:sld>
+</file>
+
+<file path=ppt/slides/slide25.xml><?xml version="1.0" encoding="utf-8"?>
+<p:sld xmlns:a="http://schemas.openxmlformats.org/drawingml/2006/main" xmlns:r="http://schemas.openxmlformats.org/officeDocument/2006/relationships" xmlns:p="http://schemas.openxmlformats.org/presentationml/2006/main">
+  <p:cSld>
+    <p:spTree>
+      <p:nvGrpSpPr>
+        <p:cNvPr id="1" name=""/>
+        <p:cNvGrpSpPr/>
+        <p:nvPr/>
+      </p:nvGrpSpPr>
+      <p:grpSpPr>
+        <a:xfrm>
+          <a:off x="0" y="0"/>
+          <a:ext cx="0" cy="0"/>
+          <a:chOff x="0" y="0"/>
+          <a:chExt cx="0" cy="0"/>
+        </a:xfrm>
+      </p:grpSpPr>
+    </p:spTree>
+    <p:extLst>
+      <p:ext uri="{BB962C8B-B14F-4D97-AF65-F5344CB8AC3E}">
+        <p14:creationId xmlns:p14="http://schemas.microsoft.com/office/powerpoint/2010/main" val="530201946"/>
+      </p:ext>
+    </p:extLst>
+  </p:cSld>
+  <p:clrMapOvr>
+    <a:masterClrMapping/>
+  </p:clrMapOvr>
+</p:sld>
+</file>
+
+<file path=ppt/slides/slide26.xml><?xml version="1.0" encoding="utf-8"?>
+<p:sld xmlns:a="http://schemas.openxmlformats.org/drawingml/2006/main" xmlns:r="http://schemas.openxmlformats.org/officeDocument/2006/relationships" xmlns:p="http://schemas.openxmlformats.org/presentationml/2006/main">
+  <p:cSld>
+    <p:spTree>
+      <p:nvGrpSpPr>
+        <p:cNvPr id="1" name=""/>
+        <p:cNvGrpSpPr/>
+        <p:nvPr/>
+      </p:nvGrpSpPr>
+      <p:grpSpPr>
+        <a:xfrm>
+          <a:off x="0" y="0"/>
+          <a:ext cx="0" cy="0"/>
+          <a:chOff x="0" y="0"/>
+          <a:chExt cx="0" cy="0"/>
+        </a:xfrm>
+      </p:grpSpPr>
+    </p:spTree>
+    <p:extLst>
+      <p:ext uri="{BB962C8B-B14F-4D97-AF65-F5344CB8AC3E}">
+        <p14:creationId xmlns:p14="http://schemas.microsoft.com/office/powerpoint/2010/main" val="322707679"/>
+      </p:ext>
+    </p:extLst>
+  </p:cSld>
+  <p:clrMapOvr>
+    <a:masterClrMapping/>
+  </p:clrMapOvr>
+</p:sld>
+</file>
+
+<file path=ppt/slides/slide27.xml><?xml version="1.0" encoding="utf-8"?>
+<p:sld xmlns:a="http://schemas.openxmlformats.org/drawingml/2006/main" xmlns:r="http://schemas.openxmlformats.org/officeDocument/2006/relationships" xmlns:p="http://schemas.openxmlformats.org/presentationml/2006/main">
+  <p:cSld>
+    <p:spTree>
+      <p:nvGrpSpPr>
+        <p:cNvPr id="1" name=""/>
+        <p:cNvGrpSpPr/>
+        <p:nvPr/>
+      </p:nvGrpSpPr>
+      <p:grpSpPr>
+        <a:xfrm>
+          <a:off x="0" y="0"/>
+          <a:ext cx="0" cy="0"/>
+          <a:chOff x="0" y="0"/>
+          <a:chExt cx="0" cy="0"/>
+        </a:xfrm>
+      </p:grpSpPr>
+    </p:spTree>
+    <p:extLst>
+      <p:ext uri="{BB962C8B-B14F-4D97-AF65-F5344CB8AC3E}">
+        <p14:creationId xmlns:p14="http://schemas.microsoft.com/office/powerpoint/2010/main" val="2961494"/>
+      </p:ext>
+    </p:extLst>
+  </p:cSld>
+  <p:clrMapOvr>
+    <a:masterClrMapping/>
+  </p:clrMapOvr>
+</p:sld>
+</file>
+
+<file path=ppt/slides/slide28.xml><?xml version="1.0" encoding="utf-8"?>
+<p:sld xmlns:a="http://schemas.openxmlformats.org/drawingml/2006/main" xmlns:r="http://schemas.openxmlformats.org/officeDocument/2006/relationships" xmlns:p="http://schemas.openxmlformats.org/presentationml/2006/main">
+  <p:cSld>
+    <p:spTree>
+      <p:nvGrpSpPr>
+        <p:cNvPr id="1" name=""/>
+        <p:cNvGrpSpPr/>
+        <p:nvPr/>
+      </p:nvGrpSpPr>
+      <p:grpSpPr>
+        <a:xfrm>
+          <a:off x="0" y="0"/>
+          <a:ext cx="0" cy="0"/>
+          <a:chOff x="0" y="0"/>
+          <a:chExt cx="0" cy="0"/>
+        </a:xfrm>
+      </p:grpSpPr>
+    </p:spTree>
+    <p:extLst>
+      <p:ext uri="{BB962C8B-B14F-4D97-AF65-F5344CB8AC3E}">
+        <p14:creationId xmlns:p14="http://schemas.microsoft.com/office/powerpoint/2010/main" val="2450645692"/>
+      </p:ext>
+    </p:extLst>
+  </p:cSld>
+  <p:clrMapOvr>
+    <a:masterClrMapping/>
+  </p:clrMapOvr>
+</p:sld>
+</file>
+
+<file path=ppt/slides/slide3.xml><?xml version="1.0" encoding="utf-8"?>
 <p:sld xmlns:a="http://schemas.openxmlformats.org/drawingml/2006/main" xmlns:r="http://schemas.openxmlformats.org/officeDocument/2006/relationships" xmlns:p="http://schemas.openxmlformats.org/presentationml/2006/main">
   <p:cSld>
     <p:spTree>
@@ -19215,37 +20072,7 @@
 </p:sld>
 </file>
 
-<file path=ppt/slides/slide20.xml><?xml version="1.0" encoding="utf-8"?>
-<p:sld xmlns:a="http://schemas.openxmlformats.org/drawingml/2006/main" xmlns:r="http://schemas.openxmlformats.org/officeDocument/2006/relationships" xmlns:p="http://schemas.openxmlformats.org/presentationml/2006/main">
-  <p:cSld>
-    <p:spTree>
-      <p:nvGrpSpPr>
-        <p:cNvPr id="1" name=""/>
-        <p:cNvGrpSpPr/>
-        <p:nvPr/>
-      </p:nvGrpSpPr>
-      <p:grpSpPr>
-        <a:xfrm>
-          <a:off x="0" y="0"/>
-          <a:ext cx="0" cy="0"/>
-          <a:chOff x="0" y="0"/>
-          <a:chExt cx="0" cy="0"/>
-        </a:xfrm>
-      </p:grpSpPr>
-    </p:spTree>
-    <p:extLst>
-      <p:ext uri="{BB962C8B-B14F-4D97-AF65-F5344CB8AC3E}">
-        <p14:creationId xmlns:p14="http://schemas.microsoft.com/office/powerpoint/2010/main" val="2132000787"/>
-      </p:ext>
-    </p:extLst>
-  </p:cSld>
-  <p:clrMapOvr>
-    <a:masterClrMapping/>
-  </p:clrMapOvr>
-</p:sld>
-</file>
-
-<file path=ppt/slides/slide3.xml><?xml version="1.0" encoding="utf-8"?>
+<file path=ppt/slides/slide4.xml><?xml version="1.0" encoding="utf-8"?>
 <p:sld xmlns:a="http://schemas.openxmlformats.org/drawingml/2006/main" xmlns:r="http://schemas.openxmlformats.org/officeDocument/2006/relationships" xmlns:p="http://schemas.openxmlformats.org/presentationml/2006/main">
   <p:cSld>
     <p:spTree>
@@ -19829,7 +20656,7 @@
 </p:sld>
 </file>
 
-<file path=ppt/slides/slide4.xml><?xml version="1.0" encoding="utf-8"?>
+<file path=ppt/slides/slide5.xml><?xml version="1.0" encoding="utf-8"?>
 <p:sld xmlns:a="http://schemas.openxmlformats.org/drawingml/2006/main" xmlns:r="http://schemas.openxmlformats.org/officeDocument/2006/relationships" xmlns:p="http://schemas.openxmlformats.org/presentationml/2006/main">
   <p:cSld>
     <p:spTree>
@@ -20438,7 +21265,7 @@
 </p:sld>
 </file>
 
-<file path=ppt/slides/slide5.xml><?xml version="1.0" encoding="utf-8"?>
+<file path=ppt/slides/slide6.xml><?xml version="1.0" encoding="utf-8"?>
 <p:sld xmlns:a="http://schemas.openxmlformats.org/drawingml/2006/main" xmlns:r="http://schemas.openxmlformats.org/officeDocument/2006/relationships" xmlns:p="http://schemas.openxmlformats.org/presentationml/2006/main">
   <p:cSld>
     <p:spTree>
@@ -20498,7 +21325,7 @@
 </p:sld>
 </file>
 
-<file path=ppt/slides/slide6.xml><?xml version="1.0" encoding="utf-8"?>
+<file path=ppt/slides/slide7.xml><?xml version="1.0" encoding="utf-8"?>
 <p:sld xmlns:a="http://schemas.openxmlformats.org/drawingml/2006/main" xmlns:r="http://schemas.openxmlformats.org/officeDocument/2006/relationships" xmlns:p="http://schemas.openxmlformats.org/presentationml/2006/main">
   <p:cSld>
     <p:spTree>
@@ -20592,7 +21419,7 @@
 </p:sld>
 </file>
 
-<file path=ppt/slides/slide7.xml><?xml version="1.0" encoding="utf-8"?>
+<file path=ppt/slides/slide8.xml><?xml version="1.0" encoding="utf-8"?>
 <p:sld xmlns:a="http://schemas.openxmlformats.org/drawingml/2006/main" xmlns:r="http://schemas.openxmlformats.org/officeDocument/2006/relationships" xmlns:p="http://schemas.openxmlformats.org/presentationml/2006/main">
   <p:cSld>
     <p:spTree>
@@ -21029,7 +21856,7 @@
 </p:sld>
 </file>
 
-<file path=ppt/slides/slide8.xml><?xml version="1.0" encoding="utf-8"?>
+<file path=ppt/slides/slide9.xml><?xml version="1.0" encoding="utf-8"?>
 <p:sld xmlns:a="http://schemas.openxmlformats.org/drawingml/2006/main" xmlns:r="http://schemas.openxmlformats.org/officeDocument/2006/relationships" xmlns:p="http://schemas.openxmlformats.org/presentationml/2006/main">
   <p:cSld>
     <p:spTree>
@@ -21085,452 +21912,6 @@
     <p:extLst>
       <p:ext uri="{BB962C8B-B14F-4D97-AF65-F5344CB8AC3E}">
         <p14:creationId xmlns:p14="http://schemas.microsoft.com/office/powerpoint/2010/main" val="576854005"/>
-      </p:ext>
-    </p:extLst>
-  </p:cSld>
-  <p:clrMapOvr>
-    <a:masterClrMapping/>
-  </p:clrMapOvr>
-</p:sld>
-</file>
-
-<file path=ppt/slides/slide9.xml><?xml version="1.0" encoding="utf-8"?>
-<p:sld xmlns:a="http://schemas.openxmlformats.org/drawingml/2006/main" xmlns:r="http://schemas.openxmlformats.org/officeDocument/2006/relationships" xmlns:p="http://schemas.openxmlformats.org/presentationml/2006/main">
-  <p:cSld>
-    <p:spTree>
-      <p:nvGrpSpPr>
-        <p:cNvPr id="1" name=""/>
-        <p:cNvGrpSpPr/>
-        <p:nvPr/>
-      </p:nvGrpSpPr>
-      <p:grpSpPr>
-        <a:xfrm>
-          <a:off x="0" y="0"/>
-          <a:ext cx="0" cy="0"/>
-          <a:chOff x="0" y="0"/>
-          <a:chExt cx="0" cy="0"/>
-        </a:xfrm>
-      </p:grpSpPr>
-      <p:sp>
-        <p:nvSpPr>
-          <p:cNvPr id="2" name="직사각형 1">
-            <a:extLst>
-              <a:ext uri="{FF2B5EF4-FFF2-40B4-BE49-F238E27FC236}">
-                <a16:creationId xmlns:a16="http://schemas.microsoft.com/office/drawing/2014/main" id="{5DDBB8AF-BCCB-48EA-B904-3D9AEE79959B}"/>
-              </a:ext>
-            </a:extLst>
-          </p:cNvPr>
-          <p:cNvSpPr/>
-          <p:nvPr/>
-        </p:nvSpPr>
-        <p:spPr>
-          <a:xfrm>
-            <a:off x="311150" y="235635"/>
-            <a:ext cx="6096000" cy="646331"/>
-          </a:xfrm>
-          <a:prstGeom prst="rect">
-            <a:avLst/>
-          </a:prstGeom>
-        </p:spPr>
-        <p:txBody>
-          <a:bodyPr>
-            <a:spAutoFit/>
-          </a:bodyPr>
-          <a:lstStyle/>
-          <a:p>
-            <a:r>
-              <a:rPr lang="ko-KR" altLang="en-US" dirty="0"/>
-              <a:t>https://docs.openwatch.kr/data/national-assembly/asset-disclosure</a:t>
-            </a:r>
-          </a:p>
-        </p:txBody>
-      </p:sp>
-      <p:sp>
-        <p:nvSpPr>
-          <p:cNvPr id="3" name="직사각형 2">
-            <a:extLst>
-              <a:ext uri="{FF2B5EF4-FFF2-40B4-BE49-F238E27FC236}">
-                <a16:creationId xmlns:a16="http://schemas.microsoft.com/office/drawing/2014/main" id="{2A1F5BF8-E4C1-4CBA-B161-878B16706FF3}"/>
-              </a:ext>
-            </a:extLst>
-          </p:cNvPr>
-          <p:cNvSpPr/>
-          <p:nvPr/>
-        </p:nvSpPr>
-        <p:spPr>
-          <a:xfrm>
-            <a:off x="456010" y="1047234"/>
-            <a:ext cx="3266279" cy="369332"/>
-          </a:xfrm>
-          <a:prstGeom prst="rect">
-            <a:avLst/>
-          </a:prstGeom>
-        </p:spPr>
-        <p:txBody>
-          <a:bodyPr wrap="none">
-            <a:spAutoFit/>
-          </a:bodyPr>
-          <a:lstStyle/>
-          <a:p>
-            <a:r>
-              <a:rPr lang="ko-KR" altLang="en-US" b="1" dirty="0">
-                <a:solidFill>
-                  <a:srgbClr val="3B454E"/>
-                </a:solidFill>
-                <a:latin typeface="gitbook-content-font"/>
-              </a:rPr>
-              <a:t>재산신고내역 </a:t>
-            </a:r>
-            <a:r>
-              <a:rPr lang="en-US" altLang="ko-KR" b="1" dirty="0">
-                <a:solidFill>
-                  <a:srgbClr val="3B454E"/>
-                </a:solidFill>
-                <a:latin typeface="gitbook-content-font"/>
-              </a:rPr>
-              <a:t>(asset disclosure)</a:t>
-            </a:r>
-            <a:endParaRPr lang="en-US" altLang="ko-KR" b="1" i="0" dirty="0">
-              <a:solidFill>
-                <a:srgbClr val="3B454E"/>
-              </a:solidFill>
-              <a:effectLst/>
-              <a:latin typeface="gitbook-content-font"/>
-            </a:endParaRPr>
-          </a:p>
-        </p:txBody>
-      </p:sp>
-      <p:sp>
-        <p:nvSpPr>
-          <p:cNvPr id="5" name="직사각형 4">
-            <a:extLst>
-              <a:ext uri="{FF2B5EF4-FFF2-40B4-BE49-F238E27FC236}">
-                <a16:creationId xmlns:a16="http://schemas.microsoft.com/office/drawing/2014/main" id="{4F99E953-76DC-46ED-A187-593E46D50968}"/>
-              </a:ext>
-            </a:extLst>
-          </p:cNvPr>
-          <p:cNvSpPr/>
-          <p:nvPr/>
-        </p:nvSpPr>
-        <p:spPr>
-          <a:xfrm>
-            <a:off x="456010" y="1626791"/>
-            <a:ext cx="6096000" cy="3380605"/>
-          </a:xfrm>
-          <a:prstGeom prst="rect">
-            <a:avLst/>
-          </a:prstGeom>
-        </p:spPr>
-        <p:txBody>
-          <a:bodyPr>
-            <a:spAutoFit/>
-          </a:bodyPr>
-          <a:lstStyle/>
-          <a:p>
-            <a:pPr>
-              <a:lnSpc>
-                <a:spcPct val="150000"/>
-              </a:lnSpc>
-            </a:pPr>
-            <a:r>
-              <a:rPr lang="ko-KR" altLang="en-US" sz="1200" b="1" dirty="0">
-                <a:latin typeface="+mn-ea"/>
-              </a:rPr>
-              <a:t>공직자윤리법</a:t>
-            </a:r>
-            <a:r>
-              <a:rPr lang="ko-KR" altLang="en-US" sz="1200" dirty="0">
-                <a:latin typeface="+mn-ea"/>
-              </a:rPr>
-              <a:t>은 공직자들의 재산등록 의무와 등록재산의 공개 의무를 규정하고 있습니다</a:t>
-            </a:r>
-            <a:r>
-              <a:rPr lang="en-US" altLang="ko-KR" sz="1200" dirty="0">
-                <a:latin typeface="+mn-ea"/>
-              </a:rPr>
-              <a:t>. </a:t>
-            </a:r>
-            <a:r>
-              <a:rPr lang="en-US" altLang="ko-KR" sz="1200" u="sng" dirty="0">
-                <a:latin typeface="+mn-ea"/>
-              </a:rPr>
-              <a:t>4</a:t>
-            </a:r>
-            <a:r>
-              <a:rPr lang="ko-KR" altLang="en-US" sz="1200" u="sng" dirty="0">
-                <a:latin typeface="+mn-ea"/>
-              </a:rPr>
-              <a:t>급 이상의 공직자들이 재산을 의무적으로 등록</a:t>
-            </a:r>
-            <a:r>
-              <a:rPr lang="ko-KR" altLang="en-US" sz="1200" dirty="0">
-                <a:latin typeface="+mn-ea"/>
-              </a:rPr>
-              <a:t>해야 하고</a:t>
-            </a:r>
-            <a:r>
-              <a:rPr lang="en-US" altLang="ko-KR" sz="1200" dirty="0">
-                <a:latin typeface="+mn-ea"/>
-              </a:rPr>
-              <a:t>, </a:t>
-            </a:r>
-            <a:r>
-              <a:rPr lang="ko-KR" altLang="en-US" sz="1200" dirty="0">
-                <a:latin typeface="+mn-ea"/>
-              </a:rPr>
-              <a:t>그 중에서도 </a:t>
-            </a:r>
-            <a:r>
-              <a:rPr lang="en-US" altLang="ko-KR" sz="1200" b="1" u="sng" dirty="0">
-                <a:solidFill>
-                  <a:srgbClr val="C00000"/>
-                </a:solidFill>
-                <a:latin typeface="+mn-ea"/>
-              </a:rPr>
-              <a:t>1</a:t>
-            </a:r>
-            <a:r>
-              <a:rPr lang="ko-KR" altLang="en-US" sz="1200" b="1" u="sng" dirty="0">
-                <a:solidFill>
-                  <a:srgbClr val="C00000"/>
-                </a:solidFill>
-                <a:latin typeface="+mn-ea"/>
-              </a:rPr>
-              <a:t>급 이상의 고위공직자</a:t>
-            </a:r>
-            <a:r>
-              <a:rPr lang="en-US" altLang="ko-KR" sz="1200" b="1" u="sng" dirty="0">
-                <a:solidFill>
-                  <a:srgbClr val="C00000"/>
-                </a:solidFill>
-                <a:latin typeface="+mn-ea"/>
-              </a:rPr>
-              <a:t>, </a:t>
-            </a:r>
-            <a:r>
-              <a:rPr lang="ko-KR" altLang="en-US" sz="1200" b="1" u="sng" dirty="0" err="1">
-                <a:solidFill>
-                  <a:srgbClr val="C00000"/>
-                </a:solidFill>
-                <a:latin typeface="+mn-ea"/>
-              </a:rPr>
-              <a:t>선출직</a:t>
-            </a:r>
-            <a:r>
-              <a:rPr lang="ko-KR" altLang="en-US" sz="1200" b="1" u="sng" dirty="0">
-                <a:solidFill>
-                  <a:srgbClr val="C00000"/>
-                </a:solidFill>
-                <a:latin typeface="+mn-ea"/>
-              </a:rPr>
-              <a:t> 공직자</a:t>
-            </a:r>
-            <a:r>
-              <a:rPr lang="en-US" altLang="ko-KR" sz="1200" b="1" u="sng" dirty="0">
-                <a:solidFill>
-                  <a:srgbClr val="C00000"/>
-                </a:solidFill>
-                <a:latin typeface="+mn-ea"/>
-              </a:rPr>
-              <a:t>, </a:t>
-            </a:r>
-            <a:r>
-              <a:rPr lang="ko-KR" altLang="en-US" sz="1200" b="1" u="sng" dirty="0">
-                <a:solidFill>
-                  <a:srgbClr val="C00000"/>
-                </a:solidFill>
-                <a:latin typeface="+mn-ea"/>
-              </a:rPr>
-              <a:t>부장판사</a:t>
-            </a:r>
-            <a:r>
-              <a:rPr lang="en-US" altLang="ko-KR" sz="1200" b="1" u="sng" dirty="0">
-                <a:solidFill>
-                  <a:srgbClr val="C00000"/>
-                </a:solidFill>
-                <a:latin typeface="+mn-ea"/>
-              </a:rPr>
-              <a:t>, </a:t>
-            </a:r>
-            <a:r>
-              <a:rPr lang="ko-KR" altLang="en-US" sz="1200" b="1" u="sng" dirty="0">
-                <a:solidFill>
-                  <a:srgbClr val="C00000"/>
-                </a:solidFill>
-                <a:latin typeface="+mn-ea"/>
-              </a:rPr>
-              <a:t>검사장 등에게는 등록한 재산의 공개 의무</a:t>
-            </a:r>
-            <a:r>
-              <a:rPr lang="ko-KR" altLang="en-US" sz="1200" dirty="0">
-                <a:latin typeface="+mn-ea"/>
-              </a:rPr>
-              <a:t>도 있다고 보면 됩니다</a:t>
-            </a:r>
-            <a:r>
-              <a:rPr lang="en-US" altLang="ko-KR" sz="1200" dirty="0">
-                <a:latin typeface="+mn-ea"/>
-              </a:rPr>
-              <a:t>.</a:t>
-            </a:r>
-          </a:p>
-          <a:p>
-            <a:pPr>
-              <a:lnSpc>
-                <a:spcPct val="150000"/>
-              </a:lnSpc>
-            </a:pPr>
-            <a:endParaRPr lang="en-US" altLang="ko-KR" sz="1200" dirty="0">
-              <a:latin typeface="+mn-ea"/>
-            </a:endParaRPr>
-          </a:p>
-          <a:p>
-            <a:pPr>
-              <a:lnSpc>
-                <a:spcPct val="150000"/>
-              </a:lnSpc>
-            </a:pPr>
-            <a:r>
-              <a:rPr lang="ko-KR" altLang="en-US" sz="1200" dirty="0">
-                <a:latin typeface="+mn-ea"/>
-              </a:rPr>
-              <a:t>만약 재산등록과 공개 대상자인 공직자가 된다면</a:t>
-            </a:r>
-            <a:r>
-              <a:rPr lang="en-US" altLang="ko-KR" sz="1200" dirty="0">
-                <a:latin typeface="+mn-ea"/>
-              </a:rPr>
-              <a:t>, </a:t>
-            </a:r>
-            <a:r>
-              <a:rPr lang="ko-KR" altLang="en-US" sz="1200" u="sng" dirty="0">
-                <a:latin typeface="+mn-ea"/>
-              </a:rPr>
-              <a:t>두 달 이내에 공직자윤리위원회에 재산을 신고</a:t>
-            </a:r>
-            <a:r>
-              <a:rPr lang="ko-KR" altLang="en-US" sz="1200" dirty="0">
-                <a:latin typeface="+mn-ea"/>
-              </a:rPr>
-              <a:t>해야 합니다</a:t>
-            </a:r>
-            <a:r>
-              <a:rPr lang="en-US" altLang="ko-KR" sz="1200" dirty="0">
-                <a:latin typeface="+mn-ea"/>
-              </a:rPr>
-              <a:t>.</a:t>
-            </a:r>
-          </a:p>
-          <a:p>
-            <a:pPr>
-              <a:lnSpc>
-                <a:spcPct val="150000"/>
-              </a:lnSpc>
-            </a:pPr>
-            <a:endParaRPr lang="en-US" altLang="ko-KR" sz="1200" dirty="0">
-              <a:latin typeface="+mn-ea"/>
-            </a:endParaRPr>
-          </a:p>
-          <a:p>
-            <a:pPr>
-              <a:lnSpc>
-                <a:spcPct val="150000"/>
-              </a:lnSpc>
-            </a:pPr>
-            <a:r>
-              <a:rPr lang="ko-KR" altLang="en-US" sz="1200" u="sng" dirty="0">
-                <a:latin typeface="+mn-ea"/>
-              </a:rPr>
-              <a:t>신규 등록 직후 먼저 재산공개</a:t>
-            </a:r>
-            <a:r>
-              <a:rPr lang="ko-KR" altLang="en-US" sz="1200" dirty="0">
-                <a:latin typeface="+mn-ea"/>
-              </a:rPr>
-              <a:t>가 이뤄지고</a:t>
-            </a:r>
-            <a:r>
-              <a:rPr lang="en-US" altLang="ko-KR" sz="1200" dirty="0">
-                <a:latin typeface="+mn-ea"/>
-              </a:rPr>
-              <a:t>, </a:t>
-            </a:r>
-            <a:r>
-              <a:rPr lang="ko-KR" altLang="en-US" sz="1200" u="sng" dirty="0">
-                <a:latin typeface="+mn-ea"/>
-              </a:rPr>
-              <a:t>그 이후부터는 매년 </a:t>
-            </a:r>
-            <a:r>
-              <a:rPr lang="en-US" altLang="ko-KR" sz="1200" u="sng" dirty="0">
-                <a:latin typeface="+mn-ea"/>
-              </a:rPr>
-              <a:t>3</a:t>
-            </a:r>
-            <a:r>
-              <a:rPr lang="ko-KR" altLang="en-US" sz="1200" u="sng" dirty="0">
-                <a:latin typeface="+mn-ea"/>
-              </a:rPr>
-              <a:t>월 말에 정기적으로 재산공개</a:t>
-            </a:r>
-            <a:r>
-              <a:rPr lang="ko-KR" altLang="en-US" sz="1200" dirty="0">
-                <a:latin typeface="+mn-ea"/>
-              </a:rPr>
-              <a:t>가 이뤄집니다</a:t>
-            </a:r>
-            <a:r>
-              <a:rPr lang="en-US" altLang="ko-KR" sz="1200" dirty="0">
-                <a:latin typeface="+mn-ea"/>
-              </a:rPr>
-              <a:t>. </a:t>
-            </a:r>
-            <a:r>
-              <a:rPr lang="ko-KR" altLang="en-US" sz="1200" dirty="0">
-                <a:latin typeface="+mn-ea"/>
-              </a:rPr>
-              <a:t>대한민국 전자관보 사이트에서 공직자 대부분의 재산공개 내역을 확인할 수 있는데</a:t>
-            </a:r>
-            <a:r>
-              <a:rPr lang="en-US" altLang="ko-KR" sz="1200" dirty="0">
-                <a:latin typeface="+mn-ea"/>
-              </a:rPr>
-              <a:t>, </a:t>
-            </a:r>
-            <a:r>
-              <a:rPr lang="ko-KR" altLang="en-US" sz="1200" dirty="0">
-                <a:latin typeface="+mn-ea"/>
-              </a:rPr>
-              <a:t>기초의원이나 지방자치단체의 </a:t>
-            </a:r>
-            <a:r>
-              <a:rPr lang="ko-KR" altLang="en-US" sz="1200" dirty="0" err="1">
-                <a:latin typeface="+mn-ea"/>
-              </a:rPr>
-              <a:t>공직유관단체장</a:t>
-            </a:r>
-            <a:r>
-              <a:rPr lang="ko-KR" altLang="en-US" sz="1200" dirty="0">
-                <a:latin typeface="+mn-ea"/>
-              </a:rPr>
-              <a:t> 등은 각 지자체 홈페이지에 공보 형태로 재산 내역이 공개됩니다</a:t>
-            </a:r>
-            <a:r>
-              <a:rPr lang="en-US" altLang="ko-KR" sz="1200" dirty="0">
-                <a:latin typeface="+mn-ea"/>
-              </a:rPr>
-              <a:t>.</a:t>
-            </a:r>
-            <a:endParaRPr lang="ko-KR" altLang="en-US" sz="1200" dirty="0">
-              <a:latin typeface="+mn-ea"/>
-            </a:endParaRPr>
-          </a:p>
-        </p:txBody>
-      </p:sp>
-    </p:spTree>
-    <p:extLst>
-      <p:ext uri="{BB962C8B-B14F-4D97-AF65-F5344CB8AC3E}">
-        <p14:creationId xmlns:p14="http://schemas.microsoft.com/office/powerpoint/2010/main" val="3865362830"/>
       </p:ext>
     </p:extLst>
   </p:cSld>

--- a/opwatch_visual_prj.pptx
+++ b/opwatch_visual_prj.pptx
@@ -6,33 +6,36 @@
   </p:sldMasterIdLst>
   <p:sldIdLst>
     <p:sldId id="256" r:id="rId2"/>
-    <p:sldId id="276" r:id="rId3"/>
-    <p:sldId id="262" r:id="rId4"/>
-    <p:sldId id="260" r:id="rId5"/>
-    <p:sldId id="257" r:id="rId6"/>
-    <p:sldId id="258" r:id="rId7"/>
-    <p:sldId id="261" r:id="rId8"/>
-    <p:sldId id="265" r:id="rId9"/>
-    <p:sldId id="264" r:id="rId10"/>
-    <p:sldId id="259" r:id="rId11"/>
-    <p:sldId id="263" r:id="rId12"/>
-    <p:sldId id="266" r:id="rId13"/>
-    <p:sldId id="267" r:id="rId14"/>
-    <p:sldId id="268" r:id="rId15"/>
-    <p:sldId id="270" r:id="rId16"/>
-    <p:sldId id="271" r:id="rId17"/>
-    <p:sldId id="272" r:id="rId18"/>
-    <p:sldId id="273" r:id="rId19"/>
-    <p:sldId id="274" r:id="rId20"/>
-    <p:sldId id="275" r:id="rId21"/>
-    <p:sldId id="269" r:id="rId22"/>
-    <p:sldId id="277" r:id="rId23"/>
-    <p:sldId id="278" r:id="rId24"/>
-    <p:sldId id="279" r:id="rId25"/>
-    <p:sldId id="280" r:id="rId26"/>
-    <p:sldId id="281" r:id="rId27"/>
-    <p:sldId id="282" r:id="rId28"/>
-    <p:sldId id="283" r:id="rId29"/>
+    <p:sldId id="262" r:id="rId3"/>
+    <p:sldId id="285" r:id="rId4"/>
+    <p:sldId id="286" r:id="rId5"/>
+    <p:sldId id="287" r:id="rId6"/>
+    <p:sldId id="284" r:id="rId7"/>
+    <p:sldId id="260" r:id="rId8"/>
+    <p:sldId id="257" r:id="rId9"/>
+    <p:sldId id="258" r:id="rId10"/>
+    <p:sldId id="261" r:id="rId11"/>
+    <p:sldId id="265" r:id="rId12"/>
+    <p:sldId id="264" r:id="rId13"/>
+    <p:sldId id="259" r:id="rId14"/>
+    <p:sldId id="263" r:id="rId15"/>
+    <p:sldId id="266" r:id="rId16"/>
+    <p:sldId id="267" r:id="rId17"/>
+    <p:sldId id="268" r:id="rId18"/>
+    <p:sldId id="270" r:id="rId19"/>
+    <p:sldId id="271" r:id="rId20"/>
+    <p:sldId id="272" r:id="rId21"/>
+    <p:sldId id="273" r:id="rId22"/>
+    <p:sldId id="274" r:id="rId23"/>
+    <p:sldId id="275" r:id="rId24"/>
+    <p:sldId id="269" r:id="rId25"/>
+    <p:sldId id="277" r:id="rId26"/>
+    <p:sldId id="278" r:id="rId27"/>
+    <p:sldId id="279" r:id="rId28"/>
+    <p:sldId id="280" r:id="rId29"/>
+    <p:sldId id="281" r:id="rId30"/>
+    <p:sldId id="282" r:id="rId31"/>
+    <p:sldId id="283" r:id="rId32"/>
   </p:sldIdLst>
   <p:sldSz cx="12192000" cy="6858000"/>
   <p:notesSz cx="6858000" cy="9144000"/>
@@ -137,8 +140,11 @@
         <p14:section name="기본 구역" id="{0A4E67EE-4D32-4710-AA02-38D453ADAD54}">
           <p14:sldIdLst>
             <p14:sldId id="256"/>
-            <p14:sldId id="276"/>
             <p14:sldId id="262"/>
+            <p14:sldId id="285"/>
+            <p14:sldId id="286"/>
+            <p14:sldId id="287"/>
+            <p14:sldId id="284"/>
             <p14:sldId id="260"/>
             <p14:sldId id="257"/>
             <p14:sldId id="258"/>
@@ -330,7 +336,7 @@
           <a:p>
             <a:fld id="{4865801D-2A0F-455D-9221-6B287C14DAEB}" type="datetimeFigureOut">
               <a:rPr lang="ko-KR" altLang="en-US" smtClean="0"/>
-              <a:t>2023-10-06</a:t>
+              <a:t>2023-10-10</a:t>
             </a:fld>
             <a:endParaRPr lang="ko-KR" altLang="en-US"/>
           </a:p>
@@ -528,7 +534,7 @@
           <a:p>
             <a:fld id="{4865801D-2A0F-455D-9221-6B287C14DAEB}" type="datetimeFigureOut">
               <a:rPr lang="ko-KR" altLang="en-US" smtClean="0"/>
-              <a:t>2023-10-06</a:t>
+              <a:t>2023-10-10</a:t>
             </a:fld>
             <a:endParaRPr lang="ko-KR" altLang="en-US"/>
           </a:p>
@@ -736,7 +742,7 @@
           <a:p>
             <a:fld id="{4865801D-2A0F-455D-9221-6B287C14DAEB}" type="datetimeFigureOut">
               <a:rPr lang="ko-KR" altLang="en-US" smtClean="0"/>
-              <a:t>2023-10-06</a:t>
+              <a:t>2023-10-10</a:t>
             </a:fld>
             <a:endParaRPr lang="ko-KR" altLang="en-US"/>
           </a:p>
@@ -934,7 +940,7 @@
           <a:p>
             <a:fld id="{4865801D-2A0F-455D-9221-6B287C14DAEB}" type="datetimeFigureOut">
               <a:rPr lang="ko-KR" altLang="en-US" smtClean="0"/>
-              <a:t>2023-10-06</a:t>
+              <a:t>2023-10-10</a:t>
             </a:fld>
             <a:endParaRPr lang="ko-KR" altLang="en-US"/>
           </a:p>
@@ -1209,7 +1215,7 @@
           <a:p>
             <a:fld id="{4865801D-2A0F-455D-9221-6B287C14DAEB}" type="datetimeFigureOut">
               <a:rPr lang="ko-KR" altLang="en-US" smtClean="0"/>
-              <a:t>2023-10-06</a:t>
+              <a:t>2023-10-10</a:t>
             </a:fld>
             <a:endParaRPr lang="ko-KR" altLang="en-US"/>
           </a:p>
@@ -1474,7 +1480,7 @@
           <a:p>
             <a:fld id="{4865801D-2A0F-455D-9221-6B287C14DAEB}" type="datetimeFigureOut">
               <a:rPr lang="ko-KR" altLang="en-US" smtClean="0"/>
-              <a:t>2023-10-06</a:t>
+              <a:t>2023-10-10</a:t>
             </a:fld>
             <a:endParaRPr lang="ko-KR" altLang="en-US"/>
           </a:p>
@@ -1886,7 +1892,7 @@
           <a:p>
             <a:fld id="{4865801D-2A0F-455D-9221-6B287C14DAEB}" type="datetimeFigureOut">
               <a:rPr lang="ko-KR" altLang="en-US" smtClean="0"/>
-              <a:t>2023-10-06</a:t>
+              <a:t>2023-10-10</a:t>
             </a:fld>
             <a:endParaRPr lang="ko-KR" altLang="en-US"/>
           </a:p>
@@ -2027,7 +2033,7 @@
           <a:p>
             <a:fld id="{4865801D-2A0F-455D-9221-6B287C14DAEB}" type="datetimeFigureOut">
               <a:rPr lang="ko-KR" altLang="en-US" smtClean="0"/>
-              <a:t>2023-10-06</a:t>
+              <a:t>2023-10-10</a:t>
             </a:fld>
             <a:endParaRPr lang="ko-KR" altLang="en-US"/>
           </a:p>
@@ -2140,7 +2146,7 @@
           <a:p>
             <a:fld id="{4865801D-2A0F-455D-9221-6B287C14DAEB}" type="datetimeFigureOut">
               <a:rPr lang="ko-KR" altLang="en-US" smtClean="0"/>
-              <a:t>2023-10-06</a:t>
+              <a:t>2023-10-10</a:t>
             </a:fld>
             <a:endParaRPr lang="ko-KR" altLang="en-US"/>
           </a:p>
@@ -2451,7 +2457,7 @@
           <a:p>
             <a:fld id="{4865801D-2A0F-455D-9221-6B287C14DAEB}" type="datetimeFigureOut">
               <a:rPr lang="ko-KR" altLang="en-US" smtClean="0"/>
-              <a:t>2023-10-06</a:t>
+              <a:t>2023-10-10</a:t>
             </a:fld>
             <a:endParaRPr lang="ko-KR" altLang="en-US"/>
           </a:p>
@@ -2739,7 +2745,7 @@
           <a:p>
             <a:fld id="{4865801D-2A0F-455D-9221-6B287C14DAEB}" type="datetimeFigureOut">
               <a:rPr lang="ko-KR" altLang="en-US" smtClean="0"/>
-              <a:t>2023-10-06</a:t>
+              <a:t>2023-10-10</a:t>
             </a:fld>
             <a:endParaRPr lang="ko-KR" altLang="en-US"/>
           </a:p>
@@ -2980,7 +2986,7 @@
           <a:p>
             <a:fld id="{4865801D-2A0F-455D-9221-6B287C14DAEB}" type="datetimeFigureOut">
               <a:rPr lang="ko-KR" altLang="en-US" smtClean="0"/>
-              <a:t>2023-10-06</a:t>
+              <a:t>2023-10-10</a:t>
             </a:fld>
             <a:endParaRPr lang="ko-KR" altLang="en-US"/>
           </a:p>
@@ -3411,8 +3417,126 @@
         </p:nvSpPr>
         <p:spPr>
           <a:xfrm>
-            <a:off x="1398849" y="1592630"/>
-            <a:ext cx="5131533" cy="584775"/>
+            <a:off x="1383812" y="1258173"/>
+            <a:ext cx="8178990" cy="369332"/>
+          </a:xfrm>
+          <a:prstGeom prst="rect">
+            <a:avLst/>
+          </a:prstGeom>
+          <a:noFill/>
+        </p:spPr>
+        <p:txBody>
+          <a:bodyPr wrap="square" rtlCol="0">
+            <a:spAutoFit/>
+          </a:bodyPr>
+          <a:lstStyle/>
+          <a:p>
+            <a:r>
+              <a:rPr lang="ko-KR" altLang="en-US">
+                <a:solidFill>
+                  <a:schemeClr val="bg1">
+                    <a:lumMod val="50000"/>
+                  </a:schemeClr>
+                </a:solidFill>
+              </a:rPr>
+              <a:t>새싹 금천</a:t>
+            </a:r>
+            <a:r>
+              <a:rPr lang="en-US" altLang="ko-KR">
+                <a:solidFill>
+                  <a:schemeClr val="bg1">
+                    <a:lumMod val="50000"/>
+                  </a:schemeClr>
+                </a:solidFill>
+              </a:rPr>
+              <a:t>3</a:t>
+            </a:r>
+            <a:r>
+              <a:rPr lang="ko-KR" altLang="en-US">
+                <a:solidFill>
+                  <a:schemeClr val="bg1">
+                    <a:lumMod val="50000"/>
+                  </a:schemeClr>
+                </a:solidFill>
+              </a:rPr>
+              <a:t>기 </a:t>
+            </a:r>
+            <a:r>
+              <a:rPr lang="en-US" altLang="ko-KR">
+                <a:solidFill>
+                  <a:schemeClr val="bg1">
+                    <a:lumMod val="50000"/>
+                  </a:schemeClr>
+                </a:solidFill>
+              </a:rPr>
+              <a:t>AI </a:t>
+            </a:r>
+            <a:r>
+              <a:rPr lang="ko-KR" altLang="en-US">
+                <a:solidFill>
+                  <a:schemeClr val="bg1">
+                    <a:lumMod val="50000"/>
+                  </a:schemeClr>
+                </a:solidFill>
+              </a:rPr>
+              <a:t>서비스 개발자 양성과정 </a:t>
+            </a:r>
+            <a:r>
+              <a:rPr lang="en-US" altLang="ko-KR">
+                <a:solidFill>
+                  <a:schemeClr val="bg1">
+                    <a:lumMod val="50000"/>
+                  </a:schemeClr>
+                </a:solidFill>
+              </a:rPr>
+              <a:t>/ </a:t>
+            </a:r>
+            <a:r>
+              <a:rPr lang="ko-KR" altLang="en-US">
+                <a:solidFill>
+                  <a:schemeClr val="bg1">
+                    <a:lumMod val="50000"/>
+                  </a:schemeClr>
+                </a:solidFill>
+              </a:rPr>
+              <a:t>시각화 </a:t>
+            </a:r>
+            <a:r>
+              <a:rPr lang="ko-KR" altLang="en-US" dirty="0">
+                <a:solidFill>
+                  <a:schemeClr val="bg1">
+                    <a:lumMod val="50000"/>
+                  </a:schemeClr>
+                </a:solidFill>
+              </a:rPr>
+              <a:t>실습 프로젝트</a:t>
+            </a:r>
+            <a:endParaRPr lang="en-US" altLang="ko-KR" dirty="0">
+              <a:solidFill>
+                <a:schemeClr val="bg1">
+                  <a:lumMod val="50000"/>
+                </a:schemeClr>
+              </a:solidFill>
+            </a:endParaRPr>
+          </a:p>
+        </p:txBody>
+      </p:sp>
+      <p:sp>
+        <p:nvSpPr>
+          <p:cNvPr id="2" name="TextBox 1">
+            <a:extLst>
+              <a:ext uri="{FF2B5EF4-FFF2-40B4-BE49-F238E27FC236}">
+                <a16:creationId xmlns:a16="http://schemas.microsoft.com/office/drawing/2014/main" id="{208E9093-73AE-3D46-D40A-22B37C9FBB37}"/>
+              </a:ext>
+            </a:extLst>
+          </p:cNvPr>
+          <p:cNvSpPr txBox="1"/>
+          <p:nvPr/>
+        </p:nvSpPr>
+        <p:spPr>
+          <a:xfrm>
+            <a:off x="1383812" y="1596727"/>
+            <a:ext cx="9424375" cy="769441"/>
           </a:xfrm>
           <a:prstGeom prst="rect">
             <a:avLst/>
@@ -3426,10 +3550,77 @@
           <a:lstStyle/>
           <a:p>
             <a:r>
-              <a:rPr lang="ko-KR" altLang="en-US" sz="3200" dirty="0"/>
-              <a:t>새싹 시각화 실습 프로젝트</a:t>
-            </a:r>
-            <a:endParaRPr lang="en-US" altLang="ko-KR" sz="3200" dirty="0"/>
+              <a:rPr lang="en-US" altLang="ko-KR" sz="4400" b="1">
+                <a:solidFill>
+                  <a:schemeClr val="accent1">
+                    <a:lumMod val="50000"/>
+                  </a:schemeClr>
+                </a:solidFill>
+                <a:latin typeface="+mn-ea"/>
+              </a:rPr>
+              <a:t>2023 </a:t>
+            </a:r>
+            <a:r>
+              <a:rPr lang="ko-KR" altLang="en-US" sz="4400" b="1">
+                <a:solidFill>
+                  <a:schemeClr val="accent1">
+                    <a:lumMod val="50000"/>
+                  </a:schemeClr>
+                </a:solidFill>
+                <a:latin typeface="+mn-ea"/>
+              </a:rPr>
+              <a:t>국회위원 재산공개내역 시각화</a:t>
+            </a:r>
+          </a:p>
+        </p:txBody>
+      </p:sp>
+      <p:sp>
+        <p:nvSpPr>
+          <p:cNvPr id="3" name="TextBox 2">
+            <a:extLst>
+              <a:ext uri="{FF2B5EF4-FFF2-40B4-BE49-F238E27FC236}">
+                <a16:creationId xmlns:a16="http://schemas.microsoft.com/office/drawing/2014/main" id="{84C92DBE-CB63-FE19-C88E-08C2BD41AABF}"/>
+              </a:ext>
+            </a:extLst>
+          </p:cNvPr>
+          <p:cNvSpPr txBox="1"/>
+          <p:nvPr/>
+        </p:nvSpPr>
+        <p:spPr>
+          <a:xfrm>
+            <a:off x="5203292" y="3820783"/>
+            <a:ext cx="1107996" cy="461665"/>
+          </a:xfrm>
+          <a:prstGeom prst="rect">
+            <a:avLst/>
+          </a:prstGeom>
+          <a:noFill/>
+        </p:spPr>
+        <p:txBody>
+          <a:bodyPr wrap="none" rtlCol="0">
+            <a:spAutoFit/>
+          </a:bodyPr>
+          <a:lstStyle/>
+          <a:p>
+            <a:r>
+              <a:rPr lang="ko-KR" altLang="en-US" sz="2400">
+                <a:solidFill>
+                  <a:schemeClr val="tx2">
+                    <a:lumMod val="60000"/>
+                    <a:lumOff val="40000"/>
+                  </a:schemeClr>
+                </a:solidFill>
+              </a:rPr>
+              <a:t>김무진</a:t>
+            </a:r>
+            <a:endParaRPr lang="en-US" altLang="ko-KR" sz="2400" dirty="0">
+              <a:solidFill>
+                <a:schemeClr val="tx2">
+                  <a:lumMod val="60000"/>
+                  <a:lumOff val="40000"/>
+                </a:schemeClr>
+              </a:solidFill>
+            </a:endParaRPr>
           </a:p>
         </p:txBody>
       </p:sp>
@@ -3447,6 +3638,602 @@
 </file>
 
 <file path=ppt/slides/slide10.xml><?xml version="1.0" encoding="utf-8"?>
+<p:sld xmlns:a="http://schemas.openxmlformats.org/drawingml/2006/main" xmlns:r="http://schemas.openxmlformats.org/officeDocument/2006/relationships" xmlns:p="http://schemas.openxmlformats.org/presentationml/2006/main">
+  <p:cSld>
+    <p:spTree>
+      <p:nvGrpSpPr>
+        <p:cNvPr id="1" name=""/>
+        <p:cNvGrpSpPr/>
+        <p:nvPr/>
+      </p:nvGrpSpPr>
+      <p:grpSpPr>
+        <a:xfrm>
+          <a:off x="0" y="0"/>
+          <a:ext cx="0" cy="0"/>
+          <a:chOff x="0" y="0"/>
+          <a:chExt cx="0" cy="0"/>
+        </a:xfrm>
+      </p:grpSpPr>
+      <p:pic>
+        <p:nvPicPr>
+          <p:cNvPr id="2" name="그림 1">
+            <a:extLst>
+              <a:ext uri="{FF2B5EF4-FFF2-40B4-BE49-F238E27FC236}">
+                <a16:creationId xmlns:a16="http://schemas.microsoft.com/office/drawing/2014/main" id="{42F546B9-D5D3-4A47-BC51-6F876FBED2CA}"/>
+              </a:ext>
+            </a:extLst>
+          </p:cNvPr>
+          <p:cNvPicPr>
+            <a:picLocks noChangeAspect="1"/>
+          </p:cNvPicPr>
+          <p:nvPr/>
+        </p:nvPicPr>
+        <p:blipFill>
+          <a:blip r:embed="rId2"/>
+          <a:stretch>
+            <a:fillRect/>
+          </a:stretch>
+        </p:blipFill>
+        <p:spPr>
+          <a:xfrm>
+            <a:off x="206725" y="189009"/>
+            <a:ext cx="5254078" cy="6331837"/>
+          </a:xfrm>
+          <a:prstGeom prst="rect">
+            <a:avLst/>
+          </a:prstGeom>
+        </p:spPr>
+      </p:pic>
+      <p:sp>
+        <p:nvSpPr>
+          <p:cNvPr id="3" name="직사각형 2">
+            <a:extLst>
+              <a:ext uri="{FF2B5EF4-FFF2-40B4-BE49-F238E27FC236}">
+                <a16:creationId xmlns:a16="http://schemas.microsoft.com/office/drawing/2014/main" id="{402E5CA7-C493-48DB-B6D5-072C52C16AD0}"/>
+              </a:ext>
+            </a:extLst>
+          </p:cNvPr>
+          <p:cNvSpPr/>
+          <p:nvPr/>
+        </p:nvSpPr>
+        <p:spPr>
+          <a:xfrm>
+            <a:off x="206725" y="6545880"/>
+            <a:ext cx="2779928" cy="246221"/>
+          </a:xfrm>
+          <a:prstGeom prst="rect">
+            <a:avLst/>
+          </a:prstGeom>
+        </p:spPr>
+        <p:txBody>
+          <a:bodyPr wrap="none">
+            <a:spAutoFit/>
+          </a:bodyPr>
+          <a:lstStyle/>
+          <a:p>
+            <a:r>
+              <a:rPr lang="ko-KR" altLang="en-US" sz="1000" dirty="0"/>
+              <a:t>https://docs.openwatch.kr/data/local-council</a:t>
+            </a:r>
+          </a:p>
+        </p:txBody>
+      </p:sp>
+    </p:spTree>
+    <p:extLst>
+      <p:ext uri="{BB962C8B-B14F-4D97-AF65-F5344CB8AC3E}">
+        <p14:creationId xmlns:p14="http://schemas.microsoft.com/office/powerpoint/2010/main" val="1930803498"/>
+      </p:ext>
+    </p:extLst>
+  </p:cSld>
+  <p:clrMapOvr>
+    <a:masterClrMapping/>
+  </p:clrMapOvr>
+</p:sld>
+</file>
+
+<file path=ppt/slides/slide11.xml><?xml version="1.0" encoding="utf-8"?>
+<p:sld xmlns:a="http://schemas.openxmlformats.org/drawingml/2006/main" xmlns:r="http://schemas.openxmlformats.org/officeDocument/2006/relationships" xmlns:p="http://schemas.openxmlformats.org/presentationml/2006/main">
+  <p:cSld>
+    <p:spTree>
+      <p:nvGrpSpPr>
+        <p:cNvPr id="1" name=""/>
+        <p:cNvGrpSpPr/>
+        <p:nvPr/>
+      </p:nvGrpSpPr>
+      <p:grpSpPr>
+        <a:xfrm>
+          <a:off x="0" y="0"/>
+          <a:ext cx="0" cy="0"/>
+          <a:chOff x="0" y="0"/>
+          <a:chExt cx="0" cy="0"/>
+        </a:xfrm>
+      </p:grpSpPr>
+      <p:sp>
+        <p:nvSpPr>
+          <p:cNvPr id="2" name="직사각형 1">
+            <a:extLst>
+              <a:ext uri="{FF2B5EF4-FFF2-40B4-BE49-F238E27FC236}">
+                <a16:creationId xmlns:a16="http://schemas.microsoft.com/office/drawing/2014/main" id="{CE4DB563-BF41-43E5-8AD6-C07D080ECE05}"/>
+              </a:ext>
+            </a:extLst>
+          </p:cNvPr>
+          <p:cNvSpPr/>
+          <p:nvPr/>
+        </p:nvSpPr>
+        <p:spPr>
+          <a:xfrm>
+            <a:off x="508000" y="340489"/>
+            <a:ext cx="6096000" cy="2862322"/>
+          </a:xfrm>
+          <a:prstGeom prst="rect">
+            <a:avLst/>
+          </a:prstGeom>
+        </p:spPr>
+        <p:txBody>
+          <a:bodyPr>
+            <a:spAutoFit/>
+          </a:bodyPr>
+          <a:lstStyle/>
+          <a:p>
+            <a:r>
+              <a:rPr lang="ko-KR" altLang="en-US" b="1" dirty="0">
+                <a:solidFill>
+                  <a:srgbClr val="3B454E"/>
+                </a:solidFill>
+                <a:latin typeface="gitbook-content-font"/>
+                <a:ea typeface="Malgun Gothic" panose="020B0503020000020004" pitchFamily="50" charset="-127"/>
+              </a:rPr>
+              <a:t>국회의원 </a:t>
+            </a:r>
+            <a:r>
+              <a:rPr lang="en-US" altLang="ko-KR" b="1" dirty="0">
+                <a:solidFill>
+                  <a:srgbClr val="3B454E"/>
+                </a:solidFill>
+                <a:latin typeface="gitbook-content-font"/>
+                <a:ea typeface="Malgun Gothic" panose="020B0503020000020004" pitchFamily="50" charset="-127"/>
+              </a:rPr>
+              <a:t>(national assembly)</a:t>
+            </a:r>
+          </a:p>
+          <a:p>
+            <a:r>
+              <a:rPr lang="ko-KR" altLang="en-US" dirty="0">
+                <a:solidFill>
+                  <a:srgbClr val="8899A8"/>
+                </a:solidFill>
+                <a:latin typeface="gitbook-content-font"/>
+                <a:ea typeface="Malgun Gothic" panose="020B0503020000020004" pitchFamily="50" charset="-127"/>
+              </a:rPr>
+              <a:t>국가의 법률을 만드는 국회의원의 재산 신고 내역과 표결 현황 등 데이터</a:t>
+            </a:r>
+          </a:p>
+          <a:p>
+            <a:r>
+              <a:rPr lang="ko-KR" altLang="en-US" dirty="0">
+                <a:solidFill>
+                  <a:srgbClr val="3B454E"/>
+                </a:solidFill>
+                <a:latin typeface="gitbook-content-font"/>
+                <a:ea typeface="Malgun Gothic" panose="020B0503020000020004" pitchFamily="50" charset="-127"/>
+              </a:rPr>
+              <a:t>대한민국 국회의원은 국민의 대표로서 법률을 만들고</a:t>
+            </a:r>
+            <a:r>
+              <a:rPr lang="en-US" altLang="ko-KR" dirty="0">
+                <a:solidFill>
+                  <a:srgbClr val="3B454E"/>
+                </a:solidFill>
+                <a:latin typeface="gitbook-content-font"/>
+                <a:ea typeface="Malgun Gothic" panose="020B0503020000020004" pitchFamily="50" charset="-127"/>
+              </a:rPr>
+              <a:t>, </a:t>
+            </a:r>
+            <a:r>
+              <a:rPr lang="ko-KR" altLang="en-US" dirty="0">
+                <a:solidFill>
+                  <a:srgbClr val="3B454E"/>
+                </a:solidFill>
+                <a:latin typeface="gitbook-content-font"/>
+                <a:ea typeface="Malgun Gothic" panose="020B0503020000020004" pitchFamily="50" charset="-127"/>
+              </a:rPr>
+              <a:t>예산을 심의하고</a:t>
+            </a:r>
+            <a:r>
+              <a:rPr lang="en-US" altLang="ko-KR" dirty="0">
+                <a:solidFill>
+                  <a:srgbClr val="3B454E"/>
+                </a:solidFill>
+                <a:latin typeface="gitbook-content-font"/>
+                <a:ea typeface="Malgun Gothic" panose="020B0503020000020004" pitchFamily="50" charset="-127"/>
+              </a:rPr>
+              <a:t>, </a:t>
+            </a:r>
+            <a:r>
+              <a:rPr lang="ko-KR" altLang="en-US" dirty="0">
+                <a:solidFill>
+                  <a:srgbClr val="3B454E"/>
+                </a:solidFill>
+                <a:latin typeface="gitbook-content-font"/>
+                <a:ea typeface="Malgun Gothic" panose="020B0503020000020004" pitchFamily="50" charset="-127"/>
+              </a:rPr>
+              <a:t>행정부 등의 국정 운영을 감시하는 역할을 맡습니다</a:t>
+            </a:r>
+            <a:r>
+              <a:rPr lang="en-US" altLang="ko-KR" dirty="0">
+                <a:solidFill>
+                  <a:srgbClr val="3B454E"/>
+                </a:solidFill>
+                <a:latin typeface="gitbook-content-font"/>
+                <a:ea typeface="Malgun Gothic" panose="020B0503020000020004" pitchFamily="50" charset="-127"/>
+              </a:rPr>
+              <a:t>. </a:t>
+            </a:r>
+            <a:r>
+              <a:rPr lang="ko-KR" altLang="en-US" dirty="0" err="1">
+                <a:solidFill>
+                  <a:srgbClr val="3B454E"/>
+                </a:solidFill>
+                <a:latin typeface="gitbook-content-font"/>
+                <a:ea typeface="Malgun Gothic" panose="020B0503020000020004" pitchFamily="50" charset="-127"/>
+              </a:rPr>
+              <a:t>우리는국회의원</a:t>
+            </a:r>
+            <a:r>
+              <a:rPr lang="ko-KR" altLang="en-US" dirty="0">
+                <a:solidFill>
+                  <a:srgbClr val="3B454E"/>
+                </a:solidFill>
+                <a:latin typeface="gitbook-content-font"/>
+                <a:ea typeface="Malgun Gothic" panose="020B0503020000020004" pitchFamily="50" charset="-127"/>
+              </a:rPr>
+              <a:t> 총선거를 통해 </a:t>
+            </a:r>
+            <a:r>
+              <a:rPr lang="en-US" altLang="ko-KR" dirty="0">
+                <a:solidFill>
+                  <a:srgbClr val="3B454E"/>
+                </a:solidFill>
+                <a:latin typeface="gitbook-content-font"/>
+                <a:ea typeface="Malgun Gothic" panose="020B0503020000020004" pitchFamily="50" charset="-127"/>
+              </a:rPr>
+              <a:t>4</a:t>
+            </a:r>
+            <a:r>
+              <a:rPr lang="ko-KR" altLang="en-US" dirty="0">
+                <a:solidFill>
+                  <a:srgbClr val="3B454E"/>
+                </a:solidFill>
+                <a:latin typeface="gitbook-content-font"/>
+                <a:ea typeface="Malgun Gothic" panose="020B0503020000020004" pitchFamily="50" charset="-127"/>
+              </a:rPr>
+              <a:t>년에 한번씩 국회의원을 선출합니다</a:t>
+            </a:r>
+            <a:r>
+              <a:rPr lang="en-US" altLang="ko-KR" dirty="0">
+                <a:solidFill>
+                  <a:srgbClr val="3B454E"/>
+                </a:solidFill>
+                <a:latin typeface="gitbook-content-font"/>
+                <a:ea typeface="Malgun Gothic" panose="020B0503020000020004" pitchFamily="50" charset="-127"/>
+              </a:rPr>
+              <a:t>.</a:t>
+            </a:r>
+          </a:p>
+          <a:p>
+            <a:r>
+              <a:rPr lang="en-US" altLang="ko-KR" dirty="0">
+                <a:solidFill>
+                  <a:srgbClr val="3B454E"/>
+                </a:solidFill>
+                <a:latin typeface="gitbook-content-font"/>
+                <a:ea typeface="Malgun Gothic" panose="020B0503020000020004" pitchFamily="50" charset="-127"/>
+              </a:rPr>
+              <a:t>2023</a:t>
+            </a:r>
+            <a:r>
+              <a:rPr lang="ko-KR" altLang="en-US" dirty="0" err="1">
+                <a:solidFill>
+                  <a:srgbClr val="3B454E"/>
+                </a:solidFill>
+                <a:latin typeface="gitbook-content-font"/>
+                <a:ea typeface="Malgun Gothic" panose="020B0503020000020004" pitchFamily="50" charset="-127"/>
+              </a:rPr>
+              <a:t>년현재</a:t>
+            </a:r>
+            <a:r>
+              <a:rPr lang="ko-KR" altLang="en-US" dirty="0">
+                <a:solidFill>
+                  <a:srgbClr val="3B454E"/>
+                </a:solidFill>
+                <a:latin typeface="gitbook-content-font"/>
+                <a:ea typeface="Malgun Gothic" panose="020B0503020000020004" pitchFamily="50" charset="-127"/>
+              </a:rPr>
+              <a:t> 국회의원의 정원은 총</a:t>
+            </a:r>
+            <a:r>
+              <a:rPr lang="en-US" altLang="ko-KR" dirty="0">
+                <a:solidFill>
+                  <a:srgbClr val="3B454E"/>
+                </a:solidFill>
+                <a:latin typeface="gitbook-content-font"/>
+                <a:ea typeface="Malgun Gothic" panose="020B0503020000020004" pitchFamily="50" charset="-127"/>
+              </a:rPr>
+              <a:t>300</a:t>
+            </a:r>
+            <a:r>
+              <a:rPr lang="ko-KR" altLang="en-US" dirty="0">
+                <a:solidFill>
+                  <a:srgbClr val="3B454E"/>
+                </a:solidFill>
+                <a:latin typeface="gitbook-content-font"/>
+                <a:ea typeface="Malgun Gothic" panose="020B0503020000020004" pitchFamily="50" charset="-127"/>
+              </a:rPr>
+              <a:t>인이며</a:t>
+            </a:r>
+            <a:r>
+              <a:rPr lang="en-US" altLang="ko-KR" dirty="0">
+                <a:solidFill>
+                  <a:srgbClr val="3B454E"/>
+                </a:solidFill>
+                <a:latin typeface="gitbook-content-font"/>
+                <a:ea typeface="Malgun Gothic" panose="020B0503020000020004" pitchFamily="50" charset="-127"/>
+              </a:rPr>
+              <a:t>, </a:t>
+            </a:r>
+            <a:r>
+              <a:rPr lang="ko-KR" altLang="en-US" dirty="0">
+                <a:solidFill>
+                  <a:srgbClr val="346DDB"/>
+                </a:solidFill>
+                <a:latin typeface="gitbook-content-font"/>
+                <a:ea typeface="Malgun Gothic" panose="020B0503020000020004" pitchFamily="50" charset="-127"/>
+                <a:hlinkClick r:id="rId2"/>
+              </a:rPr>
+              <a:t>지역구</a:t>
+            </a:r>
+            <a:r>
+              <a:rPr lang="ko-KR" altLang="en-US" dirty="0">
+                <a:solidFill>
+                  <a:srgbClr val="3B454E"/>
+                </a:solidFill>
+                <a:latin typeface="gitbook-content-font"/>
+                <a:ea typeface="Malgun Gothic" panose="020B0503020000020004" pitchFamily="50" charset="-127"/>
+              </a:rPr>
+              <a:t> </a:t>
+            </a:r>
+            <a:r>
+              <a:rPr lang="en-US" altLang="ko-KR" dirty="0">
+                <a:solidFill>
+                  <a:srgbClr val="3B454E"/>
+                </a:solidFill>
+                <a:latin typeface="gitbook-content-font"/>
+                <a:ea typeface="Malgun Gothic" panose="020B0503020000020004" pitchFamily="50" charset="-127"/>
+              </a:rPr>
+              <a:t>253</a:t>
+            </a:r>
+            <a:r>
+              <a:rPr lang="ko-KR" altLang="en-US" dirty="0">
+                <a:solidFill>
+                  <a:srgbClr val="3B454E"/>
+                </a:solidFill>
+                <a:latin typeface="gitbook-content-font"/>
+                <a:ea typeface="Malgun Gothic" panose="020B0503020000020004" pitchFamily="50" charset="-127"/>
+              </a:rPr>
+              <a:t>인과 </a:t>
+            </a:r>
+            <a:r>
+              <a:rPr lang="ko-KR" altLang="en-US" dirty="0">
+                <a:solidFill>
+                  <a:srgbClr val="346DDB"/>
+                </a:solidFill>
+                <a:latin typeface="gitbook-content-font"/>
+                <a:ea typeface="Malgun Gothic" panose="020B0503020000020004" pitchFamily="50" charset="-127"/>
+                <a:hlinkClick r:id="rId3"/>
+              </a:rPr>
+              <a:t>비례대표</a:t>
+            </a:r>
+            <a:r>
+              <a:rPr lang="ko-KR" altLang="en-US" dirty="0">
+                <a:solidFill>
+                  <a:srgbClr val="3B454E"/>
+                </a:solidFill>
+                <a:latin typeface="gitbook-content-font"/>
+                <a:ea typeface="Malgun Gothic" panose="020B0503020000020004" pitchFamily="50" charset="-127"/>
+              </a:rPr>
+              <a:t> </a:t>
+            </a:r>
+            <a:r>
+              <a:rPr lang="en-US" altLang="ko-KR" dirty="0">
+                <a:solidFill>
+                  <a:srgbClr val="3B454E"/>
+                </a:solidFill>
+                <a:latin typeface="gitbook-content-font"/>
+                <a:ea typeface="Malgun Gothic" panose="020B0503020000020004" pitchFamily="50" charset="-127"/>
+              </a:rPr>
+              <a:t>47</a:t>
+            </a:r>
+            <a:r>
+              <a:rPr lang="ko-KR" altLang="en-US" dirty="0">
+                <a:solidFill>
+                  <a:srgbClr val="3B454E"/>
+                </a:solidFill>
+                <a:latin typeface="gitbook-content-font"/>
+                <a:ea typeface="Malgun Gothic" panose="020B0503020000020004" pitchFamily="50" charset="-127"/>
+              </a:rPr>
+              <a:t>인으로 구성됩니다</a:t>
+            </a:r>
+            <a:r>
+              <a:rPr lang="en-US" altLang="ko-KR" dirty="0">
+                <a:solidFill>
+                  <a:srgbClr val="3B454E"/>
+                </a:solidFill>
+                <a:latin typeface="gitbook-content-font"/>
+                <a:ea typeface="Malgun Gothic" panose="020B0503020000020004" pitchFamily="50" charset="-127"/>
+              </a:rPr>
+              <a:t>.(</a:t>
+            </a:r>
+            <a:r>
+              <a:rPr lang="ko-KR" altLang="en-US" dirty="0">
+                <a:solidFill>
+                  <a:srgbClr val="346DDB"/>
+                </a:solidFill>
+                <a:latin typeface="gitbook-content-font"/>
+                <a:ea typeface="Malgun Gothic" panose="020B0503020000020004" pitchFamily="50" charset="-127"/>
+                <a:hlinkClick r:id="rId4"/>
+              </a:rPr>
+              <a:t>공직선거법</a:t>
+            </a:r>
+            <a:r>
+              <a:rPr lang="ko-KR" altLang="en-US" dirty="0">
+                <a:solidFill>
+                  <a:srgbClr val="3B454E"/>
+                </a:solidFill>
+                <a:latin typeface="gitbook-content-font"/>
+                <a:ea typeface="Malgun Gothic" panose="020B0503020000020004" pitchFamily="50" charset="-127"/>
+              </a:rPr>
+              <a:t> 제</a:t>
+            </a:r>
+            <a:r>
+              <a:rPr lang="en-US" altLang="ko-KR" dirty="0">
+                <a:solidFill>
+                  <a:srgbClr val="3B454E"/>
+                </a:solidFill>
+                <a:latin typeface="gitbook-content-font"/>
+                <a:ea typeface="Malgun Gothic" panose="020B0503020000020004" pitchFamily="50" charset="-127"/>
+              </a:rPr>
+              <a:t>21</a:t>
+            </a:r>
+            <a:r>
+              <a:rPr lang="ko-KR" altLang="en-US" dirty="0">
+                <a:solidFill>
+                  <a:srgbClr val="3B454E"/>
+                </a:solidFill>
+                <a:latin typeface="gitbook-content-font"/>
+                <a:ea typeface="Malgun Gothic" panose="020B0503020000020004" pitchFamily="50" charset="-127"/>
+              </a:rPr>
+              <a:t>조 제</a:t>
+            </a:r>
+            <a:r>
+              <a:rPr lang="en-US" altLang="ko-KR" dirty="0">
+                <a:solidFill>
+                  <a:srgbClr val="3B454E"/>
+                </a:solidFill>
+                <a:latin typeface="gitbook-content-font"/>
+                <a:ea typeface="Malgun Gothic" panose="020B0503020000020004" pitchFamily="50" charset="-127"/>
+              </a:rPr>
+              <a:t>1</a:t>
+            </a:r>
+            <a:r>
+              <a:rPr lang="ko-KR" altLang="en-US" dirty="0">
+                <a:solidFill>
+                  <a:srgbClr val="3B454E"/>
+                </a:solidFill>
+                <a:latin typeface="gitbook-content-font"/>
+                <a:ea typeface="Malgun Gothic" panose="020B0503020000020004" pitchFamily="50" charset="-127"/>
+              </a:rPr>
+              <a:t>항</a:t>
+            </a:r>
+            <a:r>
+              <a:rPr lang="en-US" altLang="ko-KR" dirty="0">
+                <a:solidFill>
+                  <a:srgbClr val="3B454E"/>
+                </a:solidFill>
+                <a:latin typeface="gitbook-content-font"/>
+                <a:ea typeface="Malgun Gothic" panose="020B0503020000020004" pitchFamily="50" charset="-127"/>
+              </a:rPr>
+              <a:t>) </a:t>
+            </a:r>
+            <a:endParaRPr lang="en-US" altLang="ko-KR" b="0" i="0" u="none" strike="noStrike" dirty="0">
+              <a:solidFill>
+                <a:srgbClr val="3B454E"/>
+              </a:solidFill>
+              <a:effectLst/>
+              <a:latin typeface="gitbook-content-font"/>
+              <a:ea typeface="Malgun Gothic" panose="020B0503020000020004" pitchFamily="50" charset="-127"/>
+            </a:endParaRPr>
+          </a:p>
+        </p:txBody>
+      </p:sp>
+    </p:spTree>
+    <p:extLst>
+      <p:ext uri="{BB962C8B-B14F-4D97-AF65-F5344CB8AC3E}">
+        <p14:creationId xmlns:p14="http://schemas.microsoft.com/office/powerpoint/2010/main" val="414282374"/>
+      </p:ext>
+    </p:extLst>
+  </p:cSld>
+  <p:clrMapOvr>
+    <a:masterClrMapping/>
+  </p:clrMapOvr>
+</p:sld>
+</file>
+
+<file path=ppt/slides/slide12.xml><?xml version="1.0" encoding="utf-8"?>
+<p:sld xmlns:a="http://schemas.openxmlformats.org/drawingml/2006/main" xmlns:r="http://schemas.openxmlformats.org/officeDocument/2006/relationships" xmlns:p="http://schemas.openxmlformats.org/presentationml/2006/main">
+  <p:cSld>
+    <p:spTree>
+      <p:nvGrpSpPr>
+        <p:cNvPr id="1" name=""/>
+        <p:cNvGrpSpPr/>
+        <p:nvPr/>
+      </p:nvGrpSpPr>
+      <p:grpSpPr>
+        <a:xfrm>
+          <a:off x="0" y="0"/>
+          <a:ext cx="0" cy="0"/>
+          <a:chOff x="0" y="0"/>
+          <a:chExt cx="0" cy="0"/>
+        </a:xfrm>
+      </p:grpSpPr>
+      <p:sp>
+        <p:nvSpPr>
+          <p:cNvPr id="2" name="TextBox 1">
+            <a:extLst>
+              <a:ext uri="{FF2B5EF4-FFF2-40B4-BE49-F238E27FC236}">
+                <a16:creationId xmlns:a16="http://schemas.microsoft.com/office/drawing/2014/main" id="{4734FB3A-B017-49B0-80B4-8BDDDAA70193}"/>
+              </a:ext>
+            </a:extLst>
+          </p:cNvPr>
+          <p:cNvSpPr txBox="1"/>
+          <p:nvPr/>
+        </p:nvSpPr>
+        <p:spPr>
+          <a:xfrm>
+            <a:off x="723900" y="1187450"/>
+            <a:ext cx="1338828" cy="369332"/>
+          </a:xfrm>
+          <a:prstGeom prst="rect">
+            <a:avLst/>
+          </a:prstGeom>
+          <a:noFill/>
+        </p:spPr>
+        <p:txBody>
+          <a:bodyPr wrap="none" rtlCol="0">
+            <a:spAutoFit/>
+          </a:bodyPr>
+          <a:lstStyle/>
+          <a:p>
+            <a:r>
+              <a:rPr lang="ko-KR" altLang="en-US" dirty="0"/>
+              <a:t>고위공직자</a:t>
+            </a:r>
+          </a:p>
+        </p:txBody>
+      </p:sp>
+    </p:spTree>
+    <p:extLst>
+      <p:ext uri="{BB962C8B-B14F-4D97-AF65-F5344CB8AC3E}">
+        <p14:creationId xmlns:p14="http://schemas.microsoft.com/office/powerpoint/2010/main" val="576854005"/>
+      </p:ext>
+    </p:extLst>
+  </p:cSld>
+  <p:clrMapOvr>
+    <a:masterClrMapping/>
+  </p:clrMapOvr>
+</p:sld>
+</file>
+
+<file path=ppt/slides/slide13.xml><?xml version="1.0" encoding="utf-8"?>
 <p:sld xmlns:a="http://schemas.openxmlformats.org/drawingml/2006/main" xmlns:r="http://schemas.openxmlformats.org/officeDocument/2006/relationships" xmlns:p="http://schemas.openxmlformats.org/presentationml/2006/main">
   <p:cSld>
     <p:spTree>
@@ -3892,7 +4679,7 @@
 </p:sld>
 </file>
 
-<file path=ppt/slides/slide11.xml><?xml version="1.0" encoding="utf-8"?>
+<file path=ppt/slides/slide14.xml><?xml version="1.0" encoding="utf-8"?>
 <p:sld xmlns:a="http://schemas.openxmlformats.org/drawingml/2006/main" xmlns:r="http://schemas.openxmlformats.org/officeDocument/2006/relationships" xmlns:p="http://schemas.openxmlformats.org/presentationml/2006/main">
   <p:cSld>
     <p:spTree>
@@ -4498,7 +5285,7 @@
 </p:sld>
 </file>
 
-<file path=ppt/slides/slide12.xml><?xml version="1.0" encoding="utf-8"?>
+<file path=ppt/slides/slide15.xml><?xml version="1.0" encoding="utf-8"?>
 <p:sld xmlns:a="http://schemas.openxmlformats.org/drawingml/2006/main" xmlns:r="http://schemas.openxmlformats.org/officeDocument/2006/relationships" xmlns:p="http://schemas.openxmlformats.org/presentationml/2006/main">
   <p:cSld>
     <p:spTree>
@@ -6301,7 +7088,7 @@
 </p:sld>
 </file>
 
-<file path=ppt/slides/slide13.xml><?xml version="1.0" encoding="utf-8"?>
+<file path=ppt/slides/slide16.xml><?xml version="1.0" encoding="utf-8"?>
 <p:sld xmlns:a="http://schemas.openxmlformats.org/drawingml/2006/main" xmlns:r="http://schemas.openxmlformats.org/officeDocument/2006/relationships" xmlns:p="http://schemas.openxmlformats.org/presentationml/2006/main">
   <p:cSld>
     <p:spTree>
@@ -6426,7 +7213,7 @@
 </p:sld>
 </file>
 
-<file path=ppt/slides/slide14.xml><?xml version="1.0" encoding="utf-8"?>
+<file path=ppt/slides/slide17.xml><?xml version="1.0" encoding="utf-8"?>
 <p:sld xmlns:a="http://schemas.openxmlformats.org/drawingml/2006/main" xmlns:r="http://schemas.openxmlformats.org/officeDocument/2006/relationships" xmlns:p="http://schemas.openxmlformats.org/presentationml/2006/main">
   <p:cSld>
     <p:spTree>
@@ -6567,7 +7354,7 @@
 </p:sld>
 </file>
 
-<file path=ppt/slides/slide15.xml><?xml version="1.0" encoding="utf-8"?>
+<file path=ppt/slides/slide18.xml><?xml version="1.0" encoding="utf-8"?>
 <p:sld xmlns:a="http://schemas.openxmlformats.org/drawingml/2006/main" xmlns:r="http://schemas.openxmlformats.org/officeDocument/2006/relationships" xmlns:p="http://schemas.openxmlformats.org/presentationml/2006/main">
   <p:cSld>
     <p:spTree>
@@ -9851,7 +10638,7 @@
 </p:sld>
 </file>
 
-<file path=ppt/slides/slide16.xml><?xml version="1.0" encoding="utf-8"?>
+<file path=ppt/slides/slide19.xml><?xml version="1.0" encoding="utf-8"?>
 <p:sld xmlns:a="http://schemas.openxmlformats.org/drawingml/2006/main" xmlns:r="http://schemas.openxmlformats.org/officeDocument/2006/relationships" xmlns:p="http://schemas.openxmlformats.org/presentationml/2006/main">
   <p:cSld>
     <p:spTree>
@@ -9916,7 +10703,677 @@
 </p:sld>
 </file>
 
-<file path=ppt/slides/slide17.xml><?xml version="1.0" encoding="utf-8"?>
+<file path=ppt/slides/slide2.xml><?xml version="1.0" encoding="utf-8"?>
+<p:sld xmlns:a="http://schemas.openxmlformats.org/drawingml/2006/main" xmlns:r="http://schemas.openxmlformats.org/officeDocument/2006/relationships" xmlns:p="http://schemas.openxmlformats.org/presentationml/2006/main">
+  <p:cSld>
+    <p:spTree>
+      <p:nvGrpSpPr>
+        <p:cNvPr id="1" name=""/>
+        <p:cNvGrpSpPr/>
+        <p:nvPr/>
+      </p:nvGrpSpPr>
+      <p:grpSpPr>
+        <a:xfrm>
+          <a:off x="0" y="0"/>
+          <a:ext cx="0" cy="0"/>
+          <a:chOff x="0" y="0"/>
+          <a:chExt cx="0" cy="0"/>
+        </a:xfrm>
+      </p:grpSpPr>
+      <p:sp>
+        <p:nvSpPr>
+          <p:cNvPr id="7" name="직사각형 6">
+            <a:extLst>
+              <a:ext uri="{FF2B5EF4-FFF2-40B4-BE49-F238E27FC236}">
+                <a16:creationId xmlns:a16="http://schemas.microsoft.com/office/drawing/2014/main" id="{CBE2194E-2976-4934-BD1B-861ECBB520F8}"/>
+              </a:ext>
+            </a:extLst>
+          </p:cNvPr>
+          <p:cNvSpPr/>
+          <p:nvPr/>
+        </p:nvSpPr>
+        <p:spPr>
+          <a:xfrm>
+            <a:off x="3517436" y="1723870"/>
+            <a:ext cx="7739890" cy="1885453"/>
+          </a:xfrm>
+          <a:prstGeom prst="rect">
+            <a:avLst/>
+          </a:prstGeom>
+          <a:solidFill>
+            <a:schemeClr val="bg1">
+              <a:lumMod val="95000"/>
+            </a:schemeClr>
+          </a:solidFill>
+        </p:spPr>
+        <p:txBody>
+          <a:bodyPr wrap="square">
+            <a:spAutoFit/>
+          </a:bodyPr>
+          <a:lstStyle/>
+          <a:p>
+            <a:pPr>
+              <a:lnSpc>
+                <a:spcPct val="150000"/>
+              </a:lnSpc>
+            </a:pPr>
+            <a:r>
+              <a:rPr lang="en-US" altLang="ko-KR" sz="2400" b="1" dirty="0">
+                <a:latin typeface="+mn-ea"/>
+              </a:rPr>
+              <a:t>DATA_SET</a:t>
+            </a:r>
+          </a:p>
+          <a:p>
+            <a:pPr>
+              <a:lnSpc>
+                <a:spcPct val="150000"/>
+              </a:lnSpc>
+            </a:pPr>
+            <a:r>
+              <a:rPr lang="en-US" altLang="ko-KR" sz="2000" b="1" i="0" u="sng" dirty="0">
+                <a:solidFill>
+                  <a:srgbClr val="000000"/>
+                </a:solidFill>
+                <a:effectLst/>
+                <a:latin typeface="+mn-ea"/>
+              </a:rPr>
+              <a:t>2023 </a:t>
+            </a:r>
+            <a:r>
+              <a:rPr lang="ko-KR" altLang="en-US" sz="2000" b="1" i="0" u="sng" dirty="0">
+                <a:solidFill>
+                  <a:srgbClr val="000000"/>
+                </a:solidFill>
+                <a:effectLst/>
+                <a:latin typeface="+mn-ea"/>
+              </a:rPr>
+              <a:t>국회고위공직자 재산정보</a:t>
+            </a:r>
+            <a:r>
+              <a:rPr lang="en-US" altLang="ko-KR" sz="2000" b="1" i="0" u="sng" dirty="0">
+                <a:solidFill>
+                  <a:srgbClr val="000000"/>
+                </a:solidFill>
+                <a:effectLst/>
+                <a:latin typeface="+mn-ea"/>
+              </a:rPr>
+              <a:t>(</a:t>
+            </a:r>
+            <a:r>
+              <a:rPr lang="ko-KR" altLang="en-US" sz="2000" b="1" i="0" u="sng" dirty="0" err="1">
+                <a:solidFill>
+                  <a:srgbClr val="000000"/>
+                </a:solidFill>
+                <a:effectLst/>
+                <a:latin typeface="+mn-ea"/>
+              </a:rPr>
+              <a:t>공개본</a:t>
+            </a:r>
+            <a:r>
+              <a:rPr lang="en-US" altLang="ko-KR" sz="2000" b="1" i="0" u="sng" dirty="0">
+                <a:solidFill>
+                  <a:srgbClr val="000000"/>
+                </a:solidFill>
+                <a:effectLst/>
+                <a:latin typeface="+mn-ea"/>
+              </a:rPr>
+              <a:t>)</a:t>
+            </a:r>
+            <a:endParaRPr lang="ko-KR" altLang="en-US" sz="2000" b="1" u="sng" dirty="0">
+              <a:latin typeface="+mn-ea"/>
+            </a:endParaRPr>
+          </a:p>
+          <a:p>
+            <a:pPr>
+              <a:lnSpc>
+                <a:spcPct val="150000"/>
+              </a:lnSpc>
+            </a:pPr>
+            <a:r>
+              <a:rPr lang="en-US" altLang="ko-KR" dirty="0">
+                <a:latin typeface="+mn-ea"/>
+              </a:rPr>
+              <a:t>2023</a:t>
+            </a:r>
+            <a:r>
+              <a:rPr lang="ko-KR" altLang="en-US" dirty="0">
+                <a:latin typeface="+mn-ea"/>
+              </a:rPr>
+              <a:t>년 </a:t>
+            </a:r>
+            <a:r>
+              <a:rPr lang="en-US" altLang="ko-KR" dirty="0">
+                <a:latin typeface="+mn-ea"/>
+              </a:rPr>
+              <a:t>3</a:t>
+            </a:r>
+            <a:r>
+              <a:rPr lang="ko-KR" altLang="en-US" dirty="0">
+                <a:latin typeface="+mn-ea"/>
+              </a:rPr>
+              <a:t>월 </a:t>
+            </a:r>
+            <a:r>
+              <a:rPr lang="en-US" altLang="ko-KR" dirty="0">
+                <a:latin typeface="+mn-ea"/>
+              </a:rPr>
+              <a:t>31</a:t>
+            </a:r>
+            <a:r>
+              <a:rPr lang="ko-KR" altLang="en-US" dirty="0">
+                <a:latin typeface="+mn-ea"/>
+              </a:rPr>
+              <a:t>일 </a:t>
+            </a:r>
+            <a:r>
+              <a:rPr lang="ko-KR" altLang="en-US" dirty="0">
+                <a:solidFill>
+                  <a:srgbClr val="C00000"/>
+                </a:solidFill>
+                <a:latin typeface="+mn-ea"/>
+              </a:rPr>
+              <a:t>국회공보에서 </a:t>
+            </a:r>
+            <a:r>
+              <a:rPr lang="en-US" altLang="ko-KR" dirty="0">
+                <a:solidFill>
+                  <a:srgbClr val="C00000"/>
+                </a:solidFill>
+                <a:latin typeface="+mn-ea"/>
+              </a:rPr>
+              <a:t>PDF</a:t>
+            </a:r>
+            <a:r>
+              <a:rPr lang="ko-KR" altLang="en-US" dirty="0">
+                <a:solidFill>
+                  <a:srgbClr val="C00000"/>
+                </a:solidFill>
+                <a:latin typeface="+mn-ea"/>
+              </a:rPr>
+              <a:t>로 공개한 </a:t>
+            </a:r>
+            <a:r>
+              <a:rPr lang="en-US" altLang="ko-KR" dirty="0">
+                <a:solidFill>
+                  <a:srgbClr val="C00000"/>
+                </a:solidFill>
+                <a:latin typeface="+mn-ea"/>
+              </a:rPr>
+              <a:t>'2023</a:t>
+            </a:r>
+            <a:r>
+              <a:rPr lang="ko-KR" altLang="en-US" dirty="0">
+                <a:solidFill>
+                  <a:srgbClr val="C00000"/>
+                </a:solidFill>
+                <a:latin typeface="+mn-ea"/>
+              </a:rPr>
+              <a:t>년 정기재산변동신고 공개목록</a:t>
+            </a:r>
+            <a:r>
+              <a:rPr lang="en-US" altLang="ko-KR" dirty="0">
+                <a:solidFill>
+                  <a:srgbClr val="C00000"/>
+                </a:solidFill>
+                <a:latin typeface="+mn-ea"/>
+              </a:rPr>
+              <a:t>'</a:t>
+            </a:r>
+            <a:r>
+              <a:rPr lang="ko-KR" altLang="en-US">
+                <a:latin typeface="+mn-ea"/>
+              </a:rPr>
+              <a:t>을 </a:t>
+            </a:r>
+            <a:r>
+              <a:rPr lang="ko-KR" altLang="en-US">
+                <a:solidFill>
+                  <a:srgbClr val="00B0F0"/>
+                </a:solidFill>
+                <a:latin typeface="+mn-ea"/>
+              </a:rPr>
+              <a:t>정보공개센터</a:t>
+            </a:r>
+            <a:r>
+              <a:rPr lang="en-US" altLang="ko-KR">
+                <a:solidFill>
+                  <a:srgbClr val="00B0F0"/>
+                </a:solidFill>
+                <a:latin typeface="+mn-ea"/>
+              </a:rPr>
+              <a:t>, OPEN</a:t>
+            </a:r>
+            <a:r>
+              <a:rPr lang="ko-KR" altLang="en-US">
+                <a:solidFill>
+                  <a:srgbClr val="00B0F0"/>
+                </a:solidFill>
+                <a:latin typeface="+mn-ea"/>
+              </a:rPr>
+              <a:t> </a:t>
+            </a:r>
+            <a:r>
+              <a:rPr lang="en-US" altLang="ko-KR">
+                <a:solidFill>
+                  <a:srgbClr val="00B0F0"/>
+                </a:solidFill>
+                <a:latin typeface="+mn-ea"/>
+              </a:rPr>
+              <a:t>WATCH</a:t>
+            </a:r>
+            <a:r>
+              <a:rPr lang="ko-KR" altLang="en-US">
+                <a:solidFill>
+                  <a:srgbClr val="00B0F0"/>
+                </a:solidFill>
+                <a:latin typeface="+mn-ea"/>
+              </a:rPr>
+              <a:t>에서 </a:t>
+            </a:r>
+            <a:r>
+              <a:rPr lang="ko-KR" altLang="en-US" dirty="0">
+                <a:solidFill>
+                  <a:srgbClr val="00B0F0"/>
+                </a:solidFill>
+                <a:latin typeface="+mn-ea"/>
+              </a:rPr>
+              <a:t>정제해 공개</a:t>
+            </a:r>
+            <a:r>
+              <a:rPr lang="ko-KR" altLang="en-US" dirty="0">
+                <a:latin typeface="+mn-ea"/>
+              </a:rPr>
+              <a:t>한 데이터</a:t>
+            </a:r>
+          </a:p>
+        </p:txBody>
+      </p:sp>
+      <p:sp>
+        <p:nvSpPr>
+          <p:cNvPr id="8" name="직사각형 7">
+            <a:extLst>
+              <a:ext uri="{FF2B5EF4-FFF2-40B4-BE49-F238E27FC236}">
+                <a16:creationId xmlns:a16="http://schemas.microsoft.com/office/drawing/2014/main" id="{94AEEB3C-C797-452E-BE49-20CF441CE13F}"/>
+              </a:ext>
+            </a:extLst>
+          </p:cNvPr>
+          <p:cNvSpPr/>
+          <p:nvPr/>
+        </p:nvSpPr>
+        <p:spPr>
+          <a:xfrm>
+            <a:off x="3517435" y="3850349"/>
+            <a:ext cx="7739889" cy="1885453"/>
+          </a:xfrm>
+          <a:prstGeom prst="rect">
+            <a:avLst/>
+          </a:prstGeom>
+          <a:solidFill>
+            <a:schemeClr val="bg1">
+              <a:lumMod val="95000"/>
+            </a:schemeClr>
+          </a:solidFill>
+        </p:spPr>
+        <p:txBody>
+          <a:bodyPr wrap="square">
+            <a:spAutoFit/>
+          </a:bodyPr>
+          <a:lstStyle/>
+          <a:p>
+            <a:pPr>
+              <a:lnSpc>
+                <a:spcPct val="150000"/>
+              </a:lnSpc>
+            </a:pPr>
+            <a:r>
+              <a:rPr lang="ko-KR" altLang="en-US" sz="2400" b="1" dirty="0">
+                <a:latin typeface="+mn-ea"/>
+              </a:rPr>
+              <a:t>시각화 프로젝트 목표</a:t>
+            </a:r>
+            <a:endParaRPr lang="en-US" altLang="ko-KR" sz="2400" b="1" dirty="0">
+              <a:latin typeface="+mn-ea"/>
+            </a:endParaRPr>
+          </a:p>
+          <a:p>
+            <a:pPr>
+              <a:lnSpc>
+                <a:spcPct val="150000"/>
+              </a:lnSpc>
+            </a:pPr>
+            <a:r>
+              <a:rPr lang="ko-KR" altLang="en-US" sz="2000" dirty="0">
+                <a:effectLst/>
+              </a:rPr>
+              <a:t>공직자들의 비리와 책무를 감시하기 위한 </a:t>
+            </a:r>
+            <a:r>
+              <a:rPr lang="ko-KR" altLang="en-US" sz="2000" b="1" dirty="0">
+                <a:effectLst/>
+              </a:rPr>
+              <a:t>뷰</a:t>
+            </a:r>
+            <a:r>
+              <a:rPr lang="en-US" altLang="ko-KR" sz="2000" b="1" dirty="0">
+                <a:effectLst/>
+              </a:rPr>
+              <a:t>-</a:t>
+            </a:r>
+            <a:r>
+              <a:rPr lang="ko-KR" altLang="en-US" sz="2000" b="1" dirty="0">
+                <a:effectLst/>
+              </a:rPr>
+              <a:t>포인트 </a:t>
+            </a:r>
+            <a:r>
+              <a:rPr lang="ko-KR" altLang="en-US" sz="2000" dirty="0">
+                <a:effectLst/>
+              </a:rPr>
+              <a:t>시각화</a:t>
+            </a:r>
+            <a:endParaRPr lang="en-US" altLang="ko-KR" sz="2000" dirty="0">
+              <a:effectLst/>
+            </a:endParaRPr>
+          </a:p>
+          <a:p>
+            <a:pPr>
+              <a:lnSpc>
+                <a:spcPct val="150000"/>
+              </a:lnSpc>
+            </a:pPr>
+            <a:r>
+              <a:rPr lang="en-US" altLang="ko-KR" b="1" dirty="0">
+                <a:latin typeface="+mn-ea"/>
+              </a:rPr>
+              <a:t>POINT 1</a:t>
+            </a:r>
+            <a:r>
+              <a:rPr lang="en-US" altLang="ko-KR" dirty="0">
+                <a:latin typeface="+mn-ea"/>
+              </a:rPr>
+              <a:t>, </a:t>
+            </a:r>
+            <a:r>
+              <a:rPr lang="ko-KR" altLang="en-US" dirty="0">
+                <a:latin typeface="+mn-ea"/>
+              </a:rPr>
+              <a:t>부동산</a:t>
+            </a:r>
+            <a:r>
+              <a:rPr lang="en-US" altLang="ko-KR" dirty="0">
+                <a:latin typeface="+mn-ea"/>
+              </a:rPr>
+              <a:t>(</a:t>
+            </a:r>
+            <a:r>
+              <a:rPr lang="ko-KR" altLang="en-US" dirty="0">
+                <a:latin typeface="+mn-ea"/>
+              </a:rPr>
+              <a:t>건물</a:t>
+            </a:r>
+            <a:r>
+              <a:rPr lang="en-US" altLang="ko-KR" dirty="0">
+                <a:latin typeface="+mn-ea"/>
+              </a:rPr>
+              <a:t>, </a:t>
+            </a:r>
+            <a:r>
+              <a:rPr lang="ko-KR" altLang="en-US" dirty="0">
+                <a:latin typeface="+mn-ea"/>
+              </a:rPr>
+              <a:t>토지</a:t>
+            </a:r>
+            <a:r>
+              <a:rPr lang="en-US" altLang="ko-KR" dirty="0">
+                <a:latin typeface="+mn-ea"/>
+              </a:rPr>
+              <a:t>) | </a:t>
+            </a:r>
+            <a:r>
+              <a:rPr lang="ko-KR" altLang="en-US" dirty="0">
+                <a:latin typeface="+mn-ea"/>
+              </a:rPr>
+              <a:t>어느 지역에 편중되어 있는가 </a:t>
+            </a:r>
+            <a:r>
+              <a:rPr lang="en-US" altLang="ko-KR" dirty="0">
+                <a:latin typeface="+mn-ea"/>
+              </a:rPr>
+              <a:t>?</a:t>
+            </a:r>
+          </a:p>
+          <a:p>
+            <a:pPr>
+              <a:lnSpc>
+                <a:spcPct val="150000"/>
+              </a:lnSpc>
+            </a:pPr>
+            <a:r>
+              <a:rPr lang="en-US" altLang="ko-KR" b="1" dirty="0">
+                <a:latin typeface="+mn-ea"/>
+              </a:rPr>
+              <a:t>POINT 2</a:t>
+            </a:r>
+            <a:r>
+              <a:rPr lang="en-US" altLang="ko-KR" dirty="0">
+                <a:latin typeface="+mn-ea"/>
+              </a:rPr>
+              <a:t>, </a:t>
+            </a:r>
+            <a:r>
+              <a:rPr lang="ko-KR" altLang="en-US" dirty="0">
+                <a:latin typeface="+mn-ea"/>
+              </a:rPr>
+              <a:t>증권 </a:t>
+            </a:r>
+            <a:r>
+              <a:rPr lang="en-US" altLang="ko-KR" dirty="0">
+                <a:latin typeface="+mn-ea"/>
+              </a:rPr>
+              <a:t>| </a:t>
+            </a:r>
+            <a:r>
+              <a:rPr lang="ko-KR" altLang="en-US" dirty="0">
+                <a:latin typeface="+mn-ea"/>
+              </a:rPr>
+              <a:t>어느 기업에 투자하고 있는가 </a:t>
+            </a:r>
+            <a:r>
+              <a:rPr lang="en-US" altLang="ko-KR" dirty="0">
+                <a:latin typeface="+mn-ea"/>
+              </a:rPr>
+              <a:t>?</a:t>
+            </a:r>
+          </a:p>
+        </p:txBody>
+      </p:sp>
+      <p:sp>
+        <p:nvSpPr>
+          <p:cNvPr id="3" name="TextBox 2">
+            <a:extLst>
+              <a:ext uri="{FF2B5EF4-FFF2-40B4-BE49-F238E27FC236}">
+                <a16:creationId xmlns:a16="http://schemas.microsoft.com/office/drawing/2014/main" id="{38891F45-89FF-4BC9-E339-0BCF840EC0B7}"/>
+              </a:ext>
+            </a:extLst>
+          </p:cNvPr>
+          <p:cNvSpPr txBox="1"/>
+          <p:nvPr/>
+        </p:nvSpPr>
+        <p:spPr>
+          <a:xfrm>
+            <a:off x="639079" y="770750"/>
+            <a:ext cx="2778242" cy="707886"/>
+          </a:xfrm>
+          <a:prstGeom prst="rect">
+            <a:avLst/>
+          </a:prstGeom>
+          <a:noFill/>
+        </p:spPr>
+        <p:txBody>
+          <a:bodyPr wrap="square">
+            <a:spAutoFit/>
+          </a:bodyPr>
+          <a:lstStyle/>
+          <a:p>
+            <a:pPr algn="ctr"/>
+            <a:r>
+              <a:rPr lang="ko-KR" altLang="en-US" sz="4000" b="1">
+                <a:solidFill>
+                  <a:schemeClr val="accent1">
+                    <a:lumMod val="50000"/>
+                  </a:schemeClr>
+                </a:solidFill>
+                <a:latin typeface="+mn-ea"/>
+              </a:rPr>
+              <a:t>도입 </a:t>
+            </a:r>
+            <a:endParaRPr lang="ko-KR" altLang="en-US" sz="4000">
+              <a:solidFill>
+                <a:schemeClr val="accent1">
+                  <a:lumMod val="50000"/>
+                </a:schemeClr>
+              </a:solidFill>
+            </a:endParaRPr>
+          </a:p>
+        </p:txBody>
+      </p:sp>
+      <p:sp>
+        <p:nvSpPr>
+          <p:cNvPr id="6" name="TextBox 5">
+            <a:extLst>
+              <a:ext uri="{FF2B5EF4-FFF2-40B4-BE49-F238E27FC236}">
+                <a16:creationId xmlns:a16="http://schemas.microsoft.com/office/drawing/2014/main" id="{A5CE3738-8DC5-12C3-049E-A5DEE4DA6BA7}"/>
+              </a:ext>
+            </a:extLst>
+          </p:cNvPr>
+          <p:cNvSpPr txBox="1"/>
+          <p:nvPr/>
+        </p:nvSpPr>
+        <p:spPr>
+          <a:xfrm>
+            <a:off x="639079" y="462973"/>
+            <a:ext cx="2778242" cy="307777"/>
+          </a:xfrm>
+          <a:prstGeom prst="rect">
+            <a:avLst/>
+          </a:prstGeom>
+          <a:noFill/>
+        </p:spPr>
+        <p:txBody>
+          <a:bodyPr wrap="square">
+            <a:spAutoFit/>
+          </a:bodyPr>
+          <a:lstStyle/>
+          <a:p>
+            <a:pPr algn="ctr"/>
+            <a:r>
+              <a:rPr lang="en-US" altLang="ko-KR" sz="1400" b="1">
+                <a:solidFill>
+                  <a:schemeClr val="accent1">
+                    <a:lumMod val="50000"/>
+                  </a:schemeClr>
+                </a:solidFill>
+                <a:latin typeface="+mn-ea"/>
+              </a:rPr>
+              <a:t>2023 </a:t>
+            </a:r>
+            <a:r>
+              <a:rPr lang="ko-KR" altLang="en-US" sz="1400" b="1">
+                <a:solidFill>
+                  <a:schemeClr val="accent1">
+                    <a:lumMod val="50000"/>
+                  </a:schemeClr>
+                </a:solidFill>
+                <a:latin typeface="+mn-ea"/>
+              </a:rPr>
+              <a:t>국회위원 재산공개 데이터</a:t>
+            </a:r>
+            <a:endParaRPr lang="en-US" altLang="ko-KR" sz="1400" b="1">
+              <a:solidFill>
+                <a:schemeClr val="accent1">
+                  <a:lumMod val="50000"/>
+                </a:schemeClr>
+              </a:solidFill>
+              <a:latin typeface="+mn-ea"/>
+            </a:endParaRPr>
+          </a:p>
+        </p:txBody>
+      </p:sp>
+      <p:pic>
+        <p:nvPicPr>
+          <p:cNvPr id="11" name="그림 10">
+            <a:extLst>
+              <a:ext uri="{FF2B5EF4-FFF2-40B4-BE49-F238E27FC236}">
+                <a16:creationId xmlns:a16="http://schemas.microsoft.com/office/drawing/2014/main" id="{23C6E931-8345-AFD0-0EB5-E0E356533BE8}"/>
+              </a:ext>
+            </a:extLst>
+          </p:cNvPr>
+          <p:cNvPicPr>
+            <a:picLocks noChangeAspect="1"/>
+          </p:cNvPicPr>
+          <p:nvPr/>
+        </p:nvPicPr>
+        <p:blipFill>
+          <a:blip r:embed="rId2"/>
+          <a:stretch>
+            <a:fillRect/>
+          </a:stretch>
+        </p:blipFill>
+        <p:spPr>
+          <a:xfrm>
+            <a:off x="934674" y="2747329"/>
+            <a:ext cx="1750375" cy="861994"/>
+          </a:xfrm>
+          <a:prstGeom prst="rect">
+            <a:avLst/>
+          </a:prstGeom>
+        </p:spPr>
+      </p:pic>
+      <p:pic>
+        <p:nvPicPr>
+          <p:cNvPr id="13" name="그림 12">
+            <a:extLst>
+              <a:ext uri="{FF2B5EF4-FFF2-40B4-BE49-F238E27FC236}">
+                <a16:creationId xmlns:a16="http://schemas.microsoft.com/office/drawing/2014/main" id="{C254BB90-5A5B-DC99-BEF7-1B829A1E40E5}"/>
+              </a:ext>
+            </a:extLst>
+          </p:cNvPr>
+          <p:cNvPicPr>
+            <a:picLocks noChangeAspect="1"/>
+          </p:cNvPicPr>
+          <p:nvPr/>
+        </p:nvPicPr>
+        <p:blipFill>
+          <a:blip r:embed="rId3"/>
+          <a:stretch>
+            <a:fillRect/>
+          </a:stretch>
+        </p:blipFill>
+        <p:spPr>
+          <a:xfrm>
+            <a:off x="934674" y="3850349"/>
+            <a:ext cx="1750375" cy="521485"/>
+          </a:xfrm>
+          <a:prstGeom prst="rect">
+            <a:avLst/>
+          </a:prstGeom>
+        </p:spPr>
+      </p:pic>
+    </p:spTree>
+    <p:extLst>
+      <p:ext uri="{BB962C8B-B14F-4D97-AF65-F5344CB8AC3E}">
+        <p14:creationId xmlns:p14="http://schemas.microsoft.com/office/powerpoint/2010/main" val="4097081395"/>
+      </p:ext>
+    </p:extLst>
+  </p:cSld>
+  <p:clrMapOvr>
+    <a:masterClrMapping/>
+  </p:clrMapOvr>
+</p:sld>
+</file>
+
+<file path=ppt/slides/slide20.xml><?xml version="1.0" encoding="utf-8"?>
 <p:sld xmlns:a="http://schemas.openxmlformats.org/drawingml/2006/main" xmlns:r="http://schemas.openxmlformats.org/officeDocument/2006/relationships" xmlns:p="http://schemas.openxmlformats.org/presentationml/2006/main">
   <p:cSld>
     <p:spTree>
@@ -12071,7 +13528,7 @@
 </p:sld>
 </file>
 
-<file path=ppt/slides/slide18.xml><?xml version="1.0" encoding="utf-8"?>
+<file path=ppt/slides/slide21.xml><?xml version="1.0" encoding="utf-8"?>
 <p:sld xmlns:a="http://schemas.openxmlformats.org/drawingml/2006/main" xmlns:r="http://schemas.openxmlformats.org/officeDocument/2006/relationships" xmlns:p="http://schemas.openxmlformats.org/presentationml/2006/main">
   <p:cSld>
     <p:spTree>
@@ -15188,7 +16645,7 @@
 </p:sld>
 </file>
 
-<file path=ppt/slides/slide19.xml><?xml version="1.0" encoding="utf-8"?>
+<file path=ppt/slides/slide22.xml><?xml version="1.0" encoding="utf-8"?>
 <p:sld xmlns:a="http://schemas.openxmlformats.org/drawingml/2006/main" xmlns:r="http://schemas.openxmlformats.org/officeDocument/2006/relationships" xmlns:p="http://schemas.openxmlformats.org/presentationml/2006/main">
   <p:cSld>
     <p:spTree>
@@ -19194,67 +20651,7 @@
 </p:sld>
 </file>
 
-<file path=ppt/slides/slide2.xml><?xml version="1.0" encoding="utf-8"?>
-<p:sld xmlns:a="http://schemas.openxmlformats.org/drawingml/2006/main" xmlns:r="http://schemas.openxmlformats.org/officeDocument/2006/relationships" xmlns:p="http://schemas.openxmlformats.org/presentationml/2006/main">
-  <p:cSld>
-    <p:spTree>
-      <p:nvGrpSpPr>
-        <p:cNvPr id="1" name=""/>
-        <p:cNvGrpSpPr/>
-        <p:nvPr/>
-      </p:nvGrpSpPr>
-      <p:grpSpPr>
-        <a:xfrm>
-          <a:off x="0" y="0"/>
-          <a:ext cx="0" cy="0"/>
-          <a:chOff x="0" y="0"/>
-          <a:chExt cx="0" cy="0"/>
-        </a:xfrm>
-      </p:grpSpPr>
-      <p:pic>
-        <p:nvPicPr>
-          <p:cNvPr id="4" name="그림 3">
-            <a:extLst>
-              <a:ext uri="{FF2B5EF4-FFF2-40B4-BE49-F238E27FC236}">
-                <a16:creationId xmlns:a16="http://schemas.microsoft.com/office/drawing/2014/main" id="{908C783F-C3AC-48CE-9195-CF713841FEA5}"/>
-              </a:ext>
-            </a:extLst>
-          </p:cNvPr>
-          <p:cNvPicPr>
-            <a:picLocks noChangeAspect="1"/>
-          </p:cNvPicPr>
-          <p:nvPr/>
-        </p:nvPicPr>
-        <p:blipFill>
-          <a:blip r:embed="rId2"/>
-          <a:stretch>
-            <a:fillRect/>
-          </a:stretch>
-        </p:blipFill>
-        <p:spPr>
-          <a:xfrm>
-            <a:off x="1397285" y="1437526"/>
-            <a:ext cx="9616533" cy="2631040"/>
-          </a:xfrm>
-          <a:prstGeom prst="rect">
-            <a:avLst/>
-          </a:prstGeom>
-        </p:spPr>
-      </p:pic>
-    </p:spTree>
-    <p:extLst>
-      <p:ext uri="{BB962C8B-B14F-4D97-AF65-F5344CB8AC3E}">
-        <p14:creationId xmlns:p14="http://schemas.microsoft.com/office/powerpoint/2010/main" val="1413998217"/>
-      </p:ext>
-    </p:extLst>
-  </p:cSld>
-  <p:clrMapOvr>
-    <a:masterClrMapping/>
-  </p:clrMapOvr>
-</p:sld>
-</file>
-
-<file path=ppt/slides/slide20.xml><?xml version="1.0" encoding="utf-8"?>
+<file path=ppt/slides/slide23.xml><?xml version="1.0" encoding="utf-8"?>
 <p:sld xmlns:a="http://schemas.openxmlformats.org/drawingml/2006/main" xmlns:r="http://schemas.openxmlformats.org/officeDocument/2006/relationships" xmlns:p="http://schemas.openxmlformats.org/presentationml/2006/main">
   <p:cSld>
     <p:spTree>
@@ -19349,7 +20746,7 @@
 </p:sld>
 </file>
 
-<file path=ppt/slides/slide21.xml><?xml version="1.0" encoding="utf-8"?>
+<file path=ppt/slides/slide24.xml><?xml version="1.0" encoding="utf-8"?>
 <p:sld xmlns:a="http://schemas.openxmlformats.org/drawingml/2006/main" xmlns:r="http://schemas.openxmlformats.org/officeDocument/2006/relationships" xmlns:p="http://schemas.openxmlformats.org/presentationml/2006/main">
   <p:cSld>
     <p:spTree>
@@ -19409,7 +20806,7 @@
 </p:sld>
 </file>
 
-<file path=ppt/slides/slide22.xml><?xml version="1.0" encoding="utf-8"?>
+<file path=ppt/slides/slide25.xml><?xml version="1.0" encoding="utf-8"?>
 <p:sld xmlns:a="http://schemas.openxmlformats.org/drawingml/2006/main" xmlns:r="http://schemas.openxmlformats.org/officeDocument/2006/relationships" xmlns:p="http://schemas.openxmlformats.org/presentationml/2006/main">
   <p:cSld>
     <p:spTree>
@@ -19439,7 +20836,7 @@
 </p:sld>
 </file>
 
-<file path=ppt/slides/slide23.xml><?xml version="1.0" encoding="utf-8"?>
+<file path=ppt/slides/slide26.xml><?xml version="1.0" encoding="utf-8"?>
 <p:sld xmlns:a="http://schemas.openxmlformats.org/drawingml/2006/main" xmlns:r="http://schemas.openxmlformats.org/officeDocument/2006/relationships" xmlns:p="http://schemas.openxmlformats.org/presentationml/2006/main">
   <p:cSld>
     <p:spTree>
@@ -19469,7 +20866,7 @@
 </p:sld>
 </file>
 
-<file path=ppt/slides/slide24.xml><?xml version="1.0" encoding="utf-8"?>
+<file path=ppt/slides/slide27.xml><?xml version="1.0" encoding="utf-8"?>
 <p:sld xmlns:a="http://schemas.openxmlformats.org/drawingml/2006/main" xmlns:r="http://schemas.openxmlformats.org/officeDocument/2006/relationships" xmlns:p="http://schemas.openxmlformats.org/presentationml/2006/main">
   <p:cSld>
     <p:spTree>
@@ -19499,7 +20896,7 @@
 </p:sld>
 </file>
 
-<file path=ppt/slides/slide25.xml><?xml version="1.0" encoding="utf-8"?>
+<file path=ppt/slides/slide28.xml><?xml version="1.0" encoding="utf-8"?>
 <p:sld xmlns:a="http://schemas.openxmlformats.org/drawingml/2006/main" xmlns:r="http://schemas.openxmlformats.org/officeDocument/2006/relationships" xmlns:p="http://schemas.openxmlformats.org/presentationml/2006/main">
   <p:cSld>
     <p:spTree>
@@ -19529,7 +20926,7 @@
 </p:sld>
 </file>
 
-<file path=ppt/slides/slide26.xml><?xml version="1.0" encoding="utf-8"?>
+<file path=ppt/slides/slide29.xml><?xml version="1.0" encoding="utf-8"?>
 <p:sld xmlns:a="http://schemas.openxmlformats.org/drawingml/2006/main" xmlns:r="http://schemas.openxmlformats.org/officeDocument/2006/relationships" xmlns:p="http://schemas.openxmlformats.org/presentationml/2006/main">
   <p:cSld>
     <p:spTree>
@@ -19559,7 +20956,525 @@
 </p:sld>
 </file>
 
-<file path=ppt/slides/slide27.xml><?xml version="1.0" encoding="utf-8"?>
+<file path=ppt/slides/slide3.xml><?xml version="1.0" encoding="utf-8"?>
+<p:sld xmlns:a="http://schemas.openxmlformats.org/drawingml/2006/main" xmlns:r="http://schemas.openxmlformats.org/officeDocument/2006/relationships" xmlns:p="http://schemas.openxmlformats.org/presentationml/2006/main">
+  <p:cSld>
+    <p:spTree>
+      <p:nvGrpSpPr>
+        <p:cNvPr id="1" name=""/>
+        <p:cNvGrpSpPr/>
+        <p:nvPr/>
+      </p:nvGrpSpPr>
+      <p:grpSpPr>
+        <a:xfrm>
+          <a:off x="0" y="0"/>
+          <a:ext cx="0" cy="0"/>
+          <a:chOff x="0" y="0"/>
+          <a:chExt cx="0" cy="0"/>
+        </a:xfrm>
+      </p:grpSpPr>
+      <p:sp>
+        <p:nvSpPr>
+          <p:cNvPr id="6" name="TextBox 5">
+            <a:extLst>
+              <a:ext uri="{FF2B5EF4-FFF2-40B4-BE49-F238E27FC236}">
+                <a16:creationId xmlns:a16="http://schemas.microsoft.com/office/drawing/2014/main" id="{C7E4C7AC-DB26-D3F9-764F-49AFDDC08FEA}"/>
+              </a:ext>
+            </a:extLst>
+          </p:cNvPr>
+          <p:cNvSpPr txBox="1"/>
+          <p:nvPr/>
+        </p:nvSpPr>
+        <p:spPr>
+          <a:xfrm>
+            <a:off x="639079" y="462973"/>
+            <a:ext cx="2778242" cy="307777"/>
+          </a:xfrm>
+          <a:prstGeom prst="rect">
+            <a:avLst/>
+          </a:prstGeom>
+          <a:noFill/>
+        </p:spPr>
+        <p:txBody>
+          <a:bodyPr wrap="square">
+            <a:spAutoFit/>
+          </a:bodyPr>
+          <a:lstStyle/>
+          <a:p>
+            <a:pPr algn="ctr"/>
+            <a:r>
+              <a:rPr lang="en-US" altLang="ko-KR" sz="1400" b="1">
+                <a:solidFill>
+                  <a:schemeClr val="accent1">
+                    <a:lumMod val="50000"/>
+                  </a:schemeClr>
+                </a:solidFill>
+                <a:latin typeface="+mn-ea"/>
+              </a:rPr>
+              <a:t>2023 </a:t>
+            </a:r>
+            <a:r>
+              <a:rPr lang="ko-KR" altLang="en-US" sz="1400" b="1">
+                <a:solidFill>
+                  <a:schemeClr val="accent1">
+                    <a:lumMod val="50000"/>
+                  </a:schemeClr>
+                </a:solidFill>
+                <a:latin typeface="+mn-ea"/>
+              </a:rPr>
+              <a:t>국회위원 재산공개 데이터</a:t>
+            </a:r>
+            <a:endParaRPr lang="en-US" altLang="ko-KR" sz="1400" b="1">
+              <a:solidFill>
+                <a:schemeClr val="accent1">
+                  <a:lumMod val="50000"/>
+                </a:schemeClr>
+              </a:solidFill>
+              <a:latin typeface="+mn-ea"/>
+            </a:endParaRPr>
+          </a:p>
+        </p:txBody>
+      </p:sp>
+      <p:sp>
+        <p:nvSpPr>
+          <p:cNvPr id="11" name="TextBox 10">
+            <a:extLst>
+              <a:ext uri="{FF2B5EF4-FFF2-40B4-BE49-F238E27FC236}">
+                <a16:creationId xmlns:a16="http://schemas.microsoft.com/office/drawing/2014/main" id="{DA575491-A9C6-8203-DBE9-1D7E3A892BB3}"/>
+              </a:ext>
+            </a:extLst>
+          </p:cNvPr>
+          <p:cNvSpPr txBox="1"/>
+          <p:nvPr/>
+        </p:nvSpPr>
+        <p:spPr>
+          <a:xfrm>
+            <a:off x="639079" y="770750"/>
+            <a:ext cx="2778242" cy="707886"/>
+          </a:xfrm>
+          <a:prstGeom prst="rect">
+            <a:avLst/>
+          </a:prstGeom>
+          <a:noFill/>
+        </p:spPr>
+        <p:txBody>
+          <a:bodyPr wrap="square">
+            <a:spAutoFit/>
+          </a:bodyPr>
+          <a:lstStyle/>
+          <a:p>
+            <a:pPr algn="ctr"/>
+            <a:r>
+              <a:rPr lang="ko-KR" altLang="en-US" sz="4000" b="1">
+                <a:solidFill>
+                  <a:schemeClr val="accent1">
+                    <a:lumMod val="50000"/>
+                  </a:schemeClr>
+                </a:solidFill>
+                <a:latin typeface="+mn-ea"/>
+              </a:rPr>
+              <a:t>분석대상 </a:t>
+            </a:r>
+            <a:endParaRPr lang="ko-KR" altLang="en-US" sz="4000">
+              <a:solidFill>
+                <a:schemeClr val="accent1">
+                  <a:lumMod val="50000"/>
+                </a:schemeClr>
+              </a:solidFill>
+            </a:endParaRPr>
+          </a:p>
+        </p:txBody>
+      </p:sp>
+      <p:grpSp>
+        <p:nvGrpSpPr>
+          <p:cNvPr id="19" name="그룹 18">
+            <a:extLst>
+              <a:ext uri="{FF2B5EF4-FFF2-40B4-BE49-F238E27FC236}">
+                <a16:creationId xmlns:a16="http://schemas.microsoft.com/office/drawing/2014/main" id="{F2EE0A34-8668-B877-F8DE-A2F11776FB82}"/>
+              </a:ext>
+            </a:extLst>
+          </p:cNvPr>
+          <p:cNvGrpSpPr/>
+          <p:nvPr/>
+        </p:nvGrpSpPr>
+        <p:grpSpPr>
+          <a:xfrm>
+            <a:off x="3991322" y="742331"/>
+            <a:ext cx="7445647" cy="5329516"/>
+            <a:chOff x="4088633" y="1093930"/>
+            <a:chExt cx="7445647" cy="5329516"/>
+          </a:xfrm>
+        </p:grpSpPr>
+        <p:pic>
+          <p:nvPicPr>
+            <p:cNvPr id="16" name="그림 15">
+              <a:extLst>
+                <a:ext uri="{FF2B5EF4-FFF2-40B4-BE49-F238E27FC236}">
+                  <a16:creationId xmlns:a16="http://schemas.microsoft.com/office/drawing/2014/main" id="{434CB15F-45F8-4FE8-0823-FD11A8ECA627}"/>
+                </a:ext>
+              </a:extLst>
+            </p:cNvPr>
+            <p:cNvPicPr>
+              <a:picLocks noChangeAspect="1"/>
+            </p:cNvPicPr>
+            <p:nvPr/>
+          </p:nvPicPr>
+          <p:blipFill>
+            <a:blip r:embed="rId2"/>
+            <a:stretch>
+              <a:fillRect/>
+            </a:stretch>
+          </p:blipFill>
+          <p:spPr>
+            <a:xfrm>
+              <a:off x="4088633" y="1093930"/>
+              <a:ext cx="7445647" cy="5329516"/>
+            </a:xfrm>
+            <a:prstGeom prst="rect">
+              <a:avLst/>
+            </a:prstGeom>
+          </p:spPr>
+        </p:pic>
+        <p:cxnSp>
+          <p:nvCxnSpPr>
+            <p:cNvPr id="17" name="직선 연결선 16">
+              <a:extLst>
+                <a:ext uri="{FF2B5EF4-FFF2-40B4-BE49-F238E27FC236}">
+                  <a16:creationId xmlns:a16="http://schemas.microsoft.com/office/drawing/2014/main" id="{13D55F32-80EE-C843-51A0-48BD566467A1}"/>
+                </a:ext>
+              </a:extLst>
+            </p:cNvPr>
+            <p:cNvCxnSpPr>
+              <a:cxnSpLocks/>
+            </p:cNvCxnSpPr>
+            <p:nvPr/>
+          </p:nvCxnSpPr>
+          <p:spPr>
+            <a:xfrm>
+              <a:off x="4182667" y="1828444"/>
+              <a:ext cx="7177251" cy="0"/>
+            </a:xfrm>
+            <a:prstGeom prst="line">
+              <a:avLst/>
+            </a:prstGeom>
+            <a:ln w="38100"/>
+          </p:spPr>
+          <p:style>
+            <a:lnRef idx="1">
+              <a:schemeClr val="accent1"/>
+            </a:lnRef>
+            <a:fillRef idx="0">
+              <a:schemeClr val="accent1"/>
+            </a:fillRef>
+            <a:effectRef idx="0">
+              <a:schemeClr val="accent1"/>
+            </a:effectRef>
+            <a:fontRef idx="minor">
+              <a:schemeClr val="tx1"/>
+            </a:fontRef>
+          </p:style>
+        </p:cxnSp>
+      </p:grpSp>
+      <p:sp>
+        <p:nvSpPr>
+          <p:cNvPr id="20" name="TextBox 19">
+            <a:extLst>
+              <a:ext uri="{FF2B5EF4-FFF2-40B4-BE49-F238E27FC236}">
+                <a16:creationId xmlns:a16="http://schemas.microsoft.com/office/drawing/2014/main" id="{B58CD296-CF3C-EF04-D9C8-4BEC7B524205}"/>
+              </a:ext>
+            </a:extLst>
+          </p:cNvPr>
+          <p:cNvSpPr txBox="1"/>
+          <p:nvPr/>
+        </p:nvSpPr>
+        <p:spPr>
+          <a:xfrm>
+            <a:off x="639079" y="1702766"/>
+            <a:ext cx="2778242" cy="4031873"/>
+          </a:xfrm>
+          <a:prstGeom prst="rect">
+            <a:avLst/>
+          </a:prstGeom>
+          <a:solidFill>
+            <a:schemeClr val="bg1">
+              <a:lumMod val="95000"/>
+            </a:schemeClr>
+          </a:solidFill>
+        </p:spPr>
+        <p:txBody>
+          <a:bodyPr wrap="square">
+            <a:spAutoFit/>
+          </a:bodyPr>
+          <a:lstStyle/>
+          <a:p>
+            <a:pPr algn="ctr"/>
+            <a:r>
+              <a:rPr lang="en-US" altLang="ko-KR" sz="3600" b="1">
+                <a:solidFill>
+                  <a:schemeClr val="accent1">
+                    <a:lumMod val="50000"/>
+                  </a:schemeClr>
+                </a:solidFill>
+                <a:latin typeface="+mn-ea"/>
+              </a:rPr>
+              <a:t>331</a:t>
+            </a:r>
+            <a:r>
+              <a:rPr lang="ko-KR" altLang="en-US" sz="3600" b="1">
+                <a:solidFill>
+                  <a:schemeClr val="accent1">
+                    <a:lumMod val="50000"/>
+                  </a:schemeClr>
+                </a:solidFill>
+                <a:latin typeface="+mn-ea"/>
+              </a:rPr>
+              <a:t>명</a:t>
+            </a:r>
+            <a:endParaRPr lang="en-US" altLang="ko-KR" sz="3600" b="1">
+              <a:solidFill>
+                <a:schemeClr val="accent1">
+                  <a:lumMod val="50000"/>
+                </a:schemeClr>
+              </a:solidFill>
+              <a:latin typeface="+mn-ea"/>
+            </a:endParaRPr>
+          </a:p>
+          <a:p>
+            <a:pPr algn="ctr"/>
+            <a:endParaRPr lang="en-US" altLang="ko-KR" sz="2000" b="1">
+              <a:solidFill>
+                <a:schemeClr val="accent1">
+                  <a:lumMod val="50000"/>
+                </a:schemeClr>
+              </a:solidFill>
+              <a:latin typeface="+mn-ea"/>
+            </a:endParaRPr>
+          </a:p>
+          <a:p>
+            <a:pPr algn="ctr"/>
+            <a:r>
+              <a:rPr lang="ko-KR" altLang="en-US" sz="2000" b="1">
+                <a:solidFill>
+                  <a:schemeClr val="accent1">
+                    <a:lumMod val="50000"/>
+                  </a:schemeClr>
+                </a:solidFill>
+                <a:latin typeface="+mn-ea"/>
+              </a:rPr>
+              <a:t>국회의원 </a:t>
+            </a:r>
+            <a:endParaRPr lang="en-US" altLang="ko-KR" sz="2000" b="1">
+              <a:solidFill>
+                <a:schemeClr val="accent1">
+                  <a:lumMod val="50000"/>
+                </a:schemeClr>
+              </a:solidFill>
+              <a:latin typeface="+mn-ea"/>
+            </a:endParaRPr>
+          </a:p>
+          <a:p>
+            <a:pPr algn="ctr"/>
+            <a:r>
+              <a:rPr lang="ko-KR" altLang="en-US" sz="2000" b="1">
+                <a:solidFill>
+                  <a:schemeClr val="accent1">
+                    <a:lumMod val="50000"/>
+                  </a:schemeClr>
+                </a:solidFill>
+                <a:latin typeface="+mn-ea"/>
+              </a:rPr>
+              <a:t> </a:t>
+            </a:r>
+            <a:r>
+              <a:rPr lang="en-US" altLang="ko-KR" sz="2000" b="1">
+                <a:solidFill>
+                  <a:schemeClr val="accent1">
+                    <a:lumMod val="50000"/>
+                  </a:schemeClr>
+                </a:solidFill>
+                <a:latin typeface="+mn-ea"/>
+              </a:rPr>
+              <a:t>296</a:t>
+            </a:r>
+          </a:p>
+          <a:p>
+            <a:pPr algn="ctr"/>
+            <a:r>
+              <a:rPr lang="ko-KR" altLang="en-US" sz="2000" b="1">
+                <a:solidFill>
+                  <a:schemeClr val="accent1">
+                    <a:lumMod val="50000"/>
+                  </a:schemeClr>
+                </a:solidFill>
+                <a:latin typeface="+mn-ea"/>
+              </a:rPr>
+              <a:t>국회사무처</a:t>
+            </a:r>
+            <a:endParaRPr lang="en-US" altLang="ko-KR" sz="2000" b="1">
+              <a:solidFill>
+                <a:schemeClr val="accent1">
+                  <a:lumMod val="50000"/>
+                </a:schemeClr>
+              </a:solidFill>
+              <a:latin typeface="+mn-ea"/>
+            </a:endParaRPr>
+          </a:p>
+          <a:p>
+            <a:pPr algn="ctr"/>
+            <a:r>
+              <a:rPr lang="en-US" altLang="ko-KR" sz="2000" b="1">
+                <a:solidFill>
+                  <a:schemeClr val="accent1">
+                    <a:lumMod val="50000"/>
+                  </a:schemeClr>
+                </a:solidFill>
+                <a:latin typeface="+mn-ea"/>
+              </a:rPr>
+              <a:t>33</a:t>
+            </a:r>
+          </a:p>
+          <a:p>
+            <a:pPr algn="ctr"/>
+            <a:r>
+              <a:rPr lang="ko-KR" altLang="en-US" sz="2000" b="1">
+                <a:solidFill>
+                  <a:schemeClr val="accent1">
+                    <a:lumMod val="50000"/>
+                  </a:schemeClr>
+                </a:solidFill>
+                <a:latin typeface="+mn-ea"/>
+              </a:rPr>
+              <a:t>국회도서관</a:t>
+            </a:r>
+            <a:endParaRPr lang="en-US" altLang="ko-KR" sz="2000" b="1">
+              <a:solidFill>
+                <a:schemeClr val="accent1">
+                  <a:lumMod val="50000"/>
+                </a:schemeClr>
+              </a:solidFill>
+              <a:latin typeface="+mn-ea"/>
+            </a:endParaRPr>
+          </a:p>
+          <a:p>
+            <a:pPr algn="ctr"/>
+            <a:r>
+              <a:rPr lang="en-US" altLang="ko-KR" sz="2000" b="1">
+                <a:solidFill>
+                  <a:schemeClr val="accent1">
+                    <a:lumMod val="50000"/>
+                  </a:schemeClr>
+                </a:solidFill>
+                <a:latin typeface="+mn-ea"/>
+              </a:rPr>
+              <a:t>2</a:t>
+            </a:r>
+          </a:p>
+          <a:p>
+            <a:pPr algn="ctr"/>
+            <a:r>
+              <a:rPr lang="ko-KR" altLang="en-US" sz="2000" b="1">
+                <a:solidFill>
+                  <a:schemeClr val="accent1">
+                    <a:lumMod val="50000"/>
+                  </a:schemeClr>
+                </a:solidFill>
+                <a:latin typeface="+mn-ea"/>
+              </a:rPr>
+              <a:t>국회예산정채처</a:t>
+            </a:r>
+            <a:endParaRPr lang="en-US" altLang="ko-KR" sz="2000" b="1">
+              <a:solidFill>
+                <a:schemeClr val="accent1">
+                  <a:lumMod val="50000"/>
+                </a:schemeClr>
+              </a:solidFill>
+              <a:latin typeface="+mn-ea"/>
+            </a:endParaRPr>
+          </a:p>
+          <a:p>
+            <a:pPr algn="ctr"/>
+            <a:r>
+              <a:rPr lang="en-US" altLang="ko-KR" sz="2000" b="1">
+                <a:solidFill>
+                  <a:schemeClr val="accent1">
+                    <a:lumMod val="50000"/>
+                  </a:schemeClr>
+                </a:solidFill>
+                <a:latin typeface="+mn-ea"/>
+              </a:rPr>
+              <a:t>1</a:t>
+            </a:r>
+          </a:p>
+          <a:p>
+            <a:pPr algn="ctr"/>
+            <a:r>
+              <a:rPr lang="ko-KR" altLang="en-US" sz="2000" b="1">
+                <a:solidFill>
+                  <a:schemeClr val="accent1">
+                    <a:lumMod val="50000"/>
+                  </a:schemeClr>
+                </a:solidFill>
+                <a:latin typeface="+mn-ea"/>
+              </a:rPr>
+              <a:t>국회입법조사처</a:t>
+            </a:r>
+            <a:endParaRPr lang="en-US" altLang="ko-KR" sz="2000" b="1">
+              <a:solidFill>
+                <a:schemeClr val="accent1">
+                  <a:lumMod val="50000"/>
+                </a:schemeClr>
+              </a:solidFill>
+              <a:latin typeface="+mn-ea"/>
+            </a:endParaRPr>
+          </a:p>
+          <a:p>
+            <a:pPr algn="ctr"/>
+            <a:r>
+              <a:rPr lang="en-US" altLang="ko-KR" sz="2000" b="1">
+                <a:solidFill>
+                  <a:schemeClr val="accent1">
+                    <a:lumMod val="50000"/>
+                  </a:schemeClr>
+                </a:solidFill>
+                <a:latin typeface="+mn-ea"/>
+              </a:rPr>
+              <a:t>1</a:t>
+            </a:r>
+            <a:r>
+              <a:rPr lang="ko-KR" altLang="en-US" sz="2000" b="1">
+                <a:solidFill>
+                  <a:schemeClr val="accent1">
+                    <a:lumMod val="50000"/>
+                  </a:schemeClr>
+                </a:solidFill>
+                <a:latin typeface="+mn-ea"/>
+              </a:rPr>
+              <a:t> </a:t>
+            </a:r>
+            <a:endParaRPr lang="ko-KR" altLang="en-US" sz="2000">
+              <a:solidFill>
+                <a:schemeClr val="accent1">
+                  <a:lumMod val="50000"/>
+                </a:schemeClr>
+              </a:solidFill>
+            </a:endParaRPr>
+          </a:p>
+        </p:txBody>
+      </p:sp>
+    </p:spTree>
+    <p:extLst>
+      <p:ext uri="{BB962C8B-B14F-4D97-AF65-F5344CB8AC3E}">
+        <p14:creationId xmlns:p14="http://schemas.microsoft.com/office/powerpoint/2010/main" val="87090076"/>
+      </p:ext>
+    </p:extLst>
+  </p:cSld>
+  <p:clrMapOvr>
+    <a:masterClrMapping/>
+  </p:clrMapOvr>
+</p:sld>
+</file>
+
+<file path=ppt/slides/slide30.xml><?xml version="1.0" encoding="utf-8"?>
 <p:sld xmlns:a="http://schemas.openxmlformats.org/drawingml/2006/main" xmlns:r="http://schemas.openxmlformats.org/officeDocument/2006/relationships" xmlns:p="http://schemas.openxmlformats.org/presentationml/2006/main">
   <p:cSld>
     <p:spTree>
@@ -19589,7 +21504,7 @@
 </p:sld>
 </file>
 
-<file path=ppt/slides/slide28.xml><?xml version="1.0" encoding="utf-8"?>
+<file path=ppt/slides/slide31.xml><?xml version="1.0" encoding="utf-8"?>
 <p:sld xmlns:a="http://schemas.openxmlformats.org/drawingml/2006/main" xmlns:r="http://schemas.openxmlformats.org/officeDocument/2006/relationships" xmlns:p="http://schemas.openxmlformats.org/presentationml/2006/main">
   <p:cSld>
     <p:spTree>
@@ -19619,7 +21534,7 @@
 </p:sld>
 </file>
 
-<file path=ppt/slides/slide3.xml><?xml version="1.0" encoding="utf-8"?>
+<file path=ppt/slides/slide4.xml><?xml version="1.0" encoding="utf-8"?>
 <p:sld xmlns:a="http://schemas.openxmlformats.org/drawingml/2006/main" xmlns:r="http://schemas.openxmlformats.org/officeDocument/2006/relationships" xmlns:p="http://schemas.openxmlformats.org/presentationml/2006/main">
   <p:cSld>
     <p:spTree>
@@ -19638,20 +21553,213 @@
       </p:grpSpPr>
       <p:sp>
         <p:nvSpPr>
-          <p:cNvPr id="7" name="직사각형 6">
+          <p:cNvPr id="5" name="TextBox 4">
             <a:extLst>
               <a:ext uri="{FF2B5EF4-FFF2-40B4-BE49-F238E27FC236}">
-                <a16:creationId xmlns:a16="http://schemas.microsoft.com/office/drawing/2014/main" id="{CBE2194E-2976-4934-BD1B-861ECBB520F8}"/>
+                <a16:creationId xmlns:a16="http://schemas.microsoft.com/office/drawing/2014/main" id="{C84198D8-A835-B60F-D27C-6F2B9F243038}"/>
               </a:ext>
             </a:extLst>
           </p:cNvPr>
-          <p:cNvSpPr/>
+          <p:cNvSpPr txBox="1"/>
           <p:nvPr/>
         </p:nvSpPr>
         <p:spPr>
           <a:xfrm>
-            <a:off x="2447081" y="1127824"/>
-            <a:ext cx="7435308" cy="1971822"/>
+            <a:off x="525613" y="474601"/>
+            <a:ext cx="2778242" cy="307777"/>
+          </a:xfrm>
+          <a:prstGeom prst="rect">
+            <a:avLst/>
+          </a:prstGeom>
+          <a:noFill/>
+        </p:spPr>
+        <p:txBody>
+          <a:bodyPr wrap="square">
+            <a:spAutoFit/>
+          </a:bodyPr>
+          <a:lstStyle/>
+          <a:p>
+            <a:pPr algn="ctr"/>
+            <a:r>
+              <a:rPr lang="en-US" altLang="ko-KR" sz="1400" b="1">
+                <a:solidFill>
+                  <a:schemeClr val="accent1">
+                    <a:lumMod val="75000"/>
+                  </a:schemeClr>
+                </a:solidFill>
+                <a:latin typeface="+mn-ea"/>
+              </a:rPr>
+              <a:t>2023 </a:t>
+            </a:r>
+            <a:r>
+              <a:rPr lang="ko-KR" altLang="en-US" sz="1400" b="1">
+                <a:solidFill>
+                  <a:schemeClr val="accent1">
+                    <a:lumMod val="75000"/>
+                  </a:schemeClr>
+                </a:solidFill>
+                <a:latin typeface="+mn-ea"/>
+              </a:rPr>
+              <a:t>국회위원 재산공개 데이터</a:t>
+            </a:r>
+            <a:endParaRPr lang="en-US" altLang="ko-KR" sz="1400" b="1">
+              <a:solidFill>
+                <a:schemeClr val="accent1">
+                  <a:lumMod val="75000"/>
+                </a:schemeClr>
+              </a:solidFill>
+              <a:latin typeface="+mn-ea"/>
+            </a:endParaRPr>
+          </a:p>
+        </p:txBody>
+      </p:sp>
+      <p:sp>
+        <p:nvSpPr>
+          <p:cNvPr id="6" name="TextBox 5">
+            <a:extLst>
+              <a:ext uri="{FF2B5EF4-FFF2-40B4-BE49-F238E27FC236}">
+                <a16:creationId xmlns:a16="http://schemas.microsoft.com/office/drawing/2014/main" id="{1897D1DA-F1FD-C8F8-25E8-838F41603204}"/>
+              </a:ext>
+            </a:extLst>
+          </p:cNvPr>
+          <p:cNvSpPr txBox="1"/>
+          <p:nvPr/>
+        </p:nvSpPr>
+        <p:spPr>
+          <a:xfrm>
+            <a:off x="525613" y="782378"/>
+            <a:ext cx="2778242" cy="707886"/>
+          </a:xfrm>
+          <a:prstGeom prst="rect">
+            <a:avLst/>
+          </a:prstGeom>
+          <a:noFill/>
+        </p:spPr>
+        <p:txBody>
+          <a:bodyPr wrap="square">
+            <a:spAutoFit/>
+          </a:bodyPr>
+          <a:lstStyle/>
+          <a:p>
+            <a:pPr algn="ctr"/>
+            <a:r>
+              <a:rPr lang="ko-KR" altLang="en-US" sz="4000" b="1">
+                <a:solidFill>
+                  <a:schemeClr val="accent1">
+                    <a:lumMod val="75000"/>
+                  </a:schemeClr>
+                </a:solidFill>
+                <a:latin typeface="+mn-ea"/>
+              </a:rPr>
+              <a:t>재산구분 </a:t>
+            </a:r>
+            <a:endParaRPr lang="ko-KR" altLang="en-US" sz="4000">
+              <a:solidFill>
+                <a:schemeClr val="accent1">
+                  <a:lumMod val="75000"/>
+                </a:schemeClr>
+              </a:solidFill>
+            </a:endParaRPr>
+          </a:p>
+        </p:txBody>
+      </p:sp>
+      <p:grpSp>
+        <p:nvGrpSpPr>
+          <p:cNvPr id="11" name="그룹 10">
+            <a:extLst>
+              <a:ext uri="{FF2B5EF4-FFF2-40B4-BE49-F238E27FC236}">
+                <a16:creationId xmlns:a16="http://schemas.microsoft.com/office/drawing/2014/main" id="{6F63033A-E072-488E-EE1E-B34D5BA3BC4C}"/>
+              </a:ext>
+            </a:extLst>
+          </p:cNvPr>
+          <p:cNvGrpSpPr/>
+          <p:nvPr/>
+        </p:nvGrpSpPr>
+        <p:grpSpPr>
+          <a:xfrm>
+            <a:off x="1408305" y="1922243"/>
+            <a:ext cx="9944081" cy="4210600"/>
+            <a:chOff x="1888866" y="1948940"/>
+            <a:chExt cx="9944081" cy="4210600"/>
+          </a:xfrm>
+        </p:grpSpPr>
+        <p:pic>
+          <p:nvPicPr>
+            <p:cNvPr id="8" name="그림 7">
+              <a:extLst>
+                <a:ext uri="{FF2B5EF4-FFF2-40B4-BE49-F238E27FC236}">
+                  <a16:creationId xmlns:a16="http://schemas.microsoft.com/office/drawing/2014/main" id="{C239959F-E945-EE36-CFFF-C5D441BD98FE}"/>
+                </a:ext>
+              </a:extLst>
+            </p:cNvPr>
+            <p:cNvPicPr>
+              <a:picLocks noChangeAspect="1"/>
+            </p:cNvPicPr>
+            <p:nvPr/>
+          </p:nvPicPr>
+          <p:blipFill>
+            <a:blip r:embed="rId2"/>
+            <a:stretch>
+              <a:fillRect/>
+            </a:stretch>
+          </p:blipFill>
+          <p:spPr>
+            <a:xfrm>
+              <a:off x="3601563" y="1948940"/>
+              <a:ext cx="8231384" cy="4199401"/>
+            </a:xfrm>
+            <a:prstGeom prst="rect">
+              <a:avLst/>
+            </a:prstGeom>
+          </p:spPr>
+        </p:pic>
+        <p:pic>
+          <p:nvPicPr>
+            <p:cNvPr id="10" name="그림 9">
+              <a:extLst>
+                <a:ext uri="{FF2B5EF4-FFF2-40B4-BE49-F238E27FC236}">
+                  <a16:creationId xmlns:a16="http://schemas.microsoft.com/office/drawing/2014/main" id="{DDD53EE9-F23C-0569-43C7-9E29D25F8A99}"/>
+                </a:ext>
+              </a:extLst>
+            </p:cNvPr>
+            <p:cNvPicPr>
+              <a:picLocks noChangeAspect="1"/>
+            </p:cNvPicPr>
+            <p:nvPr/>
+          </p:nvPicPr>
+          <p:blipFill>
+            <a:blip r:embed="rId3"/>
+            <a:stretch>
+              <a:fillRect/>
+            </a:stretch>
+          </p:blipFill>
+          <p:spPr>
+            <a:xfrm>
+              <a:off x="1888866" y="1948940"/>
+              <a:ext cx="3549431" cy="4210600"/>
+            </a:xfrm>
+            <a:prstGeom prst="rect">
+              <a:avLst/>
+            </a:prstGeom>
+          </p:spPr>
+        </p:pic>
+      </p:grpSp>
+      <p:sp>
+        <p:nvSpPr>
+          <p:cNvPr id="12" name="TextBox 11">
+            <a:extLst>
+              <a:ext uri="{FF2B5EF4-FFF2-40B4-BE49-F238E27FC236}">
+                <a16:creationId xmlns:a16="http://schemas.microsoft.com/office/drawing/2014/main" id="{1BE74516-75DA-D073-07F8-1C73E91202BC}"/>
+              </a:ext>
+            </a:extLst>
+          </p:cNvPr>
+          <p:cNvSpPr txBox="1"/>
+          <p:nvPr/>
+        </p:nvSpPr>
+        <p:spPr>
+          <a:xfrm>
+            <a:off x="7908807" y="2551108"/>
+            <a:ext cx="2924250" cy="2790957"/>
           </a:xfrm>
           <a:prstGeom prst="rect">
             <a:avLst/>
@@ -19661,6 +21769,11 @@
               <a:lumMod val="95000"/>
             </a:schemeClr>
           </a:solidFill>
+          <a:ln>
+            <a:solidFill>
+              <a:schemeClr val="bg1"/>
+            </a:solidFill>
+          </a:ln>
         </p:spPr>
         <p:txBody>
           <a:bodyPr wrap="square">
@@ -19674,69 +21787,77 @@
               </a:lnSpc>
             </a:pPr>
             <a:r>
-              <a:rPr lang="en-US" altLang="ko-KR" sz="2400" b="1" dirty="0">
+              <a:rPr lang="en-US" altLang="ko-KR" sz="2400" b="1">
+                <a:solidFill>
+                  <a:schemeClr val="accent1">
+                    <a:lumMod val="50000"/>
+                  </a:schemeClr>
+                </a:solidFill>
                 <a:latin typeface="+mn-ea"/>
               </a:rPr>
-              <a:t>DATA_SET</a:t>
-            </a:r>
-          </a:p>
-          <a:p>
-            <a:pPr>
-              <a:lnSpc>
-                <a:spcPct val="150000"/>
-              </a:lnSpc>
-            </a:pPr>
-            <a:r>
-              <a:rPr lang="en-US" altLang="ko-KR" sz="2000" b="1" i="0" u="sng" dirty="0">
-                <a:solidFill>
-                  <a:srgbClr val="000000"/>
-                </a:solidFill>
-                <a:effectLst/>
+              <a:t>1</a:t>
+            </a:r>
+            <a:r>
+              <a:rPr lang="ko-KR" altLang="en-US" sz="2400" b="1">
+                <a:solidFill>
+                  <a:schemeClr val="accent1">
+                    <a:lumMod val="50000"/>
+                  </a:schemeClr>
+                </a:solidFill>
                 <a:latin typeface="+mn-ea"/>
               </a:rPr>
-              <a:t>2023 </a:t>
-            </a:r>
-            <a:r>
-              <a:rPr lang="ko-KR" altLang="en-US" sz="2000" b="1" i="0" u="sng" dirty="0">
-                <a:solidFill>
-                  <a:srgbClr val="000000"/>
-                </a:solidFill>
-                <a:effectLst/>
+              <a:t>위 </a:t>
+            </a:r>
+            <a:r>
+              <a:rPr lang="en-US" altLang="ko-KR" sz="2400" b="1">
+                <a:solidFill>
+                  <a:schemeClr val="accent1">
+                    <a:lumMod val="50000"/>
+                  </a:schemeClr>
+                </a:solidFill>
                 <a:latin typeface="+mn-ea"/>
               </a:rPr>
-              <a:t>국회고위공직자 재산정보</a:t>
-            </a:r>
-            <a:r>
-              <a:rPr lang="en-US" altLang="ko-KR" sz="2000" b="1" i="0" u="sng" dirty="0">
-                <a:solidFill>
-                  <a:srgbClr val="000000"/>
-                </a:solidFill>
-                <a:effectLst/>
+              <a:t>: </a:t>
+            </a:r>
+            <a:r>
+              <a:rPr lang="ko-KR" altLang="en-US" sz="2400" b="1">
+                <a:solidFill>
+                  <a:schemeClr val="accent1">
+                    <a:lumMod val="50000"/>
+                  </a:schemeClr>
+                </a:solidFill>
                 <a:latin typeface="+mn-ea"/>
               </a:rPr>
-              <a:t>(</a:t>
-            </a:r>
-            <a:r>
-              <a:rPr lang="ko-KR" altLang="en-US" sz="2000" b="1" i="0" u="sng" dirty="0" err="1">
-                <a:solidFill>
-                  <a:srgbClr val="000000"/>
-                </a:solidFill>
-                <a:effectLst/>
+              <a:t>건물 </a:t>
+            </a:r>
+            <a:r>
+              <a:rPr lang="en-US" altLang="ko-KR" sz="2400" b="1">
+                <a:solidFill>
+                  <a:schemeClr val="accent1">
+                    <a:lumMod val="50000"/>
+                  </a:schemeClr>
+                </a:solidFill>
                 <a:latin typeface="+mn-ea"/>
               </a:rPr>
-              <a:t>공개본</a:t>
-            </a:r>
-            <a:r>
-              <a:rPr lang="en-US" altLang="ko-KR" sz="2000" b="1" i="0" u="sng" dirty="0">
-                <a:solidFill>
-                  <a:srgbClr val="000000"/>
-                </a:solidFill>
-                <a:effectLst/>
+              <a:t>5,627</a:t>
+            </a:r>
+            <a:r>
+              <a:rPr lang="ko-KR" altLang="en-US" sz="2400" b="1">
+                <a:solidFill>
+                  <a:schemeClr val="accent1">
+                    <a:lumMod val="50000"/>
+                  </a:schemeClr>
+                </a:solidFill>
                 <a:latin typeface="+mn-ea"/>
               </a:rPr>
-              <a:t>)</a:t>
-            </a:r>
-            <a:endParaRPr lang="ko-KR" altLang="en-US" sz="2000" b="1" u="sng" dirty="0">
+              <a:t>억</a:t>
+            </a:r>
+            <a:endParaRPr lang="en-US" altLang="ko-KR" sz="2400" b="1">
+              <a:solidFill>
+                <a:schemeClr val="accent1">
+                  <a:lumMod val="50000"/>
+                </a:schemeClr>
+              </a:solidFill>
               <a:latin typeface="+mn-ea"/>
             </a:endParaRPr>
           </a:p>
@@ -19747,135 +21868,617 @@
               </a:lnSpc>
             </a:pPr>
             <a:r>
-              <a:rPr lang="en-US" altLang="ko-KR" sz="2000" dirty="0">
+              <a:rPr lang="en-US" altLang="ko-KR" sz="2400" b="1">
+                <a:solidFill>
+                  <a:schemeClr val="accent1">
+                    <a:lumMod val="50000"/>
+                  </a:schemeClr>
+                </a:solidFill>
                 <a:latin typeface="+mn-ea"/>
               </a:rPr>
-              <a:t>2023</a:t>
-            </a:r>
-            <a:r>
-              <a:rPr lang="ko-KR" altLang="en-US" sz="2000" dirty="0">
+              <a:t>2</a:t>
+            </a:r>
+            <a:r>
+              <a:rPr lang="ko-KR" altLang="en-US" sz="2400" b="1">
+                <a:solidFill>
+                  <a:schemeClr val="accent1">
+                    <a:lumMod val="50000"/>
+                  </a:schemeClr>
+                </a:solidFill>
                 <a:latin typeface="+mn-ea"/>
               </a:rPr>
-              <a:t>년 </a:t>
-            </a:r>
-            <a:r>
-              <a:rPr lang="en-US" altLang="ko-KR" sz="2000" dirty="0">
+              <a:t>위 </a:t>
+            </a:r>
+            <a:r>
+              <a:rPr lang="en-US" altLang="ko-KR" sz="2400" b="1">
+                <a:solidFill>
+                  <a:schemeClr val="accent1">
+                    <a:lumMod val="50000"/>
+                  </a:schemeClr>
+                </a:solidFill>
                 <a:latin typeface="+mn-ea"/>
               </a:rPr>
+              <a:t>: </a:t>
+            </a:r>
+            <a:r>
+              <a:rPr lang="ko-KR" altLang="en-US" sz="2400" b="1">
+                <a:solidFill>
+                  <a:schemeClr val="accent1">
+                    <a:lumMod val="50000"/>
+                  </a:schemeClr>
+                </a:solidFill>
+                <a:latin typeface="+mn-ea"/>
+              </a:rPr>
+              <a:t>예금 </a:t>
+            </a:r>
+            <a:r>
+              <a:rPr lang="en-US" altLang="ko-KR" sz="2400" b="1">
+                <a:solidFill>
+                  <a:schemeClr val="accent1">
+                    <a:lumMod val="50000"/>
+                  </a:schemeClr>
+                </a:solidFill>
+                <a:latin typeface="+mn-ea"/>
+              </a:rPr>
+              <a:t>2,558</a:t>
+            </a:r>
+            <a:r>
+              <a:rPr lang="ko-KR" altLang="en-US" sz="2400" b="1">
+                <a:solidFill>
+                  <a:schemeClr val="accent1">
+                    <a:lumMod val="50000"/>
+                  </a:schemeClr>
+                </a:solidFill>
+                <a:latin typeface="+mn-ea"/>
+              </a:rPr>
+              <a:t>억</a:t>
+            </a:r>
+            <a:endParaRPr lang="en-US" altLang="ko-KR" sz="2400" b="1">
+              <a:solidFill>
+                <a:schemeClr val="accent1">
+                  <a:lumMod val="50000"/>
+                </a:schemeClr>
+              </a:solidFill>
+              <a:latin typeface="+mn-ea"/>
+            </a:endParaRPr>
+          </a:p>
+          <a:p>
+            <a:pPr>
+              <a:lnSpc>
+                <a:spcPct val="150000"/>
+              </a:lnSpc>
+            </a:pPr>
+            <a:r>
+              <a:rPr lang="en-US" altLang="ko-KR" sz="2400" b="1">
+                <a:solidFill>
+                  <a:schemeClr val="accent1">
+                    <a:lumMod val="50000"/>
+                  </a:schemeClr>
+                </a:solidFill>
+                <a:latin typeface="+mn-ea"/>
+              </a:rPr>
               <a:t>3</a:t>
             </a:r>
             <a:r>
-              <a:rPr lang="ko-KR" altLang="en-US" sz="2000" dirty="0">
+              <a:rPr lang="ko-KR" altLang="en-US" sz="2400" b="1">
+                <a:solidFill>
+                  <a:schemeClr val="accent1">
+                    <a:lumMod val="50000"/>
+                  </a:schemeClr>
+                </a:solidFill>
                 <a:latin typeface="+mn-ea"/>
               </a:rPr>
-              <a:t>월 </a:t>
-            </a:r>
-            <a:r>
-              <a:rPr lang="en-US" altLang="ko-KR" sz="2000" dirty="0">
+              <a:t>위 </a:t>
+            </a:r>
+            <a:r>
+              <a:rPr lang="en-US" altLang="ko-KR" sz="2400" b="1">
+                <a:solidFill>
+                  <a:schemeClr val="accent1">
+                    <a:lumMod val="50000"/>
+                  </a:schemeClr>
+                </a:solidFill>
                 <a:latin typeface="+mn-ea"/>
               </a:rPr>
-              <a:t>31</a:t>
-            </a:r>
-            <a:r>
-              <a:rPr lang="ko-KR" altLang="en-US" sz="2000" dirty="0">
+              <a:t>: </a:t>
+            </a:r>
+            <a:r>
+              <a:rPr lang="ko-KR" altLang="en-US" sz="2400" b="1">
+                <a:solidFill>
+                  <a:schemeClr val="accent1">
+                    <a:lumMod val="50000"/>
+                  </a:schemeClr>
+                </a:solidFill>
                 <a:latin typeface="+mn-ea"/>
               </a:rPr>
-              <a:t>일 </a:t>
-            </a:r>
-            <a:r>
-              <a:rPr lang="ko-KR" altLang="en-US" sz="2000" dirty="0">
-                <a:solidFill>
-                  <a:srgbClr val="C00000"/>
+              <a:t>증권 </a:t>
+            </a:r>
+            <a:r>
+              <a:rPr lang="en-US" altLang="ko-KR" sz="2400" b="1">
+                <a:solidFill>
+                  <a:schemeClr val="accent1">
+                    <a:lumMod val="50000"/>
+                  </a:schemeClr>
                 </a:solidFill>
                 <a:latin typeface="+mn-ea"/>
               </a:rPr>
-              <a:t>국회공보에서 </a:t>
-            </a:r>
-            <a:r>
-              <a:rPr lang="en-US" altLang="ko-KR" sz="2000" dirty="0">
-                <a:solidFill>
-                  <a:srgbClr val="C00000"/>
+              <a:t>2,470</a:t>
+            </a:r>
+            <a:r>
+              <a:rPr lang="ko-KR" altLang="en-US" sz="2400" b="1">
+                <a:solidFill>
+                  <a:schemeClr val="accent1">
+                    <a:lumMod val="50000"/>
+                  </a:schemeClr>
                 </a:solidFill>
                 <a:latin typeface="+mn-ea"/>
               </a:rPr>
-              <a:t>PDF</a:t>
-            </a:r>
-            <a:r>
-              <a:rPr lang="ko-KR" altLang="en-US" sz="2000" dirty="0">
-                <a:solidFill>
-                  <a:srgbClr val="C00000"/>
+              <a:t>억</a:t>
+            </a:r>
+            <a:endParaRPr lang="en-US" altLang="ko-KR" sz="2400" b="1">
+              <a:solidFill>
+                <a:schemeClr val="accent1">
+                  <a:lumMod val="50000"/>
+                </a:schemeClr>
+              </a:solidFill>
+              <a:latin typeface="+mn-ea"/>
+            </a:endParaRPr>
+          </a:p>
+          <a:p>
+            <a:pPr>
+              <a:lnSpc>
+                <a:spcPct val="150000"/>
+              </a:lnSpc>
+            </a:pPr>
+            <a:r>
+              <a:rPr lang="en-US" altLang="ko-KR" sz="2400" b="1">
+                <a:solidFill>
+                  <a:schemeClr val="accent1">
+                    <a:lumMod val="50000"/>
+                  </a:schemeClr>
                 </a:solidFill>
                 <a:latin typeface="+mn-ea"/>
               </a:rPr>
-              <a:t>로 공개한 </a:t>
-            </a:r>
-            <a:r>
-              <a:rPr lang="en-US" altLang="ko-KR" sz="2000" dirty="0">
-                <a:solidFill>
-                  <a:srgbClr val="C00000"/>
+              <a:t>4</a:t>
+            </a:r>
+            <a:r>
+              <a:rPr lang="ko-KR" altLang="en-US" sz="2400" b="1">
+                <a:solidFill>
+                  <a:schemeClr val="accent1">
+                    <a:lumMod val="50000"/>
+                  </a:schemeClr>
                 </a:solidFill>
                 <a:latin typeface="+mn-ea"/>
               </a:rPr>
-              <a:t>'2023</a:t>
-            </a:r>
-            <a:r>
-              <a:rPr lang="ko-KR" altLang="en-US" sz="2000" dirty="0">
-                <a:solidFill>
-                  <a:srgbClr val="C00000"/>
+              <a:t>위 </a:t>
+            </a:r>
+            <a:r>
+              <a:rPr lang="en-US" altLang="ko-KR" sz="2400" b="1">
+                <a:solidFill>
+                  <a:schemeClr val="accent1">
+                    <a:lumMod val="50000"/>
+                  </a:schemeClr>
                 </a:solidFill>
                 <a:latin typeface="+mn-ea"/>
               </a:rPr>
-              <a:t>년 정기재산변동신고 공개목록</a:t>
-            </a:r>
-            <a:r>
-              <a:rPr lang="en-US" altLang="ko-KR" sz="2000" dirty="0">
-                <a:solidFill>
-                  <a:srgbClr val="C00000"/>
+              <a:t>: </a:t>
+            </a:r>
+            <a:r>
+              <a:rPr lang="ko-KR" altLang="en-US" sz="2400" b="1">
+                <a:solidFill>
+                  <a:schemeClr val="accent1">
+                    <a:lumMod val="50000"/>
+                  </a:schemeClr>
                 </a:solidFill>
                 <a:latin typeface="+mn-ea"/>
               </a:rPr>
-              <a:t>'</a:t>
-            </a:r>
-            <a:r>
-              <a:rPr lang="ko-KR" altLang="en-US" sz="2000" dirty="0">
+              <a:t>채무 </a:t>
+            </a:r>
+            <a:r>
+              <a:rPr lang="en-US" altLang="ko-KR" sz="2400" b="1">
+                <a:solidFill>
+                  <a:schemeClr val="accent1">
+                    <a:lumMod val="50000"/>
+                  </a:schemeClr>
+                </a:solidFill>
                 <a:latin typeface="+mn-ea"/>
               </a:rPr>
-              <a:t>을 </a:t>
-            </a:r>
-            <a:r>
-              <a:rPr lang="ko-KR" altLang="en-US" sz="2000" dirty="0">
-                <a:solidFill>
-                  <a:srgbClr val="00B0F0"/>
+              <a:t>1,311</a:t>
+            </a:r>
+            <a:r>
+              <a:rPr lang="ko-KR" altLang="en-US" sz="2400" b="1">
+                <a:solidFill>
+                  <a:schemeClr val="accent1">
+                    <a:lumMod val="50000"/>
+                  </a:schemeClr>
                 </a:solidFill>
                 <a:latin typeface="+mn-ea"/>
               </a:rPr>
-              <a:t>정보공개센터에서 정제해 공개</a:t>
-            </a:r>
-            <a:r>
-              <a:rPr lang="ko-KR" altLang="en-US" sz="2000" dirty="0">
+              <a:t>억</a:t>
+            </a:r>
+            <a:endParaRPr lang="en-US" altLang="ko-KR" sz="2400" b="1">
+              <a:solidFill>
+                <a:schemeClr val="accent1">
+                  <a:lumMod val="50000"/>
+                </a:schemeClr>
+              </a:solidFill>
+              <a:latin typeface="+mn-ea"/>
+            </a:endParaRPr>
+          </a:p>
+          <a:p>
+            <a:pPr>
+              <a:lnSpc>
+                <a:spcPct val="150000"/>
+              </a:lnSpc>
+            </a:pPr>
+            <a:r>
+              <a:rPr lang="en-US" altLang="ko-KR" sz="2400" b="1">
+                <a:solidFill>
+                  <a:schemeClr val="accent1">
+                    <a:lumMod val="50000"/>
+                  </a:schemeClr>
+                </a:solidFill>
                 <a:latin typeface="+mn-ea"/>
               </a:rPr>
-              <a:t>한 데이터</a:t>
-            </a:r>
+              <a:t>5</a:t>
+            </a:r>
+            <a:r>
+              <a:rPr lang="ko-KR" altLang="en-US" sz="2400" b="1">
+                <a:solidFill>
+                  <a:schemeClr val="accent1">
+                    <a:lumMod val="50000"/>
+                  </a:schemeClr>
+                </a:solidFill>
+                <a:latin typeface="+mn-ea"/>
+              </a:rPr>
+              <a:t>위 </a:t>
+            </a:r>
+            <a:r>
+              <a:rPr lang="en-US" altLang="ko-KR" sz="2400" b="1">
+                <a:solidFill>
+                  <a:schemeClr val="accent1">
+                    <a:lumMod val="50000"/>
+                  </a:schemeClr>
+                </a:solidFill>
+                <a:latin typeface="+mn-ea"/>
+              </a:rPr>
+              <a:t>: </a:t>
+            </a:r>
+            <a:r>
+              <a:rPr lang="ko-KR" altLang="en-US" sz="2400" b="1">
+                <a:solidFill>
+                  <a:schemeClr val="accent1">
+                    <a:lumMod val="50000"/>
+                  </a:schemeClr>
+                </a:solidFill>
+                <a:latin typeface="+mn-ea"/>
+              </a:rPr>
+              <a:t>토지   </a:t>
+            </a:r>
+            <a:r>
+              <a:rPr lang="en-US" altLang="ko-KR" sz="2400" b="1">
+                <a:solidFill>
+                  <a:schemeClr val="accent1">
+                    <a:lumMod val="50000"/>
+                  </a:schemeClr>
+                </a:solidFill>
+                <a:latin typeface="+mn-ea"/>
+              </a:rPr>
+              <a:t>906</a:t>
+            </a:r>
+            <a:r>
+              <a:rPr lang="ko-KR" altLang="en-US" sz="2400" b="1">
+                <a:solidFill>
+                  <a:schemeClr val="accent1">
+                    <a:lumMod val="50000"/>
+                  </a:schemeClr>
+                </a:solidFill>
+                <a:latin typeface="+mn-ea"/>
+              </a:rPr>
+              <a:t>억</a:t>
+            </a:r>
+            <a:endParaRPr lang="en-US" altLang="ko-KR" sz="2400" b="1">
+              <a:solidFill>
+                <a:schemeClr val="accent1">
+                  <a:lumMod val="50000"/>
+                </a:schemeClr>
+              </a:solidFill>
+              <a:latin typeface="+mn-ea"/>
+            </a:endParaRPr>
           </a:p>
         </p:txBody>
       </p:sp>
       <p:sp>
         <p:nvSpPr>
-          <p:cNvPr id="8" name="직사각형 7">
+          <p:cNvPr id="14" name="TextBox 13">
             <a:extLst>
               <a:ext uri="{FF2B5EF4-FFF2-40B4-BE49-F238E27FC236}">
-                <a16:creationId xmlns:a16="http://schemas.microsoft.com/office/drawing/2014/main" id="{94AEEB3C-C797-452E-BE49-20CF441CE13F}"/>
+                <a16:creationId xmlns:a16="http://schemas.microsoft.com/office/drawing/2014/main" id="{4F7C41F2-FDBF-C5E8-F508-321C326FFED6}"/>
               </a:ext>
             </a:extLst>
           </p:cNvPr>
-          <p:cNvSpPr/>
+          <p:cNvSpPr txBox="1"/>
           <p:nvPr/>
         </p:nvSpPr>
         <p:spPr>
           <a:xfrm>
-            <a:off x="2447081" y="3547979"/>
-            <a:ext cx="7435308" cy="1971822"/>
+            <a:off x="4569473" y="1203158"/>
+            <a:ext cx="6782913" cy="707886"/>
+          </a:xfrm>
+          <a:prstGeom prst="rect">
+            <a:avLst/>
+          </a:prstGeom>
+          <a:noFill/>
+        </p:spPr>
+        <p:txBody>
+          <a:bodyPr wrap="square">
+            <a:spAutoFit/>
+          </a:bodyPr>
+          <a:lstStyle/>
+          <a:p>
+            <a:pPr algn="ctr"/>
+            <a:r>
+              <a:rPr lang="ko-KR" altLang="en-US" b="1">
+                <a:solidFill>
+                  <a:schemeClr val="accent1">
+                    <a:lumMod val="75000"/>
+                  </a:schemeClr>
+                </a:solidFill>
+              </a:rPr>
+              <a:t>재산구분 총액 (채무 합산) : </a:t>
+            </a:r>
+            <a:r>
+              <a:rPr lang="ko-KR" altLang="en-US" sz="4000" b="1">
+                <a:solidFill>
+                  <a:schemeClr val="accent1">
+                    <a:lumMod val="75000"/>
+                  </a:schemeClr>
+                </a:solidFill>
+              </a:rPr>
+              <a:t>1조 3천 742억</a:t>
+            </a:r>
+          </a:p>
+        </p:txBody>
+      </p:sp>
+    </p:spTree>
+    <p:extLst>
+      <p:ext uri="{BB962C8B-B14F-4D97-AF65-F5344CB8AC3E}">
+        <p14:creationId xmlns:p14="http://schemas.microsoft.com/office/powerpoint/2010/main" val="332526714"/>
+      </p:ext>
+    </p:extLst>
+  </p:cSld>
+  <p:clrMapOvr>
+    <a:masterClrMapping/>
+  </p:clrMapOvr>
+</p:sld>
+</file>
+
+<file path=ppt/slides/slide5.xml><?xml version="1.0" encoding="utf-8"?>
+<p:sld xmlns:a="http://schemas.openxmlformats.org/drawingml/2006/main" xmlns:r="http://schemas.openxmlformats.org/officeDocument/2006/relationships" xmlns:p="http://schemas.openxmlformats.org/presentationml/2006/main">
+  <p:cSld>
+    <p:spTree>
+      <p:nvGrpSpPr>
+        <p:cNvPr id="1" name=""/>
+        <p:cNvGrpSpPr/>
+        <p:nvPr/>
+      </p:nvGrpSpPr>
+      <p:grpSpPr>
+        <a:xfrm>
+          <a:off x="0" y="0"/>
+          <a:ext cx="0" cy="0"/>
+          <a:chOff x="0" y="0"/>
+          <a:chExt cx="0" cy="0"/>
+        </a:xfrm>
+      </p:grpSpPr>
+      <p:sp>
+        <p:nvSpPr>
+          <p:cNvPr id="5" name="TextBox 4">
+            <a:extLst>
+              <a:ext uri="{FF2B5EF4-FFF2-40B4-BE49-F238E27FC236}">
+                <a16:creationId xmlns:a16="http://schemas.microsoft.com/office/drawing/2014/main" id="{C84198D8-A835-B60F-D27C-6F2B9F243038}"/>
+              </a:ext>
+            </a:extLst>
+          </p:cNvPr>
+          <p:cNvSpPr txBox="1"/>
+          <p:nvPr/>
+        </p:nvSpPr>
+        <p:spPr>
+          <a:xfrm>
+            <a:off x="525613" y="474601"/>
+            <a:ext cx="2778242" cy="307777"/>
+          </a:xfrm>
+          <a:prstGeom prst="rect">
+            <a:avLst/>
+          </a:prstGeom>
+          <a:noFill/>
+        </p:spPr>
+        <p:txBody>
+          <a:bodyPr wrap="square">
+            <a:spAutoFit/>
+          </a:bodyPr>
+          <a:lstStyle/>
+          <a:p>
+            <a:pPr algn="ctr"/>
+            <a:r>
+              <a:rPr lang="en-US" altLang="ko-KR" sz="1400" b="1">
+                <a:solidFill>
+                  <a:schemeClr val="accent1">
+                    <a:lumMod val="75000"/>
+                  </a:schemeClr>
+                </a:solidFill>
+                <a:latin typeface="+mn-ea"/>
+              </a:rPr>
+              <a:t>2023 </a:t>
+            </a:r>
+            <a:r>
+              <a:rPr lang="ko-KR" altLang="en-US" sz="1400" b="1">
+                <a:solidFill>
+                  <a:schemeClr val="accent1">
+                    <a:lumMod val="75000"/>
+                  </a:schemeClr>
+                </a:solidFill>
+                <a:latin typeface="+mn-ea"/>
+              </a:rPr>
+              <a:t>국회위원 재산공개 데이터</a:t>
+            </a:r>
+            <a:endParaRPr lang="en-US" altLang="ko-KR" sz="1400" b="1">
+              <a:solidFill>
+                <a:schemeClr val="accent1">
+                  <a:lumMod val="75000"/>
+                </a:schemeClr>
+              </a:solidFill>
+              <a:latin typeface="+mn-ea"/>
+            </a:endParaRPr>
+          </a:p>
+        </p:txBody>
+      </p:sp>
+      <p:sp>
+        <p:nvSpPr>
+          <p:cNvPr id="6" name="TextBox 5">
+            <a:extLst>
+              <a:ext uri="{FF2B5EF4-FFF2-40B4-BE49-F238E27FC236}">
+                <a16:creationId xmlns:a16="http://schemas.microsoft.com/office/drawing/2014/main" id="{1897D1DA-F1FD-C8F8-25E8-838F41603204}"/>
+              </a:ext>
+            </a:extLst>
+          </p:cNvPr>
+          <p:cNvSpPr txBox="1"/>
+          <p:nvPr/>
+        </p:nvSpPr>
+        <p:spPr>
+          <a:xfrm>
+            <a:off x="525613" y="782378"/>
+            <a:ext cx="2778242" cy="707886"/>
+          </a:xfrm>
+          <a:prstGeom prst="rect">
+            <a:avLst/>
+          </a:prstGeom>
+          <a:noFill/>
+        </p:spPr>
+        <p:txBody>
+          <a:bodyPr wrap="square">
+            <a:spAutoFit/>
+          </a:bodyPr>
+          <a:lstStyle/>
+          <a:p>
+            <a:pPr algn="ctr"/>
+            <a:r>
+              <a:rPr lang="ko-KR" altLang="en-US" sz="4000" b="1">
+                <a:solidFill>
+                  <a:schemeClr val="accent1">
+                    <a:lumMod val="75000"/>
+                  </a:schemeClr>
+                </a:solidFill>
+                <a:latin typeface="+mn-ea"/>
+              </a:rPr>
+              <a:t>소속별 </a:t>
+            </a:r>
+            <a:endParaRPr lang="ko-KR" altLang="en-US" sz="4000">
+              <a:solidFill>
+                <a:schemeClr val="accent1">
+                  <a:lumMod val="75000"/>
+                </a:schemeClr>
+              </a:solidFill>
+            </a:endParaRPr>
+          </a:p>
+        </p:txBody>
+      </p:sp>
+      <p:sp>
+        <p:nvSpPr>
+          <p:cNvPr id="14" name="TextBox 13">
+            <a:extLst>
+              <a:ext uri="{FF2B5EF4-FFF2-40B4-BE49-F238E27FC236}">
+                <a16:creationId xmlns:a16="http://schemas.microsoft.com/office/drawing/2014/main" id="{4F7C41F2-FDBF-C5E8-F508-321C326FFED6}"/>
+              </a:ext>
+            </a:extLst>
+          </p:cNvPr>
+          <p:cNvSpPr txBox="1"/>
+          <p:nvPr/>
+        </p:nvSpPr>
+        <p:spPr>
+          <a:xfrm>
+            <a:off x="4569473" y="1203158"/>
+            <a:ext cx="6782913" cy="707886"/>
+          </a:xfrm>
+          <a:prstGeom prst="rect">
+            <a:avLst/>
+          </a:prstGeom>
+          <a:noFill/>
+        </p:spPr>
+        <p:txBody>
+          <a:bodyPr wrap="square">
+            <a:spAutoFit/>
+          </a:bodyPr>
+          <a:lstStyle/>
+          <a:p>
+            <a:pPr algn="ctr"/>
+            <a:r>
+              <a:rPr lang="ko-KR" altLang="en-US" b="1">
+                <a:solidFill>
+                  <a:schemeClr val="accent1">
+                    <a:lumMod val="75000"/>
+                  </a:schemeClr>
+                </a:solidFill>
+              </a:rPr>
+              <a:t>재산구분 총액 (채무 합산) : </a:t>
+            </a:r>
+            <a:r>
+              <a:rPr lang="ko-KR" altLang="en-US" sz="4000" b="1">
+                <a:solidFill>
+                  <a:schemeClr val="accent1">
+                    <a:lumMod val="75000"/>
+                  </a:schemeClr>
+                </a:solidFill>
+              </a:rPr>
+              <a:t>1조 3천 742억</a:t>
+            </a:r>
+          </a:p>
+        </p:txBody>
+      </p:sp>
+      <p:pic>
+        <p:nvPicPr>
+          <p:cNvPr id="3" name="그림 2">
+            <a:extLst>
+              <a:ext uri="{FF2B5EF4-FFF2-40B4-BE49-F238E27FC236}">
+                <a16:creationId xmlns:a16="http://schemas.microsoft.com/office/drawing/2014/main" id="{B5CDB2BF-80C9-0941-620B-85175B06C0DC}"/>
+              </a:ext>
+            </a:extLst>
+          </p:cNvPr>
+          <p:cNvPicPr>
+            <a:picLocks noChangeAspect="1"/>
+          </p:cNvPicPr>
+          <p:nvPr/>
+        </p:nvPicPr>
+        <p:blipFill>
+          <a:blip r:embed="rId2"/>
+          <a:stretch>
+            <a:fillRect/>
+          </a:stretch>
+        </p:blipFill>
+        <p:spPr>
+          <a:xfrm>
+            <a:off x="401835" y="2031184"/>
+            <a:ext cx="10516712" cy="2201937"/>
+          </a:xfrm>
+          <a:prstGeom prst="rect">
+            <a:avLst/>
+          </a:prstGeom>
+        </p:spPr>
+      </p:pic>
+      <p:sp>
+        <p:nvSpPr>
+          <p:cNvPr id="4" name="TextBox 3">
+            <a:extLst>
+              <a:ext uri="{FF2B5EF4-FFF2-40B4-BE49-F238E27FC236}">
+                <a16:creationId xmlns:a16="http://schemas.microsoft.com/office/drawing/2014/main" id="{AF3331F8-5A23-9872-9A33-8FB8546A3700}"/>
+              </a:ext>
+            </a:extLst>
+          </p:cNvPr>
+          <p:cNvSpPr txBox="1"/>
+          <p:nvPr/>
+        </p:nvSpPr>
+        <p:spPr>
+          <a:xfrm>
+            <a:off x="7755713" y="2690336"/>
+            <a:ext cx="3784415" cy="1477328"/>
           </a:xfrm>
           <a:prstGeom prst="rect">
             <a:avLst/>
@@ -19885,6 +22488,11 @@
               <a:lumMod val="95000"/>
             </a:schemeClr>
           </a:solidFill>
+          <a:ln>
+            <a:solidFill>
+              <a:schemeClr val="bg1"/>
+            </a:solidFill>
+          </a:ln>
         </p:spPr>
         <p:txBody>
           <a:bodyPr wrap="square">
@@ -19892,177 +22500,380 @@
           </a:bodyPr>
           <a:lstStyle/>
           <a:p>
-            <a:pPr>
-              <a:lnSpc>
-                <a:spcPct val="150000"/>
-              </a:lnSpc>
-            </a:pPr>
-            <a:r>
-              <a:rPr lang="ko-KR" altLang="en-US" sz="2400" b="1" dirty="0">
+            <a:r>
+              <a:rPr lang="ko-KR" altLang="en-US" b="1">
+                <a:solidFill>
+                  <a:schemeClr val="accent1">
+                    <a:lumMod val="50000"/>
+                  </a:schemeClr>
+                </a:solidFill>
                 <a:latin typeface="+mn-ea"/>
               </a:rPr>
-              <a:t>시각화 프로젝트 목표</a:t>
-            </a:r>
-            <a:endParaRPr lang="en-US" altLang="ko-KR" sz="2400" b="1" dirty="0">
+              <a:t>국회의원 </a:t>
+            </a:r>
+            <a:r>
+              <a:rPr lang="en-US" altLang="ko-KR" b="1">
+                <a:solidFill>
+                  <a:schemeClr val="accent1">
+                    <a:lumMod val="50000"/>
+                  </a:schemeClr>
+                </a:solidFill>
+                <a:latin typeface="+mn-ea"/>
+              </a:rPr>
+              <a:t>: 1</a:t>
+            </a:r>
+            <a:r>
+              <a:rPr lang="ko-KR" altLang="en-US" b="1">
+                <a:solidFill>
+                  <a:schemeClr val="accent1">
+                    <a:lumMod val="50000"/>
+                  </a:schemeClr>
+                </a:solidFill>
+                <a:latin typeface="+mn-ea"/>
+              </a:rPr>
+              <a:t>조 </a:t>
+            </a:r>
+            <a:r>
+              <a:rPr lang="en-US" altLang="ko-KR" b="1">
+                <a:solidFill>
+                  <a:schemeClr val="accent1">
+                    <a:lumMod val="50000"/>
+                  </a:schemeClr>
+                </a:solidFill>
+                <a:latin typeface="+mn-ea"/>
+              </a:rPr>
+              <a:t>2</a:t>
+            </a:r>
+            <a:r>
+              <a:rPr lang="ko-KR" altLang="en-US" b="1">
+                <a:solidFill>
+                  <a:schemeClr val="accent1">
+                    <a:lumMod val="50000"/>
+                  </a:schemeClr>
+                </a:solidFill>
+                <a:latin typeface="+mn-ea"/>
+              </a:rPr>
+              <a:t>천 </a:t>
+            </a:r>
+            <a:r>
+              <a:rPr lang="en-US" altLang="ko-KR" b="1">
+                <a:solidFill>
+                  <a:schemeClr val="accent1">
+                    <a:lumMod val="50000"/>
+                  </a:schemeClr>
+                </a:solidFill>
+                <a:latin typeface="+mn-ea"/>
+              </a:rPr>
+              <a:t>6</a:t>
+            </a:r>
+            <a:r>
+              <a:rPr lang="ko-KR" altLang="en-US" b="1">
+                <a:solidFill>
+                  <a:schemeClr val="accent1">
+                    <a:lumMod val="50000"/>
+                  </a:schemeClr>
+                </a:solidFill>
+                <a:latin typeface="+mn-ea"/>
+              </a:rPr>
+              <a:t>백억 </a:t>
+            </a:r>
+            <a:r>
+              <a:rPr lang="en-US" altLang="ko-KR" b="1">
+                <a:solidFill>
+                  <a:schemeClr val="accent1">
+                    <a:lumMod val="50000"/>
+                  </a:schemeClr>
+                </a:solidFill>
+                <a:latin typeface="+mn-ea"/>
+              </a:rPr>
+              <a:t>/ 296</a:t>
+            </a:r>
+            <a:r>
+              <a:rPr lang="ko-KR" altLang="en-US" b="1">
+                <a:solidFill>
+                  <a:schemeClr val="accent1">
+                    <a:lumMod val="50000"/>
+                  </a:schemeClr>
+                </a:solidFill>
+                <a:latin typeface="+mn-ea"/>
+              </a:rPr>
+              <a:t>명</a:t>
+            </a:r>
+            <a:endParaRPr lang="en-US" altLang="ko-KR" b="1">
+              <a:solidFill>
+                <a:schemeClr val="accent1">
+                  <a:lumMod val="50000"/>
+                </a:schemeClr>
+              </a:solidFill>
               <a:latin typeface="+mn-ea"/>
             </a:endParaRPr>
           </a:p>
           <a:p>
-            <a:pPr>
-              <a:lnSpc>
-                <a:spcPct val="150000"/>
-              </a:lnSpc>
-            </a:pPr>
-            <a:r>
-              <a:rPr lang="ko-KR" altLang="en-US" sz="2000" dirty="0">
-                <a:effectLst/>
-              </a:rPr>
-              <a:t>공직자들의 비리와 책무를 감시하기 위한 </a:t>
-            </a:r>
-            <a:r>
-              <a:rPr lang="ko-KR" altLang="en-US" sz="2000" b="1" dirty="0">
-                <a:effectLst/>
-              </a:rPr>
-              <a:t>뷰</a:t>
-            </a:r>
-            <a:r>
-              <a:rPr lang="en-US" altLang="ko-KR" sz="2000" b="1" dirty="0">
-                <a:effectLst/>
-              </a:rPr>
-              <a:t>-</a:t>
-            </a:r>
-            <a:r>
-              <a:rPr lang="ko-KR" altLang="en-US" sz="2000" b="1" dirty="0">
-                <a:effectLst/>
-              </a:rPr>
-              <a:t>포인트 </a:t>
-            </a:r>
-            <a:r>
-              <a:rPr lang="ko-KR" altLang="en-US" sz="2000" dirty="0">
-                <a:effectLst/>
-              </a:rPr>
-              <a:t>시각화</a:t>
-            </a:r>
-            <a:endParaRPr lang="en-US" altLang="ko-KR" sz="2000" dirty="0">
-              <a:effectLst/>
+            <a:r>
+              <a:rPr lang="ko-KR" altLang="en-US" b="1">
+                <a:solidFill>
+                  <a:schemeClr val="accent1">
+                    <a:lumMod val="50000"/>
+                  </a:schemeClr>
+                </a:solidFill>
+                <a:latin typeface="+mn-ea"/>
+              </a:rPr>
+              <a:t>국회사무처 </a:t>
+            </a:r>
+            <a:r>
+              <a:rPr lang="en-US" altLang="ko-KR" b="1">
+                <a:solidFill>
+                  <a:schemeClr val="accent1">
+                    <a:lumMod val="50000"/>
+                  </a:schemeClr>
+                </a:solidFill>
+                <a:latin typeface="+mn-ea"/>
+              </a:rPr>
+              <a:t>: 1000</a:t>
+            </a:r>
+            <a:r>
+              <a:rPr lang="ko-KR" altLang="en-US" b="1">
+                <a:solidFill>
+                  <a:schemeClr val="accent1">
+                    <a:lumMod val="50000"/>
+                  </a:schemeClr>
+                </a:solidFill>
+                <a:latin typeface="+mn-ea"/>
+              </a:rPr>
+              <a:t>억 </a:t>
+            </a:r>
+            <a:r>
+              <a:rPr lang="en-US" altLang="ko-KR" b="1">
+                <a:solidFill>
+                  <a:schemeClr val="accent1">
+                    <a:lumMod val="50000"/>
+                  </a:schemeClr>
+                </a:solidFill>
+                <a:latin typeface="+mn-ea"/>
+              </a:rPr>
+              <a:t>/ 33</a:t>
+            </a:r>
+            <a:r>
+              <a:rPr lang="ko-KR" altLang="en-US" b="1">
+                <a:solidFill>
+                  <a:schemeClr val="accent1">
+                    <a:lumMod val="50000"/>
+                  </a:schemeClr>
+                </a:solidFill>
+                <a:latin typeface="+mn-ea"/>
+              </a:rPr>
+              <a:t>명</a:t>
+            </a:r>
+            <a:endParaRPr lang="en-US" altLang="ko-KR" b="1">
+              <a:solidFill>
+                <a:schemeClr val="accent1">
+                  <a:lumMod val="50000"/>
+                </a:schemeClr>
+              </a:solidFill>
+              <a:latin typeface="+mn-ea"/>
             </a:endParaRPr>
           </a:p>
           <a:p>
-            <a:pPr>
-              <a:lnSpc>
-                <a:spcPct val="150000"/>
-              </a:lnSpc>
-            </a:pPr>
-            <a:r>
-              <a:rPr lang="en-US" altLang="ko-KR" sz="2000" b="1" dirty="0">
+            <a:r>
+              <a:rPr lang="ko-KR" altLang="en-US" b="1">
+                <a:solidFill>
+                  <a:schemeClr val="accent1">
+                    <a:lumMod val="50000"/>
+                  </a:schemeClr>
+                </a:solidFill>
                 <a:latin typeface="+mn-ea"/>
               </a:rPr>
-              <a:t>POINT 1</a:t>
-            </a:r>
-            <a:r>
-              <a:rPr lang="en-US" altLang="ko-KR" sz="2000" dirty="0">
+              <a:t>국회도서관 </a:t>
+            </a:r>
+            <a:r>
+              <a:rPr lang="en-US" altLang="ko-KR" b="1">
+                <a:solidFill>
+                  <a:schemeClr val="accent1">
+                    <a:lumMod val="50000"/>
+                  </a:schemeClr>
+                </a:solidFill>
                 <a:latin typeface="+mn-ea"/>
               </a:rPr>
-              <a:t>, </a:t>
-            </a:r>
-            <a:r>
-              <a:rPr lang="ko-KR" altLang="en-US" sz="2000" dirty="0">
+              <a:t>: 54</a:t>
+            </a:r>
+            <a:r>
+              <a:rPr lang="ko-KR" altLang="en-US" b="1">
+                <a:solidFill>
+                  <a:schemeClr val="accent1">
+                    <a:lumMod val="50000"/>
+                  </a:schemeClr>
+                </a:solidFill>
                 <a:latin typeface="+mn-ea"/>
               </a:rPr>
-              <a:t>부동산</a:t>
-            </a:r>
-            <a:r>
-              <a:rPr lang="en-US" altLang="ko-KR" sz="2000" dirty="0">
+              <a:t>억 </a:t>
+            </a:r>
+            <a:r>
+              <a:rPr lang="en-US" altLang="ko-KR" b="1">
+                <a:solidFill>
+                  <a:schemeClr val="accent1">
+                    <a:lumMod val="50000"/>
+                  </a:schemeClr>
+                </a:solidFill>
                 <a:latin typeface="+mn-ea"/>
               </a:rPr>
-              <a:t>(</a:t>
-            </a:r>
-            <a:r>
-              <a:rPr lang="ko-KR" altLang="en-US" sz="2000" dirty="0">
+              <a:t>/ 2</a:t>
+            </a:r>
+            <a:r>
+              <a:rPr lang="ko-KR" altLang="en-US" b="1">
+                <a:solidFill>
+                  <a:schemeClr val="accent1">
+                    <a:lumMod val="50000"/>
+                  </a:schemeClr>
+                </a:solidFill>
                 <a:latin typeface="+mn-ea"/>
               </a:rPr>
-              <a:t>건물</a:t>
-            </a:r>
-            <a:r>
-              <a:rPr lang="en-US" altLang="ko-KR" sz="2000" dirty="0">
-                <a:latin typeface="+mn-ea"/>
-              </a:rPr>
-              <a:t>, </a:t>
-            </a:r>
-            <a:r>
-              <a:rPr lang="ko-KR" altLang="en-US" sz="2000" dirty="0">
-                <a:latin typeface="+mn-ea"/>
-              </a:rPr>
-              <a:t>토지</a:t>
-            </a:r>
-            <a:r>
-              <a:rPr lang="en-US" altLang="ko-KR" sz="2000" dirty="0">
-                <a:latin typeface="+mn-ea"/>
-              </a:rPr>
-              <a:t>) | </a:t>
-            </a:r>
-            <a:r>
-              <a:rPr lang="ko-KR" altLang="en-US" sz="2000" dirty="0">
-                <a:latin typeface="+mn-ea"/>
-              </a:rPr>
-              <a:t>어느 지역에 편중되어 있는가 </a:t>
-            </a:r>
-            <a:r>
-              <a:rPr lang="en-US" altLang="ko-KR" sz="2000" dirty="0">
-                <a:latin typeface="+mn-ea"/>
-              </a:rPr>
-              <a:t>?</a:t>
-            </a:r>
+              <a:t>명</a:t>
+            </a:r>
+            <a:endParaRPr lang="en-US" altLang="ko-KR" b="1">
+              <a:solidFill>
+                <a:schemeClr val="accent1">
+                  <a:lumMod val="50000"/>
+                </a:schemeClr>
+              </a:solidFill>
+              <a:latin typeface="+mn-ea"/>
+            </a:endParaRPr>
           </a:p>
           <a:p>
-            <a:pPr>
-              <a:lnSpc>
-                <a:spcPct val="150000"/>
-              </a:lnSpc>
-            </a:pPr>
-            <a:r>
-              <a:rPr lang="en-US" altLang="ko-KR" sz="2000" b="1" dirty="0">
+            <a:r>
+              <a:rPr lang="ko-KR" altLang="en-US" b="1">
+                <a:solidFill>
+                  <a:schemeClr val="accent1">
+                    <a:lumMod val="50000"/>
+                  </a:schemeClr>
+                </a:solidFill>
                 <a:latin typeface="+mn-ea"/>
               </a:rPr>
-              <a:t>POINT 2</a:t>
-            </a:r>
-            <a:r>
-              <a:rPr lang="en-US" altLang="ko-KR" sz="2000" dirty="0">
+              <a:t>국회예산정책처 </a:t>
+            </a:r>
+            <a:r>
+              <a:rPr lang="en-US" altLang="ko-KR" b="1">
+                <a:solidFill>
+                  <a:schemeClr val="accent1">
+                    <a:lumMod val="50000"/>
+                  </a:schemeClr>
+                </a:solidFill>
                 <a:latin typeface="+mn-ea"/>
               </a:rPr>
-              <a:t>, </a:t>
-            </a:r>
-            <a:r>
-              <a:rPr lang="ko-KR" altLang="en-US" sz="2000" dirty="0">
+              <a:t>: 38</a:t>
+            </a:r>
+            <a:r>
+              <a:rPr lang="ko-KR" altLang="en-US" b="1">
+                <a:solidFill>
+                  <a:schemeClr val="accent1">
+                    <a:lumMod val="50000"/>
+                  </a:schemeClr>
+                </a:solidFill>
                 <a:latin typeface="+mn-ea"/>
               </a:rPr>
-              <a:t>증권 </a:t>
-            </a:r>
-            <a:r>
-              <a:rPr lang="en-US" altLang="ko-KR" sz="2000" dirty="0">
+              <a:t>억 </a:t>
+            </a:r>
+            <a:r>
+              <a:rPr lang="en-US" altLang="ko-KR" b="1">
+                <a:solidFill>
+                  <a:schemeClr val="accent1">
+                    <a:lumMod val="50000"/>
+                  </a:schemeClr>
+                </a:solidFill>
                 <a:latin typeface="+mn-ea"/>
               </a:rPr>
-              <a:t>| </a:t>
-            </a:r>
-            <a:r>
-              <a:rPr lang="ko-KR" altLang="en-US" sz="2000" dirty="0">
+              <a:t>/ 1</a:t>
+            </a:r>
+            <a:r>
+              <a:rPr lang="ko-KR" altLang="en-US" b="1">
+                <a:solidFill>
+                  <a:schemeClr val="accent1">
+                    <a:lumMod val="50000"/>
+                  </a:schemeClr>
+                </a:solidFill>
                 <a:latin typeface="+mn-ea"/>
               </a:rPr>
-              <a:t>어느 기업에 투자하고 있는가 </a:t>
-            </a:r>
-            <a:r>
-              <a:rPr lang="en-US" altLang="ko-KR" sz="2000" dirty="0">
+              <a:t>명</a:t>
+            </a:r>
+            <a:endParaRPr lang="en-US" altLang="ko-KR" b="1">
+              <a:solidFill>
+                <a:schemeClr val="accent1">
+                  <a:lumMod val="50000"/>
+                </a:schemeClr>
+              </a:solidFill>
+              <a:latin typeface="+mn-ea"/>
+            </a:endParaRPr>
+          </a:p>
+          <a:p>
+            <a:r>
+              <a:rPr lang="ko-KR" altLang="en-US" b="1">
+                <a:solidFill>
+                  <a:schemeClr val="accent1">
+                    <a:lumMod val="50000"/>
+                  </a:schemeClr>
+                </a:solidFill>
                 <a:latin typeface="+mn-ea"/>
               </a:rPr>
-              <a:t>?</a:t>
-            </a:r>
+              <a:t>국회입법조사처 </a:t>
+            </a:r>
+            <a:r>
+              <a:rPr lang="en-US" altLang="ko-KR" b="1">
+                <a:solidFill>
+                  <a:schemeClr val="accent1">
+                    <a:lumMod val="50000"/>
+                  </a:schemeClr>
+                </a:solidFill>
+                <a:latin typeface="+mn-ea"/>
+              </a:rPr>
+              <a:t>: 27</a:t>
+            </a:r>
+            <a:r>
+              <a:rPr lang="ko-KR" altLang="en-US" b="1">
+                <a:solidFill>
+                  <a:schemeClr val="accent1">
+                    <a:lumMod val="50000"/>
+                  </a:schemeClr>
+                </a:solidFill>
+                <a:latin typeface="+mn-ea"/>
+              </a:rPr>
+              <a:t>억 </a:t>
+            </a:r>
+            <a:r>
+              <a:rPr lang="en-US" altLang="ko-KR" b="1">
+                <a:solidFill>
+                  <a:schemeClr val="accent1">
+                    <a:lumMod val="50000"/>
+                  </a:schemeClr>
+                </a:solidFill>
+                <a:latin typeface="+mn-ea"/>
+              </a:rPr>
+              <a:t>/ 1</a:t>
+            </a:r>
+            <a:r>
+              <a:rPr lang="ko-KR" altLang="en-US" b="1">
+                <a:solidFill>
+                  <a:schemeClr val="accent1">
+                    <a:lumMod val="50000"/>
+                  </a:schemeClr>
+                </a:solidFill>
+                <a:latin typeface="+mn-ea"/>
+              </a:rPr>
+              <a:t>명</a:t>
+            </a:r>
+            <a:endParaRPr lang="en-US" altLang="ko-KR" b="1">
+              <a:solidFill>
+                <a:schemeClr val="accent1">
+                  <a:lumMod val="50000"/>
+                </a:schemeClr>
+              </a:solidFill>
+              <a:latin typeface="+mn-ea"/>
+            </a:endParaRPr>
           </a:p>
         </p:txBody>
       </p:sp>
     </p:spTree>
     <p:extLst>
       <p:ext uri="{BB962C8B-B14F-4D97-AF65-F5344CB8AC3E}">
-        <p14:creationId xmlns:p14="http://schemas.microsoft.com/office/powerpoint/2010/main" val="4097081395"/>
+        <p14:creationId xmlns:p14="http://schemas.microsoft.com/office/powerpoint/2010/main" val="2995499322"/>
       </p:ext>
     </p:extLst>
   </p:cSld>
@@ -20072,7 +22883,204 @@
 </p:sld>
 </file>
 
-<file path=ppt/slides/slide4.xml><?xml version="1.0" encoding="utf-8"?>
+<file path=ppt/slides/slide6.xml><?xml version="1.0" encoding="utf-8"?>
+<p:sld xmlns:a="http://schemas.openxmlformats.org/drawingml/2006/main" xmlns:r="http://schemas.openxmlformats.org/officeDocument/2006/relationships" xmlns:p="http://schemas.openxmlformats.org/presentationml/2006/main">
+  <p:cSld>
+    <p:spTree>
+      <p:nvGrpSpPr>
+        <p:cNvPr id="1" name=""/>
+        <p:cNvGrpSpPr/>
+        <p:nvPr/>
+      </p:nvGrpSpPr>
+      <p:grpSpPr>
+        <a:xfrm>
+          <a:off x="0" y="0"/>
+          <a:ext cx="0" cy="0"/>
+          <a:chOff x="0" y="0"/>
+          <a:chExt cx="0" cy="0"/>
+        </a:xfrm>
+      </p:grpSpPr>
+      <p:sp>
+        <p:nvSpPr>
+          <p:cNvPr id="4" name="TextBox 3">
+            <a:extLst>
+              <a:ext uri="{FF2B5EF4-FFF2-40B4-BE49-F238E27FC236}">
+                <a16:creationId xmlns:a16="http://schemas.microsoft.com/office/drawing/2014/main" id="{1519F4C3-EC09-487F-9DB9-4C37BD362FC8}"/>
+              </a:ext>
+            </a:extLst>
+          </p:cNvPr>
+          <p:cNvSpPr txBox="1"/>
+          <p:nvPr/>
+        </p:nvSpPr>
+        <p:spPr>
+          <a:xfrm>
+            <a:off x="992778" y="1758799"/>
+            <a:ext cx="1989647" cy="1384995"/>
+          </a:xfrm>
+          <a:prstGeom prst="rect">
+            <a:avLst/>
+          </a:prstGeom>
+          <a:solidFill>
+            <a:schemeClr val="bg1">
+              <a:lumMod val="85000"/>
+            </a:schemeClr>
+          </a:solidFill>
+        </p:spPr>
+        <p:txBody>
+          <a:bodyPr wrap="none" rtlCol="0">
+            <a:spAutoFit/>
+          </a:bodyPr>
+          <a:lstStyle/>
+          <a:p>
+            <a:r>
+              <a:rPr lang="en-US" altLang="ko-KR" sz="1200"/>
+              <a:t>Ranking Asset</a:t>
+            </a:r>
+          </a:p>
+          <a:p>
+            <a:endParaRPr lang="en-US" altLang="ko-KR" sz="1200"/>
+          </a:p>
+          <a:p>
+            <a:r>
+              <a:rPr lang="ko-KR" altLang="en-US" sz="1200"/>
+              <a:t>정당별 </a:t>
+            </a:r>
+            <a:r>
+              <a:rPr lang="en-US" altLang="ko-KR" sz="1200"/>
+              <a:t>Ranking</a:t>
+            </a:r>
+          </a:p>
+          <a:p>
+            <a:endParaRPr lang="en-US" altLang="ko-KR" sz="1200"/>
+          </a:p>
+          <a:p>
+            <a:r>
+              <a:rPr lang="ko-KR" altLang="en-US" sz="1200"/>
+              <a:t>재산별 </a:t>
+            </a:r>
+            <a:r>
+              <a:rPr lang="en-US" altLang="ko-KR" sz="1200"/>
+              <a:t>Ranking</a:t>
+            </a:r>
+          </a:p>
+          <a:p>
+            <a:endParaRPr lang="en-US" altLang="ko-KR" sz="1200"/>
+          </a:p>
+          <a:p>
+            <a:r>
+              <a:rPr lang="ko-KR" altLang="en-US" sz="1200"/>
+              <a:t>재산 증가 폭이 가장 큰 </a:t>
+            </a:r>
+            <a:r>
+              <a:rPr lang="en-US" altLang="ko-KR" sz="1200"/>
+              <a:t>….</a:t>
+            </a:r>
+            <a:endParaRPr lang="ko-KR" altLang="en-US" sz="1200"/>
+          </a:p>
+        </p:txBody>
+      </p:sp>
+      <p:sp>
+        <p:nvSpPr>
+          <p:cNvPr id="5" name="TextBox 4">
+            <a:extLst>
+              <a:ext uri="{FF2B5EF4-FFF2-40B4-BE49-F238E27FC236}">
+                <a16:creationId xmlns:a16="http://schemas.microsoft.com/office/drawing/2014/main" id="{E6345787-FEA7-9077-E0B1-D33446AF61E8}"/>
+              </a:ext>
+            </a:extLst>
+          </p:cNvPr>
+          <p:cNvSpPr txBox="1"/>
+          <p:nvPr/>
+        </p:nvSpPr>
+        <p:spPr>
+          <a:xfrm>
+            <a:off x="992778" y="3575707"/>
+            <a:ext cx="1989646" cy="276999"/>
+          </a:xfrm>
+          <a:prstGeom prst="rect">
+            <a:avLst/>
+          </a:prstGeom>
+          <a:solidFill>
+            <a:schemeClr val="bg1">
+              <a:lumMod val="85000"/>
+            </a:schemeClr>
+          </a:solidFill>
+        </p:spPr>
+        <p:txBody>
+          <a:bodyPr wrap="square" rtlCol="0">
+            <a:spAutoFit/>
+          </a:bodyPr>
+          <a:lstStyle/>
+          <a:p>
+            <a:r>
+              <a:rPr lang="ko-KR" altLang="en-US" sz="1200"/>
+              <a:t>개인별 </a:t>
+            </a:r>
+            <a:r>
+              <a:rPr lang="en-US" altLang="ko-KR" sz="1200"/>
+              <a:t>Asset </a:t>
+            </a:r>
+            <a:r>
+              <a:rPr lang="ko-KR" altLang="en-US" sz="1200"/>
+              <a:t>구성 비교</a:t>
+            </a:r>
+            <a:endParaRPr lang="en-US" altLang="ko-KR" sz="1200"/>
+          </a:p>
+        </p:txBody>
+      </p:sp>
+      <p:sp>
+        <p:nvSpPr>
+          <p:cNvPr id="6" name="TextBox 5">
+            <a:extLst>
+              <a:ext uri="{FF2B5EF4-FFF2-40B4-BE49-F238E27FC236}">
+                <a16:creationId xmlns:a16="http://schemas.microsoft.com/office/drawing/2014/main" id="{41C868EE-D1AB-3152-8AAD-CAA3822D2D64}"/>
+              </a:ext>
+            </a:extLst>
+          </p:cNvPr>
+          <p:cNvSpPr txBox="1"/>
+          <p:nvPr/>
+        </p:nvSpPr>
+        <p:spPr>
+          <a:xfrm>
+            <a:off x="618309" y="600892"/>
+            <a:ext cx="4310795" cy="369332"/>
+          </a:xfrm>
+          <a:prstGeom prst="rect">
+            <a:avLst/>
+          </a:prstGeom>
+          <a:noFill/>
+        </p:spPr>
+        <p:txBody>
+          <a:bodyPr wrap="none" rtlCol="0">
+            <a:spAutoFit/>
+          </a:bodyPr>
+          <a:lstStyle/>
+          <a:p>
+            <a:r>
+              <a:rPr lang="ko-KR" altLang="en-US"/>
+              <a:t>재산 분석의 유의미한 것들은 무엇일까</a:t>
+            </a:r>
+            <a:r>
+              <a:rPr lang="en-US" altLang="ko-KR"/>
+              <a:t>?</a:t>
+            </a:r>
+            <a:endParaRPr lang="ko-KR" altLang="en-US"/>
+          </a:p>
+        </p:txBody>
+      </p:sp>
+    </p:spTree>
+    <p:extLst>
+      <p:ext uri="{BB962C8B-B14F-4D97-AF65-F5344CB8AC3E}">
+        <p14:creationId xmlns:p14="http://schemas.microsoft.com/office/powerpoint/2010/main" val="3463567913"/>
+      </p:ext>
+    </p:extLst>
+  </p:cSld>
+  <p:clrMapOvr>
+    <a:masterClrMapping/>
+  </p:clrMapOvr>
+</p:sld>
+</file>
+
+<file path=ppt/slides/slide7.xml><?xml version="1.0" encoding="utf-8"?>
 <p:sld xmlns:a="http://schemas.openxmlformats.org/drawingml/2006/main" xmlns:r="http://schemas.openxmlformats.org/officeDocument/2006/relationships" xmlns:p="http://schemas.openxmlformats.org/presentationml/2006/main">
   <p:cSld>
     <p:spTree>
@@ -20656,7 +23664,7 @@
 </p:sld>
 </file>
 
-<file path=ppt/slides/slide5.xml><?xml version="1.0" encoding="utf-8"?>
+<file path=ppt/slides/slide8.xml><?xml version="1.0" encoding="utf-8"?>
 <p:sld xmlns:a="http://schemas.openxmlformats.org/drawingml/2006/main" xmlns:r="http://schemas.openxmlformats.org/officeDocument/2006/relationships" xmlns:p="http://schemas.openxmlformats.org/presentationml/2006/main">
   <p:cSld>
     <p:spTree>
@@ -21265,7 +24273,7 @@
 </p:sld>
 </file>
 
-<file path=ppt/slides/slide6.xml><?xml version="1.0" encoding="utf-8"?>
+<file path=ppt/slides/slide9.xml><?xml version="1.0" encoding="utf-8"?>
 <p:sld xmlns:a="http://schemas.openxmlformats.org/drawingml/2006/main" xmlns:r="http://schemas.openxmlformats.org/officeDocument/2006/relationships" xmlns:p="http://schemas.openxmlformats.org/presentationml/2006/main">
   <p:cSld>
     <p:spTree>
@@ -21316,602 +24324,6 @@
     <p:extLst>
       <p:ext uri="{BB962C8B-B14F-4D97-AF65-F5344CB8AC3E}">
         <p14:creationId xmlns:p14="http://schemas.microsoft.com/office/powerpoint/2010/main" val="1977216084"/>
-      </p:ext>
-    </p:extLst>
-  </p:cSld>
-  <p:clrMapOvr>
-    <a:masterClrMapping/>
-  </p:clrMapOvr>
-</p:sld>
-</file>
-
-<file path=ppt/slides/slide7.xml><?xml version="1.0" encoding="utf-8"?>
-<p:sld xmlns:a="http://schemas.openxmlformats.org/drawingml/2006/main" xmlns:r="http://schemas.openxmlformats.org/officeDocument/2006/relationships" xmlns:p="http://schemas.openxmlformats.org/presentationml/2006/main">
-  <p:cSld>
-    <p:spTree>
-      <p:nvGrpSpPr>
-        <p:cNvPr id="1" name=""/>
-        <p:cNvGrpSpPr/>
-        <p:nvPr/>
-      </p:nvGrpSpPr>
-      <p:grpSpPr>
-        <a:xfrm>
-          <a:off x="0" y="0"/>
-          <a:ext cx="0" cy="0"/>
-          <a:chOff x="0" y="0"/>
-          <a:chExt cx="0" cy="0"/>
-        </a:xfrm>
-      </p:grpSpPr>
-      <p:pic>
-        <p:nvPicPr>
-          <p:cNvPr id="2" name="그림 1">
-            <a:extLst>
-              <a:ext uri="{FF2B5EF4-FFF2-40B4-BE49-F238E27FC236}">
-                <a16:creationId xmlns:a16="http://schemas.microsoft.com/office/drawing/2014/main" id="{42F546B9-D5D3-4A47-BC51-6F876FBED2CA}"/>
-              </a:ext>
-            </a:extLst>
-          </p:cNvPr>
-          <p:cNvPicPr>
-            <a:picLocks noChangeAspect="1"/>
-          </p:cNvPicPr>
-          <p:nvPr/>
-        </p:nvPicPr>
-        <p:blipFill>
-          <a:blip r:embed="rId2"/>
-          <a:stretch>
-            <a:fillRect/>
-          </a:stretch>
-        </p:blipFill>
-        <p:spPr>
-          <a:xfrm>
-            <a:off x="206725" y="189009"/>
-            <a:ext cx="5254078" cy="6331837"/>
-          </a:xfrm>
-          <a:prstGeom prst="rect">
-            <a:avLst/>
-          </a:prstGeom>
-        </p:spPr>
-      </p:pic>
-      <p:sp>
-        <p:nvSpPr>
-          <p:cNvPr id="3" name="직사각형 2">
-            <a:extLst>
-              <a:ext uri="{FF2B5EF4-FFF2-40B4-BE49-F238E27FC236}">
-                <a16:creationId xmlns:a16="http://schemas.microsoft.com/office/drawing/2014/main" id="{402E5CA7-C493-48DB-B6D5-072C52C16AD0}"/>
-              </a:ext>
-            </a:extLst>
-          </p:cNvPr>
-          <p:cNvSpPr/>
-          <p:nvPr/>
-        </p:nvSpPr>
-        <p:spPr>
-          <a:xfrm>
-            <a:off x="206725" y="6545880"/>
-            <a:ext cx="2779928" cy="246221"/>
-          </a:xfrm>
-          <a:prstGeom prst="rect">
-            <a:avLst/>
-          </a:prstGeom>
-        </p:spPr>
-        <p:txBody>
-          <a:bodyPr wrap="none">
-            <a:spAutoFit/>
-          </a:bodyPr>
-          <a:lstStyle/>
-          <a:p>
-            <a:r>
-              <a:rPr lang="ko-KR" altLang="en-US" sz="1000" dirty="0"/>
-              <a:t>https://docs.openwatch.kr/data/local-council</a:t>
-            </a:r>
-          </a:p>
-        </p:txBody>
-      </p:sp>
-    </p:spTree>
-    <p:extLst>
-      <p:ext uri="{BB962C8B-B14F-4D97-AF65-F5344CB8AC3E}">
-        <p14:creationId xmlns:p14="http://schemas.microsoft.com/office/powerpoint/2010/main" val="1930803498"/>
-      </p:ext>
-    </p:extLst>
-  </p:cSld>
-  <p:clrMapOvr>
-    <a:masterClrMapping/>
-  </p:clrMapOvr>
-</p:sld>
-</file>
-
-<file path=ppt/slides/slide8.xml><?xml version="1.0" encoding="utf-8"?>
-<p:sld xmlns:a="http://schemas.openxmlformats.org/drawingml/2006/main" xmlns:r="http://schemas.openxmlformats.org/officeDocument/2006/relationships" xmlns:p="http://schemas.openxmlformats.org/presentationml/2006/main">
-  <p:cSld>
-    <p:spTree>
-      <p:nvGrpSpPr>
-        <p:cNvPr id="1" name=""/>
-        <p:cNvGrpSpPr/>
-        <p:nvPr/>
-      </p:nvGrpSpPr>
-      <p:grpSpPr>
-        <a:xfrm>
-          <a:off x="0" y="0"/>
-          <a:ext cx="0" cy="0"/>
-          <a:chOff x="0" y="0"/>
-          <a:chExt cx="0" cy="0"/>
-        </a:xfrm>
-      </p:grpSpPr>
-      <p:sp>
-        <p:nvSpPr>
-          <p:cNvPr id="2" name="직사각형 1">
-            <a:extLst>
-              <a:ext uri="{FF2B5EF4-FFF2-40B4-BE49-F238E27FC236}">
-                <a16:creationId xmlns:a16="http://schemas.microsoft.com/office/drawing/2014/main" id="{CE4DB563-BF41-43E5-8AD6-C07D080ECE05}"/>
-              </a:ext>
-            </a:extLst>
-          </p:cNvPr>
-          <p:cNvSpPr/>
-          <p:nvPr/>
-        </p:nvSpPr>
-        <p:spPr>
-          <a:xfrm>
-            <a:off x="508000" y="340489"/>
-            <a:ext cx="6096000" cy="2862322"/>
-          </a:xfrm>
-          <a:prstGeom prst="rect">
-            <a:avLst/>
-          </a:prstGeom>
-        </p:spPr>
-        <p:txBody>
-          <a:bodyPr>
-            <a:spAutoFit/>
-          </a:bodyPr>
-          <a:lstStyle/>
-          <a:p>
-            <a:r>
-              <a:rPr lang="ko-KR" altLang="en-US" b="1" dirty="0">
-                <a:solidFill>
-                  <a:srgbClr val="3B454E"/>
-                </a:solidFill>
-                <a:latin typeface="gitbook-content-font"/>
-                <a:ea typeface="Malgun Gothic" panose="020B0503020000020004" pitchFamily="50" charset="-127"/>
-              </a:rPr>
-              <a:t>국회의원 </a:t>
-            </a:r>
-            <a:r>
-              <a:rPr lang="en-US" altLang="ko-KR" b="1" dirty="0">
-                <a:solidFill>
-                  <a:srgbClr val="3B454E"/>
-                </a:solidFill>
-                <a:latin typeface="gitbook-content-font"/>
-                <a:ea typeface="Malgun Gothic" panose="020B0503020000020004" pitchFamily="50" charset="-127"/>
-              </a:rPr>
-              <a:t>(national assembly)</a:t>
-            </a:r>
-          </a:p>
-          <a:p>
-            <a:r>
-              <a:rPr lang="ko-KR" altLang="en-US" dirty="0">
-                <a:solidFill>
-                  <a:srgbClr val="8899A8"/>
-                </a:solidFill>
-                <a:latin typeface="gitbook-content-font"/>
-                <a:ea typeface="Malgun Gothic" panose="020B0503020000020004" pitchFamily="50" charset="-127"/>
-              </a:rPr>
-              <a:t>국가의 법률을 만드는 국회의원의 재산 신고 내역과 표결 현황 등 데이터</a:t>
-            </a:r>
-          </a:p>
-          <a:p>
-            <a:r>
-              <a:rPr lang="ko-KR" altLang="en-US" dirty="0">
-                <a:solidFill>
-                  <a:srgbClr val="3B454E"/>
-                </a:solidFill>
-                <a:latin typeface="gitbook-content-font"/>
-                <a:ea typeface="Malgun Gothic" panose="020B0503020000020004" pitchFamily="50" charset="-127"/>
-              </a:rPr>
-              <a:t>대한민국 국회의원은 국민의 대표로서 법률을 만들고</a:t>
-            </a:r>
-            <a:r>
-              <a:rPr lang="en-US" altLang="ko-KR" dirty="0">
-                <a:solidFill>
-                  <a:srgbClr val="3B454E"/>
-                </a:solidFill>
-                <a:latin typeface="gitbook-content-font"/>
-                <a:ea typeface="Malgun Gothic" panose="020B0503020000020004" pitchFamily="50" charset="-127"/>
-              </a:rPr>
-              <a:t>, </a:t>
-            </a:r>
-            <a:r>
-              <a:rPr lang="ko-KR" altLang="en-US" dirty="0">
-                <a:solidFill>
-                  <a:srgbClr val="3B454E"/>
-                </a:solidFill>
-                <a:latin typeface="gitbook-content-font"/>
-                <a:ea typeface="Malgun Gothic" panose="020B0503020000020004" pitchFamily="50" charset="-127"/>
-              </a:rPr>
-              <a:t>예산을 심의하고</a:t>
-            </a:r>
-            <a:r>
-              <a:rPr lang="en-US" altLang="ko-KR" dirty="0">
-                <a:solidFill>
-                  <a:srgbClr val="3B454E"/>
-                </a:solidFill>
-                <a:latin typeface="gitbook-content-font"/>
-                <a:ea typeface="Malgun Gothic" panose="020B0503020000020004" pitchFamily="50" charset="-127"/>
-              </a:rPr>
-              <a:t>, </a:t>
-            </a:r>
-            <a:r>
-              <a:rPr lang="ko-KR" altLang="en-US" dirty="0">
-                <a:solidFill>
-                  <a:srgbClr val="3B454E"/>
-                </a:solidFill>
-                <a:latin typeface="gitbook-content-font"/>
-                <a:ea typeface="Malgun Gothic" panose="020B0503020000020004" pitchFamily="50" charset="-127"/>
-              </a:rPr>
-              <a:t>행정부 등의 국정 운영을 감시하는 역할을 맡습니다</a:t>
-            </a:r>
-            <a:r>
-              <a:rPr lang="en-US" altLang="ko-KR" dirty="0">
-                <a:solidFill>
-                  <a:srgbClr val="3B454E"/>
-                </a:solidFill>
-                <a:latin typeface="gitbook-content-font"/>
-                <a:ea typeface="Malgun Gothic" panose="020B0503020000020004" pitchFamily="50" charset="-127"/>
-              </a:rPr>
-              <a:t>. </a:t>
-            </a:r>
-            <a:r>
-              <a:rPr lang="ko-KR" altLang="en-US" dirty="0" err="1">
-                <a:solidFill>
-                  <a:srgbClr val="3B454E"/>
-                </a:solidFill>
-                <a:latin typeface="gitbook-content-font"/>
-                <a:ea typeface="Malgun Gothic" panose="020B0503020000020004" pitchFamily="50" charset="-127"/>
-              </a:rPr>
-              <a:t>우리는국회의원</a:t>
-            </a:r>
-            <a:r>
-              <a:rPr lang="ko-KR" altLang="en-US" dirty="0">
-                <a:solidFill>
-                  <a:srgbClr val="3B454E"/>
-                </a:solidFill>
-                <a:latin typeface="gitbook-content-font"/>
-                <a:ea typeface="Malgun Gothic" panose="020B0503020000020004" pitchFamily="50" charset="-127"/>
-              </a:rPr>
-              <a:t> 총선거를 통해 </a:t>
-            </a:r>
-            <a:r>
-              <a:rPr lang="en-US" altLang="ko-KR" dirty="0">
-                <a:solidFill>
-                  <a:srgbClr val="3B454E"/>
-                </a:solidFill>
-                <a:latin typeface="gitbook-content-font"/>
-                <a:ea typeface="Malgun Gothic" panose="020B0503020000020004" pitchFamily="50" charset="-127"/>
-              </a:rPr>
-              <a:t>4</a:t>
-            </a:r>
-            <a:r>
-              <a:rPr lang="ko-KR" altLang="en-US" dirty="0">
-                <a:solidFill>
-                  <a:srgbClr val="3B454E"/>
-                </a:solidFill>
-                <a:latin typeface="gitbook-content-font"/>
-                <a:ea typeface="Malgun Gothic" panose="020B0503020000020004" pitchFamily="50" charset="-127"/>
-              </a:rPr>
-              <a:t>년에 한번씩 국회의원을 선출합니다</a:t>
-            </a:r>
-            <a:r>
-              <a:rPr lang="en-US" altLang="ko-KR" dirty="0">
-                <a:solidFill>
-                  <a:srgbClr val="3B454E"/>
-                </a:solidFill>
-                <a:latin typeface="gitbook-content-font"/>
-                <a:ea typeface="Malgun Gothic" panose="020B0503020000020004" pitchFamily="50" charset="-127"/>
-              </a:rPr>
-              <a:t>.</a:t>
-            </a:r>
-          </a:p>
-          <a:p>
-            <a:r>
-              <a:rPr lang="en-US" altLang="ko-KR" dirty="0">
-                <a:solidFill>
-                  <a:srgbClr val="3B454E"/>
-                </a:solidFill>
-                <a:latin typeface="gitbook-content-font"/>
-                <a:ea typeface="Malgun Gothic" panose="020B0503020000020004" pitchFamily="50" charset="-127"/>
-              </a:rPr>
-              <a:t>2023</a:t>
-            </a:r>
-            <a:r>
-              <a:rPr lang="ko-KR" altLang="en-US" dirty="0" err="1">
-                <a:solidFill>
-                  <a:srgbClr val="3B454E"/>
-                </a:solidFill>
-                <a:latin typeface="gitbook-content-font"/>
-                <a:ea typeface="Malgun Gothic" panose="020B0503020000020004" pitchFamily="50" charset="-127"/>
-              </a:rPr>
-              <a:t>년현재</a:t>
-            </a:r>
-            <a:r>
-              <a:rPr lang="ko-KR" altLang="en-US" dirty="0">
-                <a:solidFill>
-                  <a:srgbClr val="3B454E"/>
-                </a:solidFill>
-                <a:latin typeface="gitbook-content-font"/>
-                <a:ea typeface="Malgun Gothic" panose="020B0503020000020004" pitchFamily="50" charset="-127"/>
-              </a:rPr>
-              <a:t> 국회의원의 정원은 총</a:t>
-            </a:r>
-            <a:r>
-              <a:rPr lang="en-US" altLang="ko-KR" dirty="0">
-                <a:solidFill>
-                  <a:srgbClr val="3B454E"/>
-                </a:solidFill>
-                <a:latin typeface="gitbook-content-font"/>
-                <a:ea typeface="Malgun Gothic" panose="020B0503020000020004" pitchFamily="50" charset="-127"/>
-              </a:rPr>
-              <a:t>300</a:t>
-            </a:r>
-            <a:r>
-              <a:rPr lang="ko-KR" altLang="en-US" dirty="0">
-                <a:solidFill>
-                  <a:srgbClr val="3B454E"/>
-                </a:solidFill>
-                <a:latin typeface="gitbook-content-font"/>
-                <a:ea typeface="Malgun Gothic" panose="020B0503020000020004" pitchFamily="50" charset="-127"/>
-              </a:rPr>
-              <a:t>인이며</a:t>
-            </a:r>
-            <a:r>
-              <a:rPr lang="en-US" altLang="ko-KR" dirty="0">
-                <a:solidFill>
-                  <a:srgbClr val="3B454E"/>
-                </a:solidFill>
-                <a:latin typeface="gitbook-content-font"/>
-                <a:ea typeface="Malgun Gothic" panose="020B0503020000020004" pitchFamily="50" charset="-127"/>
-              </a:rPr>
-              <a:t>, </a:t>
-            </a:r>
-            <a:r>
-              <a:rPr lang="ko-KR" altLang="en-US" dirty="0">
-                <a:solidFill>
-                  <a:srgbClr val="346DDB"/>
-                </a:solidFill>
-                <a:latin typeface="gitbook-content-font"/>
-                <a:ea typeface="Malgun Gothic" panose="020B0503020000020004" pitchFamily="50" charset="-127"/>
-                <a:hlinkClick r:id="rId2"/>
-              </a:rPr>
-              <a:t>지역구</a:t>
-            </a:r>
-            <a:r>
-              <a:rPr lang="ko-KR" altLang="en-US" dirty="0">
-                <a:solidFill>
-                  <a:srgbClr val="3B454E"/>
-                </a:solidFill>
-                <a:latin typeface="gitbook-content-font"/>
-                <a:ea typeface="Malgun Gothic" panose="020B0503020000020004" pitchFamily="50" charset="-127"/>
-              </a:rPr>
-              <a:t> </a:t>
-            </a:r>
-            <a:r>
-              <a:rPr lang="en-US" altLang="ko-KR" dirty="0">
-                <a:solidFill>
-                  <a:srgbClr val="3B454E"/>
-                </a:solidFill>
-                <a:latin typeface="gitbook-content-font"/>
-                <a:ea typeface="Malgun Gothic" panose="020B0503020000020004" pitchFamily="50" charset="-127"/>
-              </a:rPr>
-              <a:t>253</a:t>
-            </a:r>
-            <a:r>
-              <a:rPr lang="ko-KR" altLang="en-US" dirty="0">
-                <a:solidFill>
-                  <a:srgbClr val="3B454E"/>
-                </a:solidFill>
-                <a:latin typeface="gitbook-content-font"/>
-                <a:ea typeface="Malgun Gothic" panose="020B0503020000020004" pitchFamily="50" charset="-127"/>
-              </a:rPr>
-              <a:t>인과 </a:t>
-            </a:r>
-            <a:r>
-              <a:rPr lang="ko-KR" altLang="en-US" dirty="0">
-                <a:solidFill>
-                  <a:srgbClr val="346DDB"/>
-                </a:solidFill>
-                <a:latin typeface="gitbook-content-font"/>
-                <a:ea typeface="Malgun Gothic" panose="020B0503020000020004" pitchFamily="50" charset="-127"/>
-                <a:hlinkClick r:id="rId3"/>
-              </a:rPr>
-              <a:t>비례대표</a:t>
-            </a:r>
-            <a:r>
-              <a:rPr lang="ko-KR" altLang="en-US" dirty="0">
-                <a:solidFill>
-                  <a:srgbClr val="3B454E"/>
-                </a:solidFill>
-                <a:latin typeface="gitbook-content-font"/>
-                <a:ea typeface="Malgun Gothic" panose="020B0503020000020004" pitchFamily="50" charset="-127"/>
-              </a:rPr>
-              <a:t> </a:t>
-            </a:r>
-            <a:r>
-              <a:rPr lang="en-US" altLang="ko-KR" dirty="0">
-                <a:solidFill>
-                  <a:srgbClr val="3B454E"/>
-                </a:solidFill>
-                <a:latin typeface="gitbook-content-font"/>
-                <a:ea typeface="Malgun Gothic" panose="020B0503020000020004" pitchFamily="50" charset="-127"/>
-              </a:rPr>
-              <a:t>47</a:t>
-            </a:r>
-            <a:r>
-              <a:rPr lang="ko-KR" altLang="en-US" dirty="0">
-                <a:solidFill>
-                  <a:srgbClr val="3B454E"/>
-                </a:solidFill>
-                <a:latin typeface="gitbook-content-font"/>
-                <a:ea typeface="Malgun Gothic" panose="020B0503020000020004" pitchFamily="50" charset="-127"/>
-              </a:rPr>
-              <a:t>인으로 구성됩니다</a:t>
-            </a:r>
-            <a:r>
-              <a:rPr lang="en-US" altLang="ko-KR" dirty="0">
-                <a:solidFill>
-                  <a:srgbClr val="3B454E"/>
-                </a:solidFill>
-                <a:latin typeface="gitbook-content-font"/>
-                <a:ea typeface="Malgun Gothic" panose="020B0503020000020004" pitchFamily="50" charset="-127"/>
-              </a:rPr>
-              <a:t>.(</a:t>
-            </a:r>
-            <a:r>
-              <a:rPr lang="ko-KR" altLang="en-US" dirty="0">
-                <a:solidFill>
-                  <a:srgbClr val="346DDB"/>
-                </a:solidFill>
-                <a:latin typeface="gitbook-content-font"/>
-                <a:ea typeface="Malgun Gothic" panose="020B0503020000020004" pitchFamily="50" charset="-127"/>
-                <a:hlinkClick r:id="rId4"/>
-              </a:rPr>
-              <a:t>공직선거법</a:t>
-            </a:r>
-            <a:r>
-              <a:rPr lang="ko-KR" altLang="en-US" dirty="0">
-                <a:solidFill>
-                  <a:srgbClr val="3B454E"/>
-                </a:solidFill>
-                <a:latin typeface="gitbook-content-font"/>
-                <a:ea typeface="Malgun Gothic" panose="020B0503020000020004" pitchFamily="50" charset="-127"/>
-              </a:rPr>
-              <a:t> 제</a:t>
-            </a:r>
-            <a:r>
-              <a:rPr lang="en-US" altLang="ko-KR" dirty="0">
-                <a:solidFill>
-                  <a:srgbClr val="3B454E"/>
-                </a:solidFill>
-                <a:latin typeface="gitbook-content-font"/>
-                <a:ea typeface="Malgun Gothic" panose="020B0503020000020004" pitchFamily="50" charset="-127"/>
-              </a:rPr>
-              <a:t>21</a:t>
-            </a:r>
-            <a:r>
-              <a:rPr lang="ko-KR" altLang="en-US" dirty="0">
-                <a:solidFill>
-                  <a:srgbClr val="3B454E"/>
-                </a:solidFill>
-                <a:latin typeface="gitbook-content-font"/>
-                <a:ea typeface="Malgun Gothic" panose="020B0503020000020004" pitchFamily="50" charset="-127"/>
-              </a:rPr>
-              <a:t>조 제</a:t>
-            </a:r>
-            <a:r>
-              <a:rPr lang="en-US" altLang="ko-KR" dirty="0">
-                <a:solidFill>
-                  <a:srgbClr val="3B454E"/>
-                </a:solidFill>
-                <a:latin typeface="gitbook-content-font"/>
-                <a:ea typeface="Malgun Gothic" panose="020B0503020000020004" pitchFamily="50" charset="-127"/>
-              </a:rPr>
-              <a:t>1</a:t>
-            </a:r>
-            <a:r>
-              <a:rPr lang="ko-KR" altLang="en-US" dirty="0">
-                <a:solidFill>
-                  <a:srgbClr val="3B454E"/>
-                </a:solidFill>
-                <a:latin typeface="gitbook-content-font"/>
-                <a:ea typeface="Malgun Gothic" panose="020B0503020000020004" pitchFamily="50" charset="-127"/>
-              </a:rPr>
-              <a:t>항</a:t>
-            </a:r>
-            <a:r>
-              <a:rPr lang="en-US" altLang="ko-KR" dirty="0">
-                <a:solidFill>
-                  <a:srgbClr val="3B454E"/>
-                </a:solidFill>
-                <a:latin typeface="gitbook-content-font"/>
-                <a:ea typeface="Malgun Gothic" panose="020B0503020000020004" pitchFamily="50" charset="-127"/>
-              </a:rPr>
-              <a:t>) </a:t>
-            </a:r>
-            <a:endParaRPr lang="en-US" altLang="ko-KR" b="0" i="0" u="none" strike="noStrike" dirty="0">
-              <a:solidFill>
-                <a:srgbClr val="3B454E"/>
-              </a:solidFill>
-              <a:effectLst/>
-              <a:latin typeface="gitbook-content-font"/>
-              <a:ea typeface="Malgun Gothic" panose="020B0503020000020004" pitchFamily="50" charset="-127"/>
-            </a:endParaRPr>
-          </a:p>
-        </p:txBody>
-      </p:sp>
-    </p:spTree>
-    <p:extLst>
-      <p:ext uri="{BB962C8B-B14F-4D97-AF65-F5344CB8AC3E}">
-        <p14:creationId xmlns:p14="http://schemas.microsoft.com/office/powerpoint/2010/main" val="414282374"/>
-      </p:ext>
-    </p:extLst>
-  </p:cSld>
-  <p:clrMapOvr>
-    <a:masterClrMapping/>
-  </p:clrMapOvr>
-</p:sld>
-</file>
-
-<file path=ppt/slides/slide9.xml><?xml version="1.0" encoding="utf-8"?>
-<p:sld xmlns:a="http://schemas.openxmlformats.org/drawingml/2006/main" xmlns:r="http://schemas.openxmlformats.org/officeDocument/2006/relationships" xmlns:p="http://schemas.openxmlformats.org/presentationml/2006/main">
-  <p:cSld>
-    <p:spTree>
-      <p:nvGrpSpPr>
-        <p:cNvPr id="1" name=""/>
-        <p:cNvGrpSpPr/>
-        <p:nvPr/>
-      </p:nvGrpSpPr>
-      <p:grpSpPr>
-        <a:xfrm>
-          <a:off x="0" y="0"/>
-          <a:ext cx="0" cy="0"/>
-          <a:chOff x="0" y="0"/>
-          <a:chExt cx="0" cy="0"/>
-        </a:xfrm>
-      </p:grpSpPr>
-      <p:sp>
-        <p:nvSpPr>
-          <p:cNvPr id="2" name="TextBox 1">
-            <a:extLst>
-              <a:ext uri="{FF2B5EF4-FFF2-40B4-BE49-F238E27FC236}">
-                <a16:creationId xmlns:a16="http://schemas.microsoft.com/office/drawing/2014/main" id="{4734FB3A-B017-49B0-80B4-8BDDDAA70193}"/>
-              </a:ext>
-            </a:extLst>
-          </p:cNvPr>
-          <p:cNvSpPr txBox="1"/>
-          <p:nvPr/>
-        </p:nvSpPr>
-        <p:spPr>
-          <a:xfrm>
-            <a:off x="723900" y="1187450"/>
-            <a:ext cx="1338828" cy="369332"/>
-          </a:xfrm>
-          <a:prstGeom prst="rect">
-            <a:avLst/>
-          </a:prstGeom>
-          <a:noFill/>
-        </p:spPr>
-        <p:txBody>
-          <a:bodyPr wrap="none" rtlCol="0">
-            <a:spAutoFit/>
-          </a:bodyPr>
-          <a:lstStyle/>
-          <a:p>
-            <a:r>
-              <a:rPr lang="ko-KR" altLang="en-US" dirty="0"/>
-              <a:t>고위공직자</a:t>
-            </a:r>
-          </a:p>
-        </p:txBody>
-      </p:sp>
-    </p:spTree>
-    <p:extLst>
-      <p:ext uri="{BB962C8B-B14F-4D97-AF65-F5344CB8AC3E}">
-        <p14:creationId xmlns:p14="http://schemas.microsoft.com/office/powerpoint/2010/main" val="576854005"/>
       </p:ext>
     </p:extLst>
   </p:cSld>
